--- a/Documentacion/EDT.pptx
+++ b/Documentacion/EDT.pptx
@@ -932,6 +932,753 @@
 </dgm:colorsDef>
 </file>
 
+<file path=ppt/diagrams/colors2.xml><?xml version="1.0" encoding="utf-8"?>
+<dgm:colorsDef xmlns:dgm="http://schemas.openxmlformats.org/drawingml/2006/diagram" xmlns:a="http://schemas.openxmlformats.org/drawingml/2006/main" uniqueId="urn:microsoft.com/office/officeart/2005/8/colors/accent1_2">
+  <dgm:title val=""/>
+  <dgm:desc val=""/>
+  <dgm:catLst>
+    <dgm:cat type="accent1" pri="11200"/>
+  </dgm:catLst>
+  <dgm:styleLbl name="node0">
+    <dgm:fillClrLst meth="repeat">
+      <a:schemeClr val="accent1"/>
+    </dgm:fillClrLst>
+    <dgm:linClrLst meth="repeat">
+      <a:schemeClr val="lt1"/>
+    </dgm:linClrLst>
+    <dgm:effectClrLst/>
+    <dgm:txLinClrLst/>
+    <dgm:txFillClrLst/>
+    <dgm:txEffectClrLst/>
+  </dgm:styleLbl>
+  <dgm:styleLbl name="alignNode1">
+    <dgm:fillClrLst meth="repeat">
+      <a:schemeClr val="accent1"/>
+    </dgm:fillClrLst>
+    <dgm:linClrLst meth="repeat">
+      <a:schemeClr val="accent1"/>
+    </dgm:linClrLst>
+    <dgm:effectClrLst/>
+    <dgm:txLinClrLst/>
+    <dgm:txFillClrLst/>
+    <dgm:txEffectClrLst/>
+  </dgm:styleLbl>
+  <dgm:styleLbl name="node1">
+    <dgm:fillClrLst meth="repeat">
+      <a:schemeClr val="accent1"/>
+    </dgm:fillClrLst>
+    <dgm:linClrLst meth="repeat">
+      <a:schemeClr val="lt1"/>
+    </dgm:linClrLst>
+    <dgm:effectClrLst/>
+    <dgm:txLinClrLst/>
+    <dgm:txFillClrLst/>
+    <dgm:txEffectClrLst/>
+  </dgm:styleLbl>
+  <dgm:styleLbl name="lnNode1">
+    <dgm:fillClrLst meth="repeat">
+      <a:schemeClr val="accent1"/>
+    </dgm:fillClrLst>
+    <dgm:linClrLst meth="repeat">
+      <a:schemeClr val="lt1"/>
+    </dgm:linClrLst>
+    <dgm:effectClrLst/>
+    <dgm:txLinClrLst/>
+    <dgm:txFillClrLst/>
+    <dgm:txEffectClrLst/>
+  </dgm:styleLbl>
+  <dgm:styleLbl name="vennNode1">
+    <dgm:fillClrLst meth="repeat">
+      <a:schemeClr val="accent1">
+        <a:alpha val="50000"/>
+      </a:schemeClr>
+    </dgm:fillClrLst>
+    <dgm:linClrLst meth="repeat">
+      <a:schemeClr val="lt1"/>
+    </dgm:linClrLst>
+    <dgm:effectClrLst/>
+    <dgm:txLinClrLst/>
+    <dgm:txFillClrLst/>
+    <dgm:txEffectClrLst/>
+  </dgm:styleLbl>
+  <dgm:styleLbl name="node2">
+    <dgm:fillClrLst meth="repeat">
+      <a:schemeClr val="accent1"/>
+    </dgm:fillClrLst>
+    <dgm:linClrLst meth="repeat">
+      <a:schemeClr val="lt1"/>
+    </dgm:linClrLst>
+    <dgm:effectClrLst/>
+    <dgm:txLinClrLst/>
+    <dgm:txFillClrLst/>
+    <dgm:txEffectClrLst/>
+  </dgm:styleLbl>
+  <dgm:styleLbl name="node3">
+    <dgm:fillClrLst meth="repeat">
+      <a:schemeClr val="accent1"/>
+    </dgm:fillClrLst>
+    <dgm:linClrLst meth="repeat">
+      <a:schemeClr val="lt1"/>
+    </dgm:linClrLst>
+    <dgm:effectClrLst/>
+    <dgm:txLinClrLst/>
+    <dgm:txFillClrLst/>
+    <dgm:txEffectClrLst/>
+  </dgm:styleLbl>
+  <dgm:styleLbl name="node4">
+    <dgm:fillClrLst meth="repeat">
+      <a:schemeClr val="accent1"/>
+    </dgm:fillClrLst>
+    <dgm:linClrLst meth="repeat">
+      <a:schemeClr val="lt1"/>
+    </dgm:linClrLst>
+    <dgm:effectClrLst/>
+    <dgm:txLinClrLst/>
+    <dgm:txFillClrLst/>
+    <dgm:txEffectClrLst/>
+  </dgm:styleLbl>
+  <dgm:styleLbl name="fgImgPlace1">
+    <dgm:fillClrLst meth="repeat">
+      <a:schemeClr val="accent1">
+        <a:tint val="50000"/>
+      </a:schemeClr>
+    </dgm:fillClrLst>
+    <dgm:linClrLst meth="repeat">
+      <a:schemeClr val="lt1"/>
+    </dgm:linClrLst>
+    <dgm:effectClrLst/>
+    <dgm:txLinClrLst/>
+    <dgm:txFillClrLst meth="repeat">
+      <a:schemeClr val="lt1"/>
+    </dgm:txFillClrLst>
+    <dgm:txEffectClrLst/>
+  </dgm:styleLbl>
+  <dgm:styleLbl name="alignImgPlace1">
+    <dgm:fillClrLst meth="repeat">
+      <a:schemeClr val="accent1">
+        <a:tint val="50000"/>
+      </a:schemeClr>
+    </dgm:fillClrLst>
+    <dgm:linClrLst meth="repeat">
+      <a:schemeClr val="lt1"/>
+    </dgm:linClrLst>
+    <dgm:effectClrLst/>
+    <dgm:txLinClrLst/>
+    <dgm:txFillClrLst meth="repeat">
+      <a:schemeClr val="lt1"/>
+    </dgm:txFillClrLst>
+    <dgm:txEffectClrLst/>
+  </dgm:styleLbl>
+  <dgm:styleLbl name="bgImgPlace1">
+    <dgm:fillClrLst meth="repeat">
+      <a:schemeClr val="accent1">
+        <a:tint val="50000"/>
+      </a:schemeClr>
+    </dgm:fillClrLst>
+    <dgm:linClrLst meth="repeat">
+      <a:schemeClr val="lt1"/>
+    </dgm:linClrLst>
+    <dgm:effectClrLst/>
+    <dgm:txLinClrLst/>
+    <dgm:txFillClrLst meth="repeat">
+      <a:schemeClr val="lt1"/>
+    </dgm:txFillClrLst>
+    <dgm:txEffectClrLst/>
+  </dgm:styleLbl>
+  <dgm:styleLbl name="sibTrans2D1">
+    <dgm:fillClrLst meth="repeat">
+      <a:schemeClr val="accent1">
+        <a:tint val="60000"/>
+      </a:schemeClr>
+    </dgm:fillClrLst>
+    <dgm:linClrLst meth="repeat">
+      <a:schemeClr val="accent1">
+        <a:tint val="60000"/>
+      </a:schemeClr>
+    </dgm:linClrLst>
+    <dgm:effectClrLst/>
+    <dgm:txLinClrLst/>
+    <dgm:txFillClrLst/>
+    <dgm:txEffectClrLst/>
+  </dgm:styleLbl>
+  <dgm:styleLbl name="fgSibTrans2D1">
+    <dgm:fillClrLst meth="repeat">
+      <a:schemeClr val="accent1">
+        <a:tint val="60000"/>
+      </a:schemeClr>
+    </dgm:fillClrLst>
+    <dgm:linClrLst meth="repeat">
+      <a:schemeClr val="accent1">
+        <a:tint val="60000"/>
+      </a:schemeClr>
+    </dgm:linClrLst>
+    <dgm:effectClrLst/>
+    <dgm:txLinClrLst/>
+    <dgm:txFillClrLst/>
+    <dgm:txEffectClrLst/>
+  </dgm:styleLbl>
+  <dgm:styleLbl name="bgSibTrans2D1">
+    <dgm:fillClrLst meth="repeat">
+      <a:schemeClr val="accent1">
+        <a:tint val="60000"/>
+      </a:schemeClr>
+    </dgm:fillClrLst>
+    <dgm:linClrLst meth="repeat">
+      <a:schemeClr val="accent1">
+        <a:tint val="60000"/>
+      </a:schemeClr>
+    </dgm:linClrLst>
+    <dgm:effectClrLst/>
+    <dgm:txLinClrLst/>
+    <dgm:txFillClrLst/>
+    <dgm:txEffectClrLst/>
+  </dgm:styleLbl>
+  <dgm:styleLbl name="sibTrans1D1">
+    <dgm:fillClrLst meth="repeat">
+      <a:schemeClr val="accent1"/>
+    </dgm:fillClrLst>
+    <dgm:linClrLst meth="repeat">
+      <a:schemeClr val="accent1"/>
+    </dgm:linClrLst>
+    <dgm:effectClrLst/>
+    <dgm:txLinClrLst/>
+    <dgm:txFillClrLst meth="repeat">
+      <a:schemeClr val="tx1"/>
+    </dgm:txFillClrLst>
+    <dgm:txEffectClrLst/>
+  </dgm:styleLbl>
+  <dgm:styleLbl name="callout">
+    <dgm:fillClrLst meth="repeat">
+      <a:schemeClr val="accent1"/>
+    </dgm:fillClrLst>
+    <dgm:linClrLst meth="repeat">
+      <a:schemeClr val="accent1">
+        <a:tint val="50000"/>
+      </a:schemeClr>
+    </dgm:linClrLst>
+    <dgm:effectClrLst/>
+    <dgm:txLinClrLst/>
+    <dgm:txFillClrLst meth="repeat">
+      <a:schemeClr val="tx1"/>
+    </dgm:txFillClrLst>
+    <dgm:txEffectClrLst/>
+  </dgm:styleLbl>
+  <dgm:styleLbl name="asst0">
+    <dgm:fillClrLst meth="repeat">
+      <a:schemeClr val="accent1"/>
+    </dgm:fillClrLst>
+    <dgm:linClrLst meth="repeat">
+      <a:schemeClr val="lt1"/>
+    </dgm:linClrLst>
+    <dgm:effectClrLst/>
+    <dgm:txLinClrLst/>
+    <dgm:txFillClrLst/>
+    <dgm:txEffectClrLst/>
+  </dgm:styleLbl>
+  <dgm:styleLbl name="asst1">
+    <dgm:fillClrLst meth="repeat">
+      <a:schemeClr val="accent1"/>
+    </dgm:fillClrLst>
+    <dgm:linClrLst meth="repeat">
+      <a:schemeClr val="lt1"/>
+    </dgm:linClrLst>
+    <dgm:effectClrLst/>
+    <dgm:txLinClrLst/>
+    <dgm:txFillClrLst/>
+    <dgm:txEffectClrLst/>
+  </dgm:styleLbl>
+  <dgm:styleLbl name="asst2">
+    <dgm:fillClrLst meth="repeat">
+      <a:schemeClr val="accent1"/>
+    </dgm:fillClrLst>
+    <dgm:linClrLst meth="repeat">
+      <a:schemeClr val="lt1"/>
+    </dgm:linClrLst>
+    <dgm:effectClrLst/>
+    <dgm:txLinClrLst/>
+    <dgm:txFillClrLst/>
+    <dgm:txEffectClrLst/>
+  </dgm:styleLbl>
+  <dgm:styleLbl name="asst3">
+    <dgm:fillClrLst meth="repeat">
+      <a:schemeClr val="accent1"/>
+    </dgm:fillClrLst>
+    <dgm:linClrLst meth="repeat">
+      <a:schemeClr val="lt1"/>
+    </dgm:linClrLst>
+    <dgm:effectClrLst/>
+    <dgm:txLinClrLst/>
+    <dgm:txFillClrLst/>
+    <dgm:txEffectClrLst/>
+  </dgm:styleLbl>
+  <dgm:styleLbl name="asst4">
+    <dgm:fillClrLst meth="repeat">
+      <a:schemeClr val="accent1"/>
+    </dgm:fillClrLst>
+    <dgm:linClrLst meth="repeat">
+      <a:schemeClr val="lt1"/>
+    </dgm:linClrLst>
+    <dgm:effectClrLst/>
+    <dgm:txLinClrLst/>
+    <dgm:txFillClrLst/>
+    <dgm:txEffectClrLst/>
+  </dgm:styleLbl>
+  <dgm:styleLbl name="parChTrans2D1">
+    <dgm:fillClrLst meth="repeat">
+      <a:schemeClr val="accent1">
+        <a:tint val="60000"/>
+      </a:schemeClr>
+    </dgm:fillClrLst>
+    <dgm:linClrLst meth="repeat">
+      <a:schemeClr val="accent1">
+        <a:tint val="60000"/>
+      </a:schemeClr>
+    </dgm:linClrLst>
+    <dgm:effectClrLst/>
+    <dgm:txLinClrLst/>
+    <dgm:txFillClrLst meth="repeat">
+      <a:schemeClr val="lt1"/>
+    </dgm:txFillClrLst>
+    <dgm:txEffectClrLst/>
+  </dgm:styleLbl>
+  <dgm:styleLbl name="parChTrans2D2">
+    <dgm:fillClrLst meth="repeat">
+      <a:schemeClr val="accent1"/>
+    </dgm:fillClrLst>
+    <dgm:linClrLst meth="repeat">
+      <a:schemeClr val="accent1"/>
+    </dgm:linClrLst>
+    <dgm:effectClrLst/>
+    <dgm:txLinClrLst/>
+    <dgm:txFillClrLst meth="repeat">
+      <a:schemeClr val="lt1"/>
+    </dgm:txFillClrLst>
+    <dgm:txEffectClrLst/>
+  </dgm:styleLbl>
+  <dgm:styleLbl name="parChTrans2D3">
+    <dgm:fillClrLst meth="repeat">
+      <a:schemeClr val="accent1"/>
+    </dgm:fillClrLst>
+    <dgm:linClrLst meth="repeat">
+      <a:schemeClr val="accent1"/>
+    </dgm:linClrLst>
+    <dgm:effectClrLst/>
+    <dgm:txLinClrLst/>
+    <dgm:txFillClrLst meth="repeat">
+      <a:schemeClr val="lt1"/>
+    </dgm:txFillClrLst>
+    <dgm:txEffectClrLst/>
+  </dgm:styleLbl>
+  <dgm:styleLbl name="parChTrans2D4">
+    <dgm:fillClrLst meth="repeat">
+      <a:schemeClr val="accent1"/>
+    </dgm:fillClrLst>
+    <dgm:linClrLst meth="repeat">
+      <a:schemeClr val="accent1"/>
+    </dgm:linClrLst>
+    <dgm:effectClrLst/>
+    <dgm:txLinClrLst/>
+    <dgm:txFillClrLst meth="repeat">
+      <a:schemeClr val="lt1"/>
+    </dgm:txFillClrLst>
+    <dgm:txEffectClrLst/>
+  </dgm:styleLbl>
+  <dgm:styleLbl name="parChTrans1D1">
+    <dgm:fillClrLst meth="repeat">
+      <a:schemeClr val="accent1"/>
+    </dgm:fillClrLst>
+    <dgm:linClrLst meth="repeat">
+      <a:schemeClr val="accent1">
+        <a:shade val="60000"/>
+      </a:schemeClr>
+    </dgm:linClrLst>
+    <dgm:effectClrLst/>
+    <dgm:txLinClrLst/>
+    <dgm:txFillClrLst meth="repeat">
+      <a:schemeClr val="tx1"/>
+    </dgm:txFillClrLst>
+    <dgm:txEffectClrLst/>
+  </dgm:styleLbl>
+  <dgm:styleLbl name="parChTrans1D2">
+    <dgm:fillClrLst meth="repeat">
+      <a:schemeClr val="accent1"/>
+    </dgm:fillClrLst>
+    <dgm:linClrLst meth="repeat">
+      <a:schemeClr val="accent1">
+        <a:shade val="60000"/>
+      </a:schemeClr>
+    </dgm:linClrLst>
+    <dgm:effectClrLst/>
+    <dgm:txLinClrLst/>
+    <dgm:txFillClrLst meth="repeat">
+      <a:schemeClr val="tx1"/>
+    </dgm:txFillClrLst>
+    <dgm:txEffectClrLst/>
+  </dgm:styleLbl>
+  <dgm:styleLbl name="parChTrans1D3">
+    <dgm:fillClrLst meth="repeat">
+      <a:schemeClr val="accent1"/>
+    </dgm:fillClrLst>
+    <dgm:linClrLst meth="repeat">
+      <a:schemeClr val="accent1">
+        <a:shade val="80000"/>
+      </a:schemeClr>
+    </dgm:linClrLst>
+    <dgm:effectClrLst/>
+    <dgm:txLinClrLst/>
+    <dgm:txFillClrLst meth="repeat">
+      <a:schemeClr val="tx1"/>
+    </dgm:txFillClrLst>
+    <dgm:txEffectClrLst/>
+  </dgm:styleLbl>
+  <dgm:styleLbl name="parChTrans1D4">
+    <dgm:fillClrLst meth="repeat">
+      <a:schemeClr val="accent1"/>
+    </dgm:fillClrLst>
+    <dgm:linClrLst meth="repeat">
+      <a:schemeClr val="accent1">
+        <a:shade val="80000"/>
+      </a:schemeClr>
+    </dgm:linClrLst>
+    <dgm:effectClrLst/>
+    <dgm:txLinClrLst/>
+    <dgm:txFillClrLst meth="repeat">
+      <a:schemeClr val="tx1"/>
+    </dgm:txFillClrLst>
+    <dgm:txEffectClrLst/>
+  </dgm:styleLbl>
+  <dgm:styleLbl name="fgAcc1">
+    <dgm:fillClrLst meth="repeat">
+      <a:schemeClr val="lt1">
+        <a:alpha val="90000"/>
+      </a:schemeClr>
+    </dgm:fillClrLst>
+    <dgm:linClrLst meth="repeat">
+      <a:schemeClr val="accent1"/>
+    </dgm:linClrLst>
+    <dgm:effectClrLst/>
+    <dgm:txLinClrLst/>
+    <dgm:txFillClrLst meth="repeat">
+      <a:schemeClr val="dk1"/>
+    </dgm:txFillClrLst>
+    <dgm:txEffectClrLst/>
+  </dgm:styleLbl>
+  <dgm:styleLbl name="conFgAcc1">
+    <dgm:fillClrLst meth="repeat">
+      <a:schemeClr val="lt1">
+        <a:alpha val="90000"/>
+      </a:schemeClr>
+    </dgm:fillClrLst>
+    <dgm:linClrLst meth="repeat">
+      <a:schemeClr val="accent1"/>
+    </dgm:linClrLst>
+    <dgm:effectClrLst/>
+    <dgm:txLinClrLst/>
+    <dgm:txFillClrLst meth="repeat">
+      <a:schemeClr val="dk1"/>
+    </dgm:txFillClrLst>
+    <dgm:txEffectClrLst/>
+  </dgm:styleLbl>
+  <dgm:styleLbl name="alignAcc1">
+    <dgm:fillClrLst meth="repeat">
+      <a:schemeClr val="lt1">
+        <a:alpha val="90000"/>
+      </a:schemeClr>
+    </dgm:fillClrLst>
+    <dgm:linClrLst meth="repeat">
+      <a:schemeClr val="accent1"/>
+    </dgm:linClrLst>
+    <dgm:effectClrLst/>
+    <dgm:txLinClrLst/>
+    <dgm:txFillClrLst meth="repeat">
+      <a:schemeClr val="dk1"/>
+    </dgm:txFillClrLst>
+    <dgm:txEffectClrLst/>
+  </dgm:styleLbl>
+  <dgm:styleLbl name="trAlignAcc1">
+    <dgm:fillClrLst meth="repeat">
+      <a:schemeClr val="lt1">
+        <a:alpha val="40000"/>
+      </a:schemeClr>
+    </dgm:fillClrLst>
+    <dgm:linClrLst meth="repeat">
+      <a:schemeClr val="accent1"/>
+    </dgm:linClrLst>
+    <dgm:effectClrLst/>
+    <dgm:txLinClrLst/>
+    <dgm:txFillClrLst meth="repeat">
+      <a:schemeClr val="dk1"/>
+    </dgm:txFillClrLst>
+    <dgm:txEffectClrLst/>
+  </dgm:styleLbl>
+  <dgm:styleLbl name="bgAcc1">
+    <dgm:fillClrLst meth="repeat">
+      <a:schemeClr val="lt1">
+        <a:alpha val="90000"/>
+      </a:schemeClr>
+    </dgm:fillClrLst>
+    <dgm:linClrLst meth="repeat">
+      <a:schemeClr val="accent1"/>
+    </dgm:linClrLst>
+    <dgm:effectClrLst/>
+    <dgm:txLinClrLst/>
+    <dgm:txFillClrLst meth="repeat">
+      <a:schemeClr val="dk1"/>
+    </dgm:txFillClrLst>
+    <dgm:txEffectClrLst/>
+  </dgm:styleLbl>
+  <dgm:styleLbl name="solidFgAcc1">
+    <dgm:fillClrLst meth="repeat">
+      <a:schemeClr val="lt1"/>
+    </dgm:fillClrLst>
+    <dgm:linClrLst meth="repeat">
+      <a:schemeClr val="accent1"/>
+    </dgm:linClrLst>
+    <dgm:effectClrLst/>
+    <dgm:txLinClrLst/>
+    <dgm:txFillClrLst meth="repeat">
+      <a:schemeClr val="dk1"/>
+    </dgm:txFillClrLst>
+    <dgm:txEffectClrLst/>
+  </dgm:styleLbl>
+  <dgm:styleLbl name="solidAlignAcc1">
+    <dgm:fillClrLst meth="repeat">
+      <a:schemeClr val="lt1"/>
+    </dgm:fillClrLst>
+    <dgm:linClrLst meth="repeat">
+      <a:schemeClr val="accent1"/>
+    </dgm:linClrLst>
+    <dgm:effectClrLst/>
+    <dgm:txLinClrLst/>
+    <dgm:txFillClrLst meth="repeat">
+      <a:schemeClr val="dk1"/>
+    </dgm:txFillClrLst>
+    <dgm:txEffectClrLst/>
+  </dgm:styleLbl>
+  <dgm:styleLbl name="solidBgAcc1">
+    <dgm:fillClrLst meth="repeat">
+      <a:schemeClr val="lt1"/>
+    </dgm:fillClrLst>
+    <dgm:linClrLst meth="repeat">
+      <a:schemeClr val="accent1"/>
+    </dgm:linClrLst>
+    <dgm:effectClrLst/>
+    <dgm:txLinClrLst/>
+    <dgm:txFillClrLst meth="repeat">
+      <a:schemeClr val="dk1"/>
+    </dgm:txFillClrLst>
+    <dgm:txEffectClrLst/>
+  </dgm:styleLbl>
+  <dgm:styleLbl name="fgAccFollowNode1">
+    <dgm:fillClrLst meth="repeat">
+      <a:schemeClr val="accent1">
+        <a:alpha val="90000"/>
+        <a:tint val="40000"/>
+      </a:schemeClr>
+    </dgm:fillClrLst>
+    <dgm:linClrLst meth="repeat">
+      <a:schemeClr val="accent1">
+        <a:alpha val="90000"/>
+        <a:tint val="40000"/>
+      </a:schemeClr>
+    </dgm:linClrLst>
+    <dgm:effectClrLst/>
+    <dgm:txLinClrLst/>
+    <dgm:txFillClrLst meth="repeat">
+      <a:schemeClr val="dk1"/>
+    </dgm:txFillClrLst>
+    <dgm:txEffectClrLst/>
+  </dgm:styleLbl>
+  <dgm:styleLbl name="alignAccFollowNode1">
+    <dgm:fillClrLst meth="repeat">
+      <a:schemeClr val="accent1">
+        <a:alpha val="90000"/>
+        <a:tint val="40000"/>
+      </a:schemeClr>
+    </dgm:fillClrLst>
+    <dgm:linClrLst meth="repeat">
+      <a:schemeClr val="accent1">
+        <a:alpha val="90000"/>
+        <a:tint val="40000"/>
+      </a:schemeClr>
+    </dgm:linClrLst>
+    <dgm:effectClrLst/>
+    <dgm:txLinClrLst/>
+    <dgm:txFillClrLst meth="repeat">
+      <a:schemeClr val="dk1"/>
+    </dgm:txFillClrLst>
+    <dgm:txEffectClrLst/>
+  </dgm:styleLbl>
+  <dgm:styleLbl name="bgAccFollowNode1">
+    <dgm:fillClrLst meth="repeat">
+      <a:schemeClr val="accent1">
+        <a:alpha val="90000"/>
+        <a:tint val="40000"/>
+      </a:schemeClr>
+    </dgm:fillClrLst>
+    <dgm:linClrLst meth="repeat">
+      <a:schemeClr val="accent1">
+        <a:alpha val="90000"/>
+        <a:tint val="40000"/>
+      </a:schemeClr>
+    </dgm:linClrLst>
+    <dgm:effectClrLst/>
+    <dgm:txLinClrLst/>
+    <dgm:txFillClrLst meth="repeat">
+      <a:schemeClr val="dk1"/>
+    </dgm:txFillClrLst>
+    <dgm:txEffectClrLst/>
+  </dgm:styleLbl>
+  <dgm:styleLbl name="fgAcc0">
+    <dgm:fillClrLst meth="repeat">
+      <a:schemeClr val="lt1">
+        <a:alpha val="90000"/>
+      </a:schemeClr>
+    </dgm:fillClrLst>
+    <dgm:linClrLst meth="repeat">
+      <a:schemeClr val="accent1"/>
+    </dgm:linClrLst>
+    <dgm:effectClrLst/>
+    <dgm:txLinClrLst/>
+    <dgm:txFillClrLst meth="repeat">
+      <a:schemeClr val="dk1"/>
+    </dgm:txFillClrLst>
+    <dgm:txEffectClrLst/>
+  </dgm:styleLbl>
+  <dgm:styleLbl name="fgAcc2">
+    <dgm:fillClrLst meth="repeat">
+      <a:schemeClr val="lt1">
+        <a:alpha val="90000"/>
+      </a:schemeClr>
+    </dgm:fillClrLst>
+    <dgm:linClrLst meth="repeat">
+      <a:schemeClr val="accent1"/>
+    </dgm:linClrLst>
+    <dgm:effectClrLst/>
+    <dgm:txLinClrLst/>
+    <dgm:txFillClrLst meth="repeat">
+      <a:schemeClr val="dk1"/>
+    </dgm:txFillClrLst>
+    <dgm:txEffectClrLst/>
+  </dgm:styleLbl>
+  <dgm:styleLbl name="fgAcc3">
+    <dgm:fillClrLst meth="repeat">
+      <a:schemeClr val="lt1">
+        <a:alpha val="90000"/>
+      </a:schemeClr>
+    </dgm:fillClrLst>
+    <dgm:linClrLst meth="repeat">
+      <a:schemeClr val="accent1"/>
+    </dgm:linClrLst>
+    <dgm:effectClrLst/>
+    <dgm:txLinClrLst/>
+    <dgm:txFillClrLst meth="repeat">
+      <a:schemeClr val="dk1"/>
+    </dgm:txFillClrLst>
+    <dgm:txEffectClrLst/>
+  </dgm:styleLbl>
+  <dgm:styleLbl name="fgAcc4">
+    <dgm:fillClrLst meth="repeat">
+      <a:schemeClr val="lt1">
+        <a:alpha val="90000"/>
+      </a:schemeClr>
+    </dgm:fillClrLst>
+    <dgm:linClrLst meth="repeat">
+      <a:schemeClr val="accent1"/>
+    </dgm:linClrLst>
+    <dgm:effectClrLst/>
+    <dgm:txLinClrLst/>
+    <dgm:txFillClrLst meth="repeat">
+      <a:schemeClr val="dk1"/>
+    </dgm:txFillClrLst>
+    <dgm:txEffectClrLst/>
+  </dgm:styleLbl>
+  <dgm:styleLbl name="bgShp">
+    <dgm:fillClrLst meth="repeat">
+      <a:schemeClr val="accent1">
+        <a:tint val="40000"/>
+      </a:schemeClr>
+    </dgm:fillClrLst>
+    <dgm:linClrLst meth="repeat">
+      <a:schemeClr val="accent1"/>
+    </dgm:linClrLst>
+    <dgm:effectClrLst/>
+    <dgm:txLinClrLst/>
+    <dgm:txFillClrLst meth="repeat">
+      <a:schemeClr val="dk1"/>
+    </dgm:txFillClrLst>
+    <dgm:txEffectClrLst/>
+  </dgm:styleLbl>
+  <dgm:styleLbl name="dkBgShp">
+    <dgm:fillClrLst meth="repeat">
+      <a:schemeClr val="accent1">
+        <a:shade val="80000"/>
+      </a:schemeClr>
+    </dgm:fillClrLst>
+    <dgm:linClrLst meth="repeat">
+      <a:schemeClr val="accent1"/>
+    </dgm:linClrLst>
+    <dgm:effectClrLst/>
+    <dgm:txLinClrLst/>
+    <dgm:txFillClrLst meth="repeat">
+      <a:schemeClr val="lt1"/>
+    </dgm:txFillClrLst>
+    <dgm:txEffectClrLst/>
+  </dgm:styleLbl>
+  <dgm:styleLbl name="trBgShp">
+    <dgm:fillClrLst meth="repeat">
+      <a:schemeClr val="accent1">
+        <a:tint val="50000"/>
+        <a:alpha val="40000"/>
+      </a:schemeClr>
+    </dgm:fillClrLst>
+    <dgm:linClrLst meth="repeat">
+      <a:schemeClr val="accent1"/>
+    </dgm:linClrLst>
+    <dgm:effectClrLst/>
+    <dgm:txLinClrLst/>
+    <dgm:txFillClrLst meth="repeat">
+      <a:schemeClr val="lt1"/>
+    </dgm:txFillClrLst>
+    <dgm:txEffectClrLst/>
+  </dgm:styleLbl>
+  <dgm:styleLbl name="fgShp">
+    <dgm:fillClrLst meth="repeat">
+      <a:schemeClr val="accent1">
+        <a:tint val="60000"/>
+      </a:schemeClr>
+    </dgm:fillClrLst>
+    <dgm:linClrLst meth="repeat">
+      <a:schemeClr val="lt1"/>
+    </dgm:linClrLst>
+    <dgm:effectClrLst/>
+    <dgm:txLinClrLst/>
+    <dgm:txFillClrLst meth="repeat">
+      <a:schemeClr val="dk1"/>
+    </dgm:txFillClrLst>
+    <dgm:txEffectClrLst/>
+  </dgm:styleLbl>
+  <dgm:styleLbl name="revTx">
+    <dgm:fillClrLst meth="repeat">
+      <a:schemeClr val="lt1">
+        <a:alpha val="0"/>
+      </a:schemeClr>
+    </dgm:fillClrLst>
+    <dgm:linClrLst meth="repeat">
+      <a:schemeClr val="dk1">
+        <a:alpha val="0"/>
+      </a:schemeClr>
+    </dgm:linClrLst>
+    <dgm:effectClrLst/>
+    <dgm:txLinClrLst/>
+    <dgm:txFillClrLst meth="repeat">
+      <a:schemeClr val="tx1"/>
+    </dgm:txFillClrLst>
+    <dgm:txEffectClrLst/>
+  </dgm:styleLbl>
+</dgm:colorsDef>
+</file>
+
 <file path=ppt/diagrams/data1.xml><?xml version="1.0" encoding="utf-8"?>
 <dgm:dataModel xmlns:dgm="http://schemas.openxmlformats.org/drawingml/2006/diagram" xmlns:a="http://schemas.openxmlformats.org/drawingml/2006/main">
   <dgm:ptLst>
@@ -4213,8 +4960,8 @@
     <dgm:cxn modelId="{B7520437-53E5-4AE8-B276-5EE50D9C3182}" type="presOf" srcId="{EFD96D2E-D8DD-43C9-AE02-056674437ACE}" destId="{12C63A95-07B1-4169-B07E-D174306DB2D2}" srcOrd="0" destOrd="0" presId="urn:microsoft.com/office/officeart/2005/8/layout/orgChart1"/>
     <dgm:cxn modelId="{B52C2C3A-55A6-436C-A72B-22E790ACDEB2}" type="presOf" srcId="{BE00C4BD-76A4-46F4-A814-3EDF89142AB2}" destId="{F24798F6-59CC-4933-9B00-9FC9B92FD0D4}" srcOrd="1" destOrd="0" presId="urn:microsoft.com/office/officeart/2005/8/layout/orgChart1"/>
     <dgm:cxn modelId="{F4D58E68-50EE-4FBA-95D0-F23236B28EF5}" type="presOf" srcId="{876C0A9C-DE15-411B-A57F-BF7D5FF2FE26}" destId="{950A9D42-7967-443C-BE02-A265FC2AB478}" srcOrd="1" destOrd="0" presId="urn:microsoft.com/office/officeart/2005/8/layout/orgChart1"/>
+    <dgm:cxn modelId="{E5C511B1-295D-449C-A923-916DE5112A38}" type="presOf" srcId="{0D175B8C-702C-4D4F-BBBC-A2AD08C9FFDA}" destId="{D8E78890-69E7-4D82-8EF0-94B76E66DE46}" srcOrd="0" destOrd="0" presId="urn:microsoft.com/office/officeart/2005/8/layout/orgChart1"/>
     <dgm:cxn modelId="{D956537B-04C9-45F9-970F-3727FC5B97EF}" type="presOf" srcId="{5A314E7B-474F-4E7A-9A93-260A46969949}" destId="{380D308D-F120-4E38-8634-3C6D8254BC7F}" srcOrd="0" destOrd="0" presId="urn:microsoft.com/office/officeart/2005/8/layout/orgChart1"/>
-    <dgm:cxn modelId="{E5C511B1-295D-449C-A923-916DE5112A38}" type="presOf" srcId="{0D175B8C-702C-4D4F-BBBC-A2AD08C9FFDA}" destId="{D8E78890-69E7-4D82-8EF0-94B76E66DE46}" srcOrd="0" destOrd="0" presId="urn:microsoft.com/office/officeart/2005/8/layout/orgChart1"/>
     <dgm:cxn modelId="{707B290F-AC55-4FAE-AB10-2FFE5A4481D5}" type="presOf" srcId="{63920EFD-C076-4EA7-8A8F-75B0F1937E19}" destId="{AEAC1E96-148E-4419-983F-717BB3615B2A}" srcOrd="0" destOrd="0" presId="urn:microsoft.com/office/officeart/2005/8/layout/orgChart1"/>
     <dgm:cxn modelId="{20D49B02-A862-402C-8B4F-03B124170476}" type="presOf" srcId="{7B11E13B-F80D-4F7A-A09B-4C27A6FCB079}" destId="{CC944D1C-027A-43C5-A188-04DFFE338205}" srcOrd="1" destOrd="0" presId="urn:microsoft.com/office/officeart/2005/8/layout/orgChart1"/>
     <dgm:cxn modelId="{31D694F1-0E05-42B4-BC27-FFBDAD8C2BB4}" type="presOf" srcId="{D425BF13-D76C-4B0C-BC99-C8C3B345F827}" destId="{31B7778F-4707-472F-866A-AF09BFC2B0E7}" srcOrd="0" destOrd="0" presId="urn:microsoft.com/office/officeart/2005/8/layout/orgChart1"/>
@@ -4625,6 +5372,1535 @@
 </dgm:dataModel>
 </file>
 
+<file path=ppt/diagrams/data2.xml><?xml version="1.0" encoding="utf-8"?>
+<dgm:dataModel xmlns:dgm="http://schemas.openxmlformats.org/drawingml/2006/diagram" xmlns:a="http://schemas.openxmlformats.org/drawingml/2006/main">
+  <dgm:ptLst>
+    <dgm:pt modelId="{BB543EDB-5FFA-43ED-B522-E3EAF2D74EF7}" type="doc">
+      <dgm:prSet loTypeId="urn:microsoft.com/office/officeart/2005/8/layout/orgChart1" loCatId="hierarchy" qsTypeId="urn:microsoft.com/office/officeart/2005/8/quickstyle/simple1" qsCatId="simple" csTypeId="urn:microsoft.com/office/officeart/2005/8/colors/accent1_2" csCatId="accent1" phldr="1"/>
+      <dgm:spPr/>
+      <dgm:t>
+        <a:bodyPr/>
+        <a:lstStyle/>
+        <a:p>
+          <a:endParaRPr lang="es-ES"/>
+        </a:p>
+      </dgm:t>
+    </dgm:pt>
+    <dgm:pt modelId="{920ECE68-C7A2-44D9-A98F-F616118DDB9E}">
+      <dgm:prSet phldrT="[Texto]"/>
+      <dgm:spPr/>
+      <dgm:t>
+        <a:bodyPr/>
+        <a:lstStyle/>
+        <a:p>
+          <a:r>
+            <a:rPr lang="es-ES" dirty="0"/>
+            <a:t>1. Diagrama de Riesgos</a:t>
+          </a:r>
+        </a:p>
+      </dgm:t>
+    </dgm:pt>
+    <dgm:pt modelId="{C174D769-F720-4D2F-9F0F-BF129CFFF338}" type="parTrans" cxnId="{87C24D69-12D7-4DCC-9E6D-E0E728A58D9B}">
+      <dgm:prSet/>
+      <dgm:spPr/>
+      <dgm:t>
+        <a:bodyPr/>
+        <a:lstStyle/>
+        <a:p>
+          <a:endParaRPr lang="es-ES"/>
+        </a:p>
+      </dgm:t>
+    </dgm:pt>
+    <dgm:pt modelId="{66B38C8D-2EBB-4473-9F7B-3AB52D02A259}" type="sibTrans" cxnId="{87C24D69-12D7-4DCC-9E6D-E0E728A58D9B}">
+      <dgm:prSet/>
+      <dgm:spPr/>
+      <dgm:t>
+        <a:bodyPr/>
+        <a:lstStyle/>
+        <a:p>
+          <a:endParaRPr lang="es-ES"/>
+        </a:p>
+      </dgm:t>
+    </dgm:pt>
+    <dgm:pt modelId="{6B3219F3-566A-43B5-A507-0D138483720D}">
+      <dgm:prSet phldrT="[Texto]"/>
+      <dgm:spPr/>
+      <dgm:t>
+        <a:bodyPr/>
+        <a:lstStyle/>
+        <a:p>
+          <a:r>
+            <a:rPr lang="es-ES" dirty="0"/>
+            <a:t>1.1 Planificación</a:t>
+          </a:r>
+        </a:p>
+      </dgm:t>
+    </dgm:pt>
+    <dgm:pt modelId="{BB08B0A4-D80B-4424-AE16-D5E97955DE1C}" type="parTrans" cxnId="{CA98BF6D-2AD5-468D-8310-39E1281823D3}">
+      <dgm:prSet/>
+      <dgm:spPr/>
+      <dgm:t>
+        <a:bodyPr/>
+        <a:lstStyle/>
+        <a:p>
+          <a:endParaRPr lang="es-ES"/>
+        </a:p>
+      </dgm:t>
+    </dgm:pt>
+    <dgm:pt modelId="{86C49E3B-9D58-4407-BB41-88F5EEFABBFC}" type="sibTrans" cxnId="{CA98BF6D-2AD5-468D-8310-39E1281823D3}">
+      <dgm:prSet/>
+      <dgm:spPr/>
+      <dgm:t>
+        <a:bodyPr/>
+        <a:lstStyle/>
+        <a:p>
+          <a:endParaRPr lang="es-ES"/>
+        </a:p>
+      </dgm:t>
+    </dgm:pt>
+    <dgm:pt modelId="{60B926A6-FDE1-4156-AE1C-7C4393936FC4}">
+      <dgm:prSet phldrT="[Texto]"/>
+      <dgm:spPr/>
+      <dgm:t>
+        <a:bodyPr/>
+        <a:lstStyle/>
+        <a:p>
+          <a:r>
+            <a:rPr lang="es-ES" dirty="0"/>
+            <a:t>1.2 Ejecución</a:t>
+          </a:r>
+        </a:p>
+      </dgm:t>
+    </dgm:pt>
+    <dgm:pt modelId="{B1EA6C51-8D0C-4E2A-97F1-B363A9EA3C0D}" type="parTrans" cxnId="{A1190B3C-369B-424B-92E4-613A6B3F2E30}">
+      <dgm:prSet/>
+      <dgm:spPr/>
+      <dgm:t>
+        <a:bodyPr/>
+        <a:lstStyle/>
+        <a:p>
+          <a:endParaRPr lang="es-ES"/>
+        </a:p>
+      </dgm:t>
+    </dgm:pt>
+    <dgm:pt modelId="{5DA1FE6B-280E-49BF-972A-BB9B3F844BBB}" type="sibTrans" cxnId="{A1190B3C-369B-424B-92E4-613A6B3F2E30}">
+      <dgm:prSet/>
+      <dgm:spPr/>
+      <dgm:t>
+        <a:bodyPr/>
+        <a:lstStyle/>
+        <a:p>
+          <a:endParaRPr lang="es-ES"/>
+        </a:p>
+      </dgm:t>
+    </dgm:pt>
+    <dgm:pt modelId="{5D77451D-A8CD-433D-9881-FE0B4D94E47F}">
+      <dgm:prSet phldrT="[Texto]"/>
+      <dgm:spPr/>
+      <dgm:t>
+        <a:bodyPr/>
+        <a:lstStyle/>
+        <a:p>
+          <a:r>
+            <a:rPr lang="es-ES" dirty="0"/>
+            <a:t>1.4 Implementación</a:t>
+          </a:r>
+        </a:p>
+      </dgm:t>
+    </dgm:pt>
+    <dgm:pt modelId="{14C09F7A-D118-4294-B58E-2FDC041FA26C}" type="parTrans" cxnId="{6B24893E-2917-4EC9-9710-7F71CE567287}">
+      <dgm:prSet/>
+      <dgm:spPr/>
+      <dgm:t>
+        <a:bodyPr/>
+        <a:lstStyle/>
+        <a:p>
+          <a:endParaRPr lang="es-ES"/>
+        </a:p>
+      </dgm:t>
+    </dgm:pt>
+    <dgm:pt modelId="{5FFB8F85-A834-48C9-9C73-F00839D75851}" type="sibTrans" cxnId="{6B24893E-2917-4EC9-9710-7F71CE567287}">
+      <dgm:prSet/>
+      <dgm:spPr/>
+      <dgm:t>
+        <a:bodyPr/>
+        <a:lstStyle/>
+        <a:p>
+          <a:endParaRPr lang="es-ES"/>
+        </a:p>
+      </dgm:t>
+    </dgm:pt>
+    <dgm:pt modelId="{84EE3171-D013-4F6E-AA64-D9455CF06B05}">
+      <dgm:prSet phldrT="[Texto]"/>
+      <dgm:spPr/>
+      <dgm:t>
+        <a:bodyPr/>
+        <a:lstStyle/>
+        <a:p>
+          <a:r>
+            <a:rPr lang="es-ES" dirty="0"/>
+            <a:t>1.3 Desarrollo</a:t>
+          </a:r>
+        </a:p>
+      </dgm:t>
+    </dgm:pt>
+    <dgm:pt modelId="{8EC34E99-B54C-4B46-A3B1-F829401DEBD2}" type="parTrans" cxnId="{F9BDF044-507C-42D2-B30B-21E3A157C537}">
+      <dgm:prSet/>
+      <dgm:spPr/>
+      <dgm:t>
+        <a:bodyPr/>
+        <a:lstStyle/>
+        <a:p>
+          <a:endParaRPr lang="es-ES"/>
+        </a:p>
+      </dgm:t>
+    </dgm:pt>
+    <dgm:pt modelId="{82B640F2-277F-4478-A33F-CEC110040639}" type="sibTrans" cxnId="{F9BDF044-507C-42D2-B30B-21E3A157C537}">
+      <dgm:prSet/>
+      <dgm:spPr/>
+      <dgm:t>
+        <a:bodyPr/>
+        <a:lstStyle/>
+        <a:p>
+          <a:endParaRPr lang="es-ES"/>
+        </a:p>
+      </dgm:t>
+    </dgm:pt>
+    <dgm:pt modelId="{DE036EAA-5F71-4F84-B430-57AFD7119D95}">
+      <dgm:prSet phldrT="[Texto]"/>
+      <dgm:spPr/>
+      <dgm:t>
+        <a:bodyPr/>
+        <a:lstStyle/>
+        <a:p>
+          <a:r>
+            <a:rPr lang="es-ES" dirty="0"/>
+            <a:t>1.1.1 Fecha de entrega no razonable para entrega final del proyecto.</a:t>
+          </a:r>
+        </a:p>
+      </dgm:t>
+    </dgm:pt>
+    <dgm:pt modelId="{535D2905-55E7-445B-9DFB-DDA734863090}" type="parTrans" cxnId="{068B2A3F-BD31-44D6-91CF-AB920C8D96D1}">
+      <dgm:prSet/>
+      <dgm:spPr/>
+      <dgm:t>
+        <a:bodyPr/>
+        <a:lstStyle/>
+        <a:p>
+          <a:endParaRPr lang="es-ES"/>
+        </a:p>
+      </dgm:t>
+    </dgm:pt>
+    <dgm:pt modelId="{FF97A51C-57CC-47E8-8B54-246DC6E90B22}" type="sibTrans" cxnId="{068B2A3F-BD31-44D6-91CF-AB920C8D96D1}">
+      <dgm:prSet/>
+      <dgm:spPr/>
+      <dgm:t>
+        <a:bodyPr/>
+        <a:lstStyle/>
+        <a:p>
+          <a:endParaRPr lang="es-ES"/>
+        </a:p>
+      </dgm:t>
+    </dgm:pt>
+    <dgm:pt modelId="{1109F605-7340-42E3-8EA5-72AE748E9CCC}">
+      <dgm:prSet phldrT="[Texto]"/>
+      <dgm:spPr/>
+      <dgm:t>
+        <a:bodyPr/>
+        <a:lstStyle/>
+        <a:p>
+          <a:r>
+            <a:rPr lang="es-ES" dirty="0"/>
+            <a:t>1.1.2 Costos asociados a entregas</a:t>
+          </a:r>
+        </a:p>
+      </dgm:t>
+    </dgm:pt>
+    <dgm:pt modelId="{21935BF5-711D-414D-A8BF-6C9B02CA9577}" type="parTrans" cxnId="{32A3193A-9E36-4962-879E-31DF73B93625}">
+      <dgm:prSet/>
+      <dgm:spPr/>
+      <dgm:t>
+        <a:bodyPr/>
+        <a:lstStyle/>
+        <a:p>
+          <a:endParaRPr lang="es-ES"/>
+        </a:p>
+      </dgm:t>
+    </dgm:pt>
+    <dgm:pt modelId="{27FC1757-081F-4362-BBEF-4A84CB64E143}" type="sibTrans" cxnId="{32A3193A-9E36-4962-879E-31DF73B93625}">
+      <dgm:prSet/>
+      <dgm:spPr/>
+      <dgm:t>
+        <a:bodyPr/>
+        <a:lstStyle/>
+        <a:p>
+          <a:endParaRPr lang="es-ES"/>
+        </a:p>
+      </dgm:t>
+    </dgm:pt>
+    <dgm:pt modelId="{794A8C92-A608-4097-913E-E49F087E1F18}">
+      <dgm:prSet phldrT="[Texto]"/>
+      <dgm:spPr/>
+      <dgm:t>
+        <a:bodyPr/>
+        <a:lstStyle/>
+        <a:p>
+          <a:r>
+            <a:rPr lang="es-ES" dirty="0"/>
+            <a:t>1.1.3 Poca Comunicación entre los interesados del proyecto. (cliente-equipo de trabajo)</a:t>
+          </a:r>
+        </a:p>
+      </dgm:t>
+    </dgm:pt>
+    <dgm:pt modelId="{65BA66FD-7849-41AC-9D32-A4A6E0900B52}" type="parTrans" cxnId="{0AA4C139-1BCE-40DD-90F1-799E0B1A013F}">
+      <dgm:prSet/>
+      <dgm:spPr/>
+      <dgm:t>
+        <a:bodyPr/>
+        <a:lstStyle/>
+        <a:p>
+          <a:endParaRPr lang="es-ES"/>
+        </a:p>
+      </dgm:t>
+    </dgm:pt>
+    <dgm:pt modelId="{70087A74-02D6-4950-8802-35BC3521DE91}" type="sibTrans" cxnId="{0AA4C139-1BCE-40DD-90F1-799E0B1A013F}">
+      <dgm:prSet/>
+      <dgm:spPr/>
+      <dgm:t>
+        <a:bodyPr/>
+        <a:lstStyle/>
+        <a:p>
+          <a:endParaRPr lang="es-ES"/>
+        </a:p>
+      </dgm:t>
+    </dgm:pt>
+    <dgm:pt modelId="{F6C018EE-1380-4AAA-B931-E0FEFD35681D}">
+      <dgm:prSet phldrT="[Texto]"/>
+      <dgm:spPr/>
+      <dgm:t>
+        <a:bodyPr/>
+        <a:lstStyle/>
+        <a:p>
+          <a:r>
+            <a:rPr lang="es-ES" dirty="0"/>
+            <a:t>1.2.1 Irresponsabilidad del personal</a:t>
+          </a:r>
+        </a:p>
+      </dgm:t>
+    </dgm:pt>
+    <dgm:pt modelId="{5030B844-2B4F-4E97-8843-ACD1A4FDEFB0}" type="parTrans" cxnId="{564860A1-6E46-4C16-8E36-A808EC9B38E2}">
+      <dgm:prSet/>
+      <dgm:spPr/>
+      <dgm:t>
+        <a:bodyPr/>
+        <a:lstStyle/>
+        <a:p>
+          <a:endParaRPr lang="es-ES"/>
+        </a:p>
+      </dgm:t>
+    </dgm:pt>
+    <dgm:pt modelId="{7B2585F4-A119-4056-B5FF-9F6F4ACAE772}" type="sibTrans" cxnId="{564860A1-6E46-4C16-8E36-A808EC9B38E2}">
+      <dgm:prSet/>
+      <dgm:spPr/>
+      <dgm:t>
+        <a:bodyPr/>
+        <a:lstStyle/>
+        <a:p>
+          <a:endParaRPr lang="es-ES"/>
+        </a:p>
+      </dgm:t>
+    </dgm:pt>
+    <dgm:pt modelId="{9618B876-D543-4B43-85EF-53C3E211592C}">
+      <dgm:prSet phldrT="[Texto]"/>
+      <dgm:spPr/>
+      <dgm:t>
+        <a:bodyPr/>
+        <a:lstStyle/>
+        <a:p>
+          <a:r>
+            <a:rPr lang="es-ES" dirty="0"/>
+            <a:t>1.2.2 Equipo de computo no adecuado</a:t>
+          </a:r>
+        </a:p>
+      </dgm:t>
+    </dgm:pt>
+    <dgm:pt modelId="{3299B817-2000-4826-A62E-49F7E4531A69}" type="parTrans" cxnId="{26FA28DD-C602-412F-8C55-B357B240306F}">
+      <dgm:prSet/>
+      <dgm:spPr/>
+      <dgm:t>
+        <a:bodyPr/>
+        <a:lstStyle/>
+        <a:p>
+          <a:endParaRPr lang="es-ES"/>
+        </a:p>
+      </dgm:t>
+    </dgm:pt>
+    <dgm:pt modelId="{50F22DB5-4193-42D7-8B5A-A33E3D7C1AA5}" type="sibTrans" cxnId="{26FA28DD-C602-412F-8C55-B357B240306F}">
+      <dgm:prSet/>
+      <dgm:spPr/>
+      <dgm:t>
+        <a:bodyPr/>
+        <a:lstStyle/>
+        <a:p>
+          <a:endParaRPr lang="es-ES"/>
+        </a:p>
+      </dgm:t>
+    </dgm:pt>
+    <dgm:pt modelId="{FEC19560-18AA-40AC-A648-36F56F7B4B0F}">
+      <dgm:prSet phldrT="[Texto]"/>
+      <dgm:spPr/>
+      <dgm:t>
+        <a:bodyPr/>
+        <a:lstStyle/>
+        <a:p>
+          <a:r>
+            <a:rPr lang="es-ES" dirty="0"/>
+            <a:t>1.2.3 Poca comunicación entre los miembros del equipo</a:t>
+          </a:r>
+        </a:p>
+      </dgm:t>
+    </dgm:pt>
+    <dgm:pt modelId="{B9586131-05F7-4C30-9328-8107321E6118}" type="parTrans" cxnId="{28C37491-FC95-4FF8-9A33-07FF67D4D86E}">
+      <dgm:prSet/>
+      <dgm:spPr/>
+      <dgm:t>
+        <a:bodyPr/>
+        <a:lstStyle/>
+        <a:p>
+          <a:endParaRPr lang="es-ES"/>
+        </a:p>
+      </dgm:t>
+    </dgm:pt>
+    <dgm:pt modelId="{E1A5B41C-065F-498F-80E1-543C012F067A}" type="sibTrans" cxnId="{28C37491-FC95-4FF8-9A33-07FF67D4D86E}">
+      <dgm:prSet/>
+      <dgm:spPr/>
+      <dgm:t>
+        <a:bodyPr/>
+        <a:lstStyle/>
+        <a:p>
+          <a:endParaRPr lang="es-ES"/>
+        </a:p>
+      </dgm:t>
+    </dgm:pt>
+    <dgm:pt modelId="{391A6C9F-C777-4A38-A5A1-7962AF570315}">
+      <dgm:prSet phldrT="[Texto]"/>
+      <dgm:spPr/>
+      <dgm:t>
+        <a:bodyPr/>
+        <a:lstStyle/>
+        <a:p>
+          <a:r>
+            <a:rPr lang="es-ES" dirty="0"/>
+            <a:t>1.2.4 Cambio de tecnologías durante el desarrollo</a:t>
+          </a:r>
+        </a:p>
+      </dgm:t>
+    </dgm:pt>
+    <dgm:pt modelId="{280A9838-AED4-4675-BE9B-493CBBC0214E}" type="parTrans" cxnId="{9F476770-915E-4580-BCAA-A03C4D5036EA}">
+      <dgm:prSet/>
+      <dgm:spPr/>
+      <dgm:t>
+        <a:bodyPr/>
+        <a:lstStyle/>
+        <a:p>
+          <a:endParaRPr lang="es-ES"/>
+        </a:p>
+      </dgm:t>
+    </dgm:pt>
+    <dgm:pt modelId="{1035B98F-101B-4139-B43D-8423D845BDBE}" type="sibTrans" cxnId="{9F476770-915E-4580-BCAA-A03C4D5036EA}">
+      <dgm:prSet/>
+      <dgm:spPr/>
+      <dgm:t>
+        <a:bodyPr/>
+        <a:lstStyle/>
+        <a:p>
+          <a:endParaRPr lang="es-ES"/>
+        </a:p>
+      </dgm:t>
+    </dgm:pt>
+    <dgm:pt modelId="{655B5853-7B35-4705-99BC-DE7A41EF358E}">
+      <dgm:prSet phldrT="[Texto]"/>
+      <dgm:spPr/>
+      <dgm:t>
+        <a:bodyPr/>
+        <a:lstStyle/>
+        <a:p>
+          <a:r>
+            <a:rPr lang="es-ES" dirty="0"/>
+            <a:t>1.3.1 Utilizar nuevas tecnologías de desarrollo</a:t>
+          </a:r>
+        </a:p>
+      </dgm:t>
+    </dgm:pt>
+    <dgm:pt modelId="{C46E671C-EA64-4A05-9694-909452AEB1A6}" type="parTrans" cxnId="{9513BAE9-1817-4A7C-A066-E094A15D60E9}">
+      <dgm:prSet/>
+      <dgm:spPr/>
+      <dgm:t>
+        <a:bodyPr/>
+        <a:lstStyle/>
+        <a:p>
+          <a:endParaRPr lang="es-ES"/>
+        </a:p>
+      </dgm:t>
+    </dgm:pt>
+    <dgm:pt modelId="{5AC79B79-DE5B-4514-9424-99330CD3CE97}" type="sibTrans" cxnId="{9513BAE9-1817-4A7C-A066-E094A15D60E9}">
+      <dgm:prSet/>
+      <dgm:spPr/>
+      <dgm:t>
+        <a:bodyPr/>
+        <a:lstStyle/>
+        <a:p>
+          <a:endParaRPr lang="es-ES"/>
+        </a:p>
+      </dgm:t>
+    </dgm:pt>
+    <dgm:pt modelId="{DFA7EAFB-993D-447A-A960-64199DC9A80F}">
+      <dgm:prSet phldrT="[Texto]"/>
+      <dgm:spPr/>
+      <dgm:t>
+        <a:bodyPr/>
+        <a:lstStyle/>
+        <a:p>
+          <a:r>
+            <a:rPr lang="es-ES" dirty="0"/>
+            <a:t>1.3.2 Incompatibilidad de framework utilizados para el desarrollo del proyecto</a:t>
+          </a:r>
+        </a:p>
+      </dgm:t>
+    </dgm:pt>
+    <dgm:pt modelId="{31B9D79F-8856-4C29-A9C6-64D2239B90E3}" type="parTrans" cxnId="{B926E7D2-9DB0-475C-946B-9B43486951C2}">
+      <dgm:prSet/>
+      <dgm:spPr/>
+      <dgm:t>
+        <a:bodyPr/>
+        <a:lstStyle/>
+        <a:p>
+          <a:endParaRPr lang="es-ES"/>
+        </a:p>
+      </dgm:t>
+    </dgm:pt>
+    <dgm:pt modelId="{F0A0DD9A-C867-4DF2-BDCB-06CFAE9872ED}" type="sibTrans" cxnId="{B926E7D2-9DB0-475C-946B-9B43486951C2}">
+      <dgm:prSet/>
+      <dgm:spPr/>
+      <dgm:t>
+        <a:bodyPr/>
+        <a:lstStyle/>
+        <a:p>
+          <a:endParaRPr lang="es-ES"/>
+        </a:p>
+      </dgm:t>
+    </dgm:pt>
+    <dgm:pt modelId="{FD345346-E4F5-464B-82B8-87260DB3E920}">
+      <dgm:prSet phldrT="[Texto]"/>
+      <dgm:spPr/>
+      <dgm:t>
+        <a:bodyPr/>
+        <a:lstStyle/>
+        <a:p>
+          <a:r>
+            <a:rPr lang="es-ES" dirty="0"/>
+            <a:t>1.3.3IDE de baja prestaciones para los requerimientos de los procesos del proyecto</a:t>
+          </a:r>
+        </a:p>
+      </dgm:t>
+    </dgm:pt>
+    <dgm:pt modelId="{DC3ED191-4FE4-413C-9813-B52844526BB6}" type="parTrans" cxnId="{E11A544B-B973-4533-ACDE-30ED379A3804}">
+      <dgm:prSet/>
+      <dgm:spPr/>
+      <dgm:t>
+        <a:bodyPr/>
+        <a:lstStyle/>
+        <a:p>
+          <a:endParaRPr lang="es-ES"/>
+        </a:p>
+      </dgm:t>
+    </dgm:pt>
+    <dgm:pt modelId="{E6DCE40D-AA3A-47A2-B703-1D70250BC59B}" type="sibTrans" cxnId="{E11A544B-B973-4533-ACDE-30ED379A3804}">
+      <dgm:prSet/>
+      <dgm:spPr/>
+      <dgm:t>
+        <a:bodyPr/>
+        <a:lstStyle/>
+        <a:p>
+          <a:endParaRPr lang="es-ES"/>
+        </a:p>
+      </dgm:t>
+    </dgm:pt>
+    <dgm:pt modelId="{C9CDBE25-F8C3-4762-8DE4-4512652E40F9}">
+      <dgm:prSet phldrT="[Texto]"/>
+      <dgm:spPr/>
+      <dgm:t>
+        <a:bodyPr/>
+        <a:lstStyle/>
+        <a:p>
+          <a:r>
+            <a:rPr lang="es-ES" dirty="0"/>
+            <a:t>1.3.4 Desarrollador sin experiencia.</a:t>
+          </a:r>
+        </a:p>
+      </dgm:t>
+    </dgm:pt>
+    <dgm:pt modelId="{FAAA502D-A5C2-42DF-8267-AFBE485C90F2}" type="parTrans" cxnId="{18C5B40F-2851-4897-82CB-DD1EA7B12A84}">
+      <dgm:prSet/>
+      <dgm:spPr/>
+      <dgm:t>
+        <a:bodyPr/>
+        <a:lstStyle/>
+        <a:p>
+          <a:endParaRPr lang="es-ES"/>
+        </a:p>
+      </dgm:t>
+    </dgm:pt>
+    <dgm:pt modelId="{2687B09C-9382-47CD-8806-CDA505019BAC}" type="sibTrans" cxnId="{18C5B40F-2851-4897-82CB-DD1EA7B12A84}">
+      <dgm:prSet/>
+      <dgm:spPr/>
+      <dgm:t>
+        <a:bodyPr/>
+        <a:lstStyle/>
+        <a:p>
+          <a:endParaRPr lang="es-ES"/>
+        </a:p>
+      </dgm:t>
+    </dgm:pt>
+    <dgm:pt modelId="{1F0D2DDC-B9D6-4258-B672-BC6D7BCB85A8}">
+      <dgm:prSet phldrT="[Texto]"/>
+      <dgm:spPr/>
+      <dgm:t>
+        <a:bodyPr/>
+        <a:lstStyle/>
+        <a:p>
+          <a:r>
+            <a:rPr lang="es-ES" dirty="0"/>
+            <a:t>1.4.1 Usuario sin experiencia</a:t>
+          </a:r>
+        </a:p>
+      </dgm:t>
+    </dgm:pt>
+    <dgm:pt modelId="{28474C32-EFBB-4575-B6E9-B631AD7E479E}" type="parTrans" cxnId="{BCDE8331-441D-4514-B66B-F47B1E4CFB01}">
+      <dgm:prSet/>
+      <dgm:spPr/>
+      <dgm:t>
+        <a:bodyPr/>
+        <a:lstStyle/>
+        <a:p>
+          <a:endParaRPr lang="es-ES"/>
+        </a:p>
+      </dgm:t>
+    </dgm:pt>
+    <dgm:pt modelId="{18505A58-5298-421C-8008-4E92D412E65B}" type="sibTrans" cxnId="{BCDE8331-441D-4514-B66B-F47B1E4CFB01}">
+      <dgm:prSet/>
+      <dgm:spPr/>
+      <dgm:t>
+        <a:bodyPr/>
+        <a:lstStyle/>
+        <a:p>
+          <a:endParaRPr lang="es-ES"/>
+        </a:p>
+      </dgm:t>
+    </dgm:pt>
+    <dgm:pt modelId="{ECC9A415-AEDE-4F37-8433-931B81A46B9A}">
+      <dgm:prSet phldrT="[Texto]"/>
+      <dgm:spPr/>
+      <dgm:t>
+        <a:bodyPr/>
+        <a:lstStyle/>
+        <a:p>
+          <a:r>
+            <a:rPr lang="es-ES" dirty="0"/>
+            <a:t>1.4.2 Resistencia al cambio.</a:t>
+          </a:r>
+        </a:p>
+      </dgm:t>
+    </dgm:pt>
+    <dgm:pt modelId="{40C759EE-4974-4646-B73A-A2157BDADE87}" type="parTrans" cxnId="{E4D309D7-91D4-47AD-95CB-54C65E0A0BF5}">
+      <dgm:prSet/>
+      <dgm:spPr/>
+      <dgm:t>
+        <a:bodyPr/>
+        <a:lstStyle/>
+        <a:p>
+          <a:endParaRPr lang="es-ES"/>
+        </a:p>
+      </dgm:t>
+    </dgm:pt>
+    <dgm:pt modelId="{C632FABA-1B13-4316-8188-7AAC8CF621CD}" type="sibTrans" cxnId="{E4D309D7-91D4-47AD-95CB-54C65E0A0BF5}">
+      <dgm:prSet/>
+      <dgm:spPr/>
+      <dgm:t>
+        <a:bodyPr/>
+        <a:lstStyle/>
+        <a:p>
+          <a:endParaRPr lang="es-ES"/>
+        </a:p>
+      </dgm:t>
+    </dgm:pt>
+    <dgm:pt modelId="{1693347D-FECC-4FF4-851F-DD9C5806F5B8}" type="pres">
+      <dgm:prSet presAssocID="{BB543EDB-5FFA-43ED-B522-E3EAF2D74EF7}" presName="hierChild1" presStyleCnt="0">
+        <dgm:presLayoutVars>
+          <dgm:orgChart val="1"/>
+          <dgm:chPref val="1"/>
+          <dgm:dir/>
+          <dgm:animOne val="branch"/>
+          <dgm:animLvl val="lvl"/>
+          <dgm:resizeHandles/>
+        </dgm:presLayoutVars>
+      </dgm:prSet>
+      <dgm:spPr/>
+    </dgm:pt>
+    <dgm:pt modelId="{4F1731CE-213E-4702-9B31-E3A7AE0932CE}" type="pres">
+      <dgm:prSet presAssocID="{920ECE68-C7A2-44D9-A98F-F616118DDB9E}" presName="hierRoot1" presStyleCnt="0">
+        <dgm:presLayoutVars>
+          <dgm:hierBranch val="init"/>
+        </dgm:presLayoutVars>
+      </dgm:prSet>
+      <dgm:spPr/>
+    </dgm:pt>
+    <dgm:pt modelId="{570837AD-FD9D-42FD-BD0B-C356BC4E23AB}" type="pres">
+      <dgm:prSet presAssocID="{920ECE68-C7A2-44D9-A98F-F616118DDB9E}" presName="rootComposite1" presStyleCnt="0"/>
+      <dgm:spPr/>
+    </dgm:pt>
+    <dgm:pt modelId="{59EA8F0E-1765-449A-8BEA-C52A4CDF8C87}" type="pres">
+      <dgm:prSet presAssocID="{920ECE68-C7A2-44D9-A98F-F616118DDB9E}" presName="rootText1" presStyleLbl="node0" presStyleIdx="0" presStyleCnt="1" custScaleX="219727">
+        <dgm:presLayoutVars>
+          <dgm:chPref val="3"/>
+        </dgm:presLayoutVars>
+      </dgm:prSet>
+      <dgm:spPr/>
+    </dgm:pt>
+    <dgm:pt modelId="{D3CE9FA9-0954-4684-AA87-0B821A79E931}" type="pres">
+      <dgm:prSet presAssocID="{920ECE68-C7A2-44D9-A98F-F616118DDB9E}" presName="rootConnector1" presStyleLbl="node1" presStyleIdx="0" presStyleCnt="0"/>
+      <dgm:spPr/>
+    </dgm:pt>
+    <dgm:pt modelId="{08A02FCB-1938-431C-A5A4-49915754C28C}" type="pres">
+      <dgm:prSet presAssocID="{920ECE68-C7A2-44D9-A98F-F616118DDB9E}" presName="hierChild2" presStyleCnt="0"/>
+      <dgm:spPr/>
+    </dgm:pt>
+    <dgm:pt modelId="{E466AF22-9447-471C-AE53-F446EE0FB550}" type="pres">
+      <dgm:prSet presAssocID="{BB08B0A4-D80B-4424-AE16-D5E97955DE1C}" presName="Name37" presStyleLbl="parChTrans1D2" presStyleIdx="0" presStyleCnt="4"/>
+      <dgm:spPr/>
+    </dgm:pt>
+    <dgm:pt modelId="{F1A32D29-E5FE-44BA-946E-8AB034ADB508}" type="pres">
+      <dgm:prSet presAssocID="{6B3219F3-566A-43B5-A507-0D138483720D}" presName="hierRoot2" presStyleCnt="0">
+        <dgm:presLayoutVars>
+          <dgm:hierBranch val="init"/>
+        </dgm:presLayoutVars>
+      </dgm:prSet>
+      <dgm:spPr/>
+    </dgm:pt>
+    <dgm:pt modelId="{4FAF48A7-952A-4D52-BA75-08F252BD7A5E}" type="pres">
+      <dgm:prSet presAssocID="{6B3219F3-566A-43B5-A507-0D138483720D}" presName="rootComposite" presStyleCnt="0"/>
+      <dgm:spPr/>
+    </dgm:pt>
+    <dgm:pt modelId="{BF7F29B3-7C88-46AA-BF33-100C2DAF833F}" type="pres">
+      <dgm:prSet presAssocID="{6B3219F3-566A-43B5-A507-0D138483720D}" presName="rootText" presStyleLbl="node2" presStyleIdx="0" presStyleCnt="4" custLinFactNeighborX="895" custLinFactNeighborY="-1790">
+        <dgm:presLayoutVars>
+          <dgm:chPref val="3"/>
+        </dgm:presLayoutVars>
+      </dgm:prSet>
+      <dgm:spPr/>
+    </dgm:pt>
+    <dgm:pt modelId="{011414D8-D75B-400B-9359-EF1E24C33CB3}" type="pres">
+      <dgm:prSet presAssocID="{6B3219F3-566A-43B5-A507-0D138483720D}" presName="rootConnector" presStyleLbl="node2" presStyleIdx="0" presStyleCnt="4"/>
+      <dgm:spPr/>
+    </dgm:pt>
+    <dgm:pt modelId="{DDD7801C-F0AB-48C2-B1ED-1EF1B22CEA40}" type="pres">
+      <dgm:prSet presAssocID="{6B3219F3-566A-43B5-A507-0D138483720D}" presName="hierChild4" presStyleCnt="0"/>
+      <dgm:spPr/>
+    </dgm:pt>
+    <dgm:pt modelId="{1428A162-9607-412F-9DD3-C41193BA1609}" type="pres">
+      <dgm:prSet presAssocID="{535D2905-55E7-445B-9DFB-DDA734863090}" presName="Name37" presStyleLbl="parChTrans1D3" presStyleIdx="0" presStyleCnt="13"/>
+      <dgm:spPr/>
+    </dgm:pt>
+    <dgm:pt modelId="{71F2B2E1-A577-427D-8424-85E5584581F9}" type="pres">
+      <dgm:prSet presAssocID="{DE036EAA-5F71-4F84-B430-57AFD7119D95}" presName="hierRoot2" presStyleCnt="0">
+        <dgm:presLayoutVars>
+          <dgm:hierBranch val="init"/>
+        </dgm:presLayoutVars>
+      </dgm:prSet>
+      <dgm:spPr/>
+    </dgm:pt>
+    <dgm:pt modelId="{72C38F6A-A8A1-4442-8A9A-A00787534375}" type="pres">
+      <dgm:prSet presAssocID="{DE036EAA-5F71-4F84-B430-57AFD7119D95}" presName="rootComposite" presStyleCnt="0"/>
+      <dgm:spPr/>
+    </dgm:pt>
+    <dgm:pt modelId="{13A5476E-948E-48FA-A932-76B1299F7255}" type="pres">
+      <dgm:prSet presAssocID="{DE036EAA-5F71-4F84-B430-57AFD7119D95}" presName="rootText" presStyleLbl="node3" presStyleIdx="0" presStyleCnt="13">
+        <dgm:presLayoutVars>
+          <dgm:chPref val="3"/>
+        </dgm:presLayoutVars>
+      </dgm:prSet>
+      <dgm:spPr/>
+    </dgm:pt>
+    <dgm:pt modelId="{407A47DC-D4DA-4DE5-8C10-FA0E63087EE1}" type="pres">
+      <dgm:prSet presAssocID="{DE036EAA-5F71-4F84-B430-57AFD7119D95}" presName="rootConnector" presStyleLbl="node3" presStyleIdx="0" presStyleCnt="13"/>
+      <dgm:spPr/>
+    </dgm:pt>
+    <dgm:pt modelId="{860B8B66-2311-42C9-A041-A69C15FBB285}" type="pres">
+      <dgm:prSet presAssocID="{DE036EAA-5F71-4F84-B430-57AFD7119D95}" presName="hierChild4" presStyleCnt="0"/>
+      <dgm:spPr/>
+    </dgm:pt>
+    <dgm:pt modelId="{5E303977-7000-44EB-BC7C-A3C8CBD2F4F2}" type="pres">
+      <dgm:prSet presAssocID="{DE036EAA-5F71-4F84-B430-57AFD7119D95}" presName="hierChild5" presStyleCnt="0"/>
+      <dgm:spPr/>
+    </dgm:pt>
+    <dgm:pt modelId="{D41C38CF-CDD4-4C1E-91AD-B5421097F08A}" type="pres">
+      <dgm:prSet presAssocID="{21935BF5-711D-414D-A8BF-6C9B02CA9577}" presName="Name37" presStyleLbl="parChTrans1D3" presStyleIdx="1" presStyleCnt="13"/>
+      <dgm:spPr/>
+    </dgm:pt>
+    <dgm:pt modelId="{B644D0BF-98DA-4AC0-A31C-BE96D7C6D9A4}" type="pres">
+      <dgm:prSet presAssocID="{1109F605-7340-42E3-8EA5-72AE748E9CCC}" presName="hierRoot2" presStyleCnt="0">
+        <dgm:presLayoutVars>
+          <dgm:hierBranch val="init"/>
+        </dgm:presLayoutVars>
+      </dgm:prSet>
+      <dgm:spPr/>
+    </dgm:pt>
+    <dgm:pt modelId="{F7FDA003-6737-4C8E-8019-FFF87D46A71E}" type="pres">
+      <dgm:prSet presAssocID="{1109F605-7340-42E3-8EA5-72AE748E9CCC}" presName="rootComposite" presStyleCnt="0"/>
+      <dgm:spPr/>
+    </dgm:pt>
+    <dgm:pt modelId="{DC393A58-D5D1-4E57-892F-85F274DA110B}" type="pres">
+      <dgm:prSet presAssocID="{1109F605-7340-42E3-8EA5-72AE748E9CCC}" presName="rootText" presStyleLbl="node3" presStyleIdx="1" presStyleCnt="13">
+        <dgm:presLayoutVars>
+          <dgm:chPref val="3"/>
+        </dgm:presLayoutVars>
+      </dgm:prSet>
+      <dgm:spPr/>
+    </dgm:pt>
+    <dgm:pt modelId="{9CA08391-0EBB-470A-801A-5F1B69303337}" type="pres">
+      <dgm:prSet presAssocID="{1109F605-7340-42E3-8EA5-72AE748E9CCC}" presName="rootConnector" presStyleLbl="node3" presStyleIdx="1" presStyleCnt="13"/>
+      <dgm:spPr/>
+    </dgm:pt>
+    <dgm:pt modelId="{1C6B82DA-9959-4B2E-9910-865DF6183ACA}" type="pres">
+      <dgm:prSet presAssocID="{1109F605-7340-42E3-8EA5-72AE748E9CCC}" presName="hierChild4" presStyleCnt="0"/>
+      <dgm:spPr/>
+    </dgm:pt>
+    <dgm:pt modelId="{8720C313-7815-465B-BFE9-BA25D87A5C75}" type="pres">
+      <dgm:prSet presAssocID="{1109F605-7340-42E3-8EA5-72AE748E9CCC}" presName="hierChild5" presStyleCnt="0"/>
+      <dgm:spPr/>
+    </dgm:pt>
+    <dgm:pt modelId="{1B3B786E-ED9D-440D-A0C7-8C2E8546D06D}" type="pres">
+      <dgm:prSet presAssocID="{65BA66FD-7849-41AC-9D32-A4A6E0900B52}" presName="Name37" presStyleLbl="parChTrans1D3" presStyleIdx="2" presStyleCnt="13"/>
+      <dgm:spPr/>
+    </dgm:pt>
+    <dgm:pt modelId="{390F289A-721D-455F-A6BB-2F9EEF9FC52D}" type="pres">
+      <dgm:prSet presAssocID="{794A8C92-A608-4097-913E-E49F087E1F18}" presName="hierRoot2" presStyleCnt="0">
+        <dgm:presLayoutVars>
+          <dgm:hierBranch val="init"/>
+        </dgm:presLayoutVars>
+      </dgm:prSet>
+      <dgm:spPr/>
+    </dgm:pt>
+    <dgm:pt modelId="{8A641B39-73A6-4F39-ADB3-B10D68EFFDE3}" type="pres">
+      <dgm:prSet presAssocID="{794A8C92-A608-4097-913E-E49F087E1F18}" presName="rootComposite" presStyleCnt="0"/>
+      <dgm:spPr/>
+    </dgm:pt>
+    <dgm:pt modelId="{2FF9BC0F-7E06-4607-B8A7-EC75C096F915}" type="pres">
+      <dgm:prSet presAssocID="{794A8C92-A608-4097-913E-E49F087E1F18}" presName="rootText" presStyleLbl="node3" presStyleIdx="2" presStyleCnt="13">
+        <dgm:presLayoutVars>
+          <dgm:chPref val="3"/>
+        </dgm:presLayoutVars>
+      </dgm:prSet>
+      <dgm:spPr/>
+    </dgm:pt>
+    <dgm:pt modelId="{222E2F41-984D-4C6B-A642-F8FDE3B03A46}" type="pres">
+      <dgm:prSet presAssocID="{794A8C92-A608-4097-913E-E49F087E1F18}" presName="rootConnector" presStyleLbl="node3" presStyleIdx="2" presStyleCnt="13"/>
+      <dgm:spPr/>
+    </dgm:pt>
+    <dgm:pt modelId="{9ADC0B14-C02B-4338-825F-BF3D81C340CC}" type="pres">
+      <dgm:prSet presAssocID="{794A8C92-A608-4097-913E-E49F087E1F18}" presName="hierChild4" presStyleCnt="0"/>
+      <dgm:spPr/>
+    </dgm:pt>
+    <dgm:pt modelId="{CEF21D99-286D-4B12-AF5A-38719338B7C9}" type="pres">
+      <dgm:prSet presAssocID="{794A8C92-A608-4097-913E-E49F087E1F18}" presName="hierChild5" presStyleCnt="0"/>
+      <dgm:spPr/>
+    </dgm:pt>
+    <dgm:pt modelId="{8599CC52-1BCE-4D94-9D23-27C9E10DF81D}" type="pres">
+      <dgm:prSet presAssocID="{6B3219F3-566A-43B5-A507-0D138483720D}" presName="hierChild5" presStyleCnt="0"/>
+      <dgm:spPr/>
+    </dgm:pt>
+    <dgm:pt modelId="{2F6CA483-BFCF-45F2-AB2C-BC774BB56CE8}" type="pres">
+      <dgm:prSet presAssocID="{B1EA6C51-8D0C-4E2A-97F1-B363A9EA3C0D}" presName="Name37" presStyleLbl="parChTrans1D2" presStyleIdx="1" presStyleCnt="4"/>
+      <dgm:spPr/>
+    </dgm:pt>
+    <dgm:pt modelId="{BB0CDCEE-B5C3-4E08-975E-A5F5311E0CD4}" type="pres">
+      <dgm:prSet presAssocID="{60B926A6-FDE1-4156-AE1C-7C4393936FC4}" presName="hierRoot2" presStyleCnt="0">
+        <dgm:presLayoutVars>
+          <dgm:hierBranch val="init"/>
+        </dgm:presLayoutVars>
+      </dgm:prSet>
+      <dgm:spPr/>
+    </dgm:pt>
+    <dgm:pt modelId="{DC95CAA9-51D2-43C1-8CFD-3E45178FDC1A}" type="pres">
+      <dgm:prSet presAssocID="{60B926A6-FDE1-4156-AE1C-7C4393936FC4}" presName="rootComposite" presStyleCnt="0"/>
+      <dgm:spPr/>
+    </dgm:pt>
+    <dgm:pt modelId="{39CEC9F6-9D4A-4824-9C01-01022371D9C3}" type="pres">
+      <dgm:prSet presAssocID="{60B926A6-FDE1-4156-AE1C-7C4393936FC4}" presName="rootText" presStyleLbl="node2" presStyleIdx="1" presStyleCnt="4">
+        <dgm:presLayoutVars>
+          <dgm:chPref val="3"/>
+        </dgm:presLayoutVars>
+      </dgm:prSet>
+      <dgm:spPr/>
+    </dgm:pt>
+    <dgm:pt modelId="{9CE6BF48-9B96-47A5-8E1E-3210324891B8}" type="pres">
+      <dgm:prSet presAssocID="{60B926A6-FDE1-4156-AE1C-7C4393936FC4}" presName="rootConnector" presStyleLbl="node2" presStyleIdx="1" presStyleCnt="4"/>
+      <dgm:spPr/>
+    </dgm:pt>
+    <dgm:pt modelId="{3FA90488-F8FF-4634-901C-FF554A4B211A}" type="pres">
+      <dgm:prSet presAssocID="{60B926A6-FDE1-4156-AE1C-7C4393936FC4}" presName="hierChild4" presStyleCnt="0"/>
+      <dgm:spPr/>
+    </dgm:pt>
+    <dgm:pt modelId="{B4B85693-9C21-41C2-BAFB-9872C7A5DB2E}" type="pres">
+      <dgm:prSet presAssocID="{5030B844-2B4F-4E97-8843-ACD1A4FDEFB0}" presName="Name37" presStyleLbl="parChTrans1D3" presStyleIdx="3" presStyleCnt="13"/>
+      <dgm:spPr/>
+    </dgm:pt>
+    <dgm:pt modelId="{63E559A0-041B-4CB8-B389-9E1410B77E9C}" type="pres">
+      <dgm:prSet presAssocID="{F6C018EE-1380-4AAA-B931-E0FEFD35681D}" presName="hierRoot2" presStyleCnt="0">
+        <dgm:presLayoutVars>
+          <dgm:hierBranch val="init"/>
+        </dgm:presLayoutVars>
+      </dgm:prSet>
+      <dgm:spPr/>
+    </dgm:pt>
+    <dgm:pt modelId="{7A7454E6-A729-4452-A018-CD973DF5F99E}" type="pres">
+      <dgm:prSet presAssocID="{F6C018EE-1380-4AAA-B931-E0FEFD35681D}" presName="rootComposite" presStyleCnt="0"/>
+      <dgm:spPr/>
+    </dgm:pt>
+    <dgm:pt modelId="{7C7ADA19-6208-47B2-A2E9-67A4F3052EF5}" type="pres">
+      <dgm:prSet presAssocID="{F6C018EE-1380-4AAA-B931-E0FEFD35681D}" presName="rootText" presStyleLbl="node3" presStyleIdx="3" presStyleCnt="13">
+        <dgm:presLayoutVars>
+          <dgm:chPref val="3"/>
+        </dgm:presLayoutVars>
+      </dgm:prSet>
+      <dgm:spPr/>
+    </dgm:pt>
+    <dgm:pt modelId="{0059383D-D42A-470C-BEF3-1ECA48EB8526}" type="pres">
+      <dgm:prSet presAssocID="{F6C018EE-1380-4AAA-B931-E0FEFD35681D}" presName="rootConnector" presStyleLbl="node3" presStyleIdx="3" presStyleCnt="13"/>
+      <dgm:spPr/>
+    </dgm:pt>
+    <dgm:pt modelId="{DC3AFEF6-021C-413D-B316-0F37289D9019}" type="pres">
+      <dgm:prSet presAssocID="{F6C018EE-1380-4AAA-B931-E0FEFD35681D}" presName="hierChild4" presStyleCnt="0"/>
+      <dgm:spPr/>
+    </dgm:pt>
+    <dgm:pt modelId="{60DD8282-306F-4897-B720-D4A797DB4777}" type="pres">
+      <dgm:prSet presAssocID="{F6C018EE-1380-4AAA-B931-E0FEFD35681D}" presName="hierChild5" presStyleCnt="0"/>
+      <dgm:spPr/>
+    </dgm:pt>
+    <dgm:pt modelId="{090E2EE5-D615-4558-A18F-67DE3E775202}" type="pres">
+      <dgm:prSet presAssocID="{3299B817-2000-4826-A62E-49F7E4531A69}" presName="Name37" presStyleLbl="parChTrans1D3" presStyleIdx="4" presStyleCnt="13"/>
+      <dgm:spPr/>
+    </dgm:pt>
+    <dgm:pt modelId="{A3B42CBF-B53C-4151-9BAF-219421F9DCAD}" type="pres">
+      <dgm:prSet presAssocID="{9618B876-D543-4B43-85EF-53C3E211592C}" presName="hierRoot2" presStyleCnt="0">
+        <dgm:presLayoutVars>
+          <dgm:hierBranch val="init"/>
+        </dgm:presLayoutVars>
+      </dgm:prSet>
+      <dgm:spPr/>
+    </dgm:pt>
+    <dgm:pt modelId="{77BCC15D-A536-4BD6-9678-77CB0A1E335C}" type="pres">
+      <dgm:prSet presAssocID="{9618B876-D543-4B43-85EF-53C3E211592C}" presName="rootComposite" presStyleCnt="0"/>
+      <dgm:spPr/>
+    </dgm:pt>
+    <dgm:pt modelId="{5A0CB855-5837-4EC3-BD9A-E5F48069FECD}" type="pres">
+      <dgm:prSet presAssocID="{9618B876-D543-4B43-85EF-53C3E211592C}" presName="rootText" presStyleLbl="node3" presStyleIdx="4" presStyleCnt="13">
+        <dgm:presLayoutVars>
+          <dgm:chPref val="3"/>
+        </dgm:presLayoutVars>
+      </dgm:prSet>
+      <dgm:spPr/>
+    </dgm:pt>
+    <dgm:pt modelId="{1A3F0F38-7369-4973-9881-9FD77CD4A984}" type="pres">
+      <dgm:prSet presAssocID="{9618B876-D543-4B43-85EF-53C3E211592C}" presName="rootConnector" presStyleLbl="node3" presStyleIdx="4" presStyleCnt="13"/>
+      <dgm:spPr/>
+    </dgm:pt>
+    <dgm:pt modelId="{EE3F59C3-7B1A-457A-96D0-DDF077B89290}" type="pres">
+      <dgm:prSet presAssocID="{9618B876-D543-4B43-85EF-53C3E211592C}" presName="hierChild4" presStyleCnt="0"/>
+      <dgm:spPr/>
+    </dgm:pt>
+    <dgm:pt modelId="{DC066220-686C-4183-ADA1-466DD67E53C9}" type="pres">
+      <dgm:prSet presAssocID="{9618B876-D543-4B43-85EF-53C3E211592C}" presName="hierChild5" presStyleCnt="0"/>
+      <dgm:spPr/>
+    </dgm:pt>
+    <dgm:pt modelId="{DC5F68A9-3F83-4B23-8ACC-DE5A8C1E15C1}" type="pres">
+      <dgm:prSet presAssocID="{B9586131-05F7-4C30-9328-8107321E6118}" presName="Name37" presStyleLbl="parChTrans1D3" presStyleIdx="5" presStyleCnt="13"/>
+      <dgm:spPr/>
+    </dgm:pt>
+    <dgm:pt modelId="{AEED8507-D854-40B5-A27A-91AC08B53FD2}" type="pres">
+      <dgm:prSet presAssocID="{FEC19560-18AA-40AC-A648-36F56F7B4B0F}" presName="hierRoot2" presStyleCnt="0">
+        <dgm:presLayoutVars>
+          <dgm:hierBranch val="init"/>
+        </dgm:presLayoutVars>
+      </dgm:prSet>
+      <dgm:spPr/>
+    </dgm:pt>
+    <dgm:pt modelId="{5E251768-746E-4EF9-B62D-0DDE07E325AD}" type="pres">
+      <dgm:prSet presAssocID="{FEC19560-18AA-40AC-A648-36F56F7B4B0F}" presName="rootComposite" presStyleCnt="0"/>
+      <dgm:spPr/>
+    </dgm:pt>
+    <dgm:pt modelId="{2EDE49F7-D911-4ADD-AD8B-A3B39F322D4C}" type="pres">
+      <dgm:prSet presAssocID="{FEC19560-18AA-40AC-A648-36F56F7B4B0F}" presName="rootText" presStyleLbl="node3" presStyleIdx="5" presStyleCnt="13">
+        <dgm:presLayoutVars>
+          <dgm:chPref val="3"/>
+        </dgm:presLayoutVars>
+      </dgm:prSet>
+      <dgm:spPr/>
+    </dgm:pt>
+    <dgm:pt modelId="{FB2073A2-C74A-4E9A-AC4D-E934233DF5FD}" type="pres">
+      <dgm:prSet presAssocID="{FEC19560-18AA-40AC-A648-36F56F7B4B0F}" presName="rootConnector" presStyleLbl="node3" presStyleIdx="5" presStyleCnt="13"/>
+      <dgm:spPr/>
+    </dgm:pt>
+    <dgm:pt modelId="{3865871E-107E-425C-BDF4-DC564CC206C4}" type="pres">
+      <dgm:prSet presAssocID="{FEC19560-18AA-40AC-A648-36F56F7B4B0F}" presName="hierChild4" presStyleCnt="0"/>
+      <dgm:spPr/>
+    </dgm:pt>
+    <dgm:pt modelId="{E9C9928D-DCB7-464C-831C-7C7CC6CA6132}" type="pres">
+      <dgm:prSet presAssocID="{FEC19560-18AA-40AC-A648-36F56F7B4B0F}" presName="hierChild5" presStyleCnt="0"/>
+      <dgm:spPr/>
+    </dgm:pt>
+    <dgm:pt modelId="{B1EB0FBE-FE81-4BB3-BBB2-CCE161C78182}" type="pres">
+      <dgm:prSet presAssocID="{280A9838-AED4-4675-BE9B-493CBBC0214E}" presName="Name37" presStyleLbl="parChTrans1D3" presStyleIdx="6" presStyleCnt="13"/>
+      <dgm:spPr/>
+    </dgm:pt>
+    <dgm:pt modelId="{F47E3A56-433B-46CB-9B98-618711E1EBB8}" type="pres">
+      <dgm:prSet presAssocID="{391A6C9F-C777-4A38-A5A1-7962AF570315}" presName="hierRoot2" presStyleCnt="0">
+        <dgm:presLayoutVars>
+          <dgm:hierBranch val="init"/>
+        </dgm:presLayoutVars>
+      </dgm:prSet>
+      <dgm:spPr/>
+    </dgm:pt>
+    <dgm:pt modelId="{10FC926A-214B-4978-B860-5B2C9358A606}" type="pres">
+      <dgm:prSet presAssocID="{391A6C9F-C777-4A38-A5A1-7962AF570315}" presName="rootComposite" presStyleCnt="0"/>
+      <dgm:spPr/>
+    </dgm:pt>
+    <dgm:pt modelId="{07439A13-4F9E-42CF-884C-964A3AC2FD64}" type="pres">
+      <dgm:prSet presAssocID="{391A6C9F-C777-4A38-A5A1-7962AF570315}" presName="rootText" presStyleLbl="node3" presStyleIdx="6" presStyleCnt="13">
+        <dgm:presLayoutVars>
+          <dgm:chPref val="3"/>
+        </dgm:presLayoutVars>
+      </dgm:prSet>
+      <dgm:spPr/>
+    </dgm:pt>
+    <dgm:pt modelId="{497AE76E-8A57-4A6E-80E0-27258784729A}" type="pres">
+      <dgm:prSet presAssocID="{391A6C9F-C777-4A38-A5A1-7962AF570315}" presName="rootConnector" presStyleLbl="node3" presStyleIdx="6" presStyleCnt="13"/>
+      <dgm:spPr/>
+    </dgm:pt>
+    <dgm:pt modelId="{85018852-E359-4805-8CDC-29F64190D609}" type="pres">
+      <dgm:prSet presAssocID="{391A6C9F-C777-4A38-A5A1-7962AF570315}" presName="hierChild4" presStyleCnt="0"/>
+      <dgm:spPr/>
+    </dgm:pt>
+    <dgm:pt modelId="{04B1B304-66D3-4243-8A4E-A36ED3B7A2F1}" type="pres">
+      <dgm:prSet presAssocID="{391A6C9F-C777-4A38-A5A1-7962AF570315}" presName="hierChild5" presStyleCnt="0"/>
+      <dgm:spPr/>
+    </dgm:pt>
+    <dgm:pt modelId="{C1899C42-A44E-43C6-8C1C-3360601ACDD6}" type="pres">
+      <dgm:prSet presAssocID="{60B926A6-FDE1-4156-AE1C-7C4393936FC4}" presName="hierChild5" presStyleCnt="0"/>
+      <dgm:spPr/>
+    </dgm:pt>
+    <dgm:pt modelId="{4426501D-8BA9-4AF8-932A-8A360A4142E2}" type="pres">
+      <dgm:prSet presAssocID="{8EC34E99-B54C-4B46-A3B1-F829401DEBD2}" presName="Name37" presStyleLbl="parChTrans1D2" presStyleIdx="2" presStyleCnt="4"/>
+      <dgm:spPr/>
+    </dgm:pt>
+    <dgm:pt modelId="{A1CDC301-E290-46ED-A709-A79618B52357}" type="pres">
+      <dgm:prSet presAssocID="{84EE3171-D013-4F6E-AA64-D9455CF06B05}" presName="hierRoot2" presStyleCnt="0">
+        <dgm:presLayoutVars>
+          <dgm:hierBranch val="init"/>
+        </dgm:presLayoutVars>
+      </dgm:prSet>
+      <dgm:spPr/>
+    </dgm:pt>
+    <dgm:pt modelId="{B8F7DA06-ED94-4D12-8DAF-5725CDB35A8D}" type="pres">
+      <dgm:prSet presAssocID="{84EE3171-D013-4F6E-AA64-D9455CF06B05}" presName="rootComposite" presStyleCnt="0"/>
+      <dgm:spPr/>
+    </dgm:pt>
+    <dgm:pt modelId="{600C3542-0C0D-4244-8155-F4A5754118AE}" type="pres">
+      <dgm:prSet presAssocID="{84EE3171-D013-4F6E-AA64-D9455CF06B05}" presName="rootText" presStyleLbl="node2" presStyleIdx="2" presStyleCnt="4">
+        <dgm:presLayoutVars>
+          <dgm:chPref val="3"/>
+        </dgm:presLayoutVars>
+      </dgm:prSet>
+      <dgm:spPr/>
+    </dgm:pt>
+    <dgm:pt modelId="{B72687FC-91A9-46A6-9475-DB13CDDA3088}" type="pres">
+      <dgm:prSet presAssocID="{84EE3171-D013-4F6E-AA64-D9455CF06B05}" presName="rootConnector" presStyleLbl="node2" presStyleIdx="2" presStyleCnt="4"/>
+      <dgm:spPr/>
+    </dgm:pt>
+    <dgm:pt modelId="{3536279D-4E9C-429C-B184-E0C8091138D7}" type="pres">
+      <dgm:prSet presAssocID="{84EE3171-D013-4F6E-AA64-D9455CF06B05}" presName="hierChild4" presStyleCnt="0"/>
+      <dgm:spPr/>
+    </dgm:pt>
+    <dgm:pt modelId="{13C211F1-3B14-49D8-B97B-205894B4B24F}" type="pres">
+      <dgm:prSet presAssocID="{C46E671C-EA64-4A05-9694-909452AEB1A6}" presName="Name37" presStyleLbl="parChTrans1D3" presStyleIdx="7" presStyleCnt="13"/>
+      <dgm:spPr/>
+    </dgm:pt>
+    <dgm:pt modelId="{3ED777BB-2008-4C85-B7EF-D6E095A38771}" type="pres">
+      <dgm:prSet presAssocID="{655B5853-7B35-4705-99BC-DE7A41EF358E}" presName="hierRoot2" presStyleCnt="0">
+        <dgm:presLayoutVars>
+          <dgm:hierBranch val="init"/>
+        </dgm:presLayoutVars>
+      </dgm:prSet>
+      <dgm:spPr/>
+    </dgm:pt>
+    <dgm:pt modelId="{3DEB0B7D-498B-469A-86C5-5C112EDE7835}" type="pres">
+      <dgm:prSet presAssocID="{655B5853-7B35-4705-99BC-DE7A41EF358E}" presName="rootComposite" presStyleCnt="0"/>
+      <dgm:spPr/>
+    </dgm:pt>
+    <dgm:pt modelId="{40F4FF2D-5CA2-49DD-898A-5E77CE6F097F}" type="pres">
+      <dgm:prSet presAssocID="{655B5853-7B35-4705-99BC-DE7A41EF358E}" presName="rootText" presStyleLbl="node3" presStyleIdx="7" presStyleCnt="13">
+        <dgm:presLayoutVars>
+          <dgm:chPref val="3"/>
+        </dgm:presLayoutVars>
+      </dgm:prSet>
+      <dgm:spPr/>
+    </dgm:pt>
+    <dgm:pt modelId="{078AC6E3-3465-4D70-9AB8-FF65A3704682}" type="pres">
+      <dgm:prSet presAssocID="{655B5853-7B35-4705-99BC-DE7A41EF358E}" presName="rootConnector" presStyleLbl="node3" presStyleIdx="7" presStyleCnt="13"/>
+      <dgm:spPr/>
+    </dgm:pt>
+    <dgm:pt modelId="{242C91F9-089C-48C3-B39A-EE41A9FB1351}" type="pres">
+      <dgm:prSet presAssocID="{655B5853-7B35-4705-99BC-DE7A41EF358E}" presName="hierChild4" presStyleCnt="0"/>
+      <dgm:spPr/>
+    </dgm:pt>
+    <dgm:pt modelId="{CDFD266A-AAFA-409C-BF1B-D206C610A75B}" type="pres">
+      <dgm:prSet presAssocID="{655B5853-7B35-4705-99BC-DE7A41EF358E}" presName="hierChild5" presStyleCnt="0"/>
+      <dgm:spPr/>
+    </dgm:pt>
+    <dgm:pt modelId="{D796DC29-6182-4F38-BCBC-3AF375E81CAB}" type="pres">
+      <dgm:prSet presAssocID="{31B9D79F-8856-4C29-A9C6-64D2239B90E3}" presName="Name37" presStyleLbl="parChTrans1D3" presStyleIdx="8" presStyleCnt="13"/>
+      <dgm:spPr/>
+    </dgm:pt>
+    <dgm:pt modelId="{7CE87CD3-AE84-40BD-A5CE-0376DD320E5E}" type="pres">
+      <dgm:prSet presAssocID="{DFA7EAFB-993D-447A-A960-64199DC9A80F}" presName="hierRoot2" presStyleCnt="0">
+        <dgm:presLayoutVars>
+          <dgm:hierBranch val="init"/>
+        </dgm:presLayoutVars>
+      </dgm:prSet>
+      <dgm:spPr/>
+    </dgm:pt>
+    <dgm:pt modelId="{9C4AA163-45C9-42FF-9351-00D3B3F2E650}" type="pres">
+      <dgm:prSet presAssocID="{DFA7EAFB-993D-447A-A960-64199DC9A80F}" presName="rootComposite" presStyleCnt="0"/>
+      <dgm:spPr/>
+    </dgm:pt>
+    <dgm:pt modelId="{78B1D46B-C128-4236-9CF5-BD1FEBEBCAD4}" type="pres">
+      <dgm:prSet presAssocID="{DFA7EAFB-993D-447A-A960-64199DC9A80F}" presName="rootText" presStyleLbl="node3" presStyleIdx="8" presStyleCnt="13">
+        <dgm:presLayoutVars>
+          <dgm:chPref val="3"/>
+        </dgm:presLayoutVars>
+      </dgm:prSet>
+      <dgm:spPr/>
+    </dgm:pt>
+    <dgm:pt modelId="{5D1E46F6-94B7-49BE-81E2-10675DE193F6}" type="pres">
+      <dgm:prSet presAssocID="{DFA7EAFB-993D-447A-A960-64199DC9A80F}" presName="rootConnector" presStyleLbl="node3" presStyleIdx="8" presStyleCnt="13"/>
+      <dgm:spPr/>
+    </dgm:pt>
+    <dgm:pt modelId="{B48724E3-9BB6-455B-92F8-10529EE01016}" type="pres">
+      <dgm:prSet presAssocID="{DFA7EAFB-993D-447A-A960-64199DC9A80F}" presName="hierChild4" presStyleCnt="0"/>
+      <dgm:spPr/>
+    </dgm:pt>
+    <dgm:pt modelId="{1D37293A-413A-4F1B-A9C9-50BC93D47F6D}" type="pres">
+      <dgm:prSet presAssocID="{DFA7EAFB-993D-447A-A960-64199DC9A80F}" presName="hierChild5" presStyleCnt="0"/>
+      <dgm:spPr/>
+    </dgm:pt>
+    <dgm:pt modelId="{960635A7-A131-490D-BB35-DBFE68ACE9C7}" type="pres">
+      <dgm:prSet presAssocID="{DC3ED191-4FE4-413C-9813-B52844526BB6}" presName="Name37" presStyleLbl="parChTrans1D3" presStyleIdx="9" presStyleCnt="13"/>
+      <dgm:spPr/>
+    </dgm:pt>
+    <dgm:pt modelId="{FFCED989-A10B-404F-BF9A-F170AAF5D342}" type="pres">
+      <dgm:prSet presAssocID="{FD345346-E4F5-464B-82B8-87260DB3E920}" presName="hierRoot2" presStyleCnt="0">
+        <dgm:presLayoutVars>
+          <dgm:hierBranch val="init"/>
+        </dgm:presLayoutVars>
+      </dgm:prSet>
+      <dgm:spPr/>
+    </dgm:pt>
+    <dgm:pt modelId="{EB8C0498-2C39-4892-8BD4-C79B16396952}" type="pres">
+      <dgm:prSet presAssocID="{FD345346-E4F5-464B-82B8-87260DB3E920}" presName="rootComposite" presStyleCnt="0"/>
+      <dgm:spPr/>
+    </dgm:pt>
+    <dgm:pt modelId="{BE9060D0-09F0-4678-9F18-EBAA2267E3FA}" type="pres">
+      <dgm:prSet presAssocID="{FD345346-E4F5-464B-82B8-87260DB3E920}" presName="rootText" presStyleLbl="node3" presStyleIdx="9" presStyleCnt="13">
+        <dgm:presLayoutVars>
+          <dgm:chPref val="3"/>
+        </dgm:presLayoutVars>
+      </dgm:prSet>
+      <dgm:spPr/>
+    </dgm:pt>
+    <dgm:pt modelId="{A9381A89-B03D-4DC8-AE5E-C562E51F5626}" type="pres">
+      <dgm:prSet presAssocID="{FD345346-E4F5-464B-82B8-87260DB3E920}" presName="rootConnector" presStyleLbl="node3" presStyleIdx="9" presStyleCnt="13"/>
+      <dgm:spPr/>
+    </dgm:pt>
+    <dgm:pt modelId="{38459E9D-CA55-4AE6-8AAA-949EA3C5CAA4}" type="pres">
+      <dgm:prSet presAssocID="{FD345346-E4F5-464B-82B8-87260DB3E920}" presName="hierChild4" presStyleCnt="0"/>
+      <dgm:spPr/>
+    </dgm:pt>
+    <dgm:pt modelId="{13BF675C-3023-4A8E-A777-A89A6CB47E66}" type="pres">
+      <dgm:prSet presAssocID="{FD345346-E4F5-464B-82B8-87260DB3E920}" presName="hierChild5" presStyleCnt="0"/>
+      <dgm:spPr/>
+    </dgm:pt>
+    <dgm:pt modelId="{14BC7703-A910-46FB-AC25-CF1ADE428FE3}" type="pres">
+      <dgm:prSet presAssocID="{FAAA502D-A5C2-42DF-8267-AFBE485C90F2}" presName="Name37" presStyleLbl="parChTrans1D3" presStyleIdx="10" presStyleCnt="13"/>
+      <dgm:spPr/>
+    </dgm:pt>
+    <dgm:pt modelId="{1BBAD6A9-AB70-41D2-AB49-6F6A49B3E09D}" type="pres">
+      <dgm:prSet presAssocID="{C9CDBE25-F8C3-4762-8DE4-4512652E40F9}" presName="hierRoot2" presStyleCnt="0">
+        <dgm:presLayoutVars>
+          <dgm:hierBranch val="init"/>
+        </dgm:presLayoutVars>
+      </dgm:prSet>
+      <dgm:spPr/>
+    </dgm:pt>
+    <dgm:pt modelId="{6781731F-8BB7-4FBC-BB87-8438E614D84F}" type="pres">
+      <dgm:prSet presAssocID="{C9CDBE25-F8C3-4762-8DE4-4512652E40F9}" presName="rootComposite" presStyleCnt="0"/>
+      <dgm:spPr/>
+    </dgm:pt>
+    <dgm:pt modelId="{D9185131-3E41-4ABD-BB00-2D47B3DB0B3A}" type="pres">
+      <dgm:prSet presAssocID="{C9CDBE25-F8C3-4762-8DE4-4512652E40F9}" presName="rootText" presStyleLbl="node3" presStyleIdx="10" presStyleCnt="13">
+        <dgm:presLayoutVars>
+          <dgm:chPref val="3"/>
+        </dgm:presLayoutVars>
+      </dgm:prSet>
+      <dgm:spPr/>
+    </dgm:pt>
+    <dgm:pt modelId="{662A4CF7-A16F-4452-ABF3-B4104490340D}" type="pres">
+      <dgm:prSet presAssocID="{C9CDBE25-F8C3-4762-8DE4-4512652E40F9}" presName="rootConnector" presStyleLbl="node3" presStyleIdx="10" presStyleCnt="13"/>
+      <dgm:spPr/>
+    </dgm:pt>
+    <dgm:pt modelId="{F9FE10DB-FB07-4563-87E3-F73F2CF0FFDC}" type="pres">
+      <dgm:prSet presAssocID="{C9CDBE25-F8C3-4762-8DE4-4512652E40F9}" presName="hierChild4" presStyleCnt="0"/>
+      <dgm:spPr/>
+    </dgm:pt>
+    <dgm:pt modelId="{BFCB862F-AE90-48BF-9F5B-6DDFE73A6B82}" type="pres">
+      <dgm:prSet presAssocID="{C9CDBE25-F8C3-4762-8DE4-4512652E40F9}" presName="hierChild5" presStyleCnt="0"/>
+      <dgm:spPr/>
+    </dgm:pt>
+    <dgm:pt modelId="{9659DBC1-32F6-4727-A8A7-5F8BA82A3502}" type="pres">
+      <dgm:prSet presAssocID="{84EE3171-D013-4F6E-AA64-D9455CF06B05}" presName="hierChild5" presStyleCnt="0"/>
+      <dgm:spPr/>
+    </dgm:pt>
+    <dgm:pt modelId="{561E6132-6E5F-49BC-8460-695F206FE40B}" type="pres">
+      <dgm:prSet presAssocID="{14C09F7A-D118-4294-B58E-2FDC041FA26C}" presName="Name37" presStyleLbl="parChTrans1D2" presStyleIdx="3" presStyleCnt="4"/>
+      <dgm:spPr/>
+    </dgm:pt>
+    <dgm:pt modelId="{1F27F064-56D7-4B3B-965D-CDB69C4E232F}" type="pres">
+      <dgm:prSet presAssocID="{5D77451D-A8CD-433D-9881-FE0B4D94E47F}" presName="hierRoot2" presStyleCnt="0">
+        <dgm:presLayoutVars>
+          <dgm:hierBranch val="init"/>
+        </dgm:presLayoutVars>
+      </dgm:prSet>
+      <dgm:spPr/>
+    </dgm:pt>
+    <dgm:pt modelId="{B7A00951-4E05-4ABD-99E2-4C5185FA7C10}" type="pres">
+      <dgm:prSet presAssocID="{5D77451D-A8CD-433D-9881-FE0B4D94E47F}" presName="rootComposite" presStyleCnt="0"/>
+      <dgm:spPr/>
+    </dgm:pt>
+    <dgm:pt modelId="{07FDA2CB-28EE-45AF-AD36-048FF09C91F3}" type="pres">
+      <dgm:prSet presAssocID="{5D77451D-A8CD-433D-9881-FE0B4D94E47F}" presName="rootText" presStyleLbl="node2" presStyleIdx="3" presStyleCnt="4">
+        <dgm:presLayoutVars>
+          <dgm:chPref val="3"/>
+        </dgm:presLayoutVars>
+      </dgm:prSet>
+      <dgm:spPr/>
+    </dgm:pt>
+    <dgm:pt modelId="{ACEDEBA7-7E98-4263-BA49-44D248FC5C9C}" type="pres">
+      <dgm:prSet presAssocID="{5D77451D-A8CD-433D-9881-FE0B4D94E47F}" presName="rootConnector" presStyleLbl="node2" presStyleIdx="3" presStyleCnt="4"/>
+      <dgm:spPr/>
+    </dgm:pt>
+    <dgm:pt modelId="{23D9E559-6374-48EF-AAD9-97797CDE539E}" type="pres">
+      <dgm:prSet presAssocID="{5D77451D-A8CD-433D-9881-FE0B4D94E47F}" presName="hierChild4" presStyleCnt="0"/>
+      <dgm:spPr/>
+    </dgm:pt>
+    <dgm:pt modelId="{782B6DE8-24E1-4505-B7A4-75FBC5D8C794}" type="pres">
+      <dgm:prSet presAssocID="{28474C32-EFBB-4575-B6E9-B631AD7E479E}" presName="Name37" presStyleLbl="parChTrans1D3" presStyleIdx="11" presStyleCnt="13"/>
+      <dgm:spPr/>
+    </dgm:pt>
+    <dgm:pt modelId="{F6D8A216-3DDA-439D-A9F3-FD8FC0B63700}" type="pres">
+      <dgm:prSet presAssocID="{1F0D2DDC-B9D6-4258-B672-BC6D7BCB85A8}" presName="hierRoot2" presStyleCnt="0">
+        <dgm:presLayoutVars>
+          <dgm:hierBranch val="init"/>
+        </dgm:presLayoutVars>
+      </dgm:prSet>
+      <dgm:spPr/>
+    </dgm:pt>
+    <dgm:pt modelId="{77E332B8-0ED1-4EED-AE0B-5DB82C30B7C0}" type="pres">
+      <dgm:prSet presAssocID="{1F0D2DDC-B9D6-4258-B672-BC6D7BCB85A8}" presName="rootComposite" presStyleCnt="0"/>
+      <dgm:spPr/>
+    </dgm:pt>
+    <dgm:pt modelId="{B4AE827A-950B-4294-B4B0-3BD020783ADA}" type="pres">
+      <dgm:prSet presAssocID="{1F0D2DDC-B9D6-4258-B672-BC6D7BCB85A8}" presName="rootText" presStyleLbl="node3" presStyleIdx="11" presStyleCnt="13">
+        <dgm:presLayoutVars>
+          <dgm:chPref val="3"/>
+        </dgm:presLayoutVars>
+      </dgm:prSet>
+      <dgm:spPr/>
+    </dgm:pt>
+    <dgm:pt modelId="{2F627E67-185E-4F36-B046-8D82F7BB0286}" type="pres">
+      <dgm:prSet presAssocID="{1F0D2DDC-B9D6-4258-B672-BC6D7BCB85A8}" presName="rootConnector" presStyleLbl="node3" presStyleIdx="11" presStyleCnt="13"/>
+      <dgm:spPr/>
+    </dgm:pt>
+    <dgm:pt modelId="{30D964F6-C8B4-4DD5-8218-BEB5391E212A}" type="pres">
+      <dgm:prSet presAssocID="{1F0D2DDC-B9D6-4258-B672-BC6D7BCB85A8}" presName="hierChild4" presStyleCnt="0"/>
+      <dgm:spPr/>
+    </dgm:pt>
+    <dgm:pt modelId="{09FDBB76-F258-491D-8094-B28A6E64331C}" type="pres">
+      <dgm:prSet presAssocID="{1F0D2DDC-B9D6-4258-B672-BC6D7BCB85A8}" presName="hierChild5" presStyleCnt="0"/>
+      <dgm:spPr/>
+    </dgm:pt>
+    <dgm:pt modelId="{DB1A6AF6-E71C-46DB-BEF4-95D36315A330}" type="pres">
+      <dgm:prSet presAssocID="{40C759EE-4974-4646-B73A-A2157BDADE87}" presName="Name37" presStyleLbl="parChTrans1D3" presStyleIdx="12" presStyleCnt="13"/>
+      <dgm:spPr/>
+    </dgm:pt>
+    <dgm:pt modelId="{07060AAC-9EB3-46E6-B4D2-5715B7E93D0F}" type="pres">
+      <dgm:prSet presAssocID="{ECC9A415-AEDE-4F37-8433-931B81A46B9A}" presName="hierRoot2" presStyleCnt="0">
+        <dgm:presLayoutVars>
+          <dgm:hierBranch val="init"/>
+        </dgm:presLayoutVars>
+      </dgm:prSet>
+      <dgm:spPr/>
+    </dgm:pt>
+    <dgm:pt modelId="{C48E3334-3BDA-4675-A536-2F620DF20C2E}" type="pres">
+      <dgm:prSet presAssocID="{ECC9A415-AEDE-4F37-8433-931B81A46B9A}" presName="rootComposite" presStyleCnt="0"/>
+      <dgm:spPr/>
+    </dgm:pt>
+    <dgm:pt modelId="{7E261867-C9EA-4111-A2EA-42AA50C7A6A2}" type="pres">
+      <dgm:prSet presAssocID="{ECC9A415-AEDE-4F37-8433-931B81A46B9A}" presName="rootText" presStyleLbl="node3" presStyleIdx="12" presStyleCnt="13">
+        <dgm:presLayoutVars>
+          <dgm:chPref val="3"/>
+        </dgm:presLayoutVars>
+      </dgm:prSet>
+      <dgm:spPr/>
+    </dgm:pt>
+    <dgm:pt modelId="{CE2A25BD-290F-4BA3-8E92-3781DED80CF1}" type="pres">
+      <dgm:prSet presAssocID="{ECC9A415-AEDE-4F37-8433-931B81A46B9A}" presName="rootConnector" presStyleLbl="node3" presStyleIdx="12" presStyleCnt="13"/>
+      <dgm:spPr/>
+    </dgm:pt>
+    <dgm:pt modelId="{C6701A1E-CF78-4687-A555-6DEE7F8BF685}" type="pres">
+      <dgm:prSet presAssocID="{ECC9A415-AEDE-4F37-8433-931B81A46B9A}" presName="hierChild4" presStyleCnt="0"/>
+      <dgm:spPr/>
+    </dgm:pt>
+    <dgm:pt modelId="{4B7C507A-DC2B-4380-9495-7D31FFFC068F}" type="pres">
+      <dgm:prSet presAssocID="{ECC9A415-AEDE-4F37-8433-931B81A46B9A}" presName="hierChild5" presStyleCnt="0"/>
+      <dgm:spPr/>
+    </dgm:pt>
+    <dgm:pt modelId="{E31B0009-A757-4C77-AE73-00CF170ABE66}" type="pres">
+      <dgm:prSet presAssocID="{5D77451D-A8CD-433D-9881-FE0B4D94E47F}" presName="hierChild5" presStyleCnt="0"/>
+      <dgm:spPr/>
+    </dgm:pt>
+    <dgm:pt modelId="{5D8E8CA7-F99D-4E30-8A56-0626D8420AAD}" type="pres">
+      <dgm:prSet presAssocID="{920ECE68-C7A2-44D9-A98F-F616118DDB9E}" presName="hierChild3" presStyleCnt="0"/>
+      <dgm:spPr/>
+    </dgm:pt>
+  </dgm:ptLst>
+  <dgm:cxnLst>
+    <dgm:cxn modelId="{67D9729C-6D41-4F09-B0DA-4B9066C7C6D7}" type="presOf" srcId="{B1EA6C51-8D0C-4E2A-97F1-B363A9EA3C0D}" destId="{2F6CA483-BFCF-45F2-AB2C-BC774BB56CE8}" srcOrd="0" destOrd="0" presId="urn:microsoft.com/office/officeart/2005/8/layout/orgChart1"/>
+    <dgm:cxn modelId="{BFE98F9F-E6F3-48E6-A125-7F4F673AB1C7}" type="presOf" srcId="{920ECE68-C7A2-44D9-A98F-F616118DDB9E}" destId="{59EA8F0E-1765-449A-8BEA-C52A4CDF8C87}" srcOrd="0" destOrd="0" presId="urn:microsoft.com/office/officeart/2005/8/layout/orgChart1"/>
+    <dgm:cxn modelId="{A1190B3C-369B-424B-92E4-613A6B3F2E30}" srcId="{920ECE68-C7A2-44D9-A98F-F616118DDB9E}" destId="{60B926A6-FDE1-4156-AE1C-7C4393936FC4}" srcOrd="1" destOrd="0" parTransId="{B1EA6C51-8D0C-4E2A-97F1-B363A9EA3C0D}" sibTransId="{5DA1FE6B-280E-49BF-972A-BB9B3F844BBB}"/>
+    <dgm:cxn modelId="{72BA0B06-45BC-41B5-B6B2-BF4DBFD0A30C}" type="presOf" srcId="{3299B817-2000-4826-A62E-49F7E4531A69}" destId="{090E2EE5-D615-4558-A18F-67DE3E775202}" srcOrd="0" destOrd="0" presId="urn:microsoft.com/office/officeart/2005/8/layout/orgChart1"/>
+    <dgm:cxn modelId="{564860A1-6E46-4C16-8E36-A808EC9B38E2}" srcId="{60B926A6-FDE1-4156-AE1C-7C4393936FC4}" destId="{F6C018EE-1380-4AAA-B931-E0FEFD35681D}" srcOrd="0" destOrd="0" parTransId="{5030B844-2B4F-4E97-8843-ACD1A4FDEFB0}" sibTransId="{7B2585F4-A119-4056-B5FF-9F6F4ACAE772}"/>
+    <dgm:cxn modelId="{EC95D98E-31AF-4A42-8C0E-BF8F96525B5B}" type="presOf" srcId="{FAAA502D-A5C2-42DF-8267-AFBE485C90F2}" destId="{14BC7703-A910-46FB-AC25-CF1ADE428FE3}" srcOrd="0" destOrd="0" presId="urn:microsoft.com/office/officeart/2005/8/layout/orgChart1"/>
+    <dgm:cxn modelId="{6B24893E-2917-4EC9-9710-7F71CE567287}" srcId="{920ECE68-C7A2-44D9-A98F-F616118DDB9E}" destId="{5D77451D-A8CD-433D-9881-FE0B4D94E47F}" srcOrd="3" destOrd="0" parTransId="{14C09F7A-D118-4294-B58E-2FDC041FA26C}" sibTransId="{5FFB8F85-A834-48C9-9C73-F00839D75851}"/>
+    <dgm:cxn modelId="{61903F0F-EA97-4CDD-B1B8-87EC08689D2E}" type="presOf" srcId="{DE036EAA-5F71-4F84-B430-57AFD7119D95}" destId="{407A47DC-D4DA-4DE5-8C10-FA0E63087EE1}" srcOrd="1" destOrd="0" presId="urn:microsoft.com/office/officeart/2005/8/layout/orgChart1"/>
+    <dgm:cxn modelId="{02441E23-8140-4C1C-AA67-42B8A3EE9B48}" type="presOf" srcId="{14C09F7A-D118-4294-B58E-2FDC041FA26C}" destId="{561E6132-6E5F-49BC-8460-695F206FE40B}" srcOrd="0" destOrd="0" presId="urn:microsoft.com/office/officeart/2005/8/layout/orgChart1"/>
+    <dgm:cxn modelId="{873B9BFE-8B93-4257-994C-96B407DFB62F}" type="presOf" srcId="{FEC19560-18AA-40AC-A648-36F56F7B4B0F}" destId="{2EDE49F7-D911-4ADD-AD8B-A3B39F322D4C}" srcOrd="0" destOrd="0" presId="urn:microsoft.com/office/officeart/2005/8/layout/orgChart1"/>
+    <dgm:cxn modelId="{16FBA60C-E373-498F-953D-E8C7461C17FA}" type="presOf" srcId="{391A6C9F-C777-4A38-A5A1-7962AF570315}" destId="{497AE76E-8A57-4A6E-80E0-27258784729A}" srcOrd="1" destOrd="0" presId="urn:microsoft.com/office/officeart/2005/8/layout/orgChart1"/>
+    <dgm:cxn modelId="{18C5B40F-2851-4897-82CB-DD1EA7B12A84}" srcId="{84EE3171-D013-4F6E-AA64-D9455CF06B05}" destId="{C9CDBE25-F8C3-4762-8DE4-4512652E40F9}" srcOrd="3" destOrd="0" parTransId="{FAAA502D-A5C2-42DF-8267-AFBE485C90F2}" sibTransId="{2687B09C-9382-47CD-8806-CDA505019BAC}"/>
+    <dgm:cxn modelId="{7256BCE4-914C-4A13-A298-1B1CFAF60F2E}" type="presOf" srcId="{794A8C92-A608-4097-913E-E49F087E1F18}" destId="{2FF9BC0F-7E06-4607-B8A7-EC75C096F915}" srcOrd="0" destOrd="0" presId="urn:microsoft.com/office/officeart/2005/8/layout/orgChart1"/>
+    <dgm:cxn modelId="{5C28E437-9901-4784-9D29-C869CDC3E720}" type="presOf" srcId="{84EE3171-D013-4F6E-AA64-D9455CF06B05}" destId="{600C3542-0C0D-4244-8155-F4A5754118AE}" srcOrd="0" destOrd="0" presId="urn:microsoft.com/office/officeart/2005/8/layout/orgChart1"/>
+    <dgm:cxn modelId="{417CD496-4687-462C-B749-2068503D3415}" type="presOf" srcId="{FEC19560-18AA-40AC-A648-36F56F7B4B0F}" destId="{FB2073A2-C74A-4E9A-AC4D-E934233DF5FD}" srcOrd="1" destOrd="0" presId="urn:microsoft.com/office/officeart/2005/8/layout/orgChart1"/>
+    <dgm:cxn modelId="{D1212646-42B2-4B3B-BA08-BC7E9479BE1D}" type="presOf" srcId="{1F0D2DDC-B9D6-4258-B672-BC6D7BCB85A8}" destId="{2F627E67-185E-4F36-B046-8D82F7BB0286}" srcOrd="1" destOrd="0" presId="urn:microsoft.com/office/officeart/2005/8/layout/orgChart1"/>
+    <dgm:cxn modelId="{38F6518A-A8F9-4698-A750-457DC0AC3827}" type="presOf" srcId="{DC3ED191-4FE4-413C-9813-B52844526BB6}" destId="{960635A7-A131-490D-BB35-DBFE68ACE9C7}" srcOrd="0" destOrd="0" presId="urn:microsoft.com/office/officeart/2005/8/layout/orgChart1"/>
+    <dgm:cxn modelId="{A178620A-B789-4B60-9A13-080216722253}" type="presOf" srcId="{5030B844-2B4F-4E97-8843-ACD1A4FDEFB0}" destId="{B4B85693-9C21-41C2-BAFB-9872C7A5DB2E}" srcOrd="0" destOrd="0" presId="urn:microsoft.com/office/officeart/2005/8/layout/orgChart1"/>
+    <dgm:cxn modelId="{87C24D69-12D7-4DCC-9E6D-E0E728A58D9B}" srcId="{BB543EDB-5FFA-43ED-B522-E3EAF2D74EF7}" destId="{920ECE68-C7A2-44D9-A98F-F616118DDB9E}" srcOrd="0" destOrd="0" parTransId="{C174D769-F720-4D2F-9F0F-BF129CFFF338}" sibTransId="{66B38C8D-2EBB-4473-9F7B-3AB52D02A259}"/>
+    <dgm:cxn modelId="{AFB13D48-D315-41B6-B1B9-C5DF2ECA8F5B}" type="presOf" srcId="{1F0D2DDC-B9D6-4258-B672-BC6D7BCB85A8}" destId="{B4AE827A-950B-4294-B4B0-3BD020783ADA}" srcOrd="0" destOrd="0" presId="urn:microsoft.com/office/officeart/2005/8/layout/orgChart1"/>
+    <dgm:cxn modelId="{068B2A3F-BD31-44D6-91CF-AB920C8D96D1}" srcId="{6B3219F3-566A-43B5-A507-0D138483720D}" destId="{DE036EAA-5F71-4F84-B430-57AFD7119D95}" srcOrd="0" destOrd="0" parTransId="{535D2905-55E7-445B-9DFB-DDA734863090}" sibTransId="{FF97A51C-57CC-47E8-8B54-246DC6E90B22}"/>
+    <dgm:cxn modelId="{57D351FE-0D71-435A-9C79-E9F9A11F2BDA}" type="presOf" srcId="{655B5853-7B35-4705-99BC-DE7A41EF358E}" destId="{40F4FF2D-5CA2-49DD-898A-5E77CE6F097F}" srcOrd="0" destOrd="0" presId="urn:microsoft.com/office/officeart/2005/8/layout/orgChart1"/>
+    <dgm:cxn modelId="{2F3E0D79-60B6-4650-BBF0-10410EE11550}" type="presOf" srcId="{FD345346-E4F5-464B-82B8-87260DB3E920}" destId="{BE9060D0-09F0-4678-9F18-EBAA2267E3FA}" srcOrd="0" destOrd="0" presId="urn:microsoft.com/office/officeart/2005/8/layout/orgChart1"/>
+    <dgm:cxn modelId="{27FFC8B8-B7EA-4AC3-AA0D-0ABAAD52B875}" type="presOf" srcId="{8EC34E99-B54C-4B46-A3B1-F829401DEBD2}" destId="{4426501D-8BA9-4AF8-932A-8A360A4142E2}" srcOrd="0" destOrd="0" presId="urn:microsoft.com/office/officeart/2005/8/layout/orgChart1"/>
+    <dgm:cxn modelId="{68E18310-6138-4137-ACDA-E7DFDDAF8F48}" type="presOf" srcId="{C46E671C-EA64-4A05-9694-909452AEB1A6}" destId="{13C211F1-3B14-49D8-B97B-205894B4B24F}" srcOrd="0" destOrd="0" presId="urn:microsoft.com/office/officeart/2005/8/layout/orgChart1"/>
+    <dgm:cxn modelId="{841AF6CF-6B98-456D-A49E-4A15C00A57CD}" type="presOf" srcId="{40C759EE-4974-4646-B73A-A2157BDADE87}" destId="{DB1A6AF6-E71C-46DB-BEF4-95D36315A330}" srcOrd="0" destOrd="0" presId="urn:microsoft.com/office/officeart/2005/8/layout/orgChart1"/>
+    <dgm:cxn modelId="{667685FC-2CF5-4FD0-8817-BF750C05FFA1}" type="presOf" srcId="{C9CDBE25-F8C3-4762-8DE4-4512652E40F9}" destId="{D9185131-3E41-4ABD-BB00-2D47B3DB0B3A}" srcOrd="0" destOrd="0" presId="urn:microsoft.com/office/officeart/2005/8/layout/orgChart1"/>
+    <dgm:cxn modelId="{8619E46F-B651-4F46-AC5B-BCF921933318}" type="presOf" srcId="{F6C018EE-1380-4AAA-B931-E0FEFD35681D}" destId="{7C7ADA19-6208-47B2-A2E9-67A4F3052EF5}" srcOrd="0" destOrd="0" presId="urn:microsoft.com/office/officeart/2005/8/layout/orgChart1"/>
+    <dgm:cxn modelId="{93334E64-62D3-4CDC-B885-16583DE396ED}" type="presOf" srcId="{84EE3171-D013-4F6E-AA64-D9455CF06B05}" destId="{B72687FC-91A9-46A6-9475-DB13CDDA3088}" srcOrd="1" destOrd="0" presId="urn:microsoft.com/office/officeart/2005/8/layout/orgChart1"/>
+    <dgm:cxn modelId="{8D1F2DEA-770D-4DD6-856F-B26EC786F8F6}" type="presOf" srcId="{DFA7EAFB-993D-447A-A960-64199DC9A80F}" destId="{78B1D46B-C128-4236-9CF5-BD1FEBEBCAD4}" srcOrd="0" destOrd="0" presId="urn:microsoft.com/office/officeart/2005/8/layout/orgChart1"/>
+    <dgm:cxn modelId="{7E41DDC0-5998-40CF-A41F-E174F1294452}" type="presOf" srcId="{ECC9A415-AEDE-4F37-8433-931B81A46B9A}" destId="{7E261867-C9EA-4111-A2EA-42AA50C7A6A2}" srcOrd="0" destOrd="0" presId="urn:microsoft.com/office/officeart/2005/8/layout/orgChart1"/>
+    <dgm:cxn modelId="{1ECB80AF-1467-4948-A187-EC0347C44B70}" type="presOf" srcId="{ECC9A415-AEDE-4F37-8433-931B81A46B9A}" destId="{CE2A25BD-290F-4BA3-8E92-3781DED80CF1}" srcOrd="1" destOrd="0" presId="urn:microsoft.com/office/officeart/2005/8/layout/orgChart1"/>
+    <dgm:cxn modelId="{BF9B6FC5-9E14-482D-8780-DE71889FE1AE}" type="presOf" srcId="{535D2905-55E7-445B-9DFB-DDA734863090}" destId="{1428A162-9607-412F-9DD3-C41193BA1609}" srcOrd="0" destOrd="0" presId="urn:microsoft.com/office/officeart/2005/8/layout/orgChart1"/>
+    <dgm:cxn modelId="{16403EBF-D6EB-49BF-8E38-60D69D7F69A9}" type="presOf" srcId="{60B926A6-FDE1-4156-AE1C-7C4393936FC4}" destId="{9CE6BF48-9B96-47A5-8E1E-3210324891B8}" srcOrd="1" destOrd="0" presId="urn:microsoft.com/office/officeart/2005/8/layout/orgChart1"/>
+    <dgm:cxn modelId="{32A3193A-9E36-4962-879E-31DF73B93625}" srcId="{6B3219F3-566A-43B5-A507-0D138483720D}" destId="{1109F605-7340-42E3-8EA5-72AE748E9CCC}" srcOrd="1" destOrd="0" parTransId="{21935BF5-711D-414D-A8BF-6C9B02CA9577}" sibTransId="{27FC1757-081F-4362-BBEF-4A84CB64E143}"/>
+    <dgm:cxn modelId="{3B837A45-F9ED-493B-A1B5-DB8A36180C0D}" type="presOf" srcId="{21935BF5-711D-414D-A8BF-6C9B02CA9577}" destId="{D41C38CF-CDD4-4C1E-91AD-B5421097F08A}" srcOrd="0" destOrd="0" presId="urn:microsoft.com/office/officeart/2005/8/layout/orgChart1"/>
+    <dgm:cxn modelId="{88F764AC-C804-4891-9BF7-4D3426C2B618}" type="presOf" srcId="{9618B876-D543-4B43-85EF-53C3E211592C}" destId="{5A0CB855-5837-4EC3-BD9A-E5F48069FECD}" srcOrd="0" destOrd="0" presId="urn:microsoft.com/office/officeart/2005/8/layout/orgChart1"/>
+    <dgm:cxn modelId="{CA98BF6D-2AD5-468D-8310-39E1281823D3}" srcId="{920ECE68-C7A2-44D9-A98F-F616118DDB9E}" destId="{6B3219F3-566A-43B5-A507-0D138483720D}" srcOrd="0" destOrd="0" parTransId="{BB08B0A4-D80B-4424-AE16-D5E97955DE1C}" sibTransId="{86C49E3B-9D58-4407-BB41-88F5EEFABBFC}"/>
+    <dgm:cxn modelId="{934F56AC-4A07-4974-8E34-95D88228074F}" type="presOf" srcId="{1109F605-7340-42E3-8EA5-72AE748E9CCC}" destId="{DC393A58-D5D1-4E57-892F-85F274DA110B}" srcOrd="0" destOrd="0" presId="urn:microsoft.com/office/officeart/2005/8/layout/orgChart1"/>
+    <dgm:cxn modelId="{4A37F747-E723-44A6-84CC-B8F950A42010}" type="presOf" srcId="{1109F605-7340-42E3-8EA5-72AE748E9CCC}" destId="{9CA08391-0EBB-470A-801A-5F1B69303337}" srcOrd="1" destOrd="0" presId="urn:microsoft.com/office/officeart/2005/8/layout/orgChart1"/>
+    <dgm:cxn modelId="{6F7E77D8-8254-42DE-8FB8-A5732D45545A}" type="presOf" srcId="{31B9D79F-8856-4C29-A9C6-64D2239B90E3}" destId="{D796DC29-6182-4F38-BCBC-3AF375E81CAB}" srcOrd="0" destOrd="0" presId="urn:microsoft.com/office/officeart/2005/8/layout/orgChart1"/>
+    <dgm:cxn modelId="{0AA4C139-1BCE-40DD-90F1-799E0B1A013F}" srcId="{6B3219F3-566A-43B5-A507-0D138483720D}" destId="{794A8C92-A608-4097-913E-E49F087E1F18}" srcOrd="2" destOrd="0" parTransId="{65BA66FD-7849-41AC-9D32-A4A6E0900B52}" sibTransId="{70087A74-02D6-4950-8802-35BC3521DE91}"/>
+    <dgm:cxn modelId="{17DBB43D-1449-47D6-B3F3-70545D27B6B6}" type="presOf" srcId="{60B926A6-FDE1-4156-AE1C-7C4393936FC4}" destId="{39CEC9F6-9D4A-4824-9C01-01022371D9C3}" srcOrd="0" destOrd="0" presId="urn:microsoft.com/office/officeart/2005/8/layout/orgChart1"/>
+    <dgm:cxn modelId="{BCDE8331-441D-4514-B66B-F47B1E4CFB01}" srcId="{5D77451D-A8CD-433D-9881-FE0B4D94E47F}" destId="{1F0D2DDC-B9D6-4258-B672-BC6D7BCB85A8}" srcOrd="0" destOrd="0" parTransId="{28474C32-EFBB-4575-B6E9-B631AD7E479E}" sibTransId="{18505A58-5298-421C-8008-4E92D412E65B}"/>
+    <dgm:cxn modelId="{F9BDF044-507C-42D2-B30B-21E3A157C537}" srcId="{920ECE68-C7A2-44D9-A98F-F616118DDB9E}" destId="{84EE3171-D013-4F6E-AA64-D9455CF06B05}" srcOrd="2" destOrd="0" parTransId="{8EC34E99-B54C-4B46-A3B1-F829401DEBD2}" sibTransId="{82B640F2-277F-4478-A33F-CEC110040639}"/>
+    <dgm:cxn modelId="{281DA158-ADE3-437F-950B-8BBC8658B2D9}" type="presOf" srcId="{655B5853-7B35-4705-99BC-DE7A41EF358E}" destId="{078AC6E3-3465-4D70-9AB8-FF65A3704682}" srcOrd="1" destOrd="0" presId="urn:microsoft.com/office/officeart/2005/8/layout/orgChart1"/>
+    <dgm:cxn modelId="{AD640472-BC24-42E0-9FCF-C7B3CFAEE466}" type="presOf" srcId="{DFA7EAFB-993D-447A-A960-64199DC9A80F}" destId="{5D1E46F6-94B7-49BE-81E2-10675DE193F6}" srcOrd="1" destOrd="0" presId="urn:microsoft.com/office/officeart/2005/8/layout/orgChart1"/>
+    <dgm:cxn modelId="{9513BAE9-1817-4A7C-A066-E094A15D60E9}" srcId="{84EE3171-D013-4F6E-AA64-D9455CF06B05}" destId="{655B5853-7B35-4705-99BC-DE7A41EF358E}" srcOrd="0" destOrd="0" parTransId="{C46E671C-EA64-4A05-9694-909452AEB1A6}" sibTransId="{5AC79B79-DE5B-4514-9424-99330CD3CE97}"/>
+    <dgm:cxn modelId="{EE9297FA-CB6E-4DD3-8AB2-B63E8B6B7068}" type="presOf" srcId="{920ECE68-C7A2-44D9-A98F-F616118DDB9E}" destId="{D3CE9FA9-0954-4684-AA87-0B821A79E931}" srcOrd="1" destOrd="0" presId="urn:microsoft.com/office/officeart/2005/8/layout/orgChart1"/>
+    <dgm:cxn modelId="{E11A544B-B973-4533-ACDE-30ED379A3804}" srcId="{84EE3171-D013-4F6E-AA64-D9455CF06B05}" destId="{FD345346-E4F5-464B-82B8-87260DB3E920}" srcOrd="2" destOrd="0" parTransId="{DC3ED191-4FE4-413C-9813-B52844526BB6}" sibTransId="{E6DCE40D-AA3A-47A2-B703-1D70250BC59B}"/>
+    <dgm:cxn modelId="{28C37491-FC95-4FF8-9A33-07FF67D4D86E}" srcId="{60B926A6-FDE1-4156-AE1C-7C4393936FC4}" destId="{FEC19560-18AA-40AC-A648-36F56F7B4B0F}" srcOrd="2" destOrd="0" parTransId="{B9586131-05F7-4C30-9328-8107321E6118}" sibTransId="{E1A5B41C-065F-498F-80E1-543C012F067A}"/>
+    <dgm:cxn modelId="{9F476770-915E-4580-BCAA-A03C4D5036EA}" srcId="{60B926A6-FDE1-4156-AE1C-7C4393936FC4}" destId="{391A6C9F-C777-4A38-A5A1-7962AF570315}" srcOrd="3" destOrd="0" parTransId="{280A9838-AED4-4675-BE9B-493CBBC0214E}" sibTransId="{1035B98F-101B-4139-B43D-8423D845BDBE}"/>
+    <dgm:cxn modelId="{8C0287B8-6E9F-4D76-BFEA-F234C3C97252}" type="presOf" srcId="{C9CDBE25-F8C3-4762-8DE4-4512652E40F9}" destId="{662A4CF7-A16F-4452-ABF3-B4104490340D}" srcOrd="1" destOrd="0" presId="urn:microsoft.com/office/officeart/2005/8/layout/orgChart1"/>
+    <dgm:cxn modelId="{26FA28DD-C602-412F-8C55-B357B240306F}" srcId="{60B926A6-FDE1-4156-AE1C-7C4393936FC4}" destId="{9618B876-D543-4B43-85EF-53C3E211592C}" srcOrd="1" destOrd="0" parTransId="{3299B817-2000-4826-A62E-49F7E4531A69}" sibTransId="{50F22DB5-4193-42D7-8B5A-A33E3D7C1AA5}"/>
+    <dgm:cxn modelId="{E4D309D7-91D4-47AD-95CB-54C65E0A0BF5}" srcId="{5D77451D-A8CD-433D-9881-FE0B4D94E47F}" destId="{ECC9A415-AEDE-4F37-8433-931B81A46B9A}" srcOrd="1" destOrd="0" parTransId="{40C759EE-4974-4646-B73A-A2157BDADE87}" sibTransId="{C632FABA-1B13-4316-8188-7AAC8CF621CD}"/>
+    <dgm:cxn modelId="{55449D53-FA2D-43FE-B5E4-6D0307C13A6F}" type="presOf" srcId="{280A9838-AED4-4675-BE9B-493CBBC0214E}" destId="{B1EB0FBE-FE81-4BB3-BBB2-CCE161C78182}" srcOrd="0" destOrd="0" presId="urn:microsoft.com/office/officeart/2005/8/layout/orgChart1"/>
+    <dgm:cxn modelId="{AC76C4F3-8BB1-462C-B022-90A1ECD3F38A}" type="presOf" srcId="{9618B876-D543-4B43-85EF-53C3E211592C}" destId="{1A3F0F38-7369-4973-9881-9FD77CD4A984}" srcOrd="1" destOrd="0" presId="urn:microsoft.com/office/officeart/2005/8/layout/orgChart1"/>
+    <dgm:cxn modelId="{82D8D5C4-E5B2-4734-96B7-ED3970605F2E}" type="presOf" srcId="{6B3219F3-566A-43B5-A507-0D138483720D}" destId="{011414D8-D75B-400B-9359-EF1E24C33CB3}" srcOrd="1" destOrd="0" presId="urn:microsoft.com/office/officeart/2005/8/layout/orgChart1"/>
+    <dgm:cxn modelId="{2CCA2929-3100-4999-9D94-219A2FF58FA8}" type="presOf" srcId="{F6C018EE-1380-4AAA-B931-E0FEFD35681D}" destId="{0059383D-D42A-470C-BEF3-1ECA48EB8526}" srcOrd="1" destOrd="0" presId="urn:microsoft.com/office/officeart/2005/8/layout/orgChart1"/>
+    <dgm:cxn modelId="{7BC11504-6823-4D46-B44D-13BAA1A6AF3B}" type="presOf" srcId="{5D77451D-A8CD-433D-9881-FE0B4D94E47F}" destId="{ACEDEBA7-7E98-4263-BA49-44D248FC5C9C}" srcOrd="1" destOrd="0" presId="urn:microsoft.com/office/officeart/2005/8/layout/orgChart1"/>
+    <dgm:cxn modelId="{3523B3E3-0635-4E53-B2AD-1FF3D7AEC2C6}" type="presOf" srcId="{6B3219F3-566A-43B5-A507-0D138483720D}" destId="{BF7F29B3-7C88-46AA-BF33-100C2DAF833F}" srcOrd="0" destOrd="0" presId="urn:microsoft.com/office/officeart/2005/8/layout/orgChart1"/>
+    <dgm:cxn modelId="{51758268-AFFB-4741-BC27-8522268FFB91}" type="presOf" srcId="{DE036EAA-5F71-4F84-B430-57AFD7119D95}" destId="{13A5476E-948E-48FA-A932-76B1299F7255}" srcOrd="0" destOrd="0" presId="urn:microsoft.com/office/officeart/2005/8/layout/orgChart1"/>
+    <dgm:cxn modelId="{0CEF4E04-2220-4AE7-AA7D-D79E419D0ED5}" type="presOf" srcId="{794A8C92-A608-4097-913E-E49F087E1F18}" destId="{222E2F41-984D-4C6B-A642-F8FDE3B03A46}" srcOrd="1" destOrd="0" presId="urn:microsoft.com/office/officeart/2005/8/layout/orgChart1"/>
+    <dgm:cxn modelId="{7BFA2263-781D-466C-9D73-6418466945E0}" type="presOf" srcId="{BB543EDB-5FFA-43ED-B522-E3EAF2D74EF7}" destId="{1693347D-FECC-4FF4-851F-DD9C5806F5B8}" srcOrd="0" destOrd="0" presId="urn:microsoft.com/office/officeart/2005/8/layout/orgChart1"/>
+    <dgm:cxn modelId="{78E67C92-8B9C-4798-A6A5-79148EF8751E}" type="presOf" srcId="{28474C32-EFBB-4575-B6E9-B631AD7E479E}" destId="{782B6DE8-24E1-4505-B7A4-75FBC5D8C794}" srcOrd="0" destOrd="0" presId="urn:microsoft.com/office/officeart/2005/8/layout/orgChart1"/>
+    <dgm:cxn modelId="{01837BBA-1506-40EE-8723-61CDD8D95599}" type="presOf" srcId="{391A6C9F-C777-4A38-A5A1-7962AF570315}" destId="{07439A13-4F9E-42CF-884C-964A3AC2FD64}" srcOrd="0" destOrd="0" presId="urn:microsoft.com/office/officeart/2005/8/layout/orgChart1"/>
+    <dgm:cxn modelId="{75A0F0A9-C3FB-4B9A-BAFC-10962042DAA2}" type="presOf" srcId="{65BA66FD-7849-41AC-9D32-A4A6E0900B52}" destId="{1B3B786E-ED9D-440D-A0C7-8C2E8546D06D}" srcOrd="0" destOrd="0" presId="urn:microsoft.com/office/officeart/2005/8/layout/orgChart1"/>
+    <dgm:cxn modelId="{ECC010D4-21F1-4048-89C7-E704ABCCE8FA}" type="presOf" srcId="{FD345346-E4F5-464B-82B8-87260DB3E920}" destId="{A9381A89-B03D-4DC8-AE5E-C562E51F5626}" srcOrd="1" destOrd="0" presId="urn:microsoft.com/office/officeart/2005/8/layout/orgChart1"/>
+    <dgm:cxn modelId="{86C09396-A5E0-4670-A232-3FC24082AB7B}" type="presOf" srcId="{BB08B0A4-D80B-4424-AE16-D5E97955DE1C}" destId="{E466AF22-9447-471C-AE53-F446EE0FB550}" srcOrd="0" destOrd="0" presId="urn:microsoft.com/office/officeart/2005/8/layout/orgChart1"/>
+    <dgm:cxn modelId="{63607ABC-315F-48DD-8304-DC326A86BA0C}" type="presOf" srcId="{B9586131-05F7-4C30-9328-8107321E6118}" destId="{DC5F68A9-3F83-4B23-8ACC-DE5A8C1E15C1}" srcOrd="0" destOrd="0" presId="urn:microsoft.com/office/officeart/2005/8/layout/orgChart1"/>
+    <dgm:cxn modelId="{C1D70DB0-1D49-4BC1-A90C-27F5FA86B4A8}" type="presOf" srcId="{5D77451D-A8CD-433D-9881-FE0B4D94E47F}" destId="{07FDA2CB-28EE-45AF-AD36-048FF09C91F3}" srcOrd="0" destOrd="0" presId="urn:microsoft.com/office/officeart/2005/8/layout/orgChart1"/>
+    <dgm:cxn modelId="{B926E7D2-9DB0-475C-946B-9B43486951C2}" srcId="{84EE3171-D013-4F6E-AA64-D9455CF06B05}" destId="{DFA7EAFB-993D-447A-A960-64199DC9A80F}" srcOrd="1" destOrd="0" parTransId="{31B9D79F-8856-4C29-A9C6-64D2239B90E3}" sibTransId="{F0A0DD9A-C867-4DF2-BDCB-06CFAE9872ED}"/>
+    <dgm:cxn modelId="{45E1CBD8-BECF-4CE5-BB4B-7DD12FBEB7E7}" type="presParOf" srcId="{1693347D-FECC-4FF4-851F-DD9C5806F5B8}" destId="{4F1731CE-213E-4702-9B31-E3A7AE0932CE}" srcOrd="0" destOrd="0" presId="urn:microsoft.com/office/officeart/2005/8/layout/orgChart1"/>
+    <dgm:cxn modelId="{E17A76F4-A5B5-43A6-975B-94A5E91559F7}" type="presParOf" srcId="{4F1731CE-213E-4702-9B31-E3A7AE0932CE}" destId="{570837AD-FD9D-42FD-BD0B-C356BC4E23AB}" srcOrd="0" destOrd="0" presId="urn:microsoft.com/office/officeart/2005/8/layout/orgChart1"/>
+    <dgm:cxn modelId="{2BBAF481-6EC7-4EA5-94AB-1039E59AF7B1}" type="presParOf" srcId="{570837AD-FD9D-42FD-BD0B-C356BC4E23AB}" destId="{59EA8F0E-1765-449A-8BEA-C52A4CDF8C87}" srcOrd="0" destOrd="0" presId="urn:microsoft.com/office/officeart/2005/8/layout/orgChart1"/>
+    <dgm:cxn modelId="{D61C1345-B2C9-47F0-820C-C92F20D52AA1}" type="presParOf" srcId="{570837AD-FD9D-42FD-BD0B-C356BC4E23AB}" destId="{D3CE9FA9-0954-4684-AA87-0B821A79E931}" srcOrd="1" destOrd="0" presId="urn:microsoft.com/office/officeart/2005/8/layout/orgChart1"/>
+    <dgm:cxn modelId="{96EB630F-3019-4F65-989F-9406A2E2559F}" type="presParOf" srcId="{4F1731CE-213E-4702-9B31-E3A7AE0932CE}" destId="{08A02FCB-1938-431C-A5A4-49915754C28C}" srcOrd="1" destOrd="0" presId="urn:microsoft.com/office/officeart/2005/8/layout/orgChart1"/>
+    <dgm:cxn modelId="{59CC2601-851B-491D-8E6E-0A36F2F09CF2}" type="presParOf" srcId="{08A02FCB-1938-431C-A5A4-49915754C28C}" destId="{E466AF22-9447-471C-AE53-F446EE0FB550}" srcOrd="0" destOrd="0" presId="urn:microsoft.com/office/officeart/2005/8/layout/orgChart1"/>
+    <dgm:cxn modelId="{D39E596F-5245-4CF1-B718-70469A39B1D1}" type="presParOf" srcId="{08A02FCB-1938-431C-A5A4-49915754C28C}" destId="{F1A32D29-E5FE-44BA-946E-8AB034ADB508}" srcOrd="1" destOrd="0" presId="urn:microsoft.com/office/officeart/2005/8/layout/orgChart1"/>
+    <dgm:cxn modelId="{33BDDB57-0CFE-4E41-B0B5-2DD2F83BEE3F}" type="presParOf" srcId="{F1A32D29-E5FE-44BA-946E-8AB034ADB508}" destId="{4FAF48A7-952A-4D52-BA75-08F252BD7A5E}" srcOrd="0" destOrd="0" presId="urn:microsoft.com/office/officeart/2005/8/layout/orgChart1"/>
+    <dgm:cxn modelId="{9EED01B1-F6B6-45D7-A22E-243721E5B96B}" type="presParOf" srcId="{4FAF48A7-952A-4D52-BA75-08F252BD7A5E}" destId="{BF7F29B3-7C88-46AA-BF33-100C2DAF833F}" srcOrd="0" destOrd="0" presId="urn:microsoft.com/office/officeart/2005/8/layout/orgChart1"/>
+    <dgm:cxn modelId="{C2E35B9E-5575-4166-9CFE-EED74D2B7836}" type="presParOf" srcId="{4FAF48A7-952A-4D52-BA75-08F252BD7A5E}" destId="{011414D8-D75B-400B-9359-EF1E24C33CB3}" srcOrd="1" destOrd="0" presId="urn:microsoft.com/office/officeart/2005/8/layout/orgChart1"/>
+    <dgm:cxn modelId="{1102CD55-08C6-48E9-9686-9AFB6F021A05}" type="presParOf" srcId="{F1A32D29-E5FE-44BA-946E-8AB034ADB508}" destId="{DDD7801C-F0AB-48C2-B1ED-1EF1B22CEA40}" srcOrd="1" destOrd="0" presId="urn:microsoft.com/office/officeart/2005/8/layout/orgChart1"/>
+    <dgm:cxn modelId="{9D668FF8-D98F-467E-9E74-3281CD4ABDF2}" type="presParOf" srcId="{DDD7801C-F0AB-48C2-B1ED-1EF1B22CEA40}" destId="{1428A162-9607-412F-9DD3-C41193BA1609}" srcOrd="0" destOrd="0" presId="urn:microsoft.com/office/officeart/2005/8/layout/orgChart1"/>
+    <dgm:cxn modelId="{08289AC2-6B57-4B07-9DBD-ED6EB84742DD}" type="presParOf" srcId="{DDD7801C-F0AB-48C2-B1ED-1EF1B22CEA40}" destId="{71F2B2E1-A577-427D-8424-85E5584581F9}" srcOrd="1" destOrd="0" presId="urn:microsoft.com/office/officeart/2005/8/layout/orgChart1"/>
+    <dgm:cxn modelId="{DE106860-CF70-4C7C-A160-79900B02493C}" type="presParOf" srcId="{71F2B2E1-A577-427D-8424-85E5584581F9}" destId="{72C38F6A-A8A1-4442-8A9A-A00787534375}" srcOrd="0" destOrd="0" presId="urn:microsoft.com/office/officeart/2005/8/layout/orgChart1"/>
+    <dgm:cxn modelId="{2AC75300-F98D-41F8-BFF3-FE6B9660CD89}" type="presParOf" srcId="{72C38F6A-A8A1-4442-8A9A-A00787534375}" destId="{13A5476E-948E-48FA-A932-76B1299F7255}" srcOrd="0" destOrd="0" presId="urn:microsoft.com/office/officeart/2005/8/layout/orgChart1"/>
+    <dgm:cxn modelId="{758CB09C-66BB-42E9-9FD4-0F1E793AB375}" type="presParOf" srcId="{72C38F6A-A8A1-4442-8A9A-A00787534375}" destId="{407A47DC-D4DA-4DE5-8C10-FA0E63087EE1}" srcOrd="1" destOrd="0" presId="urn:microsoft.com/office/officeart/2005/8/layout/orgChart1"/>
+    <dgm:cxn modelId="{C57367DB-8EA5-4EBC-B3C9-0FB1BF11A1B0}" type="presParOf" srcId="{71F2B2E1-A577-427D-8424-85E5584581F9}" destId="{860B8B66-2311-42C9-A041-A69C15FBB285}" srcOrd="1" destOrd="0" presId="urn:microsoft.com/office/officeart/2005/8/layout/orgChart1"/>
+    <dgm:cxn modelId="{536ED100-C2F4-4964-AA34-51E18B9B0D90}" type="presParOf" srcId="{71F2B2E1-A577-427D-8424-85E5584581F9}" destId="{5E303977-7000-44EB-BC7C-A3C8CBD2F4F2}" srcOrd="2" destOrd="0" presId="urn:microsoft.com/office/officeart/2005/8/layout/orgChart1"/>
+    <dgm:cxn modelId="{4B6B65A1-61D4-4ED7-9BA7-96133636D343}" type="presParOf" srcId="{DDD7801C-F0AB-48C2-B1ED-1EF1B22CEA40}" destId="{D41C38CF-CDD4-4C1E-91AD-B5421097F08A}" srcOrd="2" destOrd="0" presId="urn:microsoft.com/office/officeart/2005/8/layout/orgChart1"/>
+    <dgm:cxn modelId="{3E0573D4-CDE8-414A-BBF8-FF4BB6FDB064}" type="presParOf" srcId="{DDD7801C-F0AB-48C2-B1ED-1EF1B22CEA40}" destId="{B644D0BF-98DA-4AC0-A31C-BE96D7C6D9A4}" srcOrd="3" destOrd="0" presId="urn:microsoft.com/office/officeart/2005/8/layout/orgChart1"/>
+    <dgm:cxn modelId="{086CF8E5-A8F9-4053-8FEB-0768D1EE77D8}" type="presParOf" srcId="{B644D0BF-98DA-4AC0-A31C-BE96D7C6D9A4}" destId="{F7FDA003-6737-4C8E-8019-FFF87D46A71E}" srcOrd="0" destOrd="0" presId="urn:microsoft.com/office/officeart/2005/8/layout/orgChart1"/>
+    <dgm:cxn modelId="{5676E124-5B86-4DD7-8C27-FA2FB8BE98AF}" type="presParOf" srcId="{F7FDA003-6737-4C8E-8019-FFF87D46A71E}" destId="{DC393A58-D5D1-4E57-892F-85F274DA110B}" srcOrd="0" destOrd="0" presId="urn:microsoft.com/office/officeart/2005/8/layout/orgChart1"/>
+    <dgm:cxn modelId="{E77CF371-4386-44FD-BA55-9A4D7BB0070A}" type="presParOf" srcId="{F7FDA003-6737-4C8E-8019-FFF87D46A71E}" destId="{9CA08391-0EBB-470A-801A-5F1B69303337}" srcOrd="1" destOrd="0" presId="urn:microsoft.com/office/officeart/2005/8/layout/orgChart1"/>
+    <dgm:cxn modelId="{E4145715-6683-4561-89CF-F0B5AEACB4C9}" type="presParOf" srcId="{B644D0BF-98DA-4AC0-A31C-BE96D7C6D9A4}" destId="{1C6B82DA-9959-4B2E-9910-865DF6183ACA}" srcOrd="1" destOrd="0" presId="urn:microsoft.com/office/officeart/2005/8/layout/orgChart1"/>
+    <dgm:cxn modelId="{B91B787D-5B0B-4A4C-B65D-732DAE93424C}" type="presParOf" srcId="{B644D0BF-98DA-4AC0-A31C-BE96D7C6D9A4}" destId="{8720C313-7815-465B-BFE9-BA25D87A5C75}" srcOrd="2" destOrd="0" presId="urn:microsoft.com/office/officeart/2005/8/layout/orgChart1"/>
+    <dgm:cxn modelId="{4BFF2A1A-6196-41E6-970F-ECC6450D1303}" type="presParOf" srcId="{DDD7801C-F0AB-48C2-B1ED-1EF1B22CEA40}" destId="{1B3B786E-ED9D-440D-A0C7-8C2E8546D06D}" srcOrd="4" destOrd="0" presId="urn:microsoft.com/office/officeart/2005/8/layout/orgChart1"/>
+    <dgm:cxn modelId="{6FF1D99B-F3EF-491D-BAA4-6D715E8EC447}" type="presParOf" srcId="{DDD7801C-F0AB-48C2-B1ED-1EF1B22CEA40}" destId="{390F289A-721D-455F-A6BB-2F9EEF9FC52D}" srcOrd="5" destOrd="0" presId="urn:microsoft.com/office/officeart/2005/8/layout/orgChart1"/>
+    <dgm:cxn modelId="{467D4714-797C-46F6-9FF1-73C7BE7CB35D}" type="presParOf" srcId="{390F289A-721D-455F-A6BB-2F9EEF9FC52D}" destId="{8A641B39-73A6-4F39-ADB3-B10D68EFFDE3}" srcOrd="0" destOrd="0" presId="urn:microsoft.com/office/officeart/2005/8/layout/orgChart1"/>
+    <dgm:cxn modelId="{01AE63C6-F3A6-4A9A-B1C6-194471475E1F}" type="presParOf" srcId="{8A641B39-73A6-4F39-ADB3-B10D68EFFDE3}" destId="{2FF9BC0F-7E06-4607-B8A7-EC75C096F915}" srcOrd="0" destOrd="0" presId="urn:microsoft.com/office/officeart/2005/8/layout/orgChart1"/>
+    <dgm:cxn modelId="{7F590C94-3E9A-4205-B27A-106BFBA8D0C0}" type="presParOf" srcId="{8A641B39-73A6-4F39-ADB3-B10D68EFFDE3}" destId="{222E2F41-984D-4C6B-A642-F8FDE3B03A46}" srcOrd="1" destOrd="0" presId="urn:microsoft.com/office/officeart/2005/8/layout/orgChart1"/>
+    <dgm:cxn modelId="{AF7ABD49-0C2A-418D-AEF9-780853074925}" type="presParOf" srcId="{390F289A-721D-455F-A6BB-2F9EEF9FC52D}" destId="{9ADC0B14-C02B-4338-825F-BF3D81C340CC}" srcOrd="1" destOrd="0" presId="urn:microsoft.com/office/officeart/2005/8/layout/orgChart1"/>
+    <dgm:cxn modelId="{937E48AD-9CAA-4467-871B-2E25D6CA6AD2}" type="presParOf" srcId="{390F289A-721D-455F-A6BB-2F9EEF9FC52D}" destId="{CEF21D99-286D-4B12-AF5A-38719338B7C9}" srcOrd="2" destOrd="0" presId="urn:microsoft.com/office/officeart/2005/8/layout/orgChart1"/>
+    <dgm:cxn modelId="{97D4F668-28A0-4D48-9E68-8A5F1B349916}" type="presParOf" srcId="{F1A32D29-E5FE-44BA-946E-8AB034ADB508}" destId="{8599CC52-1BCE-4D94-9D23-27C9E10DF81D}" srcOrd="2" destOrd="0" presId="urn:microsoft.com/office/officeart/2005/8/layout/orgChart1"/>
+    <dgm:cxn modelId="{1212674F-0F69-4621-A867-336A32923131}" type="presParOf" srcId="{08A02FCB-1938-431C-A5A4-49915754C28C}" destId="{2F6CA483-BFCF-45F2-AB2C-BC774BB56CE8}" srcOrd="2" destOrd="0" presId="urn:microsoft.com/office/officeart/2005/8/layout/orgChart1"/>
+    <dgm:cxn modelId="{BB7EA27E-0C50-4DCA-98B1-8E01DC394289}" type="presParOf" srcId="{08A02FCB-1938-431C-A5A4-49915754C28C}" destId="{BB0CDCEE-B5C3-4E08-975E-A5F5311E0CD4}" srcOrd="3" destOrd="0" presId="urn:microsoft.com/office/officeart/2005/8/layout/orgChart1"/>
+    <dgm:cxn modelId="{5C7332E6-E726-4EE9-AEC7-483E586D3972}" type="presParOf" srcId="{BB0CDCEE-B5C3-4E08-975E-A5F5311E0CD4}" destId="{DC95CAA9-51D2-43C1-8CFD-3E45178FDC1A}" srcOrd="0" destOrd="0" presId="urn:microsoft.com/office/officeart/2005/8/layout/orgChart1"/>
+    <dgm:cxn modelId="{BD0EBB38-A32A-4E7F-AF1C-AD43F9963BAC}" type="presParOf" srcId="{DC95CAA9-51D2-43C1-8CFD-3E45178FDC1A}" destId="{39CEC9F6-9D4A-4824-9C01-01022371D9C3}" srcOrd="0" destOrd="0" presId="urn:microsoft.com/office/officeart/2005/8/layout/orgChart1"/>
+    <dgm:cxn modelId="{238B8145-EFC7-4E08-9342-EB4C0AE370DD}" type="presParOf" srcId="{DC95CAA9-51D2-43C1-8CFD-3E45178FDC1A}" destId="{9CE6BF48-9B96-47A5-8E1E-3210324891B8}" srcOrd="1" destOrd="0" presId="urn:microsoft.com/office/officeart/2005/8/layout/orgChart1"/>
+    <dgm:cxn modelId="{8158F47D-4058-4AFA-9466-01D10E2A7A5A}" type="presParOf" srcId="{BB0CDCEE-B5C3-4E08-975E-A5F5311E0CD4}" destId="{3FA90488-F8FF-4634-901C-FF554A4B211A}" srcOrd="1" destOrd="0" presId="urn:microsoft.com/office/officeart/2005/8/layout/orgChart1"/>
+    <dgm:cxn modelId="{F5B574B4-87CA-42D5-A83B-8C41D1196E51}" type="presParOf" srcId="{3FA90488-F8FF-4634-901C-FF554A4B211A}" destId="{B4B85693-9C21-41C2-BAFB-9872C7A5DB2E}" srcOrd="0" destOrd="0" presId="urn:microsoft.com/office/officeart/2005/8/layout/orgChart1"/>
+    <dgm:cxn modelId="{684CB41E-31B1-40C0-8FA3-B14F8C9F07C3}" type="presParOf" srcId="{3FA90488-F8FF-4634-901C-FF554A4B211A}" destId="{63E559A0-041B-4CB8-B389-9E1410B77E9C}" srcOrd="1" destOrd="0" presId="urn:microsoft.com/office/officeart/2005/8/layout/orgChart1"/>
+    <dgm:cxn modelId="{D4463AC0-B56A-47C3-9A52-3BAEF238F5AD}" type="presParOf" srcId="{63E559A0-041B-4CB8-B389-9E1410B77E9C}" destId="{7A7454E6-A729-4452-A018-CD973DF5F99E}" srcOrd="0" destOrd="0" presId="urn:microsoft.com/office/officeart/2005/8/layout/orgChart1"/>
+    <dgm:cxn modelId="{051F1CE6-DC48-41D8-926F-47373EF84B2C}" type="presParOf" srcId="{7A7454E6-A729-4452-A018-CD973DF5F99E}" destId="{7C7ADA19-6208-47B2-A2E9-67A4F3052EF5}" srcOrd="0" destOrd="0" presId="urn:microsoft.com/office/officeart/2005/8/layout/orgChart1"/>
+    <dgm:cxn modelId="{C7413B87-276E-414B-AD6E-00B8EAA99DB7}" type="presParOf" srcId="{7A7454E6-A729-4452-A018-CD973DF5F99E}" destId="{0059383D-D42A-470C-BEF3-1ECA48EB8526}" srcOrd="1" destOrd="0" presId="urn:microsoft.com/office/officeart/2005/8/layout/orgChart1"/>
+    <dgm:cxn modelId="{F748CD8E-150A-444F-A371-B34422096429}" type="presParOf" srcId="{63E559A0-041B-4CB8-B389-9E1410B77E9C}" destId="{DC3AFEF6-021C-413D-B316-0F37289D9019}" srcOrd="1" destOrd="0" presId="urn:microsoft.com/office/officeart/2005/8/layout/orgChart1"/>
+    <dgm:cxn modelId="{1F4D839A-83A2-4B02-B8CF-5E71ABC157D1}" type="presParOf" srcId="{63E559A0-041B-4CB8-B389-9E1410B77E9C}" destId="{60DD8282-306F-4897-B720-D4A797DB4777}" srcOrd="2" destOrd="0" presId="urn:microsoft.com/office/officeart/2005/8/layout/orgChart1"/>
+    <dgm:cxn modelId="{D2BF4D28-47ED-435A-9FCD-6D54EEBA2351}" type="presParOf" srcId="{3FA90488-F8FF-4634-901C-FF554A4B211A}" destId="{090E2EE5-D615-4558-A18F-67DE3E775202}" srcOrd="2" destOrd="0" presId="urn:microsoft.com/office/officeart/2005/8/layout/orgChart1"/>
+    <dgm:cxn modelId="{CDB19679-62FC-46EB-8A10-5EC4D2C792BC}" type="presParOf" srcId="{3FA90488-F8FF-4634-901C-FF554A4B211A}" destId="{A3B42CBF-B53C-4151-9BAF-219421F9DCAD}" srcOrd="3" destOrd="0" presId="urn:microsoft.com/office/officeart/2005/8/layout/orgChart1"/>
+    <dgm:cxn modelId="{EF9EFF71-AB0C-458C-A266-9382A639DC15}" type="presParOf" srcId="{A3B42CBF-B53C-4151-9BAF-219421F9DCAD}" destId="{77BCC15D-A536-4BD6-9678-77CB0A1E335C}" srcOrd="0" destOrd="0" presId="urn:microsoft.com/office/officeart/2005/8/layout/orgChart1"/>
+    <dgm:cxn modelId="{C09B6524-8078-4B7E-95D6-8CB79BA0695D}" type="presParOf" srcId="{77BCC15D-A536-4BD6-9678-77CB0A1E335C}" destId="{5A0CB855-5837-4EC3-BD9A-E5F48069FECD}" srcOrd="0" destOrd="0" presId="urn:microsoft.com/office/officeart/2005/8/layout/orgChart1"/>
+    <dgm:cxn modelId="{B32BE965-10E6-4DA9-8535-387BF4101AE6}" type="presParOf" srcId="{77BCC15D-A536-4BD6-9678-77CB0A1E335C}" destId="{1A3F0F38-7369-4973-9881-9FD77CD4A984}" srcOrd="1" destOrd="0" presId="urn:microsoft.com/office/officeart/2005/8/layout/orgChart1"/>
+    <dgm:cxn modelId="{AC4694A7-7E14-430E-B1E3-F45CE3880441}" type="presParOf" srcId="{A3B42CBF-B53C-4151-9BAF-219421F9DCAD}" destId="{EE3F59C3-7B1A-457A-96D0-DDF077B89290}" srcOrd="1" destOrd="0" presId="urn:microsoft.com/office/officeart/2005/8/layout/orgChart1"/>
+    <dgm:cxn modelId="{C8F4575D-BF5E-47D8-B702-9D0C06D4632A}" type="presParOf" srcId="{A3B42CBF-B53C-4151-9BAF-219421F9DCAD}" destId="{DC066220-686C-4183-ADA1-466DD67E53C9}" srcOrd="2" destOrd="0" presId="urn:microsoft.com/office/officeart/2005/8/layout/orgChart1"/>
+    <dgm:cxn modelId="{EF8D4802-4F16-4A41-A645-623FFC4D23D0}" type="presParOf" srcId="{3FA90488-F8FF-4634-901C-FF554A4B211A}" destId="{DC5F68A9-3F83-4B23-8ACC-DE5A8C1E15C1}" srcOrd="4" destOrd="0" presId="urn:microsoft.com/office/officeart/2005/8/layout/orgChart1"/>
+    <dgm:cxn modelId="{56BA84EF-F178-4A26-8910-9AA239CC664B}" type="presParOf" srcId="{3FA90488-F8FF-4634-901C-FF554A4B211A}" destId="{AEED8507-D854-40B5-A27A-91AC08B53FD2}" srcOrd="5" destOrd="0" presId="urn:microsoft.com/office/officeart/2005/8/layout/orgChart1"/>
+    <dgm:cxn modelId="{4A8B67C9-E615-4BE7-8226-DABEEB3B77BF}" type="presParOf" srcId="{AEED8507-D854-40B5-A27A-91AC08B53FD2}" destId="{5E251768-746E-4EF9-B62D-0DDE07E325AD}" srcOrd="0" destOrd="0" presId="urn:microsoft.com/office/officeart/2005/8/layout/orgChart1"/>
+    <dgm:cxn modelId="{F8F717D1-6BA3-441B-92D6-23626B6C177C}" type="presParOf" srcId="{5E251768-746E-4EF9-B62D-0DDE07E325AD}" destId="{2EDE49F7-D911-4ADD-AD8B-A3B39F322D4C}" srcOrd="0" destOrd="0" presId="urn:microsoft.com/office/officeart/2005/8/layout/orgChart1"/>
+    <dgm:cxn modelId="{0B5393A4-71DE-4861-8962-5DF3AB37090D}" type="presParOf" srcId="{5E251768-746E-4EF9-B62D-0DDE07E325AD}" destId="{FB2073A2-C74A-4E9A-AC4D-E934233DF5FD}" srcOrd="1" destOrd="0" presId="urn:microsoft.com/office/officeart/2005/8/layout/orgChart1"/>
+    <dgm:cxn modelId="{315AD52F-3B4F-49AC-A0CE-A84538877D12}" type="presParOf" srcId="{AEED8507-D854-40B5-A27A-91AC08B53FD2}" destId="{3865871E-107E-425C-BDF4-DC564CC206C4}" srcOrd="1" destOrd="0" presId="urn:microsoft.com/office/officeart/2005/8/layout/orgChart1"/>
+    <dgm:cxn modelId="{B2F765B9-0372-422E-A1C4-A2AEF4AF06C3}" type="presParOf" srcId="{AEED8507-D854-40B5-A27A-91AC08B53FD2}" destId="{E9C9928D-DCB7-464C-831C-7C7CC6CA6132}" srcOrd="2" destOrd="0" presId="urn:microsoft.com/office/officeart/2005/8/layout/orgChart1"/>
+    <dgm:cxn modelId="{45633B33-C10C-41C2-B86B-3F8791523B19}" type="presParOf" srcId="{3FA90488-F8FF-4634-901C-FF554A4B211A}" destId="{B1EB0FBE-FE81-4BB3-BBB2-CCE161C78182}" srcOrd="6" destOrd="0" presId="urn:microsoft.com/office/officeart/2005/8/layout/orgChart1"/>
+    <dgm:cxn modelId="{DDFEF2FE-0ACE-4732-862D-CE3A1211C357}" type="presParOf" srcId="{3FA90488-F8FF-4634-901C-FF554A4B211A}" destId="{F47E3A56-433B-46CB-9B98-618711E1EBB8}" srcOrd="7" destOrd="0" presId="urn:microsoft.com/office/officeart/2005/8/layout/orgChart1"/>
+    <dgm:cxn modelId="{18B4C7DF-AEAA-4AF6-9B24-693781A2BDD7}" type="presParOf" srcId="{F47E3A56-433B-46CB-9B98-618711E1EBB8}" destId="{10FC926A-214B-4978-B860-5B2C9358A606}" srcOrd="0" destOrd="0" presId="urn:microsoft.com/office/officeart/2005/8/layout/orgChart1"/>
+    <dgm:cxn modelId="{B80BF89D-B028-461F-AC45-C9CD54CD2AA3}" type="presParOf" srcId="{10FC926A-214B-4978-B860-5B2C9358A606}" destId="{07439A13-4F9E-42CF-884C-964A3AC2FD64}" srcOrd="0" destOrd="0" presId="urn:microsoft.com/office/officeart/2005/8/layout/orgChart1"/>
+    <dgm:cxn modelId="{400E50D2-9121-4436-B93D-4AFDF5C47539}" type="presParOf" srcId="{10FC926A-214B-4978-B860-5B2C9358A606}" destId="{497AE76E-8A57-4A6E-80E0-27258784729A}" srcOrd="1" destOrd="0" presId="urn:microsoft.com/office/officeart/2005/8/layout/orgChart1"/>
+    <dgm:cxn modelId="{8DD78DB4-FFF7-4E30-AC66-01EAD33E19AC}" type="presParOf" srcId="{F47E3A56-433B-46CB-9B98-618711E1EBB8}" destId="{85018852-E359-4805-8CDC-29F64190D609}" srcOrd="1" destOrd="0" presId="urn:microsoft.com/office/officeart/2005/8/layout/orgChart1"/>
+    <dgm:cxn modelId="{18CAD893-80EF-4F6B-AFA2-7CF1170E23E7}" type="presParOf" srcId="{F47E3A56-433B-46CB-9B98-618711E1EBB8}" destId="{04B1B304-66D3-4243-8A4E-A36ED3B7A2F1}" srcOrd="2" destOrd="0" presId="urn:microsoft.com/office/officeart/2005/8/layout/orgChart1"/>
+    <dgm:cxn modelId="{A5A2F7BE-F1E5-4C1B-AA45-0E230EB493D6}" type="presParOf" srcId="{BB0CDCEE-B5C3-4E08-975E-A5F5311E0CD4}" destId="{C1899C42-A44E-43C6-8C1C-3360601ACDD6}" srcOrd="2" destOrd="0" presId="urn:microsoft.com/office/officeart/2005/8/layout/orgChart1"/>
+    <dgm:cxn modelId="{8891CB73-749D-45E0-A566-D302FCCCA5DA}" type="presParOf" srcId="{08A02FCB-1938-431C-A5A4-49915754C28C}" destId="{4426501D-8BA9-4AF8-932A-8A360A4142E2}" srcOrd="4" destOrd="0" presId="urn:microsoft.com/office/officeart/2005/8/layout/orgChart1"/>
+    <dgm:cxn modelId="{0C53E480-3FEB-4691-BF2A-6A42E8B441AF}" type="presParOf" srcId="{08A02FCB-1938-431C-A5A4-49915754C28C}" destId="{A1CDC301-E290-46ED-A709-A79618B52357}" srcOrd="5" destOrd="0" presId="urn:microsoft.com/office/officeart/2005/8/layout/orgChart1"/>
+    <dgm:cxn modelId="{BEBF9A5A-A5A9-4FB7-9653-376FB1F8303C}" type="presParOf" srcId="{A1CDC301-E290-46ED-A709-A79618B52357}" destId="{B8F7DA06-ED94-4D12-8DAF-5725CDB35A8D}" srcOrd="0" destOrd="0" presId="urn:microsoft.com/office/officeart/2005/8/layout/orgChart1"/>
+    <dgm:cxn modelId="{9707EDA9-95F1-409D-B13B-9760DF2B3BF1}" type="presParOf" srcId="{B8F7DA06-ED94-4D12-8DAF-5725CDB35A8D}" destId="{600C3542-0C0D-4244-8155-F4A5754118AE}" srcOrd="0" destOrd="0" presId="urn:microsoft.com/office/officeart/2005/8/layout/orgChart1"/>
+    <dgm:cxn modelId="{536E67BB-B8F7-481C-B9C7-CD5CE0B583E2}" type="presParOf" srcId="{B8F7DA06-ED94-4D12-8DAF-5725CDB35A8D}" destId="{B72687FC-91A9-46A6-9475-DB13CDDA3088}" srcOrd="1" destOrd="0" presId="urn:microsoft.com/office/officeart/2005/8/layout/orgChart1"/>
+    <dgm:cxn modelId="{ABC077BA-169C-4305-9542-7C5E84A06224}" type="presParOf" srcId="{A1CDC301-E290-46ED-A709-A79618B52357}" destId="{3536279D-4E9C-429C-B184-E0C8091138D7}" srcOrd="1" destOrd="0" presId="urn:microsoft.com/office/officeart/2005/8/layout/orgChart1"/>
+    <dgm:cxn modelId="{FD073250-AC3A-41E4-AAA7-0630FBA50F89}" type="presParOf" srcId="{3536279D-4E9C-429C-B184-E0C8091138D7}" destId="{13C211F1-3B14-49D8-B97B-205894B4B24F}" srcOrd="0" destOrd="0" presId="urn:microsoft.com/office/officeart/2005/8/layout/orgChart1"/>
+    <dgm:cxn modelId="{DC00AEE0-35BC-41E9-86C4-5ECBE0BE9252}" type="presParOf" srcId="{3536279D-4E9C-429C-B184-E0C8091138D7}" destId="{3ED777BB-2008-4C85-B7EF-D6E095A38771}" srcOrd="1" destOrd="0" presId="urn:microsoft.com/office/officeart/2005/8/layout/orgChart1"/>
+    <dgm:cxn modelId="{DE3CDEF3-4808-4956-8A8A-E8F5CF476564}" type="presParOf" srcId="{3ED777BB-2008-4C85-B7EF-D6E095A38771}" destId="{3DEB0B7D-498B-469A-86C5-5C112EDE7835}" srcOrd="0" destOrd="0" presId="urn:microsoft.com/office/officeart/2005/8/layout/orgChart1"/>
+    <dgm:cxn modelId="{CB19DEC3-69FD-4EC7-BE85-33237ED4B287}" type="presParOf" srcId="{3DEB0B7D-498B-469A-86C5-5C112EDE7835}" destId="{40F4FF2D-5CA2-49DD-898A-5E77CE6F097F}" srcOrd="0" destOrd="0" presId="urn:microsoft.com/office/officeart/2005/8/layout/orgChart1"/>
+    <dgm:cxn modelId="{F4A87E12-5F03-467E-BF1B-4322995B82C5}" type="presParOf" srcId="{3DEB0B7D-498B-469A-86C5-5C112EDE7835}" destId="{078AC6E3-3465-4D70-9AB8-FF65A3704682}" srcOrd="1" destOrd="0" presId="urn:microsoft.com/office/officeart/2005/8/layout/orgChart1"/>
+    <dgm:cxn modelId="{8759E27A-FA91-4917-BFB5-F4A611F82FF4}" type="presParOf" srcId="{3ED777BB-2008-4C85-B7EF-D6E095A38771}" destId="{242C91F9-089C-48C3-B39A-EE41A9FB1351}" srcOrd="1" destOrd="0" presId="urn:microsoft.com/office/officeart/2005/8/layout/orgChart1"/>
+    <dgm:cxn modelId="{0BC3F276-2574-4EC2-99C3-EEBF14BC6AB9}" type="presParOf" srcId="{3ED777BB-2008-4C85-B7EF-D6E095A38771}" destId="{CDFD266A-AAFA-409C-BF1B-D206C610A75B}" srcOrd="2" destOrd="0" presId="urn:microsoft.com/office/officeart/2005/8/layout/orgChart1"/>
+    <dgm:cxn modelId="{ADF44CF7-C480-4F9B-8FF3-3C70365A0739}" type="presParOf" srcId="{3536279D-4E9C-429C-B184-E0C8091138D7}" destId="{D796DC29-6182-4F38-BCBC-3AF375E81CAB}" srcOrd="2" destOrd="0" presId="urn:microsoft.com/office/officeart/2005/8/layout/orgChart1"/>
+    <dgm:cxn modelId="{B8ED9612-2F6C-415F-8650-E8BE3FD44410}" type="presParOf" srcId="{3536279D-4E9C-429C-B184-E0C8091138D7}" destId="{7CE87CD3-AE84-40BD-A5CE-0376DD320E5E}" srcOrd="3" destOrd="0" presId="urn:microsoft.com/office/officeart/2005/8/layout/orgChart1"/>
+    <dgm:cxn modelId="{1944DDFF-12B1-4DB1-86DF-77AE432FD727}" type="presParOf" srcId="{7CE87CD3-AE84-40BD-A5CE-0376DD320E5E}" destId="{9C4AA163-45C9-42FF-9351-00D3B3F2E650}" srcOrd="0" destOrd="0" presId="urn:microsoft.com/office/officeart/2005/8/layout/orgChart1"/>
+    <dgm:cxn modelId="{1F6C077F-9538-4283-AE47-FE3AC6BAE895}" type="presParOf" srcId="{9C4AA163-45C9-42FF-9351-00D3B3F2E650}" destId="{78B1D46B-C128-4236-9CF5-BD1FEBEBCAD4}" srcOrd="0" destOrd="0" presId="urn:microsoft.com/office/officeart/2005/8/layout/orgChart1"/>
+    <dgm:cxn modelId="{6B632F62-BEB0-4C7C-A9BF-F3FF0ABBC660}" type="presParOf" srcId="{9C4AA163-45C9-42FF-9351-00D3B3F2E650}" destId="{5D1E46F6-94B7-49BE-81E2-10675DE193F6}" srcOrd="1" destOrd="0" presId="urn:microsoft.com/office/officeart/2005/8/layout/orgChart1"/>
+    <dgm:cxn modelId="{EA26C000-3969-42B4-B500-53E7A5DFAEDA}" type="presParOf" srcId="{7CE87CD3-AE84-40BD-A5CE-0376DD320E5E}" destId="{B48724E3-9BB6-455B-92F8-10529EE01016}" srcOrd="1" destOrd="0" presId="urn:microsoft.com/office/officeart/2005/8/layout/orgChart1"/>
+    <dgm:cxn modelId="{755ED1AC-7664-4C26-B001-DBB5290941F3}" type="presParOf" srcId="{7CE87CD3-AE84-40BD-A5CE-0376DD320E5E}" destId="{1D37293A-413A-4F1B-A9C9-50BC93D47F6D}" srcOrd="2" destOrd="0" presId="urn:microsoft.com/office/officeart/2005/8/layout/orgChart1"/>
+    <dgm:cxn modelId="{C2928F42-1EC2-4D8B-BCFC-2FA6DC8CC854}" type="presParOf" srcId="{3536279D-4E9C-429C-B184-E0C8091138D7}" destId="{960635A7-A131-490D-BB35-DBFE68ACE9C7}" srcOrd="4" destOrd="0" presId="urn:microsoft.com/office/officeart/2005/8/layout/orgChart1"/>
+    <dgm:cxn modelId="{7AE80C14-C951-4E18-BF29-67FF629318CB}" type="presParOf" srcId="{3536279D-4E9C-429C-B184-E0C8091138D7}" destId="{FFCED989-A10B-404F-BF9A-F170AAF5D342}" srcOrd="5" destOrd="0" presId="urn:microsoft.com/office/officeart/2005/8/layout/orgChart1"/>
+    <dgm:cxn modelId="{34304B0F-1D27-4F6D-9C25-DBB75B3AE2CD}" type="presParOf" srcId="{FFCED989-A10B-404F-BF9A-F170AAF5D342}" destId="{EB8C0498-2C39-4892-8BD4-C79B16396952}" srcOrd="0" destOrd="0" presId="urn:microsoft.com/office/officeart/2005/8/layout/orgChart1"/>
+    <dgm:cxn modelId="{C3953700-F09F-48B6-B2D6-08868D031C59}" type="presParOf" srcId="{EB8C0498-2C39-4892-8BD4-C79B16396952}" destId="{BE9060D0-09F0-4678-9F18-EBAA2267E3FA}" srcOrd="0" destOrd="0" presId="urn:microsoft.com/office/officeart/2005/8/layout/orgChart1"/>
+    <dgm:cxn modelId="{70A7AAEB-5D6D-4268-81BB-9BBD8F270FB6}" type="presParOf" srcId="{EB8C0498-2C39-4892-8BD4-C79B16396952}" destId="{A9381A89-B03D-4DC8-AE5E-C562E51F5626}" srcOrd="1" destOrd="0" presId="urn:microsoft.com/office/officeart/2005/8/layout/orgChart1"/>
+    <dgm:cxn modelId="{8CBE505B-3230-4423-9310-88FA0649681D}" type="presParOf" srcId="{FFCED989-A10B-404F-BF9A-F170AAF5D342}" destId="{38459E9D-CA55-4AE6-8AAA-949EA3C5CAA4}" srcOrd="1" destOrd="0" presId="urn:microsoft.com/office/officeart/2005/8/layout/orgChart1"/>
+    <dgm:cxn modelId="{9C328D21-385E-4AD9-892D-A91DFCBE9C3C}" type="presParOf" srcId="{FFCED989-A10B-404F-BF9A-F170AAF5D342}" destId="{13BF675C-3023-4A8E-A777-A89A6CB47E66}" srcOrd="2" destOrd="0" presId="urn:microsoft.com/office/officeart/2005/8/layout/orgChart1"/>
+    <dgm:cxn modelId="{4D6B0268-65C9-4F55-8A86-C9446D8FA6FA}" type="presParOf" srcId="{3536279D-4E9C-429C-B184-E0C8091138D7}" destId="{14BC7703-A910-46FB-AC25-CF1ADE428FE3}" srcOrd="6" destOrd="0" presId="urn:microsoft.com/office/officeart/2005/8/layout/orgChart1"/>
+    <dgm:cxn modelId="{90EE3652-05FF-4F98-80B6-C9FDAEADE38E}" type="presParOf" srcId="{3536279D-4E9C-429C-B184-E0C8091138D7}" destId="{1BBAD6A9-AB70-41D2-AB49-6F6A49B3E09D}" srcOrd="7" destOrd="0" presId="urn:microsoft.com/office/officeart/2005/8/layout/orgChart1"/>
+    <dgm:cxn modelId="{2BCB9944-547B-4DDD-B5E0-DBB1D751A4DB}" type="presParOf" srcId="{1BBAD6A9-AB70-41D2-AB49-6F6A49B3E09D}" destId="{6781731F-8BB7-4FBC-BB87-8438E614D84F}" srcOrd="0" destOrd="0" presId="urn:microsoft.com/office/officeart/2005/8/layout/orgChart1"/>
+    <dgm:cxn modelId="{031ED5FD-017C-4552-A3D4-9E429F33DE20}" type="presParOf" srcId="{6781731F-8BB7-4FBC-BB87-8438E614D84F}" destId="{D9185131-3E41-4ABD-BB00-2D47B3DB0B3A}" srcOrd="0" destOrd="0" presId="urn:microsoft.com/office/officeart/2005/8/layout/orgChart1"/>
+    <dgm:cxn modelId="{5EA275EE-2958-4736-90A7-C5FC7886E47F}" type="presParOf" srcId="{6781731F-8BB7-4FBC-BB87-8438E614D84F}" destId="{662A4CF7-A16F-4452-ABF3-B4104490340D}" srcOrd="1" destOrd="0" presId="urn:microsoft.com/office/officeart/2005/8/layout/orgChart1"/>
+    <dgm:cxn modelId="{99ACD161-2F08-498E-AD47-A88D4831B5DE}" type="presParOf" srcId="{1BBAD6A9-AB70-41D2-AB49-6F6A49B3E09D}" destId="{F9FE10DB-FB07-4563-87E3-F73F2CF0FFDC}" srcOrd="1" destOrd="0" presId="urn:microsoft.com/office/officeart/2005/8/layout/orgChart1"/>
+    <dgm:cxn modelId="{9A66E73C-B2FD-4C29-BBD1-63F2F13FD052}" type="presParOf" srcId="{1BBAD6A9-AB70-41D2-AB49-6F6A49B3E09D}" destId="{BFCB862F-AE90-48BF-9F5B-6DDFE73A6B82}" srcOrd="2" destOrd="0" presId="urn:microsoft.com/office/officeart/2005/8/layout/orgChart1"/>
+    <dgm:cxn modelId="{A1F40644-AB7B-4C6A-8E58-49ADD07E02AA}" type="presParOf" srcId="{A1CDC301-E290-46ED-A709-A79618B52357}" destId="{9659DBC1-32F6-4727-A8A7-5F8BA82A3502}" srcOrd="2" destOrd="0" presId="urn:microsoft.com/office/officeart/2005/8/layout/orgChart1"/>
+    <dgm:cxn modelId="{1673AF91-6EE2-4760-96A6-6431BBB13D49}" type="presParOf" srcId="{08A02FCB-1938-431C-A5A4-49915754C28C}" destId="{561E6132-6E5F-49BC-8460-695F206FE40B}" srcOrd="6" destOrd="0" presId="urn:microsoft.com/office/officeart/2005/8/layout/orgChart1"/>
+    <dgm:cxn modelId="{69F375DE-D98A-4E99-B478-09F7278953A8}" type="presParOf" srcId="{08A02FCB-1938-431C-A5A4-49915754C28C}" destId="{1F27F064-56D7-4B3B-965D-CDB69C4E232F}" srcOrd="7" destOrd="0" presId="urn:microsoft.com/office/officeart/2005/8/layout/orgChart1"/>
+    <dgm:cxn modelId="{D73199BF-60FE-4315-991C-EE2C8DFAD8F0}" type="presParOf" srcId="{1F27F064-56D7-4B3B-965D-CDB69C4E232F}" destId="{B7A00951-4E05-4ABD-99E2-4C5185FA7C10}" srcOrd="0" destOrd="0" presId="urn:microsoft.com/office/officeart/2005/8/layout/orgChart1"/>
+    <dgm:cxn modelId="{66D6F99D-37FD-43A1-A897-497E6C22BD27}" type="presParOf" srcId="{B7A00951-4E05-4ABD-99E2-4C5185FA7C10}" destId="{07FDA2CB-28EE-45AF-AD36-048FF09C91F3}" srcOrd="0" destOrd="0" presId="urn:microsoft.com/office/officeart/2005/8/layout/orgChart1"/>
+    <dgm:cxn modelId="{0B6F5D40-F483-4A13-BD70-3335782013AE}" type="presParOf" srcId="{B7A00951-4E05-4ABD-99E2-4C5185FA7C10}" destId="{ACEDEBA7-7E98-4263-BA49-44D248FC5C9C}" srcOrd="1" destOrd="0" presId="urn:microsoft.com/office/officeart/2005/8/layout/orgChart1"/>
+    <dgm:cxn modelId="{43E41504-30FF-405C-A078-8646609C25DE}" type="presParOf" srcId="{1F27F064-56D7-4B3B-965D-CDB69C4E232F}" destId="{23D9E559-6374-48EF-AAD9-97797CDE539E}" srcOrd="1" destOrd="0" presId="urn:microsoft.com/office/officeart/2005/8/layout/orgChart1"/>
+    <dgm:cxn modelId="{22039E78-2B2D-493B-AF64-A2AEE8AA89AE}" type="presParOf" srcId="{23D9E559-6374-48EF-AAD9-97797CDE539E}" destId="{782B6DE8-24E1-4505-B7A4-75FBC5D8C794}" srcOrd="0" destOrd="0" presId="urn:microsoft.com/office/officeart/2005/8/layout/orgChart1"/>
+    <dgm:cxn modelId="{26F7A13F-93C2-4D6C-84D4-7D5545190F05}" type="presParOf" srcId="{23D9E559-6374-48EF-AAD9-97797CDE539E}" destId="{F6D8A216-3DDA-439D-A9F3-FD8FC0B63700}" srcOrd="1" destOrd="0" presId="urn:microsoft.com/office/officeart/2005/8/layout/orgChart1"/>
+    <dgm:cxn modelId="{6E2F7DF2-F511-4AE5-96D7-9F413A36DF16}" type="presParOf" srcId="{F6D8A216-3DDA-439D-A9F3-FD8FC0B63700}" destId="{77E332B8-0ED1-4EED-AE0B-5DB82C30B7C0}" srcOrd="0" destOrd="0" presId="urn:microsoft.com/office/officeart/2005/8/layout/orgChart1"/>
+    <dgm:cxn modelId="{AAC52E10-E67F-462F-8624-6BEB55630C50}" type="presParOf" srcId="{77E332B8-0ED1-4EED-AE0B-5DB82C30B7C0}" destId="{B4AE827A-950B-4294-B4B0-3BD020783ADA}" srcOrd="0" destOrd="0" presId="urn:microsoft.com/office/officeart/2005/8/layout/orgChart1"/>
+    <dgm:cxn modelId="{BAF1A8AE-7D78-460E-983B-89503E908C91}" type="presParOf" srcId="{77E332B8-0ED1-4EED-AE0B-5DB82C30B7C0}" destId="{2F627E67-185E-4F36-B046-8D82F7BB0286}" srcOrd="1" destOrd="0" presId="urn:microsoft.com/office/officeart/2005/8/layout/orgChart1"/>
+    <dgm:cxn modelId="{86C0CEED-AB52-4094-ABBA-EC90E9CB71CC}" type="presParOf" srcId="{F6D8A216-3DDA-439D-A9F3-FD8FC0B63700}" destId="{30D964F6-C8B4-4DD5-8218-BEB5391E212A}" srcOrd="1" destOrd="0" presId="urn:microsoft.com/office/officeart/2005/8/layout/orgChart1"/>
+    <dgm:cxn modelId="{034A04E6-43B8-4D79-A3F6-E74F08006303}" type="presParOf" srcId="{F6D8A216-3DDA-439D-A9F3-FD8FC0B63700}" destId="{09FDBB76-F258-491D-8094-B28A6E64331C}" srcOrd="2" destOrd="0" presId="urn:microsoft.com/office/officeart/2005/8/layout/orgChart1"/>
+    <dgm:cxn modelId="{62ED42C0-7C77-4DD5-A122-909CDBC83BB5}" type="presParOf" srcId="{23D9E559-6374-48EF-AAD9-97797CDE539E}" destId="{DB1A6AF6-E71C-46DB-BEF4-95D36315A330}" srcOrd="2" destOrd="0" presId="urn:microsoft.com/office/officeart/2005/8/layout/orgChart1"/>
+    <dgm:cxn modelId="{03EF3C60-20A1-4B4B-8AC5-BF7484CDBEE8}" type="presParOf" srcId="{23D9E559-6374-48EF-AAD9-97797CDE539E}" destId="{07060AAC-9EB3-46E6-B4D2-5715B7E93D0F}" srcOrd="3" destOrd="0" presId="urn:microsoft.com/office/officeart/2005/8/layout/orgChart1"/>
+    <dgm:cxn modelId="{74187D01-A3B9-4608-AC2C-CBAF5DB32158}" type="presParOf" srcId="{07060AAC-9EB3-46E6-B4D2-5715B7E93D0F}" destId="{C48E3334-3BDA-4675-A536-2F620DF20C2E}" srcOrd="0" destOrd="0" presId="urn:microsoft.com/office/officeart/2005/8/layout/orgChart1"/>
+    <dgm:cxn modelId="{C80CB489-C348-42EC-A8F5-3A5F6630A29B}" type="presParOf" srcId="{C48E3334-3BDA-4675-A536-2F620DF20C2E}" destId="{7E261867-C9EA-4111-A2EA-42AA50C7A6A2}" srcOrd="0" destOrd="0" presId="urn:microsoft.com/office/officeart/2005/8/layout/orgChart1"/>
+    <dgm:cxn modelId="{63DC2173-C3B8-4961-B089-4D1005ECB3D8}" type="presParOf" srcId="{C48E3334-3BDA-4675-A536-2F620DF20C2E}" destId="{CE2A25BD-290F-4BA3-8E92-3781DED80CF1}" srcOrd="1" destOrd="0" presId="urn:microsoft.com/office/officeart/2005/8/layout/orgChart1"/>
+    <dgm:cxn modelId="{E9D9A6BD-28CB-4C22-91E9-0E6D4B71AF24}" type="presParOf" srcId="{07060AAC-9EB3-46E6-B4D2-5715B7E93D0F}" destId="{C6701A1E-CF78-4687-A555-6DEE7F8BF685}" srcOrd="1" destOrd="0" presId="urn:microsoft.com/office/officeart/2005/8/layout/orgChart1"/>
+    <dgm:cxn modelId="{750824A6-ECC3-4FF8-957C-30F475EB73C9}" type="presParOf" srcId="{07060AAC-9EB3-46E6-B4D2-5715B7E93D0F}" destId="{4B7C507A-DC2B-4380-9495-7D31FFFC068F}" srcOrd="2" destOrd="0" presId="urn:microsoft.com/office/officeart/2005/8/layout/orgChart1"/>
+    <dgm:cxn modelId="{6EB13932-837E-48C2-8FFF-56347995A091}" type="presParOf" srcId="{1F27F064-56D7-4B3B-965D-CDB69C4E232F}" destId="{E31B0009-A757-4C77-AE73-00CF170ABE66}" srcOrd="2" destOrd="0" presId="urn:microsoft.com/office/officeart/2005/8/layout/orgChart1"/>
+    <dgm:cxn modelId="{1AD28199-C408-4F37-8976-CFB4F6B4558F}" type="presParOf" srcId="{4F1731CE-213E-4702-9B31-E3A7AE0932CE}" destId="{5D8E8CA7-F99D-4E30-8A56-0626D8420AAD}" srcOrd="2" destOrd="0" presId="urn:microsoft.com/office/officeart/2005/8/layout/orgChart1"/>
+  </dgm:cxnLst>
+  <dgm:bg/>
+  <dgm:whole/>
+  <dgm:extLst>
+    <a:ext uri="http://schemas.microsoft.com/office/drawing/2008/diagram">
+      <dsp:dataModelExt xmlns:dsp="http://schemas.microsoft.com/office/drawing/2008/diagram" relId="rId6" minVer="http://schemas.openxmlformats.org/drawingml/2006/diagram"/>
+    </a:ext>
+  </dgm:extLst>
+</dgm:dataModel>
+</file>
+
 <file path=ppt/diagrams/drawing1.xml><?xml version="1.0" encoding="utf-8"?>
 <dsp:drawing xmlns:dgm="http://schemas.openxmlformats.org/drawingml/2006/diagram" xmlns:dsp="http://schemas.microsoft.com/office/drawing/2008/diagram" xmlns:a="http://schemas.openxmlformats.org/drawingml/2006/main">
   <dsp:spTree>
@@ -7247,7 +9523,7 @@
         </a:bodyPr>
         <a:lstStyle/>
         <a:p>
-          <a:pPr lvl="0" algn="ctr" defTabSz="400050">
+          <a:pPr marL="0" lvl="0" indent="0" algn="ctr" defTabSz="400050">
             <a:lnSpc>
               <a:spcPct val="90000"/>
             </a:lnSpc>
@@ -7257,6 +9533,7 @@
             <a:spcAft>
               <a:spcPct val="35000"/>
             </a:spcAft>
+            <a:buNone/>
           </a:pPr>
           <a:r>
             <a:rPr lang="es-ES" sz="900" kern="1200" dirty="0"/>
@@ -7325,7 +9602,7 @@
         </a:bodyPr>
         <a:lstStyle/>
         <a:p>
-          <a:pPr lvl="0" algn="ctr" defTabSz="400050">
+          <a:pPr marL="0" lvl="0" indent="0" algn="ctr" defTabSz="400050">
             <a:lnSpc>
               <a:spcPct val="90000"/>
             </a:lnSpc>
@@ -7335,6 +9612,7 @@
             <a:spcAft>
               <a:spcPct val="35000"/>
             </a:spcAft>
+            <a:buNone/>
           </a:pPr>
           <a:r>
             <a:rPr lang="es-ES" sz="900" kern="1200" dirty="0"/>
@@ -7403,7 +9681,7 @@
         </a:bodyPr>
         <a:lstStyle/>
         <a:p>
-          <a:pPr lvl="0" algn="ctr" defTabSz="400050">
+          <a:pPr marL="0" lvl="0" indent="0" algn="ctr" defTabSz="400050">
             <a:lnSpc>
               <a:spcPct val="90000"/>
             </a:lnSpc>
@@ -7413,6 +9691,7 @@
             <a:spcAft>
               <a:spcPct val="35000"/>
             </a:spcAft>
+            <a:buNone/>
           </a:pPr>
           <a:r>
             <a:rPr lang="es-ES" sz="900" kern="1200" dirty="0"/>
@@ -7481,7 +9760,7 @@
         </a:bodyPr>
         <a:lstStyle/>
         <a:p>
-          <a:pPr lvl="0" algn="ctr" defTabSz="400050">
+          <a:pPr marL="0" lvl="0" indent="0" algn="ctr" defTabSz="400050">
             <a:lnSpc>
               <a:spcPct val="90000"/>
             </a:lnSpc>
@@ -7491,6 +9770,7 @@
             <a:spcAft>
               <a:spcPct val="35000"/>
             </a:spcAft>
+            <a:buNone/>
           </a:pPr>
           <a:r>
             <a:rPr lang="es-ES" sz="900" kern="1200" dirty="0"/>
@@ -7559,7 +9839,7 @@
         </a:bodyPr>
         <a:lstStyle/>
         <a:p>
-          <a:pPr lvl="0" algn="ctr" defTabSz="400050">
+          <a:pPr marL="0" lvl="0" indent="0" algn="ctr" defTabSz="400050">
             <a:lnSpc>
               <a:spcPct val="90000"/>
             </a:lnSpc>
@@ -7569,6 +9849,7 @@
             <a:spcAft>
               <a:spcPct val="35000"/>
             </a:spcAft>
+            <a:buNone/>
           </a:pPr>
           <a:r>
             <a:rPr lang="es-ES" sz="900" kern="1200" dirty="0"/>
@@ -7637,7 +9918,7 @@
         </a:bodyPr>
         <a:lstStyle/>
         <a:p>
-          <a:pPr lvl="0" algn="ctr" defTabSz="400050">
+          <a:pPr marL="0" lvl="0" indent="0" algn="ctr" defTabSz="400050">
             <a:lnSpc>
               <a:spcPct val="90000"/>
             </a:lnSpc>
@@ -7647,6 +9928,7 @@
             <a:spcAft>
               <a:spcPct val="35000"/>
             </a:spcAft>
+            <a:buNone/>
           </a:pPr>
           <a:r>
             <a:rPr lang="es-ES" sz="900" kern="1200" dirty="0"/>
@@ -7715,7 +9997,7 @@
         </a:bodyPr>
         <a:lstStyle/>
         <a:p>
-          <a:pPr lvl="0" algn="ctr" defTabSz="400050">
+          <a:pPr marL="0" lvl="0" indent="0" algn="ctr" defTabSz="400050">
             <a:lnSpc>
               <a:spcPct val="90000"/>
             </a:lnSpc>
@@ -7725,6 +10007,7 @@
             <a:spcAft>
               <a:spcPct val="35000"/>
             </a:spcAft>
+            <a:buNone/>
           </a:pPr>
           <a:r>
             <a:rPr lang="es-ES" sz="900" kern="1200" dirty="0"/>
@@ -7793,7 +10076,7 @@
         </a:bodyPr>
         <a:lstStyle/>
         <a:p>
-          <a:pPr lvl="0" algn="ctr" defTabSz="400050">
+          <a:pPr marL="0" lvl="0" indent="0" algn="ctr" defTabSz="400050">
             <a:lnSpc>
               <a:spcPct val="90000"/>
             </a:lnSpc>
@@ -7803,6 +10086,7 @@
             <a:spcAft>
               <a:spcPct val="35000"/>
             </a:spcAft>
+            <a:buNone/>
           </a:pPr>
           <a:r>
             <a:rPr lang="es-ES" sz="900" kern="1200" dirty="0"/>
@@ -7871,7 +10155,7 @@
         </a:bodyPr>
         <a:lstStyle/>
         <a:p>
-          <a:pPr lvl="0" algn="ctr" defTabSz="400050">
+          <a:pPr marL="0" lvl="0" indent="0" algn="ctr" defTabSz="400050">
             <a:lnSpc>
               <a:spcPct val="90000"/>
             </a:lnSpc>
@@ -7881,6 +10165,7 @@
             <a:spcAft>
               <a:spcPct val="35000"/>
             </a:spcAft>
+            <a:buNone/>
           </a:pPr>
           <a:r>
             <a:rPr lang="es-ES" sz="900" kern="1200" dirty="0"/>
@@ -7949,7 +10234,7 @@
         </a:bodyPr>
         <a:lstStyle/>
         <a:p>
-          <a:pPr lvl="0" algn="ctr" defTabSz="400050">
+          <a:pPr marL="0" lvl="0" indent="0" algn="ctr" defTabSz="400050">
             <a:lnSpc>
               <a:spcPct val="90000"/>
             </a:lnSpc>
@@ -7959,6 +10244,7 @@
             <a:spcAft>
               <a:spcPct val="35000"/>
             </a:spcAft>
+            <a:buNone/>
           </a:pPr>
           <a:r>
             <a:rPr lang="es-ES" sz="900" kern="1200" dirty="0"/>
@@ -8027,7 +10313,7 @@
         </a:bodyPr>
         <a:lstStyle/>
         <a:p>
-          <a:pPr lvl="0" algn="ctr" defTabSz="400050">
+          <a:pPr marL="0" lvl="0" indent="0" algn="ctr" defTabSz="400050">
             <a:lnSpc>
               <a:spcPct val="90000"/>
             </a:lnSpc>
@@ -8037,6 +10323,7 @@
             <a:spcAft>
               <a:spcPct val="35000"/>
             </a:spcAft>
+            <a:buNone/>
           </a:pPr>
           <a:r>
             <a:rPr lang="es-ES" sz="900" kern="1200" dirty="0"/>
@@ -8105,7 +10392,7 @@
         </a:bodyPr>
         <a:lstStyle/>
         <a:p>
-          <a:pPr lvl="0" algn="ctr" defTabSz="400050">
+          <a:pPr marL="0" lvl="0" indent="0" algn="ctr" defTabSz="400050">
             <a:lnSpc>
               <a:spcPct val="90000"/>
             </a:lnSpc>
@@ -8115,6 +10402,7 @@
             <a:spcAft>
               <a:spcPct val="35000"/>
             </a:spcAft>
+            <a:buNone/>
           </a:pPr>
           <a:r>
             <a:rPr lang="es-ES" sz="900" kern="1200" dirty="0"/>
@@ -8183,7 +10471,7 @@
         </a:bodyPr>
         <a:lstStyle/>
         <a:p>
-          <a:pPr lvl="0" algn="ctr" defTabSz="400050">
+          <a:pPr marL="0" lvl="0" indent="0" algn="ctr" defTabSz="400050">
             <a:lnSpc>
               <a:spcPct val="90000"/>
             </a:lnSpc>
@@ -8193,6 +10481,7 @@
             <a:spcAft>
               <a:spcPct val="35000"/>
             </a:spcAft>
+            <a:buNone/>
           </a:pPr>
           <a:r>
             <a:rPr lang="es-ES" sz="900" kern="1200" dirty="0"/>
@@ -8261,7 +10550,7 @@
         </a:bodyPr>
         <a:lstStyle/>
         <a:p>
-          <a:pPr lvl="0" algn="ctr" defTabSz="400050">
+          <a:pPr marL="0" lvl="0" indent="0" algn="ctr" defTabSz="400050">
             <a:lnSpc>
               <a:spcPct val="90000"/>
             </a:lnSpc>
@@ -8271,6 +10560,7 @@
             <a:spcAft>
               <a:spcPct val="35000"/>
             </a:spcAft>
+            <a:buNone/>
           </a:pPr>
           <a:r>
             <a:rPr lang="es-ES" sz="900" kern="1200" dirty="0"/>
@@ -8339,7 +10629,7 @@
         </a:bodyPr>
         <a:lstStyle/>
         <a:p>
-          <a:pPr lvl="0" algn="ctr" defTabSz="400050">
+          <a:pPr marL="0" lvl="0" indent="0" algn="ctr" defTabSz="400050">
             <a:lnSpc>
               <a:spcPct val="90000"/>
             </a:lnSpc>
@@ -8349,6 +10639,7 @@
             <a:spcAft>
               <a:spcPct val="35000"/>
             </a:spcAft>
+            <a:buNone/>
           </a:pPr>
           <a:r>
             <a:rPr lang="es-ES" sz="900" kern="1200" dirty="0"/>
@@ -8417,7 +10708,7 @@
         </a:bodyPr>
         <a:lstStyle/>
         <a:p>
-          <a:pPr lvl="0" algn="ctr" defTabSz="400050">
+          <a:pPr marL="0" lvl="0" indent="0" algn="ctr" defTabSz="400050">
             <a:lnSpc>
               <a:spcPct val="90000"/>
             </a:lnSpc>
@@ -8427,6 +10718,7 @@
             <a:spcAft>
               <a:spcPct val="35000"/>
             </a:spcAft>
+            <a:buNone/>
           </a:pPr>
           <a:r>
             <a:rPr lang="es-ES" sz="900" kern="1200" dirty="0"/>
@@ -8495,7 +10787,7 @@
         </a:bodyPr>
         <a:lstStyle/>
         <a:p>
-          <a:pPr lvl="0" algn="ctr" defTabSz="400050">
+          <a:pPr marL="0" lvl="0" indent="0" algn="ctr" defTabSz="400050">
             <a:lnSpc>
               <a:spcPct val="90000"/>
             </a:lnSpc>
@@ -8505,6 +10797,7 @@
             <a:spcAft>
               <a:spcPct val="35000"/>
             </a:spcAft>
+            <a:buNone/>
           </a:pPr>
           <a:r>
             <a:rPr lang="es-ES" sz="900" kern="1200" dirty="0"/>
@@ -8573,7 +10866,7 @@
         </a:bodyPr>
         <a:lstStyle/>
         <a:p>
-          <a:pPr lvl="0" algn="ctr" defTabSz="400050">
+          <a:pPr marL="0" lvl="0" indent="0" algn="ctr" defTabSz="400050">
             <a:lnSpc>
               <a:spcPct val="90000"/>
             </a:lnSpc>
@@ -8583,6 +10876,7 @@
             <a:spcAft>
               <a:spcPct val="35000"/>
             </a:spcAft>
+            <a:buNone/>
           </a:pPr>
           <a:r>
             <a:rPr lang="es-ES" sz="900" kern="1200" dirty="0"/>
@@ -8651,7 +10945,7 @@
         </a:bodyPr>
         <a:lstStyle/>
         <a:p>
-          <a:pPr lvl="0" algn="ctr" defTabSz="400050">
+          <a:pPr marL="0" lvl="0" indent="0" algn="ctr" defTabSz="400050">
             <a:lnSpc>
               <a:spcPct val="90000"/>
             </a:lnSpc>
@@ -8661,6 +10955,7 @@
             <a:spcAft>
               <a:spcPct val="35000"/>
             </a:spcAft>
+            <a:buNone/>
           </a:pPr>
           <a:r>
             <a:rPr lang="es-ES" sz="900" kern="1200" dirty="0"/>
@@ -8729,7 +11024,7 @@
         </a:bodyPr>
         <a:lstStyle/>
         <a:p>
-          <a:pPr lvl="0" algn="ctr" defTabSz="400050">
+          <a:pPr marL="0" lvl="0" indent="0" algn="ctr" defTabSz="400050">
             <a:lnSpc>
               <a:spcPct val="90000"/>
             </a:lnSpc>
@@ -8739,6 +11034,7 @@
             <a:spcAft>
               <a:spcPct val="35000"/>
             </a:spcAft>
+            <a:buNone/>
           </a:pPr>
           <a:r>
             <a:rPr lang="es-ES" sz="900" kern="1200" dirty="0"/>
@@ -8807,7 +11103,7 @@
         </a:bodyPr>
         <a:lstStyle/>
         <a:p>
-          <a:pPr lvl="0" algn="ctr" defTabSz="400050">
+          <a:pPr marL="0" lvl="0" indent="0" algn="ctr" defTabSz="400050">
             <a:lnSpc>
               <a:spcPct val="90000"/>
             </a:lnSpc>
@@ -8817,6 +11113,7 @@
             <a:spcAft>
               <a:spcPct val="35000"/>
             </a:spcAft>
+            <a:buNone/>
           </a:pPr>
           <a:r>
             <a:rPr lang="es-ES" sz="900" kern="1200" dirty="0"/>
@@ -8885,7 +11182,7 @@
         </a:bodyPr>
         <a:lstStyle/>
         <a:p>
-          <a:pPr lvl="0" algn="ctr" defTabSz="400050">
+          <a:pPr marL="0" lvl="0" indent="0" algn="ctr" defTabSz="400050">
             <a:lnSpc>
               <a:spcPct val="90000"/>
             </a:lnSpc>
@@ -8895,6 +11192,7 @@
             <a:spcAft>
               <a:spcPct val="35000"/>
             </a:spcAft>
+            <a:buNone/>
           </a:pPr>
           <a:r>
             <a:rPr lang="es-ES" sz="900" kern="1200" dirty="0"/>
@@ -8963,7 +11261,7 @@
         </a:bodyPr>
         <a:lstStyle/>
         <a:p>
-          <a:pPr lvl="0" algn="ctr" defTabSz="400050">
+          <a:pPr marL="0" lvl="0" indent="0" algn="ctr" defTabSz="400050">
             <a:lnSpc>
               <a:spcPct val="90000"/>
             </a:lnSpc>
@@ -8973,6 +11271,7 @@
             <a:spcAft>
               <a:spcPct val="35000"/>
             </a:spcAft>
+            <a:buNone/>
           </a:pPr>
           <a:r>
             <a:rPr lang="es-ES" sz="900" kern="1200" dirty="0"/>
@@ -9041,7 +11340,7 @@
         </a:bodyPr>
         <a:lstStyle/>
         <a:p>
-          <a:pPr lvl="0" algn="ctr" defTabSz="400050">
+          <a:pPr marL="0" lvl="0" indent="0" algn="ctr" defTabSz="400050">
             <a:lnSpc>
               <a:spcPct val="90000"/>
             </a:lnSpc>
@@ -9051,6 +11350,7 @@
             <a:spcAft>
               <a:spcPct val="35000"/>
             </a:spcAft>
+            <a:buNone/>
           </a:pPr>
           <a:r>
             <a:rPr lang="es-ES" sz="900" kern="1200" dirty="0"/>
@@ -9119,7 +11419,7 @@
         </a:bodyPr>
         <a:lstStyle/>
         <a:p>
-          <a:pPr lvl="0" algn="ctr" defTabSz="400050">
+          <a:pPr marL="0" lvl="0" indent="0" algn="ctr" defTabSz="400050">
             <a:lnSpc>
               <a:spcPct val="90000"/>
             </a:lnSpc>
@@ -9129,6 +11429,7 @@
             <a:spcAft>
               <a:spcPct val="35000"/>
             </a:spcAft>
+            <a:buNone/>
           </a:pPr>
           <a:r>
             <a:rPr lang="es-ES" sz="900" kern="1200" dirty="0"/>
@@ -9197,7 +11498,7 @@
         </a:bodyPr>
         <a:lstStyle/>
         <a:p>
-          <a:pPr lvl="0" algn="ctr" defTabSz="400050">
+          <a:pPr marL="0" lvl="0" indent="0" algn="ctr" defTabSz="400050">
             <a:lnSpc>
               <a:spcPct val="90000"/>
             </a:lnSpc>
@@ -9207,6 +11508,7 @@
             <a:spcAft>
               <a:spcPct val="35000"/>
             </a:spcAft>
+            <a:buNone/>
           </a:pPr>
           <a:r>
             <a:rPr lang="es-ES" sz="900" kern="1200" dirty="0"/>
@@ -9275,7 +11577,7 @@
         </a:bodyPr>
         <a:lstStyle/>
         <a:p>
-          <a:pPr lvl="0" algn="ctr" defTabSz="400050">
+          <a:pPr marL="0" lvl="0" indent="0" algn="ctr" defTabSz="400050">
             <a:lnSpc>
               <a:spcPct val="90000"/>
             </a:lnSpc>
@@ -9285,6 +11587,7 @@
             <a:spcAft>
               <a:spcPct val="35000"/>
             </a:spcAft>
+            <a:buNone/>
           </a:pPr>
           <a:r>
             <a:rPr lang="es-ES" sz="900" kern="1200" dirty="0"/>
@@ -9353,7 +11656,7 @@
         </a:bodyPr>
         <a:lstStyle/>
         <a:p>
-          <a:pPr lvl="0" algn="ctr" defTabSz="400050">
+          <a:pPr marL="0" lvl="0" indent="0" algn="ctr" defTabSz="400050">
             <a:lnSpc>
               <a:spcPct val="90000"/>
             </a:lnSpc>
@@ -9363,6 +11666,7 @@
             <a:spcAft>
               <a:spcPct val="35000"/>
             </a:spcAft>
+            <a:buNone/>
           </a:pPr>
           <a:r>
             <a:rPr lang="es-ES" sz="900" kern="1200" dirty="0"/>
@@ -9431,7 +11735,7 @@
         </a:bodyPr>
         <a:lstStyle/>
         <a:p>
-          <a:pPr lvl="0" algn="ctr" defTabSz="400050">
+          <a:pPr marL="0" lvl="0" indent="0" algn="ctr" defTabSz="400050">
             <a:lnSpc>
               <a:spcPct val="90000"/>
             </a:lnSpc>
@@ -9441,6 +11745,7 @@
             <a:spcAft>
               <a:spcPct val="35000"/>
             </a:spcAft>
+            <a:buNone/>
           </a:pPr>
           <a:r>
             <a:rPr lang="es-ES" sz="900" kern="1200" dirty="0"/>
@@ -9509,7 +11814,7 @@
         </a:bodyPr>
         <a:lstStyle/>
         <a:p>
-          <a:pPr lvl="0" algn="ctr" defTabSz="400050">
+          <a:pPr marL="0" lvl="0" indent="0" algn="ctr" defTabSz="400050">
             <a:lnSpc>
               <a:spcPct val="90000"/>
             </a:lnSpc>
@@ -9519,6 +11824,7 @@
             <a:spcAft>
               <a:spcPct val="35000"/>
             </a:spcAft>
+            <a:buNone/>
           </a:pPr>
           <a:r>
             <a:rPr lang="es-ES" sz="900" kern="1200" dirty="0"/>
@@ -9587,7 +11893,7 @@
         </a:bodyPr>
         <a:lstStyle/>
         <a:p>
-          <a:pPr lvl="0" algn="ctr" defTabSz="400050">
+          <a:pPr marL="0" lvl="0" indent="0" algn="ctr" defTabSz="400050">
             <a:lnSpc>
               <a:spcPct val="90000"/>
             </a:lnSpc>
@@ -9597,6 +11903,7 @@
             <a:spcAft>
               <a:spcPct val="35000"/>
             </a:spcAft>
+            <a:buNone/>
           </a:pPr>
           <a:r>
             <a:rPr lang="es-ES" sz="900" kern="1200" dirty="0"/>
@@ -9665,7 +11972,7 @@
         </a:bodyPr>
         <a:lstStyle/>
         <a:p>
-          <a:pPr lvl="0" algn="ctr" defTabSz="400050">
+          <a:pPr marL="0" lvl="0" indent="0" algn="ctr" defTabSz="400050">
             <a:lnSpc>
               <a:spcPct val="90000"/>
             </a:lnSpc>
@@ -9675,6 +11982,7 @@
             <a:spcAft>
               <a:spcPct val="35000"/>
             </a:spcAft>
+            <a:buNone/>
           </a:pPr>
           <a:r>
             <a:rPr lang="es-ES" sz="900" kern="1200" dirty="0"/>
@@ -9743,7 +12051,7 @@
         </a:bodyPr>
         <a:lstStyle/>
         <a:p>
-          <a:pPr lvl="0" algn="ctr" defTabSz="400050">
+          <a:pPr marL="0" lvl="0" indent="0" algn="ctr" defTabSz="400050">
             <a:lnSpc>
               <a:spcPct val="90000"/>
             </a:lnSpc>
@@ -9753,6 +12061,7 @@
             <a:spcAft>
               <a:spcPct val="35000"/>
             </a:spcAft>
+            <a:buNone/>
           </a:pPr>
           <a:r>
             <a:rPr lang="es-ES" sz="900" kern="1200" dirty="0"/>
@@ -9821,7 +12130,7 @@
         </a:bodyPr>
         <a:lstStyle/>
         <a:p>
-          <a:pPr lvl="0" algn="ctr" defTabSz="400050">
+          <a:pPr marL="0" lvl="0" indent="0" algn="ctr" defTabSz="400050">
             <a:lnSpc>
               <a:spcPct val="90000"/>
             </a:lnSpc>
@@ -9831,6 +12140,7 @@
             <a:spcAft>
               <a:spcPct val="35000"/>
             </a:spcAft>
+            <a:buNone/>
           </a:pPr>
           <a:r>
             <a:rPr lang="es-ES" sz="900" kern="1200" dirty="0"/>
@@ -9899,7 +12209,7 @@
         </a:bodyPr>
         <a:lstStyle/>
         <a:p>
-          <a:pPr lvl="0" algn="ctr" defTabSz="400050">
+          <a:pPr marL="0" lvl="0" indent="0" algn="ctr" defTabSz="400050">
             <a:lnSpc>
               <a:spcPct val="90000"/>
             </a:lnSpc>
@@ -9909,6 +12219,7 @@
             <a:spcAft>
               <a:spcPct val="35000"/>
             </a:spcAft>
+            <a:buNone/>
           </a:pPr>
           <a:r>
             <a:rPr lang="es-ES" sz="900" kern="1200" dirty="0"/>
@@ -9977,7 +12288,7 @@
         </a:bodyPr>
         <a:lstStyle/>
         <a:p>
-          <a:pPr lvl="0" algn="ctr" defTabSz="400050">
+          <a:pPr marL="0" lvl="0" indent="0" algn="ctr" defTabSz="400050">
             <a:lnSpc>
               <a:spcPct val="90000"/>
             </a:lnSpc>
@@ -9987,6 +12298,7 @@
             <a:spcAft>
               <a:spcPct val="35000"/>
             </a:spcAft>
+            <a:buNone/>
           </a:pPr>
           <a:r>
             <a:rPr lang="es-ES" sz="900" kern="1200" dirty="0"/>
@@ -10055,7 +12367,7 @@
         </a:bodyPr>
         <a:lstStyle/>
         <a:p>
-          <a:pPr lvl="0" algn="ctr" defTabSz="400050">
+          <a:pPr marL="0" lvl="0" indent="0" algn="ctr" defTabSz="400050">
             <a:lnSpc>
               <a:spcPct val="90000"/>
             </a:lnSpc>
@@ -10065,6 +12377,7 @@
             <a:spcAft>
               <a:spcPct val="35000"/>
             </a:spcAft>
+            <a:buNone/>
           </a:pPr>
           <a:r>
             <a:rPr lang="es-ES" sz="900" kern="1200" dirty="0"/>
@@ -10133,7 +12446,7 @@
         </a:bodyPr>
         <a:lstStyle/>
         <a:p>
-          <a:pPr lvl="0" algn="ctr" defTabSz="400050">
+          <a:pPr marL="0" lvl="0" indent="0" algn="ctr" defTabSz="400050">
             <a:lnSpc>
               <a:spcPct val="90000"/>
             </a:lnSpc>
@@ -10143,6 +12456,7 @@
             <a:spcAft>
               <a:spcPct val="35000"/>
             </a:spcAft>
+            <a:buNone/>
           </a:pPr>
           <a:r>
             <a:rPr lang="es-ES" sz="900" kern="1200" dirty="0"/>
@@ -10211,7 +12525,7 @@
         </a:bodyPr>
         <a:lstStyle/>
         <a:p>
-          <a:pPr lvl="0" algn="ctr" defTabSz="400050">
+          <a:pPr marL="0" lvl="0" indent="0" algn="ctr" defTabSz="400050">
             <a:lnSpc>
               <a:spcPct val="90000"/>
             </a:lnSpc>
@@ -10221,6 +12535,7 @@
             <a:spcAft>
               <a:spcPct val="35000"/>
             </a:spcAft>
+            <a:buNone/>
           </a:pPr>
           <a:r>
             <a:rPr lang="es-ES" sz="900" kern="1200" dirty="0"/>
@@ -10289,7 +12604,7 @@
         </a:bodyPr>
         <a:lstStyle/>
         <a:p>
-          <a:pPr lvl="0" algn="ctr" defTabSz="400050">
+          <a:pPr marL="0" lvl="0" indent="0" algn="ctr" defTabSz="400050">
             <a:lnSpc>
               <a:spcPct val="90000"/>
             </a:lnSpc>
@@ -10299,6 +12614,7 @@
             <a:spcAft>
               <a:spcPct val="35000"/>
             </a:spcAft>
+            <a:buNone/>
           </a:pPr>
           <a:r>
             <a:rPr lang="es-ES" sz="900" kern="1200" dirty="0"/>
@@ -10367,7 +12683,7 @@
         </a:bodyPr>
         <a:lstStyle/>
         <a:p>
-          <a:pPr lvl="0" algn="ctr" defTabSz="400050">
+          <a:pPr marL="0" lvl="0" indent="0" algn="ctr" defTabSz="400050">
             <a:lnSpc>
               <a:spcPct val="90000"/>
             </a:lnSpc>
@@ -10377,6 +12693,7 @@
             <a:spcAft>
               <a:spcPct val="35000"/>
             </a:spcAft>
+            <a:buNone/>
           </a:pPr>
           <a:r>
             <a:rPr lang="es-ES" sz="900" kern="1200" dirty="0"/>
@@ -10445,7 +12762,7 @@
         </a:bodyPr>
         <a:lstStyle/>
         <a:p>
-          <a:pPr lvl="0" algn="ctr" defTabSz="400050">
+          <a:pPr marL="0" lvl="0" indent="0" algn="ctr" defTabSz="400050">
             <a:lnSpc>
               <a:spcPct val="90000"/>
             </a:lnSpc>
@@ -10455,6 +12772,7 @@
             <a:spcAft>
               <a:spcPct val="35000"/>
             </a:spcAft>
+            <a:buNone/>
           </a:pPr>
           <a:r>
             <a:rPr lang="es-ES" sz="900" kern="1200" dirty="0"/>
@@ -10523,7 +12841,7 @@
         </a:bodyPr>
         <a:lstStyle/>
         <a:p>
-          <a:pPr lvl="0" algn="ctr" defTabSz="400050">
+          <a:pPr marL="0" lvl="0" indent="0" algn="ctr" defTabSz="400050">
             <a:lnSpc>
               <a:spcPct val="90000"/>
             </a:lnSpc>
@@ -10533,6 +12851,7 @@
             <a:spcAft>
               <a:spcPct val="35000"/>
             </a:spcAft>
+            <a:buNone/>
           </a:pPr>
           <a:r>
             <a:rPr lang="es-ES" sz="900" kern="1200" dirty="0"/>
@@ -10601,7 +12920,7 @@
         </a:bodyPr>
         <a:lstStyle/>
         <a:p>
-          <a:pPr lvl="0" algn="ctr" defTabSz="400050">
+          <a:pPr marL="0" lvl="0" indent="0" algn="ctr" defTabSz="400050">
             <a:lnSpc>
               <a:spcPct val="90000"/>
             </a:lnSpc>
@@ -10611,6 +12930,7 @@
             <a:spcAft>
               <a:spcPct val="35000"/>
             </a:spcAft>
+            <a:buNone/>
           </a:pPr>
           <a:r>
             <a:rPr lang="es-ES" sz="900" kern="1200"/>
@@ -10631,7 +12951,3584 @@
 </dsp:drawing>
 </file>
 
+<file path=ppt/diagrams/drawing2.xml><?xml version="1.0" encoding="utf-8"?>
+<dsp:drawing xmlns:dgm="http://schemas.openxmlformats.org/drawingml/2006/diagram" xmlns:dsp="http://schemas.microsoft.com/office/drawing/2008/diagram" xmlns:a="http://schemas.openxmlformats.org/drawingml/2006/main">
+  <dsp:spTree>
+    <dsp:nvGrpSpPr>
+      <dsp:cNvPr id="0" name=""/>
+      <dsp:cNvGrpSpPr/>
+    </dsp:nvGrpSpPr>
+    <dsp:grpSpPr/>
+    <dsp:sp modelId="{DB1A6AF6-E71C-46DB-BEF4-95D36315A330}">
+      <dsp:nvSpPr>
+        <dsp:cNvPr id="0" name=""/>
+        <dsp:cNvSpPr/>
+      </dsp:nvSpPr>
+      <dsp:spPr>
+        <a:xfrm>
+          <a:off x="7838713" y="2001481"/>
+          <a:ext cx="248099" cy="1935173"/>
+        </a:xfrm>
+        <a:custGeom>
+          <a:avLst/>
+          <a:gdLst/>
+          <a:ahLst/>
+          <a:cxnLst/>
+          <a:rect l="0" t="0" r="0" b="0"/>
+          <a:pathLst>
+            <a:path>
+              <a:moveTo>
+                <a:pt x="0" y="0"/>
+              </a:moveTo>
+              <a:lnTo>
+                <a:pt x="0" y="1935173"/>
+              </a:lnTo>
+              <a:lnTo>
+                <a:pt x="248099" y="1935173"/>
+              </a:lnTo>
+            </a:path>
+          </a:pathLst>
+        </a:custGeom>
+        <a:noFill/>
+        <a:ln w="12700" cap="flat" cmpd="sng" algn="ctr">
+          <a:solidFill>
+            <a:schemeClr val="accent1">
+              <a:shade val="80000"/>
+              <a:hueOff val="0"/>
+              <a:satOff val="0"/>
+              <a:lumOff val="0"/>
+              <a:alphaOff val="0"/>
+            </a:schemeClr>
+          </a:solidFill>
+          <a:prstDash val="solid"/>
+          <a:miter lim="800000"/>
+        </a:ln>
+        <a:effectLst/>
+      </dsp:spPr>
+      <dsp:style>
+        <a:lnRef idx="2">
+          <a:scrgbClr r="0" g="0" b="0"/>
+        </a:lnRef>
+        <a:fillRef idx="0">
+          <a:scrgbClr r="0" g="0" b="0"/>
+        </a:fillRef>
+        <a:effectRef idx="0">
+          <a:scrgbClr r="0" g="0" b="0"/>
+        </a:effectRef>
+        <a:fontRef idx="minor"/>
+      </dsp:style>
+    </dsp:sp>
+    <dsp:sp modelId="{782B6DE8-24E1-4505-B7A4-75FBC5D8C794}">
+      <dsp:nvSpPr>
+        <dsp:cNvPr id="0" name=""/>
+        <dsp:cNvSpPr/>
+      </dsp:nvSpPr>
+      <dsp:spPr>
+        <a:xfrm>
+          <a:off x="7838713" y="2001481"/>
+          <a:ext cx="248099" cy="760837"/>
+        </a:xfrm>
+        <a:custGeom>
+          <a:avLst/>
+          <a:gdLst/>
+          <a:ahLst/>
+          <a:cxnLst/>
+          <a:rect l="0" t="0" r="0" b="0"/>
+          <a:pathLst>
+            <a:path>
+              <a:moveTo>
+                <a:pt x="0" y="0"/>
+              </a:moveTo>
+              <a:lnTo>
+                <a:pt x="0" y="760837"/>
+              </a:lnTo>
+              <a:lnTo>
+                <a:pt x="248099" y="760837"/>
+              </a:lnTo>
+            </a:path>
+          </a:pathLst>
+        </a:custGeom>
+        <a:noFill/>
+        <a:ln w="12700" cap="flat" cmpd="sng" algn="ctr">
+          <a:solidFill>
+            <a:schemeClr val="accent1">
+              <a:shade val="80000"/>
+              <a:hueOff val="0"/>
+              <a:satOff val="0"/>
+              <a:lumOff val="0"/>
+              <a:alphaOff val="0"/>
+            </a:schemeClr>
+          </a:solidFill>
+          <a:prstDash val="solid"/>
+          <a:miter lim="800000"/>
+        </a:ln>
+        <a:effectLst/>
+      </dsp:spPr>
+      <dsp:style>
+        <a:lnRef idx="2">
+          <a:scrgbClr r="0" g="0" b="0"/>
+        </a:lnRef>
+        <a:fillRef idx="0">
+          <a:scrgbClr r="0" g="0" b="0"/>
+        </a:fillRef>
+        <a:effectRef idx="0">
+          <a:scrgbClr r="0" g="0" b="0"/>
+        </a:effectRef>
+        <a:fontRef idx="minor"/>
+      </dsp:style>
+    </dsp:sp>
+    <dsp:sp modelId="{561E6132-6E5F-49BC-8460-695F206FE40B}">
+      <dsp:nvSpPr>
+        <dsp:cNvPr id="0" name=""/>
+        <dsp:cNvSpPr/>
+      </dsp:nvSpPr>
+      <dsp:spPr>
+        <a:xfrm>
+          <a:off x="5498311" y="827145"/>
+          <a:ext cx="3001999" cy="347338"/>
+        </a:xfrm>
+        <a:custGeom>
+          <a:avLst/>
+          <a:gdLst/>
+          <a:ahLst/>
+          <a:cxnLst/>
+          <a:rect l="0" t="0" r="0" b="0"/>
+          <a:pathLst>
+            <a:path>
+              <a:moveTo>
+                <a:pt x="0" y="0"/>
+              </a:moveTo>
+              <a:lnTo>
+                <a:pt x="0" y="173669"/>
+              </a:lnTo>
+              <a:lnTo>
+                <a:pt x="3001999" y="173669"/>
+              </a:lnTo>
+              <a:lnTo>
+                <a:pt x="3001999" y="347338"/>
+              </a:lnTo>
+            </a:path>
+          </a:pathLst>
+        </a:custGeom>
+        <a:noFill/>
+        <a:ln w="12700" cap="flat" cmpd="sng" algn="ctr">
+          <a:solidFill>
+            <a:schemeClr val="accent1">
+              <a:shade val="60000"/>
+              <a:hueOff val="0"/>
+              <a:satOff val="0"/>
+              <a:lumOff val="0"/>
+              <a:alphaOff val="0"/>
+            </a:schemeClr>
+          </a:solidFill>
+          <a:prstDash val="solid"/>
+          <a:miter lim="800000"/>
+        </a:ln>
+        <a:effectLst/>
+      </dsp:spPr>
+      <dsp:style>
+        <a:lnRef idx="2">
+          <a:scrgbClr r="0" g="0" b="0"/>
+        </a:lnRef>
+        <a:fillRef idx="0">
+          <a:scrgbClr r="0" g="0" b="0"/>
+        </a:fillRef>
+        <a:effectRef idx="0">
+          <a:scrgbClr r="0" g="0" b="0"/>
+        </a:effectRef>
+        <a:fontRef idx="minor"/>
+      </dsp:style>
+    </dsp:sp>
+    <dsp:sp modelId="{14BC7703-A910-46FB-AC25-CF1ADE428FE3}">
+      <dsp:nvSpPr>
+        <dsp:cNvPr id="0" name=""/>
+        <dsp:cNvSpPr/>
+      </dsp:nvSpPr>
+      <dsp:spPr>
+        <a:xfrm>
+          <a:off x="5837380" y="2001481"/>
+          <a:ext cx="248099" cy="4283844"/>
+        </a:xfrm>
+        <a:custGeom>
+          <a:avLst/>
+          <a:gdLst/>
+          <a:ahLst/>
+          <a:cxnLst/>
+          <a:rect l="0" t="0" r="0" b="0"/>
+          <a:pathLst>
+            <a:path>
+              <a:moveTo>
+                <a:pt x="0" y="0"/>
+              </a:moveTo>
+              <a:lnTo>
+                <a:pt x="0" y="4283844"/>
+              </a:lnTo>
+              <a:lnTo>
+                <a:pt x="248099" y="4283844"/>
+              </a:lnTo>
+            </a:path>
+          </a:pathLst>
+        </a:custGeom>
+        <a:noFill/>
+        <a:ln w="12700" cap="flat" cmpd="sng" algn="ctr">
+          <a:solidFill>
+            <a:schemeClr val="accent1">
+              <a:shade val="80000"/>
+              <a:hueOff val="0"/>
+              <a:satOff val="0"/>
+              <a:lumOff val="0"/>
+              <a:alphaOff val="0"/>
+            </a:schemeClr>
+          </a:solidFill>
+          <a:prstDash val="solid"/>
+          <a:miter lim="800000"/>
+        </a:ln>
+        <a:effectLst/>
+      </dsp:spPr>
+      <dsp:style>
+        <a:lnRef idx="2">
+          <a:scrgbClr r="0" g="0" b="0"/>
+        </a:lnRef>
+        <a:fillRef idx="0">
+          <a:scrgbClr r="0" g="0" b="0"/>
+        </a:fillRef>
+        <a:effectRef idx="0">
+          <a:scrgbClr r="0" g="0" b="0"/>
+        </a:effectRef>
+        <a:fontRef idx="minor"/>
+      </dsp:style>
+    </dsp:sp>
+    <dsp:sp modelId="{960635A7-A131-490D-BB35-DBFE68ACE9C7}">
+      <dsp:nvSpPr>
+        <dsp:cNvPr id="0" name=""/>
+        <dsp:cNvSpPr/>
+      </dsp:nvSpPr>
+      <dsp:spPr>
+        <a:xfrm>
+          <a:off x="5837380" y="2001481"/>
+          <a:ext cx="248099" cy="3109508"/>
+        </a:xfrm>
+        <a:custGeom>
+          <a:avLst/>
+          <a:gdLst/>
+          <a:ahLst/>
+          <a:cxnLst/>
+          <a:rect l="0" t="0" r="0" b="0"/>
+          <a:pathLst>
+            <a:path>
+              <a:moveTo>
+                <a:pt x="0" y="0"/>
+              </a:moveTo>
+              <a:lnTo>
+                <a:pt x="0" y="3109508"/>
+              </a:lnTo>
+              <a:lnTo>
+                <a:pt x="248099" y="3109508"/>
+              </a:lnTo>
+            </a:path>
+          </a:pathLst>
+        </a:custGeom>
+        <a:noFill/>
+        <a:ln w="12700" cap="flat" cmpd="sng" algn="ctr">
+          <a:solidFill>
+            <a:schemeClr val="accent1">
+              <a:shade val="80000"/>
+              <a:hueOff val="0"/>
+              <a:satOff val="0"/>
+              <a:lumOff val="0"/>
+              <a:alphaOff val="0"/>
+            </a:schemeClr>
+          </a:solidFill>
+          <a:prstDash val="solid"/>
+          <a:miter lim="800000"/>
+        </a:ln>
+        <a:effectLst/>
+      </dsp:spPr>
+      <dsp:style>
+        <a:lnRef idx="2">
+          <a:scrgbClr r="0" g="0" b="0"/>
+        </a:lnRef>
+        <a:fillRef idx="0">
+          <a:scrgbClr r="0" g="0" b="0"/>
+        </a:fillRef>
+        <a:effectRef idx="0">
+          <a:scrgbClr r="0" g="0" b="0"/>
+        </a:effectRef>
+        <a:fontRef idx="minor"/>
+      </dsp:style>
+    </dsp:sp>
+    <dsp:sp modelId="{D796DC29-6182-4F38-BCBC-3AF375E81CAB}">
+      <dsp:nvSpPr>
+        <dsp:cNvPr id="0" name=""/>
+        <dsp:cNvSpPr/>
+      </dsp:nvSpPr>
+      <dsp:spPr>
+        <a:xfrm>
+          <a:off x="5837380" y="2001481"/>
+          <a:ext cx="248099" cy="1935173"/>
+        </a:xfrm>
+        <a:custGeom>
+          <a:avLst/>
+          <a:gdLst/>
+          <a:ahLst/>
+          <a:cxnLst/>
+          <a:rect l="0" t="0" r="0" b="0"/>
+          <a:pathLst>
+            <a:path>
+              <a:moveTo>
+                <a:pt x="0" y="0"/>
+              </a:moveTo>
+              <a:lnTo>
+                <a:pt x="0" y="1935173"/>
+              </a:lnTo>
+              <a:lnTo>
+                <a:pt x="248099" y="1935173"/>
+              </a:lnTo>
+            </a:path>
+          </a:pathLst>
+        </a:custGeom>
+        <a:noFill/>
+        <a:ln w="12700" cap="flat" cmpd="sng" algn="ctr">
+          <a:solidFill>
+            <a:schemeClr val="accent1">
+              <a:shade val="80000"/>
+              <a:hueOff val="0"/>
+              <a:satOff val="0"/>
+              <a:lumOff val="0"/>
+              <a:alphaOff val="0"/>
+            </a:schemeClr>
+          </a:solidFill>
+          <a:prstDash val="solid"/>
+          <a:miter lim="800000"/>
+        </a:ln>
+        <a:effectLst/>
+      </dsp:spPr>
+      <dsp:style>
+        <a:lnRef idx="2">
+          <a:scrgbClr r="0" g="0" b="0"/>
+        </a:lnRef>
+        <a:fillRef idx="0">
+          <a:scrgbClr r="0" g="0" b="0"/>
+        </a:fillRef>
+        <a:effectRef idx="0">
+          <a:scrgbClr r="0" g="0" b="0"/>
+        </a:effectRef>
+        <a:fontRef idx="minor"/>
+      </dsp:style>
+    </dsp:sp>
+    <dsp:sp modelId="{13C211F1-3B14-49D8-B97B-205894B4B24F}">
+      <dsp:nvSpPr>
+        <dsp:cNvPr id="0" name=""/>
+        <dsp:cNvSpPr/>
+      </dsp:nvSpPr>
+      <dsp:spPr>
+        <a:xfrm>
+          <a:off x="5837380" y="2001481"/>
+          <a:ext cx="248099" cy="760837"/>
+        </a:xfrm>
+        <a:custGeom>
+          <a:avLst/>
+          <a:gdLst/>
+          <a:ahLst/>
+          <a:cxnLst/>
+          <a:rect l="0" t="0" r="0" b="0"/>
+          <a:pathLst>
+            <a:path>
+              <a:moveTo>
+                <a:pt x="0" y="0"/>
+              </a:moveTo>
+              <a:lnTo>
+                <a:pt x="0" y="760837"/>
+              </a:lnTo>
+              <a:lnTo>
+                <a:pt x="248099" y="760837"/>
+              </a:lnTo>
+            </a:path>
+          </a:pathLst>
+        </a:custGeom>
+        <a:noFill/>
+        <a:ln w="12700" cap="flat" cmpd="sng" algn="ctr">
+          <a:solidFill>
+            <a:schemeClr val="accent1">
+              <a:shade val="80000"/>
+              <a:hueOff val="0"/>
+              <a:satOff val="0"/>
+              <a:lumOff val="0"/>
+              <a:alphaOff val="0"/>
+            </a:schemeClr>
+          </a:solidFill>
+          <a:prstDash val="solid"/>
+          <a:miter lim="800000"/>
+        </a:ln>
+        <a:effectLst/>
+      </dsp:spPr>
+      <dsp:style>
+        <a:lnRef idx="2">
+          <a:scrgbClr r="0" g="0" b="0"/>
+        </a:lnRef>
+        <a:fillRef idx="0">
+          <a:scrgbClr r="0" g="0" b="0"/>
+        </a:fillRef>
+        <a:effectRef idx="0">
+          <a:scrgbClr r="0" g="0" b="0"/>
+        </a:effectRef>
+        <a:fontRef idx="minor"/>
+      </dsp:style>
+    </dsp:sp>
+    <dsp:sp modelId="{4426501D-8BA9-4AF8-932A-8A360A4142E2}">
+      <dsp:nvSpPr>
+        <dsp:cNvPr id="0" name=""/>
+        <dsp:cNvSpPr/>
+      </dsp:nvSpPr>
+      <dsp:spPr>
+        <a:xfrm>
+          <a:off x="5498311" y="827145"/>
+          <a:ext cx="1000666" cy="347338"/>
+        </a:xfrm>
+        <a:custGeom>
+          <a:avLst/>
+          <a:gdLst/>
+          <a:ahLst/>
+          <a:cxnLst/>
+          <a:rect l="0" t="0" r="0" b="0"/>
+          <a:pathLst>
+            <a:path>
+              <a:moveTo>
+                <a:pt x="0" y="0"/>
+              </a:moveTo>
+              <a:lnTo>
+                <a:pt x="0" y="173669"/>
+              </a:lnTo>
+              <a:lnTo>
+                <a:pt x="1000666" y="173669"/>
+              </a:lnTo>
+              <a:lnTo>
+                <a:pt x="1000666" y="347338"/>
+              </a:lnTo>
+            </a:path>
+          </a:pathLst>
+        </a:custGeom>
+        <a:noFill/>
+        <a:ln w="12700" cap="flat" cmpd="sng" algn="ctr">
+          <a:solidFill>
+            <a:schemeClr val="accent1">
+              <a:shade val="60000"/>
+              <a:hueOff val="0"/>
+              <a:satOff val="0"/>
+              <a:lumOff val="0"/>
+              <a:alphaOff val="0"/>
+            </a:schemeClr>
+          </a:solidFill>
+          <a:prstDash val="solid"/>
+          <a:miter lim="800000"/>
+        </a:ln>
+        <a:effectLst/>
+      </dsp:spPr>
+      <dsp:style>
+        <a:lnRef idx="2">
+          <a:scrgbClr r="0" g="0" b="0"/>
+        </a:lnRef>
+        <a:fillRef idx="0">
+          <a:scrgbClr r="0" g="0" b="0"/>
+        </a:fillRef>
+        <a:effectRef idx="0">
+          <a:scrgbClr r="0" g="0" b="0"/>
+        </a:effectRef>
+        <a:fontRef idx="minor"/>
+      </dsp:style>
+    </dsp:sp>
+    <dsp:sp modelId="{B1EB0FBE-FE81-4BB3-BBB2-CCE161C78182}">
+      <dsp:nvSpPr>
+        <dsp:cNvPr id="0" name=""/>
+        <dsp:cNvSpPr/>
+      </dsp:nvSpPr>
+      <dsp:spPr>
+        <a:xfrm>
+          <a:off x="3836047" y="2001481"/>
+          <a:ext cx="248099" cy="4283844"/>
+        </a:xfrm>
+        <a:custGeom>
+          <a:avLst/>
+          <a:gdLst/>
+          <a:ahLst/>
+          <a:cxnLst/>
+          <a:rect l="0" t="0" r="0" b="0"/>
+          <a:pathLst>
+            <a:path>
+              <a:moveTo>
+                <a:pt x="0" y="0"/>
+              </a:moveTo>
+              <a:lnTo>
+                <a:pt x="0" y="4283844"/>
+              </a:lnTo>
+              <a:lnTo>
+                <a:pt x="248099" y="4283844"/>
+              </a:lnTo>
+            </a:path>
+          </a:pathLst>
+        </a:custGeom>
+        <a:noFill/>
+        <a:ln w="12700" cap="flat" cmpd="sng" algn="ctr">
+          <a:solidFill>
+            <a:schemeClr val="accent1">
+              <a:shade val="80000"/>
+              <a:hueOff val="0"/>
+              <a:satOff val="0"/>
+              <a:lumOff val="0"/>
+              <a:alphaOff val="0"/>
+            </a:schemeClr>
+          </a:solidFill>
+          <a:prstDash val="solid"/>
+          <a:miter lim="800000"/>
+        </a:ln>
+        <a:effectLst/>
+      </dsp:spPr>
+      <dsp:style>
+        <a:lnRef idx="2">
+          <a:scrgbClr r="0" g="0" b="0"/>
+        </a:lnRef>
+        <a:fillRef idx="0">
+          <a:scrgbClr r="0" g="0" b="0"/>
+        </a:fillRef>
+        <a:effectRef idx="0">
+          <a:scrgbClr r="0" g="0" b="0"/>
+        </a:effectRef>
+        <a:fontRef idx="minor"/>
+      </dsp:style>
+    </dsp:sp>
+    <dsp:sp modelId="{DC5F68A9-3F83-4B23-8ACC-DE5A8C1E15C1}">
+      <dsp:nvSpPr>
+        <dsp:cNvPr id="0" name=""/>
+        <dsp:cNvSpPr/>
+      </dsp:nvSpPr>
+      <dsp:spPr>
+        <a:xfrm>
+          <a:off x="3836047" y="2001481"/>
+          <a:ext cx="248099" cy="3109508"/>
+        </a:xfrm>
+        <a:custGeom>
+          <a:avLst/>
+          <a:gdLst/>
+          <a:ahLst/>
+          <a:cxnLst/>
+          <a:rect l="0" t="0" r="0" b="0"/>
+          <a:pathLst>
+            <a:path>
+              <a:moveTo>
+                <a:pt x="0" y="0"/>
+              </a:moveTo>
+              <a:lnTo>
+                <a:pt x="0" y="3109508"/>
+              </a:lnTo>
+              <a:lnTo>
+                <a:pt x="248099" y="3109508"/>
+              </a:lnTo>
+            </a:path>
+          </a:pathLst>
+        </a:custGeom>
+        <a:noFill/>
+        <a:ln w="12700" cap="flat" cmpd="sng" algn="ctr">
+          <a:solidFill>
+            <a:schemeClr val="accent1">
+              <a:shade val="80000"/>
+              <a:hueOff val="0"/>
+              <a:satOff val="0"/>
+              <a:lumOff val="0"/>
+              <a:alphaOff val="0"/>
+            </a:schemeClr>
+          </a:solidFill>
+          <a:prstDash val="solid"/>
+          <a:miter lim="800000"/>
+        </a:ln>
+        <a:effectLst/>
+      </dsp:spPr>
+      <dsp:style>
+        <a:lnRef idx="2">
+          <a:scrgbClr r="0" g="0" b="0"/>
+        </a:lnRef>
+        <a:fillRef idx="0">
+          <a:scrgbClr r="0" g="0" b="0"/>
+        </a:fillRef>
+        <a:effectRef idx="0">
+          <a:scrgbClr r="0" g="0" b="0"/>
+        </a:effectRef>
+        <a:fontRef idx="minor"/>
+      </dsp:style>
+    </dsp:sp>
+    <dsp:sp modelId="{090E2EE5-D615-4558-A18F-67DE3E775202}">
+      <dsp:nvSpPr>
+        <dsp:cNvPr id="0" name=""/>
+        <dsp:cNvSpPr/>
+      </dsp:nvSpPr>
+      <dsp:spPr>
+        <a:xfrm>
+          <a:off x="3836047" y="2001481"/>
+          <a:ext cx="248099" cy="1935173"/>
+        </a:xfrm>
+        <a:custGeom>
+          <a:avLst/>
+          <a:gdLst/>
+          <a:ahLst/>
+          <a:cxnLst/>
+          <a:rect l="0" t="0" r="0" b="0"/>
+          <a:pathLst>
+            <a:path>
+              <a:moveTo>
+                <a:pt x="0" y="0"/>
+              </a:moveTo>
+              <a:lnTo>
+                <a:pt x="0" y="1935173"/>
+              </a:lnTo>
+              <a:lnTo>
+                <a:pt x="248099" y="1935173"/>
+              </a:lnTo>
+            </a:path>
+          </a:pathLst>
+        </a:custGeom>
+        <a:noFill/>
+        <a:ln w="12700" cap="flat" cmpd="sng" algn="ctr">
+          <a:solidFill>
+            <a:schemeClr val="accent1">
+              <a:shade val="80000"/>
+              <a:hueOff val="0"/>
+              <a:satOff val="0"/>
+              <a:lumOff val="0"/>
+              <a:alphaOff val="0"/>
+            </a:schemeClr>
+          </a:solidFill>
+          <a:prstDash val="solid"/>
+          <a:miter lim="800000"/>
+        </a:ln>
+        <a:effectLst/>
+      </dsp:spPr>
+      <dsp:style>
+        <a:lnRef idx="2">
+          <a:scrgbClr r="0" g="0" b="0"/>
+        </a:lnRef>
+        <a:fillRef idx="0">
+          <a:scrgbClr r="0" g="0" b="0"/>
+        </a:fillRef>
+        <a:effectRef idx="0">
+          <a:scrgbClr r="0" g="0" b="0"/>
+        </a:effectRef>
+        <a:fontRef idx="minor"/>
+      </dsp:style>
+    </dsp:sp>
+    <dsp:sp modelId="{B4B85693-9C21-41C2-BAFB-9872C7A5DB2E}">
+      <dsp:nvSpPr>
+        <dsp:cNvPr id="0" name=""/>
+        <dsp:cNvSpPr/>
+      </dsp:nvSpPr>
+      <dsp:spPr>
+        <a:xfrm>
+          <a:off x="3836047" y="2001481"/>
+          <a:ext cx="248099" cy="760837"/>
+        </a:xfrm>
+        <a:custGeom>
+          <a:avLst/>
+          <a:gdLst/>
+          <a:ahLst/>
+          <a:cxnLst/>
+          <a:rect l="0" t="0" r="0" b="0"/>
+          <a:pathLst>
+            <a:path>
+              <a:moveTo>
+                <a:pt x="0" y="0"/>
+              </a:moveTo>
+              <a:lnTo>
+                <a:pt x="0" y="760837"/>
+              </a:lnTo>
+              <a:lnTo>
+                <a:pt x="248099" y="760837"/>
+              </a:lnTo>
+            </a:path>
+          </a:pathLst>
+        </a:custGeom>
+        <a:noFill/>
+        <a:ln w="12700" cap="flat" cmpd="sng" algn="ctr">
+          <a:solidFill>
+            <a:schemeClr val="accent1">
+              <a:shade val="80000"/>
+              <a:hueOff val="0"/>
+              <a:satOff val="0"/>
+              <a:lumOff val="0"/>
+              <a:alphaOff val="0"/>
+            </a:schemeClr>
+          </a:solidFill>
+          <a:prstDash val="solid"/>
+          <a:miter lim="800000"/>
+        </a:ln>
+        <a:effectLst/>
+      </dsp:spPr>
+      <dsp:style>
+        <a:lnRef idx="2">
+          <a:scrgbClr r="0" g="0" b="0"/>
+        </a:lnRef>
+        <a:fillRef idx="0">
+          <a:scrgbClr r="0" g="0" b="0"/>
+        </a:fillRef>
+        <a:effectRef idx="0">
+          <a:scrgbClr r="0" g="0" b="0"/>
+        </a:effectRef>
+        <a:fontRef idx="minor"/>
+      </dsp:style>
+    </dsp:sp>
+    <dsp:sp modelId="{2F6CA483-BFCF-45F2-AB2C-BC774BB56CE8}">
+      <dsp:nvSpPr>
+        <dsp:cNvPr id="0" name=""/>
+        <dsp:cNvSpPr/>
+      </dsp:nvSpPr>
+      <dsp:spPr>
+        <a:xfrm>
+          <a:off x="4497645" y="827145"/>
+          <a:ext cx="1000666" cy="347338"/>
+        </a:xfrm>
+        <a:custGeom>
+          <a:avLst/>
+          <a:gdLst/>
+          <a:ahLst/>
+          <a:cxnLst/>
+          <a:rect l="0" t="0" r="0" b="0"/>
+          <a:pathLst>
+            <a:path>
+              <a:moveTo>
+                <a:pt x="1000666" y="0"/>
+              </a:moveTo>
+              <a:lnTo>
+                <a:pt x="1000666" y="173669"/>
+              </a:lnTo>
+              <a:lnTo>
+                <a:pt x="0" y="173669"/>
+              </a:lnTo>
+              <a:lnTo>
+                <a:pt x="0" y="347338"/>
+              </a:lnTo>
+            </a:path>
+          </a:pathLst>
+        </a:custGeom>
+        <a:noFill/>
+        <a:ln w="12700" cap="flat" cmpd="sng" algn="ctr">
+          <a:solidFill>
+            <a:schemeClr val="accent1">
+              <a:shade val="60000"/>
+              <a:hueOff val="0"/>
+              <a:satOff val="0"/>
+              <a:lumOff val="0"/>
+              <a:alphaOff val="0"/>
+            </a:schemeClr>
+          </a:solidFill>
+          <a:prstDash val="solid"/>
+          <a:miter lim="800000"/>
+        </a:ln>
+        <a:effectLst/>
+      </dsp:spPr>
+      <dsp:style>
+        <a:lnRef idx="2">
+          <a:scrgbClr r="0" g="0" b="0"/>
+        </a:lnRef>
+        <a:fillRef idx="0">
+          <a:scrgbClr r="0" g="0" b="0"/>
+        </a:fillRef>
+        <a:effectRef idx="0">
+          <a:scrgbClr r="0" g="0" b="0"/>
+        </a:effectRef>
+        <a:fontRef idx="minor"/>
+      </dsp:style>
+    </dsp:sp>
+    <dsp:sp modelId="{1B3B786E-ED9D-440D-A0C7-8C2E8546D06D}">
+      <dsp:nvSpPr>
+        <dsp:cNvPr id="0" name=""/>
+        <dsp:cNvSpPr/>
+      </dsp:nvSpPr>
+      <dsp:spPr>
+        <a:xfrm>
+          <a:off x="1849517" y="1986678"/>
+          <a:ext cx="233295" cy="3124312"/>
+        </a:xfrm>
+        <a:custGeom>
+          <a:avLst/>
+          <a:gdLst/>
+          <a:ahLst/>
+          <a:cxnLst/>
+          <a:rect l="0" t="0" r="0" b="0"/>
+          <a:pathLst>
+            <a:path>
+              <a:moveTo>
+                <a:pt x="0" y="0"/>
+              </a:moveTo>
+              <a:lnTo>
+                <a:pt x="0" y="3124312"/>
+              </a:lnTo>
+              <a:lnTo>
+                <a:pt x="233295" y="3124312"/>
+              </a:lnTo>
+            </a:path>
+          </a:pathLst>
+        </a:custGeom>
+        <a:noFill/>
+        <a:ln w="12700" cap="flat" cmpd="sng" algn="ctr">
+          <a:solidFill>
+            <a:schemeClr val="accent1">
+              <a:shade val="80000"/>
+              <a:hueOff val="0"/>
+              <a:satOff val="0"/>
+              <a:lumOff val="0"/>
+              <a:alphaOff val="0"/>
+            </a:schemeClr>
+          </a:solidFill>
+          <a:prstDash val="solid"/>
+          <a:miter lim="800000"/>
+        </a:ln>
+        <a:effectLst/>
+      </dsp:spPr>
+      <dsp:style>
+        <a:lnRef idx="2">
+          <a:scrgbClr r="0" g="0" b="0"/>
+        </a:lnRef>
+        <a:fillRef idx="0">
+          <a:scrgbClr r="0" g="0" b="0"/>
+        </a:fillRef>
+        <a:effectRef idx="0">
+          <a:scrgbClr r="0" g="0" b="0"/>
+        </a:effectRef>
+        <a:fontRef idx="minor"/>
+      </dsp:style>
+    </dsp:sp>
+    <dsp:sp modelId="{D41C38CF-CDD4-4C1E-91AD-B5421097F08A}">
+      <dsp:nvSpPr>
+        <dsp:cNvPr id="0" name=""/>
+        <dsp:cNvSpPr/>
+      </dsp:nvSpPr>
+      <dsp:spPr>
+        <a:xfrm>
+          <a:off x="1849517" y="1986678"/>
+          <a:ext cx="233295" cy="1949976"/>
+        </a:xfrm>
+        <a:custGeom>
+          <a:avLst/>
+          <a:gdLst/>
+          <a:ahLst/>
+          <a:cxnLst/>
+          <a:rect l="0" t="0" r="0" b="0"/>
+          <a:pathLst>
+            <a:path>
+              <a:moveTo>
+                <a:pt x="0" y="0"/>
+              </a:moveTo>
+              <a:lnTo>
+                <a:pt x="0" y="1949976"/>
+              </a:lnTo>
+              <a:lnTo>
+                <a:pt x="233295" y="1949976"/>
+              </a:lnTo>
+            </a:path>
+          </a:pathLst>
+        </a:custGeom>
+        <a:noFill/>
+        <a:ln w="12700" cap="flat" cmpd="sng" algn="ctr">
+          <a:solidFill>
+            <a:schemeClr val="accent1">
+              <a:shade val="80000"/>
+              <a:hueOff val="0"/>
+              <a:satOff val="0"/>
+              <a:lumOff val="0"/>
+              <a:alphaOff val="0"/>
+            </a:schemeClr>
+          </a:solidFill>
+          <a:prstDash val="solid"/>
+          <a:miter lim="800000"/>
+        </a:ln>
+        <a:effectLst/>
+      </dsp:spPr>
+      <dsp:style>
+        <a:lnRef idx="2">
+          <a:scrgbClr r="0" g="0" b="0"/>
+        </a:lnRef>
+        <a:fillRef idx="0">
+          <a:scrgbClr r="0" g="0" b="0"/>
+        </a:fillRef>
+        <a:effectRef idx="0">
+          <a:scrgbClr r="0" g="0" b="0"/>
+        </a:effectRef>
+        <a:fontRef idx="minor"/>
+      </dsp:style>
+    </dsp:sp>
+    <dsp:sp modelId="{1428A162-9607-412F-9DD3-C41193BA1609}">
+      <dsp:nvSpPr>
+        <dsp:cNvPr id="0" name=""/>
+        <dsp:cNvSpPr/>
+      </dsp:nvSpPr>
+      <dsp:spPr>
+        <a:xfrm>
+          <a:off x="1849517" y="1986678"/>
+          <a:ext cx="233295" cy="775640"/>
+        </a:xfrm>
+        <a:custGeom>
+          <a:avLst/>
+          <a:gdLst/>
+          <a:ahLst/>
+          <a:cxnLst/>
+          <a:rect l="0" t="0" r="0" b="0"/>
+          <a:pathLst>
+            <a:path>
+              <a:moveTo>
+                <a:pt x="0" y="0"/>
+              </a:moveTo>
+              <a:lnTo>
+                <a:pt x="0" y="775640"/>
+              </a:lnTo>
+              <a:lnTo>
+                <a:pt x="233295" y="775640"/>
+              </a:lnTo>
+            </a:path>
+          </a:pathLst>
+        </a:custGeom>
+        <a:noFill/>
+        <a:ln w="12700" cap="flat" cmpd="sng" algn="ctr">
+          <a:solidFill>
+            <a:schemeClr val="accent1">
+              <a:shade val="80000"/>
+              <a:hueOff val="0"/>
+              <a:satOff val="0"/>
+              <a:lumOff val="0"/>
+              <a:alphaOff val="0"/>
+            </a:schemeClr>
+          </a:solidFill>
+          <a:prstDash val="solid"/>
+          <a:miter lim="800000"/>
+        </a:ln>
+        <a:effectLst/>
+      </dsp:spPr>
+      <dsp:style>
+        <a:lnRef idx="2">
+          <a:scrgbClr r="0" g="0" b="0"/>
+        </a:lnRef>
+        <a:fillRef idx="0">
+          <a:scrgbClr r="0" g="0" b="0"/>
+        </a:fillRef>
+        <a:effectRef idx="0">
+          <a:scrgbClr r="0" g="0" b="0"/>
+        </a:effectRef>
+        <a:fontRef idx="minor"/>
+      </dsp:style>
+    </dsp:sp>
+    <dsp:sp modelId="{E466AF22-9447-471C-AE53-F446EE0FB550}">
+      <dsp:nvSpPr>
+        <dsp:cNvPr id="0" name=""/>
+        <dsp:cNvSpPr/>
+      </dsp:nvSpPr>
+      <dsp:spPr>
+        <a:xfrm>
+          <a:off x="2511115" y="827145"/>
+          <a:ext cx="2987196" cy="332535"/>
+        </a:xfrm>
+        <a:custGeom>
+          <a:avLst/>
+          <a:gdLst/>
+          <a:ahLst/>
+          <a:cxnLst/>
+          <a:rect l="0" t="0" r="0" b="0"/>
+          <a:pathLst>
+            <a:path>
+              <a:moveTo>
+                <a:pt x="2987196" y="0"/>
+              </a:moveTo>
+              <a:lnTo>
+                <a:pt x="2987196" y="158866"/>
+              </a:lnTo>
+              <a:lnTo>
+                <a:pt x="0" y="158866"/>
+              </a:lnTo>
+              <a:lnTo>
+                <a:pt x="0" y="332535"/>
+              </a:lnTo>
+            </a:path>
+          </a:pathLst>
+        </a:custGeom>
+        <a:noFill/>
+        <a:ln w="12700" cap="flat" cmpd="sng" algn="ctr">
+          <a:solidFill>
+            <a:schemeClr val="accent1">
+              <a:shade val="60000"/>
+              <a:hueOff val="0"/>
+              <a:satOff val="0"/>
+              <a:lumOff val="0"/>
+              <a:alphaOff val="0"/>
+            </a:schemeClr>
+          </a:solidFill>
+          <a:prstDash val="solid"/>
+          <a:miter lim="800000"/>
+        </a:ln>
+        <a:effectLst/>
+      </dsp:spPr>
+      <dsp:style>
+        <a:lnRef idx="2">
+          <a:scrgbClr r="0" g="0" b="0"/>
+        </a:lnRef>
+        <a:fillRef idx="0">
+          <a:scrgbClr r="0" g="0" b="0"/>
+        </a:fillRef>
+        <a:effectRef idx="0">
+          <a:scrgbClr r="0" g="0" b="0"/>
+        </a:effectRef>
+        <a:fontRef idx="minor"/>
+      </dsp:style>
+    </dsp:sp>
+    <dsp:sp modelId="{59EA8F0E-1765-449A-8BEA-C52A4CDF8C87}">
+      <dsp:nvSpPr>
+        <dsp:cNvPr id="0" name=""/>
+        <dsp:cNvSpPr/>
+      </dsp:nvSpPr>
+      <dsp:spPr>
+        <a:xfrm>
+          <a:off x="3681175" y="148"/>
+          <a:ext cx="3634271" cy="826997"/>
+        </a:xfrm>
+        <a:prstGeom prst="rect">
+          <a:avLst/>
+        </a:prstGeom>
+        <a:solidFill>
+          <a:schemeClr val="accent1">
+            <a:hueOff val="0"/>
+            <a:satOff val="0"/>
+            <a:lumOff val="0"/>
+            <a:alphaOff val="0"/>
+          </a:schemeClr>
+        </a:solidFill>
+        <a:ln w="12700" cap="flat" cmpd="sng" algn="ctr">
+          <a:solidFill>
+            <a:schemeClr val="lt1">
+              <a:hueOff val="0"/>
+              <a:satOff val="0"/>
+              <a:lumOff val="0"/>
+              <a:alphaOff val="0"/>
+            </a:schemeClr>
+          </a:solidFill>
+          <a:prstDash val="solid"/>
+          <a:miter lim="800000"/>
+        </a:ln>
+        <a:effectLst/>
+      </dsp:spPr>
+      <dsp:style>
+        <a:lnRef idx="2">
+          <a:scrgbClr r="0" g="0" b="0"/>
+        </a:lnRef>
+        <a:fillRef idx="1">
+          <a:scrgbClr r="0" g="0" b="0"/>
+        </a:fillRef>
+        <a:effectRef idx="0">
+          <a:scrgbClr r="0" g="0" b="0"/>
+        </a:effectRef>
+        <a:fontRef idx="minor">
+          <a:schemeClr val="lt1"/>
+        </a:fontRef>
+      </dsp:style>
+      <dsp:txBody>
+        <a:bodyPr spcFirstLastPara="0" vert="horz" wrap="square" lIns="7620" tIns="7620" rIns="7620" bIns="7620" numCol="1" spcCol="1270" anchor="ctr" anchorCtr="0">
+          <a:noAutofit/>
+        </a:bodyPr>
+        <a:lstStyle/>
+        <a:p>
+          <a:pPr marL="0" lvl="0" indent="0" algn="ctr" defTabSz="533400">
+            <a:lnSpc>
+              <a:spcPct val="90000"/>
+            </a:lnSpc>
+            <a:spcBef>
+              <a:spcPct val="0"/>
+            </a:spcBef>
+            <a:spcAft>
+              <a:spcPct val="35000"/>
+            </a:spcAft>
+            <a:buNone/>
+          </a:pPr>
+          <a:r>
+            <a:rPr lang="es-ES" sz="1200" kern="1200" dirty="0"/>
+            <a:t>1. Diagrama de Riesgos</a:t>
+          </a:r>
+        </a:p>
+      </dsp:txBody>
+      <dsp:txXfrm>
+        <a:off x="3681175" y="148"/>
+        <a:ext cx="3634271" cy="826997"/>
+      </dsp:txXfrm>
+    </dsp:sp>
+    <dsp:sp modelId="{BF7F29B3-7C88-46AA-BF33-100C2DAF833F}">
+      <dsp:nvSpPr>
+        <dsp:cNvPr id="0" name=""/>
+        <dsp:cNvSpPr/>
+      </dsp:nvSpPr>
+      <dsp:spPr>
+        <a:xfrm>
+          <a:off x="1684118" y="1159681"/>
+          <a:ext cx="1653994" cy="826997"/>
+        </a:xfrm>
+        <a:prstGeom prst="rect">
+          <a:avLst/>
+        </a:prstGeom>
+        <a:solidFill>
+          <a:schemeClr val="accent1">
+            <a:hueOff val="0"/>
+            <a:satOff val="0"/>
+            <a:lumOff val="0"/>
+            <a:alphaOff val="0"/>
+          </a:schemeClr>
+        </a:solidFill>
+        <a:ln w="12700" cap="flat" cmpd="sng" algn="ctr">
+          <a:solidFill>
+            <a:schemeClr val="lt1">
+              <a:hueOff val="0"/>
+              <a:satOff val="0"/>
+              <a:lumOff val="0"/>
+              <a:alphaOff val="0"/>
+            </a:schemeClr>
+          </a:solidFill>
+          <a:prstDash val="solid"/>
+          <a:miter lim="800000"/>
+        </a:ln>
+        <a:effectLst/>
+      </dsp:spPr>
+      <dsp:style>
+        <a:lnRef idx="2">
+          <a:scrgbClr r="0" g="0" b="0"/>
+        </a:lnRef>
+        <a:fillRef idx="1">
+          <a:scrgbClr r="0" g="0" b="0"/>
+        </a:fillRef>
+        <a:effectRef idx="0">
+          <a:scrgbClr r="0" g="0" b="0"/>
+        </a:effectRef>
+        <a:fontRef idx="minor">
+          <a:schemeClr val="lt1"/>
+        </a:fontRef>
+      </dsp:style>
+      <dsp:txBody>
+        <a:bodyPr spcFirstLastPara="0" vert="horz" wrap="square" lIns="7620" tIns="7620" rIns="7620" bIns="7620" numCol="1" spcCol="1270" anchor="ctr" anchorCtr="0">
+          <a:noAutofit/>
+        </a:bodyPr>
+        <a:lstStyle/>
+        <a:p>
+          <a:pPr marL="0" lvl="0" indent="0" algn="ctr" defTabSz="533400">
+            <a:lnSpc>
+              <a:spcPct val="90000"/>
+            </a:lnSpc>
+            <a:spcBef>
+              <a:spcPct val="0"/>
+            </a:spcBef>
+            <a:spcAft>
+              <a:spcPct val="35000"/>
+            </a:spcAft>
+            <a:buNone/>
+          </a:pPr>
+          <a:r>
+            <a:rPr lang="es-ES" sz="1200" kern="1200" dirty="0"/>
+            <a:t>1.1 Planificación</a:t>
+          </a:r>
+        </a:p>
+      </dsp:txBody>
+      <dsp:txXfrm>
+        <a:off x="1684118" y="1159681"/>
+        <a:ext cx="1653994" cy="826997"/>
+      </dsp:txXfrm>
+    </dsp:sp>
+    <dsp:sp modelId="{13A5476E-948E-48FA-A932-76B1299F7255}">
+      <dsp:nvSpPr>
+        <dsp:cNvPr id="0" name=""/>
+        <dsp:cNvSpPr/>
+      </dsp:nvSpPr>
+      <dsp:spPr>
+        <a:xfrm>
+          <a:off x="2082813" y="2348820"/>
+          <a:ext cx="1653994" cy="826997"/>
+        </a:xfrm>
+        <a:prstGeom prst="rect">
+          <a:avLst/>
+        </a:prstGeom>
+        <a:solidFill>
+          <a:schemeClr val="accent1">
+            <a:hueOff val="0"/>
+            <a:satOff val="0"/>
+            <a:lumOff val="0"/>
+            <a:alphaOff val="0"/>
+          </a:schemeClr>
+        </a:solidFill>
+        <a:ln w="12700" cap="flat" cmpd="sng" algn="ctr">
+          <a:solidFill>
+            <a:schemeClr val="lt1">
+              <a:hueOff val="0"/>
+              <a:satOff val="0"/>
+              <a:lumOff val="0"/>
+              <a:alphaOff val="0"/>
+            </a:schemeClr>
+          </a:solidFill>
+          <a:prstDash val="solid"/>
+          <a:miter lim="800000"/>
+        </a:ln>
+        <a:effectLst/>
+      </dsp:spPr>
+      <dsp:style>
+        <a:lnRef idx="2">
+          <a:scrgbClr r="0" g="0" b="0"/>
+        </a:lnRef>
+        <a:fillRef idx="1">
+          <a:scrgbClr r="0" g="0" b="0"/>
+        </a:fillRef>
+        <a:effectRef idx="0">
+          <a:scrgbClr r="0" g="0" b="0"/>
+        </a:effectRef>
+        <a:fontRef idx="minor">
+          <a:schemeClr val="lt1"/>
+        </a:fontRef>
+      </dsp:style>
+      <dsp:txBody>
+        <a:bodyPr spcFirstLastPara="0" vert="horz" wrap="square" lIns="7620" tIns="7620" rIns="7620" bIns="7620" numCol="1" spcCol="1270" anchor="ctr" anchorCtr="0">
+          <a:noAutofit/>
+        </a:bodyPr>
+        <a:lstStyle/>
+        <a:p>
+          <a:pPr marL="0" lvl="0" indent="0" algn="ctr" defTabSz="533400">
+            <a:lnSpc>
+              <a:spcPct val="90000"/>
+            </a:lnSpc>
+            <a:spcBef>
+              <a:spcPct val="0"/>
+            </a:spcBef>
+            <a:spcAft>
+              <a:spcPct val="35000"/>
+            </a:spcAft>
+            <a:buNone/>
+          </a:pPr>
+          <a:r>
+            <a:rPr lang="es-ES" sz="1200" kern="1200" dirty="0"/>
+            <a:t>1.1.1 Fecha de entrega no razonable para entrega final del proyecto.</a:t>
+          </a:r>
+        </a:p>
+      </dsp:txBody>
+      <dsp:txXfrm>
+        <a:off x="2082813" y="2348820"/>
+        <a:ext cx="1653994" cy="826997"/>
+      </dsp:txXfrm>
+    </dsp:sp>
+    <dsp:sp modelId="{DC393A58-D5D1-4E57-892F-85F274DA110B}">
+      <dsp:nvSpPr>
+        <dsp:cNvPr id="0" name=""/>
+        <dsp:cNvSpPr/>
+      </dsp:nvSpPr>
+      <dsp:spPr>
+        <a:xfrm>
+          <a:off x="2082813" y="3523156"/>
+          <a:ext cx="1653994" cy="826997"/>
+        </a:xfrm>
+        <a:prstGeom prst="rect">
+          <a:avLst/>
+        </a:prstGeom>
+        <a:solidFill>
+          <a:schemeClr val="accent1">
+            <a:hueOff val="0"/>
+            <a:satOff val="0"/>
+            <a:lumOff val="0"/>
+            <a:alphaOff val="0"/>
+          </a:schemeClr>
+        </a:solidFill>
+        <a:ln w="12700" cap="flat" cmpd="sng" algn="ctr">
+          <a:solidFill>
+            <a:schemeClr val="lt1">
+              <a:hueOff val="0"/>
+              <a:satOff val="0"/>
+              <a:lumOff val="0"/>
+              <a:alphaOff val="0"/>
+            </a:schemeClr>
+          </a:solidFill>
+          <a:prstDash val="solid"/>
+          <a:miter lim="800000"/>
+        </a:ln>
+        <a:effectLst/>
+      </dsp:spPr>
+      <dsp:style>
+        <a:lnRef idx="2">
+          <a:scrgbClr r="0" g="0" b="0"/>
+        </a:lnRef>
+        <a:fillRef idx="1">
+          <a:scrgbClr r="0" g="0" b="0"/>
+        </a:fillRef>
+        <a:effectRef idx="0">
+          <a:scrgbClr r="0" g="0" b="0"/>
+        </a:effectRef>
+        <a:fontRef idx="minor">
+          <a:schemeClr val="lt1"/>
+        </a:fontRef>
+      </dsp:style>
+      <dsp:txBody>
+        <a:bodyPr spcFirstLastPara="0" vert="horz" wrap="square" lIns="7620" tIns="7620" rIns="7620" bIns="7620" numCol="1" spcCol="1270" anchor="ctr" anchorCtr="0">
+          <a:noAutofit/>
+        </a:bodyPr>
+        <a:lstStyle/>
+        <a:p>
+          <a:pPr marL="0" lvl="0" indent="0" algn="ctr" defTabSz="533400">
+            <a:lnSpc>
+              <a:spcPct val="90000"/>
+            </a:lnSpc>
+            <a:spcBef>
+              <a:spcPct val="0"/>
+            </a:spcBef>
+            <a:spcAft>
+              <a:spcPct val="35000"/>
+            </a:spcAft>
+            <a:buNone/>
+          </a:pPr>
+          <a:r>
+            <a:rPr lang="es-ES" sz="1200" kern="1200" dirty="0"/>
+            <a:t>1.1.2 Costos asociados a entregas</a:t>
+          </a:r>
+        </a:p>
+      </dsp:txBody>
+      <dsp:txXfrm>
+        <a:off x="2082813" y="3523156"/>
+        <a:ext cx="1653994" cy="826997"/>
+      </dsp:txXfrm>
+    </dsp:sp>
+    <dsp:sp modelId="{2FF9BC0F-7E06-4607-B8A7-EC75C096F915}">
+      <dsp:nvSpPr>
+        <dsp:cNvPr id="0" name=""/>
+        <dsp:cNvSpPr/>
+      </dsp:nvSpPr>
+      <dsp:spPr>
+        <a:xfrm>
+          <a:off x="2082813" y="4697492"/>
+          <a:ext cx="1653994" cy="826997"/>
+        </a:xfrm>
+        <a:prstGeom prst="rect">
+          <a:avLst/>
+        </a:prstGeom>
+        <a:solidFill>
+          <a:schemeClr val="accent1">
+            <a:hueOff val="0"/>
+            <a:satOff val="0"/>
+            <a:lumOff val="0"/>
+            <a:alphaOff val="0"/>
+          </a:schemeClr>
+        </a:solidFill>
+        <a:ln w="12700" cap="flat" cmpd="sng" algn="ctr">
+          <a:solidFill>
+            <a:schemeClr val="lt1">
+              <a:hueOff val="0"/>
+              <a:satOff val="0"/>
+              <a:lumOff val="0"/>
+              <a:alphaOff val="0"/>
+            </a:schemeClr>
+          </a:solidFill>
+          <a:prstDash val="solid"/>
+          <a:miter lim="800000"/>
+        </a:ln>
+        <a:effectLst/>
+      </dsp:spPr>
+      <dsp:style>
+        <a:lnRef idx="2">
+          <a:scrgbClr r="0" g="0" b="0"/>
+        </a:lnRef>
+        <a:fillRef idx="1">
+          <a:scrgbClr r="0" g="0" b="0"/>
+        </a:fillRef>
+        <a:effectRef idx="0">
+          <a:scrgbClr r="0" g="0" b="0"/>
+        </a:effectRef>
+        <a:fontRef idx="minor">
+          <a:schemeClr val="lt1"/>
+        </a:fontRef>
+      </dsp:style>
+      <dsp:txBody>
+        <a:bodyPr spcFirstLastPara="0" vert="horz" wrap="square" lIns="7620" tIns="7620" rIns="7620" bIns="7620" numCol="1" spcCol="1270" anchor="ctr" anchorCtr="0">
+          <a:noAutofit/>
+        </a:bodyPr>
+        <a:lstStyle/>
+        <a:p>
+          <a:pPr marL="0" lvl="0" indent="0" algn="ctr" defTabSz="533400">
+            <a:lnSpc>
+              <a:spcPct val="90000"/>
+            </a:lnSpc>
+            <a:spcBef>
+              <a:spcPct val="0"/>
+            </a:spcBef>
+            <a:spcAft>
+              <a:spcPct val="35000"/>
+            </a:spcAft>
+            <a:buNone/>
+          </a:pPr>
+          <a:r>
+            <a:rPr lang="es-ES" sz="1200" kern="1200" dirty="0"/>
+            <a:t>1.1.3 Poca Comunicación entre los interesados del proyecto. (cliente-equipo de trabajo)</a:t>
+          </a:r>
+        </a:p>
+      </dsp:txBody>
+      <dsp:txXfrm>
+        <a:off x="2082813" y="4697492"/>
+        <a:ext cx="1653994" cy="826997"/>
+      </dsp:txXfrm>
+    </dsp:sp>
+    <dsp:sp modelId="{39CEC9F6-9D4A-4824-9C01-01022371D9C3}">
+      <dsp:nvSpPr>
+        <dsp:cNvPr id="0" name=""/>
+        <dsp:cNvSpPr/>
+      </dsp:nvSpPr>
+      <dsp:spPr>
+        <a:xfrm>
+          <a:off x="3670648" y="1174484"/>
+          <a:ext cx="1653994" cy="826997"/>
+        </a:xfrm>
+        <a:prstGeom prst="rect">
+          <a:avLst/>
+        </a:prstGeom>
+        <a:solidFill>
+          <a:schemeClr val="accent1">
+            <a:hueOff val="0"/>
+            <a:satOff val="0"/>
+            <a:lumOff val="0"/>
+            <a:alphaOff val="0"/>
+          </a:schemeClr>
+        </a:solidFill>
+        <a:ln w="12700" cap="flat" cmpd="sng" algn="ctr">
+          <a:solidFill>
+            <a:schemeClr val="lt1">
+              <a:hueOff val="0"/>
+              <a:satOff val="0"/>
+              <a:lumOff val="0"/>
+              <a:alphaOff val="0"/>
+            </a:schemeClr>
+          </a:solidFill>
+          <a:prstDash val="solid"/>
+          <a:miter lim="800000"/>
+        </a:ln>
+        <a:effectLst/>
+      </dsp:spPr>
+      <dsp:style>
+        <a:lnRef idx="2">
+          <a:scrgbClr r="0" g="0" b="0"/>
+        </a:lnRef>
+        <a:fillRef idx="1">
+          <a:scrgbClr r="0" g="0" b="0"/>
+        </a:fillRef>
+        <a:effectRef idx="0">
+          <a:scrgbClr r="0" g="0" b="0"/>
+        </a:effectRef>
+        <a:fontRef idx="minor">
+          <a:schemeClr val="lt1"/>
+        </a:fontRef>
+      </dsp:style>
+      <dsp:txBody>
+        <a:bodyPr spcFirstLastPara="0" vert="horz" wrap="square" lIns="7620" tIns="7620" rIns="7620" bIns="7620" numCol="1" spcCol="1270" anchor="ctr" anchorCtr="0">
+          <a:noAutofit/>
+        </a:bodyPr>
+        <a:lstStyle/>
+        <a:p>
+          <a:pPr marL="0" lvl="0" indent="0" algn="ctr" defTabSz="533400">
+            <a:lnSpc>
+              <a:spcPct val="90000"/>
+            </a:lnSpc>
+            <a:spcBef>
+              <a:spcPct val="0"/>
+            </a:spcBef>
+            <a:spcAft>
+              <a:spcPct val="35000"/>
+            </a:spcAft>
+            <a:buNone/>
+          </a:pPr>
+          <a:r>
+            <a:rPr lang="es-ES" sz="1200" kern="1200" dirty="0"/>
+            <a:t>1.2 Ejecución</a:t>
+          </a:r>
+        </a:p>
+      </dsp:txBody>
+      <dsp:txXfrm>
+        <a:off x="3670648" y="1174484"/>
+        <a:ext cx="1653994" cy="826997"/>
+      </dsp:txXfrm>
+    </dsp:sp>
+    <dsp:sp modelId="{7C7ADA19-6208-47B2-A2E9-67A4F3052EF5}">
+      <dsp:nvSpPr>
+        <dsp:cNvPr id="0" name=""/>
+        <dsp:cNvSpPr/>
+      </dsp:nvSpPr>
+      <dsp:spPr>
+        <a:xfrm>
+          <a:off x="4084146" y="2348820"/>
+          <a:ext cx="1653994" cy="826997"/>
+        </a:xfrm>
+        <a:prstGeom prst="rect">
+          <a:avLst/>
+        </a:prstGeom>
+        <a:solidFill>
+          <a:schemeClr val="accent1">
+            <a:hueOff val="0"/>
+            <a:satOff val="0"/>
+            <a:lumOff val="0"/>
+            <a:alphaOff val="0"/>
+          </a:schemeClr>
+        </a:solidFill>
+        <a:ln w="12700" cap="flat" cmpd="sng" algn="ctr">
+          <a:solidFill>
+            <a:schemeClr val="lt1">
+              <a:hueOff val="0"/>
+              <a:satOff val="0"/>
+              <a:lumOff val="0"/>
+              <a:alphaOff val="0"/>
+            </a:schemeClr>
+          </a:solidFill>
+          <a:prstDash val="solid"/>
+          <a:miter lim="800000"/>
+        </a:ln>
+        <a:effectLst/>
+      </dsp:spPr>
+      <dsp:style>
+        <a:lnRef idx="2">
+          <a:scrgbClr r="0" g="0" b="0"/>
+        </a:lnRef>
+        <a:fillRef idx="1">
+          <a:scrgbClr r="0" g="0" b="0"/>
+        </a:fillRef>
+        <a:effectRef idx="0">
+          <a:scrgbClr r="0" g="0" b="0"/>
+        </a:effectRef>
+        <a:fontRef idx="minor">
+          <a:schemeClr val="lt1"/>
+        </a:fontRef>
+      </dsp:style>
+      <dsp:txBody>
+        <a:bodyPr spcFirstLastPara="0" vert="horz" wrap="square" lIns="7620" tIns="7620" rIns="7620" bIns="7620" numCol="1" spcCol="1270" anchor="ctr" anchorCtr="0">
+          <a:noAutofit/>
+        </a:bodyPr>
+        <a:lstStyle/>
+        <a:p>
+          <a:pPr marL="0" lvl="0" indent="0" algn="ctr" defTabSz="533400">
+            <a:lnSpc>
+              <a:spcPct val="90000"/>
+            </a:lnSpc>
+            <a:spcBef>
+              <a:spcPct val="0"/>
+            </a:spcBef>
+            <a:spcAft>
+              <a:spcPct val="35000"/>
+            </a:spcAft>
+            <a:buNone/>
+          </a:pPr>
+          <a:r>
+            <a:rPr lang="es-ES" sz="1200" kern="1200" dirty="0"/>
+            <a:t>1.2.1 Irresponsabilidad del personal</a:t>
+          </a:r>
+        </a:p>
+      </dsp:txBody>
+      <dsp:txXfrm>
+        <a:off x="4084146" y="2348820"/>
+        <a:ext cx="1653994" cy="826997"/>
+      </dsp:txXfrm>
+    </dsp:sp>
+    <dsp:sp modelId="{5A0CB855-5837-4EC3-BD9A-E5F48069FECD}">
+      <dsp:nvSpPr>
+        <dsp:cNvPr id="0" name=""/>
+        <dsp:cNvSpPr/>
+      </dsp:nvSpPr>
+      <dsp:spPr>
+        <a:xfrm>
+          <a:off x="4084146" y="3523156"/>
+          <a:ext cx="1653994" cy="826997"/>
+        </a:xfrm>
+        <a:prstGeom prst="rect">
+          <a:avLst/>
+        </a:prstGeom>
+        <a:solidFill>
+          <a:schemeClr val="accent1">
+            <a:hueOff val="0"/>
+            <a:satOff val="0"/>
+            <a:lumOff val="0"/>
+            <a:alphaOff val="0"/>
+          </a:schemeClr>
+        </a:solidFill>
+        <a:ln w="12700" cap="flat" cmpd="sng" algn="ctr">
+          <a:solidFill>
+            <a:schemeClr val="lt1">
+              <a:hueOff val="0"/>
+              <a:satOff val="0"/>
+              <a:lumOff val="0"/>
+              <a:alphaOff val="0"/>
+            </a:schemeClr>
+          </a:solidFill>
+          <a:prstDash val="solid"/>
+          <a:miter lim="800000"/>
+        </a:ln>
+        <a:effectLst/>
+      </dsp:spPr>
+      <dsp:style>
+        <a:lnRef idx="2">
+          <a:scrgbClr r="0" g="0" b="0"/>
+        </a:lnRef>
+        <a:fillRef idx="1">
+          <a:scrgbClr r="0" g="0" b="0"/>
+        </a:fillRef>
+        <a:effectRef idx="0">
+          <a:scrgbClr r="0" g="0" b="0"/>
+        </a:effectRef>
+        <a:fontRef idx="minor">
+          <a:schemeClr val="lt1"/>
+        </a:fontRef>
+      </dsp:style>
+      <dsp:txBody>
+        <a:bodyPr spcFirstLastPara="0" vert="horz" wrap="square" lIns="7620" tIns="7620" rIns="7620" bIns="7620" numCol="1" spcCol="1270" anchor="ctr" anchorCtr="0">
+          <a:noAutofit/>
+        </a:bodyPr>
+        <a:lstStyle/>
+        <a:p>
+          <a:pPr marL="0" lvl="0" indent="0" algn="ctr" defTabSz="533400">
+            <a:lnSpc>
+              <a:spcPct val="90000"/>
+            </a:lnSpc>
+            <a:spcBef>
+              <a:spcPct val="0"/>
+            </a:spcBef>
+            <a:spcAft>
+              <a:spcPct val="35000"/>
+            </a:spcAft>
+            <a:buNone/>
+          </a:pPr>
+          <a:r>
+            <a:rPr lang="es-ES" sz="1200" kern="1200" dirty="0"/>
+            <a:t>1.2.2 Equipo de computo no adecuado</a:t>
+          </a:r>
+        </a:p>
+      </dsp:txBody>
+      <dsp:txXfrm>
+        <a:off x="4084146" y="3523156"/>
+        <a:ext cx="1653994" cy="826997"/>
+      </dsp:txXfrm>
+    </dsp:sp>
+    <dsp:sp modelId="{2EDE49F7-D911-4ADD-AD8B-A3B39F322D4C}">
+      <dsp:nvSpPr>
+        <dsp:cNvPr id="0" name=""/>
+        <dsp:cNvSpPr/>
+      </dsp:nvSpPr>
+      <dsp:spPr>
+        <a:xfrm>
+          <a:off x="4084146" y="4697492"/>
+          <a:ext cx="1653994" cy="826997"/>
+        </a:xfrm>
+        <a:prstGeom prst="rect">
+          <a:avLst/>
+        </a:prstGeom>
+        <a:solidFill>
+          <a:schemeClr val="accent1">
+            <a:hueOff val="0"/>
+            <a:satOff val="0"/>
+            <a:lumOff val="0"/>
+            <a:alphaOff val="0"/>
+          </a:schemeClr>
+        </a:solidFill>
+        <a:ln w="12700" cap="flat" cmpd="sng" algn="ctr">
+          <a:solidFill>
+            <a:schemeClr val="lt1">
+              <a:hueOff val="0"/>
+              <a:satOff val="0"/>
+              <a:lumOff val="0"/>
+              <a:alphaOff val="0"/>
+            </a:schemeClr>
+          </a:solidFill>
+          <a:prstDash val="solid"/>
+          <a:miter lim="800000"/>
+        </a:ln>
+        <a:effectLst/>
+      </dsp:spPr>
+      <dsp:style>
+        <a:lnRef idx="2">
+          <a:scrgbClr r="0" g="0" b="0"/>
+        </a:lnRef>
+        <a:fillRef idx="1">
+          <a:scrgbClr r="0" g="0" b="0"/>
+        </a:fillRef>
+        <a:effectRef idx="0">
+          <a:scrgbClr r="0" g="0" b="0"/>
+        </a:effectRef>
+        <a:fontRef idx="minor">
+          <a:schemeClr val="lt1"/>
+        </a:fontRef>
+      </dsp:style>
+      <dsp:txBody>
+        <a:bodyPr spcFirstLastPara="0" vert="horz" wrap="square" lIns="7620" tIns="7620" rIns="7620" bIns="7620" numCol="1" spcCol="1270" anchor="ctr" anchorCtr="0">
+          <a:noAutofit/>
+        </a:bodyPr>
+        <a:lstStyle/>
+        <a:p>
+          <a:pPr marL="0" lvl="0" indent="0" algn="ctr" defTabSz="533400">
+            <a:lnSpc>
+              <a:spcPct val="90000"/>
+            </a:lnSpc>
+            <a:spcBef>
+              <a:spcPct val="0"/>
+            </a:spcBef>
+            <a:spcAft>
+              <a:spcPct val="35000"/>
+            </a:spcAft>
+            <a:buNone/>
+          </a:pPr>
+          <a:r>
+            <a:rPr lang="es-ES" sz="1200" kern="1200" dirty="0"/>
+            <a:t>1.2.3 Poca comunicación entre los miembros del equipo</a:t>
+          </a:r>
+        </a:p>
+      </dsp:txBody>
+      <dsp:txXfrm>
+        <a:off x="4084146" y="4697492"/>
+        <a:ext cx="1653994" cy="826997"/>
+      </dsp:txXfrm>
+    </dsp:sp>
+    <dsp:sp modelId="{07439A13-4F9E-42CF-884C-964A3AC2FD64}">
+      <dsp:nvSpPr>
+        <dsp:cNvPr id="0" name=""/>
+        <dsp:cNvSpPr/>
+      </dsp:nvSpPr>
+      <dsp:spPr>
+        <a:xfrm>
+          <a:off x="4084146" y="5871828"/>
+          <a:ext cx="1653994" cy="826997"/>
+        </a:xfrm>
+        <a:prstGeom prst="rect">
+          <a:avLst/>
+        </a:prstGeom>
+        <a:solidFill>
+          <a:schemeClr val="accent1">
+            <a:hueOff val="0"/>
+            <a:satOff val="0"/>
+            <a:lumOff val="0"/>
+            <a:alphaOff val="0"/>
+          </a:schemeClr>
+        </a:solidFill>
+        <a:ln w="12700" cap="flat" cmpd="sng" algn="ctr">
+          <a:solidFill>
+            <a:schemeClr val="lt1">
+              <a:hueOff val="0"/>
+              <a:satOff val="0"/>
+              <a:lumOff val="0"/>
+              <a:alphaOff val="0"/>
+            </a:schemeClr>
+          </a:solidFill>
+          <a:prstDash val="solid"/>
+          <a:miter lim="800000"/>
+        </a:ln>
+        <a:effectLst/>
+      </dsp:spPr>
+      <dsp:style>
+        <a:lnRef idx="2">
+          <a:scrgbClr r="0" g="0" b="0"/>
+        </a:lnRef>
+        <a:fillRef idx="1">
+          <a:scrgbClr r="0" g="0" b="0"/>
+        </a:fillRef>
+        <a:effectRef idx="0">
+          <a:scrgbClr r="0" g="0" b="0"/>
+        </a:effectRef>
+        <a:fontRef idx="minor">
+          <a:schemeClr val="lt1"/>
+        </a:fontRef>
+      </dsp:style>
+      <dsp:txBody>
+        <a:bodyPr spcFirstLastPara="0" vert="horz" wrap="square" lIns="7620" tIns="7620" rIns="7620" bIns="7620" numCol="1" spcCol="1270" anchor="ctr" anchorCtr="0">
+          <a:noAutofit/>
+        </a:bodyPr>
+        <a:lstStyle/>
+        <a:p>
+          <a:pPr marL="0" lvl="0" indent="0" algn="ctr" defTabSz="533400">
+            <a:lnSpc>
+              <a:spcPct val="90000"/>
+            </a:lnSpc>
+            <a:spcBef>
+              <a:spcPct val="0"/>
+            </a:spcBef>
+            <a:spcAft>
+              <a:spcPct val="35000"/>
+            </a:spcAft>
+            <a:buNone/>
+          </a:pPr>
+          <a:r>
+            <a:rPr lang="es-ES" sz="1200" kern="1200" dirty="0"/>
+            <a:t>1.2.4 Cambio de tecnologías durante el desarrollo</a:t>
+          </a:r>
+        </a:p>
+      </dsp:txBody>
+      <dsp:txXfrm>
+        <a:off x="4084146" y="5871828"/>
+        <a:ext cx="1653994" cy="826997"/>
+      </dsp:txXfrm>
+    </dsp:sp>
+    <dsp:sp modelId="{600C3542-0C0D-4244-8155-F4A5754118AE}">
+      <dsp:nvSpPr>
+        <dsp:cNvPr id="0" name=""/>
+        <dsp:cNvSpPr/>
+      </dsp:nvSpPr>
+      <dsp:spPr>
+        <a:xfrm>
+          <a:off x="5671981" y="1174484"/>
+          <a:ext cx="1653994" cy="826997"/>
+        </a:xfrm>
+        <a:prstGeom prst="rect">
+          <a:avLst/>
+        </a:prstGeom>
+        <a:solidFill>
+          <a:schemeClr val="accent1">
+            <a:hueOff val="0"/>
+            <a:satOff val="0"/>
+            <a:lumOff val="0"/>
+            <a:alphaOff val="0"/>
+          </a:schemeClr>
+        </a:solidFill>
+        <a:ln w="12700" cap="flat" cmpd="sng" algn="ctr">
+          <a:solidFill>
+            <a:schemeClr val="lt1">
+              <a:hueOff val="0"/>
+              <a:satOff val="0"/>
+              <a:lumOff val="0"/>
+              <a:alphaOff val="0"/>
+            </a:schemeClr>
+          </a:solidFill>
+          <a:prstDash val="solid"/>
+          <a:miter lim="800000"/>
+        </a:ln>
+        <a:effectLst/>
+      </dsp:spPr>
+      <dsp:style>
+        <a:lnRef idx="2">
+          <a:scrgbClr r="0" g="0" b="0"/>
+        </a:lnRef>
+        <a:fillRef idx="1">
+          <a:scrgbClr r="0" g="0" b="0"/>
+        </a:fillRef>
+        <a:effectRef idx="0">
+          <a:scrgbClr r="0" g="0" b="0"/>
+        </a:effectRef>
+        <a:fontRef idx="minor">
+          <a:schemeClr val="lt1"/>
+        </a:fontRef>
+      </dsp:style>
+      <dsp:txBody>
+        <a:bodyPr spcFirstLastPara="0" vert="horz" wrap="square" lIns="7620" tIns="7620" rIns="7620" bIns="7620" numCol="1" spcCol="1270" anchor="ctr" anchorCtr="0">
+          <a:noAutofit/>
+        </a:bodyPr>
+        <a:lstStyle/>
+        <a:p>
+          <a:pPr marL="0" lvl="0" indent="0" algn="ctr" defTabSz="533400">
+            <a:lnSpc>
+              <a:spcPct val="90000"/>
+            </a:lnSpc>
+            <a:spcBef>
+              <a:spcPct val="0"/>
+            </a:spcBef>
+            <a:spcAft>
+              <a:spcPct val="35000"/>
+            </a:spcAft>
+            <a:buNone/>
+          </a:pPr>
+          <a:r>
+            <a:rPr lang="es-ES" sz="1200" kern="1200" dirty="0"/>
+            <a:t>1.3 Desarrollo</a:t>
+          </a:r>
+        </a:p>
+      </dsp:txBody>
+      <dsp:txXfrm>
+        <a:off x="5671981" y="1174484"/>
+        <a:ext cx="1653994" cy="826997"/>
+      </dsp:txXfrm>
+    </dsp:sp>
+    <dsp:sp modelId="{40F4FF2D-5CA2-49DD-898A-5E77CE6F097F}">
+      <dsp:nvSpPr>
+        <dsp:cNvPr id="0" name=""/>
+        <dsp:cNvSpPr/>
+      </dsp:nvSpPr>
+      <dsp:spPr>
+        <a:xfrm>
+          <a:off x="6085479" y="2348820"/>
+          <a:ext cx="1653994" cy="826997"/>
+        </a:xfrm>
+        <a:prstGeom prst="rect">
+          <a:avLst/>
+        </a:prstGeom>
+        <a:solidFill>
+          <a:schemeClr val="accent1">
+            <a:hueOff val="0"/>
+            <a:satOff val="0"/>
+            <a:lumOff val="0"/>
+            <a:alphaOff val="0"/>
+          </a:schemeClr>
+        </a:solidFill>
+        <a:ln w="12700" cap="flat" cmpd="sng" algn="ctr">
+          <a:solidFill>
+            <a:schemeClr val="lt1">
+              <a:hueOff val="0"/>
+              <a:satOff val="0"/>
+              <a:lumOff val="0"/>
+              <a:alphaOff val="0"/>
+            </a:schemeClr>
+          </a:solidFill>
+          <a:prstDash val="solid"/>
+          <a:miter lim="800000"/>
+        </a:ln>
+        <a:effectLst/>
+      </dsp:spPr>
+      <dsp:style>
+        <a:lnRef idx="2">
+          <a:scrgbClr r="0" g="0" b="0"/>
+        </a:lnRef>
+        <a:fillRef idx="1">
+          <a:scrgbClr r="0" g="0" b="0"/>
+        </a:fillRef>
+        <a:effectRef idx="0">
+          <a:scrgbClr r="0" g="0" b="0"/>
+        </a:effectRef>
+        <a:fontRef idx="minor">
+          <a:schemeClr val="lt1"/>
+        </a:fontRef>
+      </dsp:style>
+      <dsp:txBody>
+        <a:bodyPr spcFirstLastPara="0" vert="horz" wrap="square" lIns="7620" tIns="7620" rIns="7620" bIns="7620" numCol="1" spcCol="1270" anchor="ctr" anchorCtr="0">
+          <a:noAutofit/>
+        </a:bodyPr>
+        <a:lstStyle/>
+        <a:p>
+          <a:pPr marL="0" lvl="0" indent="0" algn="ctr" defTabSz="533400">
+            <a:lnSpc>
+              <a:spcPct val="90000"/>
+            </a:lnSpc>
+            <a:spcBef>
+              <a:spcPct val="0"/>
+            </a:spcBef>
+            <a:spcAft>
+              <a:spcPct val="35000"/>
+            </a:spcAft>
+            <a:buNone/>
+          </a:pPr>
+          <a:r>
+            <a:rPr lang="es-ES" sz="1200" kern="1200" dirty="0"/>
+            <a:t>1.3.1 Utilizar nuevas tecnologías de desarrollo</a:t>
+          </a:r>
+        </a:p>
+      </dsp:txBody>
+      <dsp:txXfrm>
+        <a:off x="6085479" y="2348820"/>
+        <a:ext cx="1653994" cy="826997"/>
+      </dsp:txXfrm>
+    </dsp:sp>
+    <dsp:sp modelId="{78B1D46B-C128-4236-9CF5-BD1FEBEBCAD4}">
+      <dsp:nvSpPr>
+        <dsp:cNvPr id="0" name=""/>
+        <dsp:cNvSpPr/>
+      </dsp:nvSpPr>
+      <dsp:spPr>
+        <a:xfrm>
+          <a:off x="6085479" y="3523156"/>
+          <a:ext cx="1653994" cy="826997"/>
+        </a:xfrm>
+        <a:prstGeom prst="rect">
+          <a:avLst/>
+        </a:prstGeom>
+        <a:solidFill>
+          <a:schemeClr val="accent1">
+            <a:hueOff val="0"/>
+            <a:satOff val="0"/>
+            <a:lumOff val="0"/>
+            <a:alphaOff val="0"/>
+          </a:schemeClr>
+        </a:solidFill>
+        <a:ln w="12700" cap="flat" cmpd="sng" algn="ctr">
+          <a:solidFill>
+            <a:schemeClr val="lt1">
+              <a:hueOff val="0"/>
+              <a:satOff val="0"/>
+              <a:lumOff val="0"/>
+              <a:alphaOff val="0"/>
+            </a:schemeClr>
+          </a:solidFill>
+          <a:prstDash val="solid"/>
+          <a:miter lim="800000"/>
+        </a:ln>
+        <a:effectLst/>
+      </dsp:spPr>
+      <dsp:style>
+        <a:lnRef idx="2">
+          <a:scrgbClr r="0" g="0" b="0"/>
+        </a:lnRef>
+        <a:fillRef idx="1">
+          <a:scrgbClr r="0" g="0" b="0"/>
+        </a:fillRef>
+        <a:effectRef idx="0">
+          <a:scrgbClr r="0" g="0" b="0"/>
+        </a:effectRef>
+        <a:fontRef idx="minor">
+          <a:schemeClr val="lt1"/>
+        </a:fontRef>
+      </dsp:style>
+      <dsp:txBody>
+        <a:bodyPr spcFirstLastPara="0" vert="horz" wrap="square" lIns="7620" tIns="7620" rIns="7620" bIns="7620" numCol="1" spcCol="1270" anchor="ctr" anchorCtr="0">
+          <a:noAutofit/>
+        </a:bodyPr>
+        <a:lstStyle/>
+        <a:p>
+          <a:pPr marL="0" lvl="0" indent="0" algn="ctr" defTabSz="533400">
+            <a:lnSpc>
+              <a:spcPct val="90000"/>
+            </a:lnSpc>
+            <a:spcBef>
+              <a:spcPct val="0"/>
+            </a:spcBef>
+            <a:spcAft>
+              <a:spcPct val="35000"/>
+            </a:spcAft>
+            <a:buNone/>
+          </a:pPr>
+          <a:r>
+            <a:rPr lang="es-ES" sz="1200" kern="1200" dirty="0"/>
+            <a:t>1.3.2 Incompatibilidad de framework utilizados para el desarrollo del proyecto</a:t>
+          </a:r>
+        </a:p>
+      </dsp:txBody>
+      <dsp:txXfrm>
+        <a:off x="6085479" y="3523156"/>
+        <a:ext cx="1653994" cy="826997"/>
+      </dsp:txXfrm>
+    </dsp:sp>
+    <dsp:sp modelId="{BE9060D0-09F0-4678-9F18-EBAA2267E3FA}">
+      <dsp:nvSpPr>
+        <dsp:cNvPr id="0" name=""/>
+        <dsp:cNvSpPr/>
+      </dsp:nvSpPr>
+      <dsp:spPr>
+        <a:xfrm>
+          <a:off x="6085479" y="4697492"/>
+          <a:ext cx="1653994" cy="826997"/>
+        </a:xfrm>
+        <a:prstGeom prst="rect">
+          <a:avLst/>
+        </a:prstGeom>
+        <a:solidFill>
+          <a:schemeClr val="accent1">
+            <a:hueOff val="0"/>
+            <a:satOff val="0"/>
+            <a:lumOff val="0"/>
+            <a:alphaOff val="0"/>
+          </a:schemeClr>
+        </a:solidFill>
+        <a:ln w="12700" cap="flat" cmpd="sng" algn="ctr">
+          <a:solidFill>
+            <a:schemeClr val="lt1">
+              <a:hueOff val="0"/>
+              <a:satOff val="0"/>
+              <a:lumOff val="0"/>
+              <a:alphaOff val="0"/>
+            </a:schemeClr>
+          </a:solidFill>
+          <a:prstDash val="solid"/>
+          <a:miter lim="800000"/>
+        </a:ln>
+        <a:effectLst/>
+      </dsp:spPr>
+      <dsp:style>
+        <a:lnRef idx="2">
+          <a:scrgbClr r="0" g="0" b="0"/>
+        </a:lnRef>
+        <a:fillRef idx="1">
+          <a:scrgbClr r="0" g="0" b="0"/>
+        </a:fillRef>
+        <a:effectRef idx="0">
+          <a:scrgbClr r="0" g="0" b="0"/>
+        </a:effectRef>
+        <a:fontRef idx="minor">
+          <a:schemeClr val="lt1"/>
+        </a:fontRef>
+      </dsp:style>
+      <dsp:txBody>
+        <a:bodyPr spcFirstLastPara="0" vert="horz" wrap="square" lIns="7620" tIns="7620" rIns="7620" bIns="7620" numCol="1" spcCol="1270" anchor="ctr" anchorCtr="0">
+          <a:noAutofit/>
+        </a:bodyPr>
+        <a:lstStyle/>
+        <a:p>
+          <a:pPr marL="0" lvl="0" indent="0" algn="ctr" defTabSz="533400">
+            <a:lnSpc>
+              <a:spcPct val="90000"/>
+            </a:lnSpc>
+            <a:spcBef>
+              <a:spcPct val="0"/>
+            </a:spcBef>
+            <a:spcAft>
+              <a:spcPct val="35000"/>
+            </a:spcAft>
+            <a:buNone/>
+          </a:pPr>
+          <a:r>
+            <a:rPr lang="es-ES" sz="1200" kern="1200" dirty="0"/>
+            <a:t>1.3.3IDE de baja prestaciones para los requerimientos de los procesos del proyecto</a:t>
+          </a:r>
+        </a:p>
+      </dsp:txBody>
+      <dsp:txXfrm>
+        <a:off x="6085479" y="4697492"/>
+        <a:ext cx="1653994" cy="826997"/>
+      </dsp:txXfrm>
+    </dsp:sp>
+    <dsp:sp modelId="{D9185131-3E41-4ABD-BB00-2D47B3DB0B3A}">
+      <dsp:nvSpPr>
+        <dsp:cNvPr id="0" name=""/>
+        <dsp:cNvSpPr/>
+      </dsp:nvSpPr>
+      <dsp:spPr>
+        <a:xfrm>
+          <a:off x="6085479" y="5871828"/>
+          <a:ext cx="1653994" cy="826997"/>
+        </a:xfrm>
+        <a:prstGeom prst="rect">
+          <a:avLst/>
+        </a:prstGeom>
+        <a:solidFill>
+          <a:schemeClr val="accent1">
+            <a:hueOff val="0"/>
+            <a:satOff val="0"/>
+            <a:lumOff val="0"/>
+            <a:alphaOff val="0"/>
+          </a:schemeClr>
+        </a:solidFill>
+        <a:ln w="12700" cap="flat" cmpd="sng" algn="ctr">
+          <a:solidFill>
+            <a:schemeClr val="lt1">
+              <a:hueOff val="0"/>
+              <a:satOff val="0"/>
+              <a:lumOff val="0"/>
+              <a:alphaOff val="0"/>
+            </a:schemeClr>
+          </a:solidFill>
+          <a:prstDash val="solid"/>
+          <a:miter lim="800000"/>
+        </a:ln>
+        <a:effectLst/>
+      </dsp:spPr>
+      <dsp:style>
+        <a:lnRef idx="2">
+          <a:scrgbClr r="0" g="0" b="0"/>
+        </a:lnRef>
+        <a:fillRef idx="1">
+          <a:scrgbClr r="0" g="0" b="0"/>
+        </a:fillRef>
+        <a:effectRef idx="0">
+          <a:scrgbClr r="0" g="0" b="0"/>
+        </a:effectRef>
+        <a:fontRef idx="minor">
+          <a:schemeClr val="lt1"/>
+        </a:fontRef>
+      </dsp:style>
+      <dsp:txBody>
+        <a:bodyPr spcFirstLastPara="0" vert="horz" wrap="square" lIns="7620" tIns="7620" rIns="7620" bIns="7620" numCol="1" spcCol="1270" anchor="ctr" anchorCtr="0">
+          <a:noAutofit/>
+        </a:bodyPr>
+        <a:lstStyle/>
+        <a:p>
+          <a:pPr marL="0" lvl="0" indent="0" algn="ctr" defTabSz="533400">
+            <a:lnSpc>
+              <a:spcPct val="90000"/>
+            </a:lnSpc>
+            <a:spcBef>
+              <a:spcPct val="0"/>
+            </a:spcBef>
+            <a:spcAft>
+              <a:spcPct val="35000"/>
+            </a:spcAft>
+            <a:buNone/>
+          </a:pPr>
+          <a:r>
+            <a:rPr lang="es-ES" sz="1200" kern="1200" dirty="0"/>
+            <a:t>1.3.4 Desarrollador sin experiencia.</a:t>
+          </a:r>
+        </a:p>
+      </dsp:txBody>
+      <dsp:txXfrm>
+        <a:off x="6085479" y="5871828"/>
+        <a:ext cx="1653994" cy="826997"/>
+      </dsp:txXfrm>
+    </dsp:sp>
+    <dsp:sp modelId="{07FDA2CB-28EE-45AF-AD36-048FF09C91F3}">
+      <dsp:nvSpPr>
+        <dsp:cNvPr id="0" name=""/>
+        <dsp:cNvSpPr/>
+      </dsp:nvSpPr>
+      <dsp:spPr>
+        <a:xfrm>
+          <a:off x="7673314" y="1174484"/>
+          <a:ext cx="1653994" cy="826997"/>
+        </a:xfrm>
+        <a:prstGeom prst="rect">
+          <a:avLst/>
+        </a:prstGeom>
+        <a:solidFill>
+          <a:schemeClr val="accent1">
+            <a:hueOff val="0"/>
+            <a:satOff val="0"/>
+            <a:lumOff val="0"/>
+            <a:alphaOff val="0"/>
+          </a:schemeClr>
+        </a:solidFill>
+        <a:ln w="12700" cap="flat" cmpd="sng" algn="ctr">
+          <a:solidFill>
+            <a:schemeClr val="lt1">
+              <a:hueOff val="0"/>
+              <a:satOff val="0"/>
+              <a:lumOff val="0"/>
+              <a:alphaOff val="0"/>
+            </a:schemeClr>
+          </a:solidFill>
+          <a:prstDash val="solid"/>
+          <a:miter lim="800000"/>
+        </a:ln>
+        <a:effectLst/>
+      </dsp:spPr>
+      <dsp:style>
+        <a:lnRef idx="2">
+          <a:scrgbClr r="0" g="0" b="0"/>
+        </a:lnRef>
+        <a:fillRef idx="1">
+          <a:scrgbClr r="0" g="0" b="0"/>
+        </a:fillRef>
+        <a:effectRef idx="0">
+          <a:scrgbClr r="0" g="0" b="0"/>
+        </a:effectRef>
+        <a:fontRef idx="minor">
+          <a:schemeClr val="lt1"/>
+        </a:fontRef>
+      </dsp:style>
+      <dsp:txBody>
+        <a:bodyPr spcFirstLastPara="0" vert="horz" wrap="square" lIns="7620" tIns="7620" rIns="7620" bIns="7620" numCol="1" spcCol="1270" anchor="ctr" anchorCtr="0">
+          <a:noAutofit/>
+        </a:bodyPr>
+        <a:lstStyle/>
+        <a:p>
+          <a:pPr marL="0" lvl="0" indent="0" algn="ctr" defTabSz="533400">
+            <a:lnSpc>
+              <a:spcPct val="90000"/>
+            </a:lnSpc>
+            <a:spcBef>
+              <a:spcPct val="0"/>
+            </a:spcBef>
+            <a:spcAft>
+              <a:spcPct val="35000"/>
+            </a:spcAft>
+            <a:buNone/>
+          </a:pPr>
+          <a:r>
+            <a:rPr lang="es-ES" sz="1200" kern="1200" dirty="0"/>
+            <a:t>1.4 Implementación</a:t>
+          </a:r>
+        </a:p>
+      </dsp:txBody>
+      <dsp:txXfrm>
+        <a:off x="7673314" y="1174484"/>
+        <a:ext cx="1653994" cy="826997"/>
+      </dsp:txXfrm>
+    </dsp:sp>
+    <dsp:sp modelId="{B4AE827A-950B-4294-B4B0-3BD020783ADA}">
+      <dsp:nvSpPr>
+        <dsp:cNvPr id="0" name=""/>
+        <dsp:cNvSpPr/>
+      </dsp:nvSpPr>
+      <dsp:spPr>
+        <a:xfrm>
+          <a:off x="8086812" y="2348820"/>
+          <a:ext cx="1653994" cy="826997"/>
+        </a:xfrm>
+        <a:prstGeom prst="rect">
+          <a:avLst/>
+        </a:prstGeom>
+        <a:solidFill>
+          <a:schemeClr val="accent1">
+            <a:hueOff val="0"/>
+            <a:satOff val="0"/>
+            <a:lumOff val="0"/>
+            <a:alphaOff val="0"/>
+          </a:schemeClr>
+        </a:solidFill>
+        <a:ln w="12700" cap="flat" cmpd="sng" algn="ctr">
+          <a:solidFill>
+            <a:schemeClr val="lt1">
+              <a:hueOff val="0"/>
+              <a:satOff val="0"/>
+              <a:lumOff val="0"/>
+              <a:alphaOff val="0"/>
+            </a:schemeClr>
+          </a:solidFill>
+          <a:prstDash val="solid"/>
+          <a:miter lim="800000"/>
+        </a:ln>
+        <a:effectLst/>
+      </dsp:spPr>
+      <dsp:style>
+        <a:lnRef idx="2">
+          <a:scrgbClr r="0" g="0" b="0"/>
+        </a:lnRef>
+        <a:fillRef idx="1">
+          <a:scrgbClr r="0" g="0" b="0"/>
+        </a:fillRef>
+        <a:effectRef idx="0">
+          <a:scrgbClr r="0" g="0" b="0"/>
+        </a:effectRef>
+        <a:fontRef idx="minor">
+          <a:schemeClr val="lt1"/>
+        </a:fontRef>
+      </dsp:style>
+      <dsp:txBody>
+        <a:bodyPr spcFirstLastPara="0" vert="horz" wrap="square" lIns="7620" tIns="7620" rIns="7620" bIns="7620" numCol="1" spcCol="1270" anchor="ctr" anchorCtr="0">
+          <a:noAutofit/>
+        </a:bodyPr>
+        <a:lstStyle/>
+        <a:p>
+          <a:pPr marL="0" lvl="0" indent="0" algn="ctr" defTabSz="533400">
+            <a:lnSpc>
+              <a:spcPct val="90000"/>
+            </a:lnSpc>
+            <a:spcBef>
+              <a:spcPct val="0"/>
+            </a:spcBef>
+            <a:spcAft>
+              <a:spcPct val="35000"/>
+            </a:spcAft>
+            <a:buNone/>
+          </a:pPr>
+          <a:r>
+            <a:rPr lang="es-ES" sz="1200" kern="1200" dirty="0"/>
+            <a:t>1.4.1 Usuario sin experiencia</a:t>
+          </a:r>
+        </a:p>
+      </dsp:txBody>
+      <dsp:txXfrm>
+        <a:off x="8086812" y="2348820"/>
+        <a:ext cx="1653994" cy="826997"/>
+      </dsp:txXfrm>
+    </dsp:sp>
+    <dsp:sp modelId="{7E261867-C9EA-4111-A2EA-42AA50C7A6A2}">
+      <dsp:nvSpPr>
+        <dsp:cNvPr id="0" name=""/>
+        <dsp:cNvSpPr/>
+      </dsp:nvSpPr>
+      <dsp:spPr>
+        <a:xfrm>
+          <a:off x="8086812" y="3523156"/>
+          <a:ext cx="1653994" cy="826997"/>
+        </a:xfrm>
+        <a:prstGeom prst="rect">
+          <a:avLst/>
+        </a:prstGeom>
+        <a:solidFill>
+          <a:schemeClr val="accent1">
+            <a:hueOff val="0"/>
+            <a:satOff val="0"/>
+            <a:lumOff val="0"/>
+            <a:alphaOff val="0"/>
+          </a:schemeClr>
+        </a:solidFill>
+        <a:ln w="12700" cap="flat" cmpd="sng" algn="ctr">
+          <a:solidFill>
+            <a:schemeClr val="lt1">
+              <a:hueOff val="0"/>
+              <a:satOff val="0"/>
+              <a:lumOff val="0"/>
+              <a:alphaOff val="0"/>
+            </a:schemeClr>
+          </a:solidFill>
+          <a:prstDash val="solid"/>
+          <a:miter lim="800000"/>
+        </a:ln>
+        <a:effectLst/>
+      </dsp:spPr>
+      <dsp:style>
+        <a:lnRef idx="2">
+          <a:scrgbClr r="0" g="0" b="0"/>
+        </a:lnRef>
+        <a:fillRef idx="1">
+          <a:scrgbClr r="0" g="0" b="0"/>
+        </a:fillRef>
+        <a:effectRef idx="0">
+          <a:scrgbClr r="0" g="0" b="0"/>
+        </a:effectRef>
+        <a:fontRef idx="minor">
+          <a:schemeClr val="lt1"/>
+        </a:fontRef>
+      </dsp:style>
+      <dsp:txBody>
+        <a:bodyPr spcFirstLastPara="0" vert="horz" wrap="square" lIns="7620" tIns="7620" rIns="7620" bIns="7620" numCol="1" spcCol="1270" anchor="ctr" anchorCtr="0">
+          <a:noAutofit/>
+        </a:bodyPr>
+        <a:lstStyle/>
+        <a:p>
+          <a:pPr marL="0" lvl="0" indent="0" algn="ctr" defTabSz="533400">
+            <a:lnSpc>
+              <a:spcPct val="90000"/>
+            </a:lnSpc>
+            <a:spcBef>
+              <a:spcPct val="0"/>
+            </a:spcBef>
+            <a:spcAft>
+              <a:spcPct val="35000"/>
+            </a:spcAft>
+            <a:buNone/>
+          </a:pPr>
+          <a:r>
+            <a:rPr lang="es-ES" sz="1200" kern="1200" dirty="0"/>
+            <a:t>1.4.2 Resistencia al cambio.</a:t>
+          </a:r>
+        </a:p>
+      </dsp:txBody>
+      <dsp:txXfrm>
+        <a:off x="8086812" y="3523156"/>
+        <a:ext cx="1653994" cy="826997"/>
+      </dsp:txXfrm>
+    </dsp:sp>
+  </dsp:spTree>
+</dsp:drawing>
+</file>
+
 <file path=ppt/diagrams/layout1.xml><?xml version="1.0" encoding="utf-8"?>
+<dgm:layoutDef xmlns:dgm="http://schemas.openxmlformats.org/drawingml/2006/diagram" xmlns:a="http://schemas.openxmlformats.org/drawingml/2006/main" uniqueId="urn:microsoft.com/office/officeart/2005/8/layout/orgChart1">
+  <dgm:title val=""/>
+  <dgm:desc val=""/>
+  <dgm:catLst>
+    <dgm:cat type="hierarchy" pri="1000"/>
+    <dgm:cat type="convert" pri="6000"/>
+  </dgm:catLst>
+  <dgm:sampData>
+    <dgm:dataModel>
+      <dgm:ptLst>
+        <dgm:pt modelId="0" type="doc"/>
+        <dgm:pt modelId="1">
+          <dgm:prSet phldr="1"/>
+        </dgm:pt>
+        <dgm:pt modelId="2" type="asst">
+          <dgm:prSet phldr="1"/>
+        </dgm:pt>
+        <dgm:pt modelId="3">
+          <dgm:prSet phldr="1"/>
+        </dgm:pt>
+        <dgm:pt modelId="4">
+          <dgm:prSet phldr="1"/>
+        </dgm:pt>
+        <dgm:pt modelId="5">
+          <dgm:prSet phldr="1"/>
+        </dgm:pt>
+      </dgm:ptLst>
+      <dgm:cxnLst>
+        <dgm:cxn modelId="5" srcId="0" destId="1" srcOrd="0" destOrd="0"/>
+        <dgm:cxn modelId="6" srcId="1" destId="2" srcOrd="0" destOrd="0"/>
+        <dgm:cxn modelId="7" srcId="1" destId="3" srcOrd="1" destOrd="0"/>
+        <dgm:cxn modelId="8" srcId="1" destId="4" srcOrd="2" destOrd="0"/>
+        <dgm:cxn modelId="9" srcId="1" destId="5" srcOrd="3" destOrd="0"/>
+      </dgm:cxnLst>
+      <dgm:bg/>
+      <dgm:whole/>
+    </dgm:dataModel>
+  </dgm:sampData>
+  <dgm:styleData>
+    <dgm:dataModel>
+      <dgm:ptLst>
+        <dgm:pt modelId="0" type="doc"/>
+        <dgm:pt modelId="1"/>
+        <dgm:pt modelId="12"/>
+        <dgm:pt modelId="13"/>
+      </dgm:ptLst>
+      <dgm:cxnLst>
+        <dgm:cxn modelId="2" srcId="0" destId="1" srcOrd="0" destOrd="0"/>
+        <dgm:cxn modelId="16" srcId="1" destId="12" srcOrd="1" destOrd="0"/>
+        <dgm:cxn modelId="17" srcId="1" destId="13" srcOrd="2" destOrd="0"/>
+      </dgm:cxnLst>
+      <dgm:bg/>
+      <dgm:whole/>
+    </dgm:dataModel>
+  </dgm:styleData>
+  <dgm:clrData>
+    <dgm:dataModel>
+      <dgm:ptLst>
+        <dgm:pt modelId="0" type="doc"/>
+        <dgm:pt modelId="1"/>
+        <dgm:pt modelId="11" type="asst"/>
+        <dgm:pt modelId="12"/>
+        <dgm:pt modelId="13"/>
+        <dgm:pt modelId="14"/>
+      </dgm:ptLst>
+      <dgm:cxnLst>
+        <dgm:cxn modelId="2" srcId="0" destId="1" srcOrd="0" destOrd="0"/>
+        <dgm:cxn modelId="15" srcId="1" destId="11" srcOrd="0" destOrd="0"/>
+        <dgm:cxn modelId="16" srcId="1" destId="12" srcOrd="1" destOrd="0"/>
+        <dgm:cxn modelId="17" srcId="1" destId="13" srcOrd="2" destOrd="0"/>
+        <dgm:cxn modelId="18" srcId="1" destId="14" srcOrd="2" destOrd="0"/>
+      </dgm:cxnLst>
+      <dgm:bg/>
+      <dgm:whole/>
+    </dgm:dataModel>
+  </dgm:clrData>
+  <dgm:layoutNode name="hierChild1">
+    <dgm:varLst>
+      <dgm:orgChart val="1"/>
+      <dgm:chPref val="1"/>
+      <dgm:dir/>
+      <dgm:animOne val="branch"/>
+      <dgm:animLvl val="lvl"/>
+      <dgm:resizeHandles/>
+    </dgm:varLst>
+    <dgm:choose name="Name0">
+      <dgm:if name="Name1" func="var" arg="dir" op="equ" val="norm">
+        <dgm:alg type="hierChild">
+          <dgm:param type="linDir" val="fromL"/>
+        </dgm:alg>
+      </dgm:if>
+      <dgm:else name="Name2">
+        <dgm:alg type="hierChild">
+          <dgm:param type="linDir" val="fromR"/>
+        </dgm:alg>
+      </dgm:else>
+    </dgm:choose>
+    <dgm:shape xmlns:r="http://schemas.openxmlformats.org/officeDocument/2006/relationships" r:blip="">
+      <dgm:adjLst/>
+    </dgm:shape>
+    <dgm:presOf/>
+    <dgm:constrLst>
+      <dgm:constr type="w" for="des" forName="rootComposite1" refType="w" fact="10"/>
+      <dgm:constr type="h" for="des" forName="rootComposite1" refType="w" refFor="des" refForName="rootComposite1" fact="0.5"/>
+      <dgm:constr type="w" for="des" forName="rootComposite" refType="w" fact="10"/>
+      <dgm:constr type="h" for="des" forName="rootComposite" refType="w" refFor="des" refForName="rootComposite1" fact="0.5"/>
+      <dgm:constr type="w" for="des" forName="rootComposite3" refType="w" fact="10"/>
+      <dgm:constr type="h" for="des" forName="rootComposite3" refType="w" refFor="des" refForName="rootComposite1" fact="0.5"/>
+      <dgm:constr type="primFontSz" for="des" ptType="node" op="equ"/>
+      <dgm:constr type="sp" for="des" op="equ"/>
+      <dgm:constr type="sp" for="des" forName="hierRoot1" refType="w" refFor="des" refForName="rootComposite1" fact="0.21"/>
+      <dgm:constr type="sp" for="des" forName="hierRoot2" refType="sp" refFor="des" refForName="hierRoot1"/>
+      <dgm:constr type="sp" for="des" forName="hierRoot3" refType="sp" refFor="des" refForName="hierRoot1"/>
+      <dgm:constr type="sibSp" refType="w" refFor="des" refForName="rootComposite1" fact="0.21"/>
+      <dgm:constr type="sibSp" for="des" forName="hierChild2" refType="sibSp"/>
+      <dgm:constr type="sibSp" for="des" forName="hierChild3" refType="sibSp"/>
+      <dgm:constr type="sibSp" for="des" forName="hierChild4" refType="sibSp"/>
+      <dgm:constr type="sibSp" for="des" forName="hierChild5" refType="sibSp"/>
+      <dgm:constr type="sibSp" for="des" forName="hierChild6" refType="sibSp"/>
+      <dgm:constr type="sibSp" for="des" forName="hierChild7" refType="sibSp"/>
+      <dgm:constr type="secSibSp" refType="w" refFor="des" refForName="rootComposite1" fact="0.21"/>
+      <dgm:constr type="secSibSp" for="des" forName="hierChild2" refType="secSibSp"/>
+      <dgm:constr type="secSibSp" for="des" forName="hierChild3" refType="secSibSp"/>
+      <dgm:constr type="secSibSp" for="des" forName="hierChild4" refType="secSibSp"/>
+      <dgm:constr type="secSibSp" for="des" forName="hierChild5" refType="secSibSp"/>
+      <dgm:constr type="secSibSp" for="des" forName="hierChild6" refType="secSibSp"/>
+      <dgm:constr type="secSibSp" for="des" forName="hierChild7" refType="secSibSp"/>
+    </dgm:constrLst>
+    <dgm:ruleLst/>
+    <dgm:forEach name="Name3" axis="ch">
+      <dgm:forEach name="Name4" axis="self" ptType="node">
+        <dgm:layoutNode name="hierRoot1">
+          <dgm:varLst>
+            <dgm:hierBranch val="init"/>
+          </dgm:varLst>
+          <dgm:choose name="Name5">
+            <dgm:if name="Name6" func="var" arg="hierBranch" op="equ" val="l">
+              <dgm:choose name="Name7">
+                <dgm:if name="Name8" axis="ch" ptType="asst" func="cnt" op="gte" val="1">
+                  <dgm:alg type="hierRoot">
+                    <dgm:param type="hierAlign" val="tR"/>
+                  </dgm:alg>
+                  <dgm:constrLst>
+                    <dgm:constr type="alignOff" val="0.65"/>
+                  </dgm:constrLst>
+                </dgm:if>
+                <dgm:else name="Name9">
+                  <dgm:alg type="hierRoot">
+                    <dgm:param type="hierAlign" val="tR"/>
+                  </dgm:alg>
+                  <dgm:constrLst>
+                    <dgm:constr type="alignOff" val="0.25"/>
+                  </dgm:constrLst>
+                </dgm:else>
+              </dgm:choose>
+            </dgm:if>
+            <dgm:if name="Name10" func="var" arg="hierBranch" op="equ" val="r">
+              <dgm:choose name="Name11">
+                <dgm:if name="Name12" axis="ch" ptType="asst" func="cnt" op="gte" val="1">
+                  <dgm:alg type="hierRoot">
+                    <dgm:param type="hierAlign" val="tL"/>
+                  </dgm:alg>
+                  <dgm:constrLst>
+                    <dgm:constr type="alignOff" val="0.65"/>
+                  </dgm:constrLst>
+                </dgm:if>
+                <dgm:else name="Name13">
+                  <dgm:alg type="hierRoot">
+                    <dgm:param type="hierAlign" val="tL"/>
+                  </dgm:alg>
+                  <dgm:constrLst>
+                    <dgm:constr type="alignOff" val="0.25"/>
+                  </dgm:constrLst>
+                </dgm:else>
+              </dgm:choose>
+            </dgm:if>
+            <dgm:if name="Name14" func="var" arg="hierBranch" op="equ" val="hang">
+              <dgm:alg type="hierRoot"/>
+              <dgm:constrLst>
+                <dgm:constr type="alignOff" val="0.65"/>
+              </dgm:constrLst>
+            </dgm:if>
+            <dgm:else name="Name15">
+              <dgm:alg type="hierRoot"/>
+              <dgm:constrLst>
+                <dgm:constr type="alignOff"/>
+                <dgm:constr type="bendDist" for="des" ptType="parTrans" refType="sp" fact="0.5"/>
+              </dgm:constrLst>
+            </dgm:else>
+          </dgm:choose>
+          <dgm:shape xmlns:r="http://schemas.openxmlformats.org/officeDocument/2006/relationships" r:blip="">
+            <dgm:adjLst/>
+          </dgm:shape>
+          <dgm:presOf/>
+          <dgm:ruleLst/>
+          <dgm:layoutNode name="rootComposite1">
+            <dgm:alg type="composite"/>
+            <dgm:shape xmlns:r="http://schemas.openxmlformats.org/officeDocument/2006/relationships" r:blip="">
+              <dgm:adjLst/>
+            </dgm:shape>
+            <dgm:presOf axis="self" ptType="node" cnt="1"/>
+            <dgm:choose name="Name16">
+              <dgm:if name="Name17" func="var" arg="hierBranch" op="equ" val="init">
+                <dgm:constrLst>
+                  <dgm:constr type="l" for="ch" forName="rootText1"/>
+                  <dgm:constr type="t" for="ch" forName="rootText1"/>
+                  <dgm:constr type="w" for="ch" forName="rootText1" refType="w"/>
+                  <dgm:constr type="h" for="ch" forName="rootText1" refType="h"/>
+                  <dgm:constr type="l" for="ch" forName="rootConnector1"/>
+                  <dgm:constr type="t" for="ch" forName="rootConnector1"/>
+                  <dgm:constr type="w" for="ch" forName="rootConnector1" refType="w" refFor="ch" refForName="rootText1" fact="0.2"/>
+                  <dgm:constr type="h" for="ch" forName="rootConnector1" refType="h" refFor="ch" refForName="rootText1"/>
+                </dgm:constrLst>
+              </dgm:if>
+              <dgm:if name="Name18" func="var" arg="hierBranch" op="equ" val="l">
+                <dgm:constrLst>
+                  <dgm:constr type="l" for="ch" forName="rootText1"/>
+                  <dgm:constr type="t" for="ch" forName="rootText1"/>
+                  <dgm:constr type="w" for="ch" forName="rootText1" refType="w"/>
+                  <dgm:constr type="h" for="ch" forName="rootText1" refType="h"/>
+                  <dgm:constr type="r" for="ch" forName="rootConnector1" refType="w"/>
+                  <dgm:constr type="t" for="ch" forName="rootConnector1"/>
+                  <dgm:constr type="w" for="ch" forName="rootConnector1" refType="w" refFor="ch" refForName="rootText1" fact="0.2"/>
+                  <dgm:constr type="h" for="ch" forName="rootConnector1" refType="h" refFor="ch" refForName="rootText1"/>
+                </dgm:constrLst>
+              </dgm:if>
+              <dgm:if name="Name19" func="var" arg="hierBranch" op="equ" val="r">
+                <dgm:constrLst>
+                  <dgm:constr type="l" for="ch" forName="rootText1"/>
+                  <dgm:constr type="t" for="ch" forName="rootText1"/>
+                  <dgm:constr type="w" for="ch" forName="rootText1" refType="w"/>
+                  <dgm:constr type="h" for="ch" forName="rootText1" refType="h"/>
+                  <dgm:constr type="l" for="ch" forName="rootConnector1"/>
+                  <dgm:constr type="t" for="ch" forName="rootConnector1"/>
+                  <dgm:constr type="w" for="ch" forName="rootConnector1" refType="w" refFor="ch" refForName="rootText1" fact="0.2"/>
+                  <dgm:constr type="h" for="ch" forName="rootConnector1" refType="h" refFor="ch" refForName="rootText1"/>
+                </dgm:constrLst>
+              </dgm:if>
+              <dgm:else name="Name20">
+                <dgm:constrLst>
+                  <dgm:constr type="l" for="ch" forName="rootText1"/>
+                  <dgm:constr type="t" for="ch" forName="rootText1"/>
+                  <dgm:constr type="w" for="ch" forName="rootText1" refType="w"/>
+                  <dgm:constr type="h" for="ch" forName="rootText1" refType="h"/>
+                  <dgm:constr type="r" for="ch" forName="rootConnector1" refType="w"/>
+                  <dgm:constr type="t" for="ch" forName="rootConnector1"/>
+                  <dgm:constr type="w" for="ch" forName="rootConnector1" refType="w" refFor="ch" refForName="rootText1" fact="0.2"/>
+                  <dgm:constr type="h" for="ch" forName="rootConnector1" refType="h" refFor="ch" refForName="rootText1"/>
+                </dgm:constrLst>
+              </dgm:else>
+            </dgm:choose>
+            <dgm:ruleLst/>
+            <dgm:layoutNode name="rootText1" styleLbl="node0">
+              <dgm:varLst>
+                <dgm:chPref val="3"/>
+              </dgm:varLst>
+              <dgm:alg type="tx"/>
+              <dgm:shape xmlns:r="http://schemas.openxmlformats.org/officeDocument/2006/relationships" type="rect" r:blip="">
+                <dgm:adjLst/>
+              </dgm:shape>
+              <dgm:presOf axis="self" ptType="node" cnt="1"/>
+              <dgm:constrLst>
+                <dgm:constr type="primFontSz" val="65"/>
+                <dgm:constr type="lMarg" refType="primFontSz" fact="0.05"/>
+                <dgm:constr type="rMarg" refType="primFontSz" fact="0.05"/>
+                <dgm:constr type="tMarg" refType="primFontSz" fact="0.05"/>
+                <dgm:constr type="bMarg" refType="primFontSz" fact="0.05"/>
+              </dgm:constrLst>
+              <dgm:ruleLst>
+                <dgm:rule type="primFontSz" val="5" fact="NaN" max="NaN"/>
+              </dgm:ruleLst>
+            </dgm:layoutNode>
+            <dgm:layoutNode name="rootConnector1" moveWith="rootText1">
+              <dgm:alg type="sp"/>
+              <dgm:shape xmlns:r="http://schemas.openxmlformats.org/officeDocument/2006/relationships" type="rect" r:blip="" hideGeom="1">
+                <dgm:adjLst/>
+              </dgm:shape>
+              <dgm:presOf axis="self" ptType="node" cnt="1"/>
+              <dgm:constrLst/>
+              <dgm:ruleLst/>
+            </dgm:layoutNode>
+          </dgm:layoutNode>
+          <dgm:layoutNode name="hierChild2">
+            <dgm:choose name="Name21">
+              <dgm:if name="Name22" func="var" arg="hierBranch" op="equ" val="l">
+                <dgm:alg type="hierChild">
+                  <dgm:param type="chAlign" val="r"/>
+                  <dgm:param type="linDir" val="fromT"/>
+                </dgm:alg>
+              </dgm:if>
+              <dgm:if name="Name23" func="var" arg="hierBranch" op="equ" val="r">
+                <dgm:alg type="hierChild">
+                  <dgm:param type="chAlign" val="l"/>
+                  <dgm:param type="linDir" val="fromT"/>
+                </dgm:alg>
+              </dgm:if>
+              <dgm:if name="Name24" func="var" arg="hierBranch" op="equ" val="hang">
+                <dgm:choose name="Name25">
+                  <dgm:if name="Name26" func="var" arg="dir" op="equ" val="norm">
+                    <dgm:alg type="hierChild">
+                      <dgm:param type="chAlign" val="l"/>
+                      <dgm:param type="linDir" val="fromL"/>
+                      <dgm:param type="secChAlign" val="t"/>
+                      <dgm:param type="secLinDir" val="fromT"/>
+                    </dgm:alg>
+                  </dgm:if>
+                  <dgm:else name="Name27">
+                    <dgm:alg type="hierChild">
+                      <dgm:param type="chAlign" val="l"/>
+                      <dgm:param type="linDir" val="fromR"/>
+                      <dgm:param type="secChAlign" val="t"/>
+                      <dgm:param type="secLinDir" val="fromT"/>
+                    </dgm:alg>
+                  </dgm:else>
+                </dgm:choose>
+              </dgm:if>
+              <dgm:else name="Name28">
+                <dgm:choose name="Name29">
+                  <dgm:if name="Name30" func="var" arg="dir" op="equ" val="norm">
+                    <dgm:alg type="hierChild"/>
+                  </dgm:if>
+                  <dgm:else name="Name31">
+                    <dgm:alg type="hierChild">
+                      <dgm:param type="linDir" val="fromR"/>
+                    </dgm:alg>
+                  </dgm:else>
+                </dgm:choose>
+              </dgm:else>
+            </dgm:choose>
+            <dgm:shape xmlns:r="http://schemas.openxmlformats.org/officeDocument/2006/relationships" r:blip="">
+              <dgm:adjLst/>
+            </dgm:shape>
+            <dgm:presOf/>
+            <dgm:constrLst/>
+            <dgm:ruleLst/>
+            <dgm:forEach name="rep2a" axis="ch" ptType="nonAsst">
+              <dgm:forEach name="Name32" axis="precedSib" ptType="parTrans" st="-1" cnt="1">
+                <dgm:choose name="Name33">
+                  <dgm:if name="Name34" func="var" arg="hierBranch" op="equ" val="std">
+                    <dgm:layoutNode name="Name35">
+                      <dgm:alg type="conn">
+                        <dgm:param type="connRout" val="bend"/>
+                        <dgm:param type="dim" val="1D"/>
+                        <dgm:param type="endSty" val="noArr"/>
+                        <dgm:param type="begPts" val="bCtr"/>
+                        <dgm:param type="endPts" val="tCtr"/>
+                        <dgm:param type="bendPt" val="end"/>
+                      </dgm:alg>
+                      <dgm:shape xmlns:r="http://schemas.openxmlformats.org/officeDocument/2006/relationships" type="conn" r:blip="" zOrderOff="-99999">
+                        <dgm:adjLst/>
+                      </dgm:shape>
+                      <dgm:presOf axis="self"/>
+                      <dgm:constrLst>
+                        <dgm:constr type="begPad"/>
+                        <dgm:constr type="endPad"/>
+                      </dgm:constrLst>
+                      <dgm:ruleLst/>
+                    </dgm:layoutNode>
+                  </dgm:if>
+                  <dgm:if name="Name36" func="var" arg="hierBranch" op="equ" val="init">
+                    <dgm:layoutNode name="Name37">
+                      <dgm:choose name="Name38">
+                        <dgm:if name="Name39" axis="self" func="depth" op="lte" val="2">
+                          <dgm:alg type="conn">
+                            <dgm:param type="connRout" val="bend"/>
+                            <dgm:param type="dim" val="1D"/>
+                            <dgm:param type="endSty" val="noArr"/>
+                            <dgm:param type="begPts" val="bCtr"/>
+                            <dgm:param type="endPts" val="tCtr"/>
+                            <dgm:param type="bendPt" val="end"/>
+                          </dgm:alg>
+                        </dgm:if>
+                        <dgm:else name="Name40">
+                          <dgm:choose name="Name41">
+                            <dgm:if name="Name42" axis="par des" func="maxDepth" op="lte" val="1">
+                              <dgm:choose name="Name43">
+                                <dgm:if name="Name44" axis="par ch" ptType="node asst" func="cnt" op="gte" val="1">
+                                  <dgm:alg type="conn">
+                                    <dgm:param type="connRout" val="bend"/>
+                                    <dgm:param type="dim" val="1D"/>
+                                    <dgm:param type="endSty" val="noArr"/>
+                                    <dgm:param type="begPts" val="bCtr"/>
+                                    <dgm:param type="endPts" val="midL midR"/>
+                                  </dgm:alg>
+                                </dgm:if>
+                                <dgm:else name="Name45">
+                                  <dgm:alg type="conn">
+                                    <dgm:param type="connRout" val="bend"/>
+                                    <dgm:param type="dim" val="1D"/>
+                                    <dgm:param type="endSty" val="noArr"/>
+                                    <dgm:param type="begPts" val="bCtr"/>
+                                    <dgm:param type="endPts" val="midL midR"/>
+                                    <dgm:param type="srcNode" val="rootConnector"/>
+                                  </dgm:alg>
+                                </dgm:else>
+                              </dgm:choose>
+                            </dgm:if>
+                            <dgm:else name="Name46">
+                              <dgm:alg type="conn">
+                                <dgm:param type="connRout" val="bend"/>
+                                <dgm:param type="dim" val="1D"/>
+                                <dgm:param type="endSty" val="noArr"/>
+                                <dgm:param type="begPts" val="bCtr"/>
+                                <dgm:param type="endPts" val="tCtr"/>
+                                <dgm:param type="bendPt" val="end"/>
+                              </dgm:alg>
+                            </dgm:else>
+                          </dgm:choose>
+                        </dgm:else>
+                      </dgm:choose>
+                      <dgm:shape xmlns:r="http://schemas.openxmlformats.org/officeDocument/2006/relationships" type="conn" r:blip="" zOrderOff="-99999">
+                        <dgm:adjLst/>
+                      </dgm:shape>
+                      <dgm:presOf axis="self"/>
+                      <dgm:constrLst>
+                        <dgm:constr type="begPad"/>
+                        <dgm:constr type="endPad"/>
+                      </dgm:constrLst>
+                      <dgm:ruleLst/>
+                    </dgm:layoutNode>
+                  </dgm:if>
+                  <dgm:if name="Name47" func="var" arg="hierBranch" op="equ" val="hang">
+                    <dgm:layoutNode name="Name48">
+                      <dgm:alg type="conn">
+                        <dgm:param type="connRout" val="bend"/>
+                        <dgm:param type="dim" val="1D"/>
+                        <dgm:param type="endSty" val="noArr"/>
+                        <dgm:param type="begPts" val="bCtr"/>
+                        <dgm:param type="endPts" val="midL midR"/>
+                      </dgm:alg>
+                      <dgm:shape xmlns:r="http://schemas.openxmlformats.org/officeDocument/2006/relationships" type="conn" r:blip="" zOrderOff="-99999">
+                        <dgm:adjLst/>
+                      </dgm:shape>
+                      <dgm:presOf axis="self"/>
+                      <dgm:constrLst>
+                        <dgm:constr type="begPad"/>
+                        <dgm:constr type="endPad"/>
+                      </dgm:constrLst>
+                      <dgm:ruleLst/>
+                    </dgm:layoutNode>
+                  </dgm:if>
+                  <dgm:else name="Name49">
+                    <dgm:layoutNode name="Name50">
+                      <dgm:choose name="Name51">
+                        <dgm:if name="Name52" axis="self" func="depth" op="lte" val="2">
+                          <dgm:choose name="Name53">
+                            <dgm:if name="Name54" axis="par ch" ptType="node asst" func="cnt" op="gte" val="1">
+                              <dgm:alg type="conn">
+                                <dgm:param type="connRout" val="bend"/>
+                                <dgm:param type="dim" val="1D"/>
+                                <dgm:param type="endSty" val="noArr"/>
+                                <dgm:param type="begPts" val="bCtr"/>
+                                <dgm:param type="endPts" val="midL midR"/>
+                              </dgm:alg>
+                            </dgm:if>
+                            <dgm:else name="Name55">
+                              <dgm:alg type="conn">
+                                <dgm:param type="connRout" val="bend"/>
+                                <dgm:param type="dim" val="1D"/>
+                                <dgm:param type="endSty" val="noArr"/>
+                                <dgm:param type="begPts" val="bCtr"/>
+                                <dgm:param type="endPts" val="midL midR"/>
+                                <dgm:param type="srcNode" val="rootConnector1"/>
+                              </dgm:alg>
+                            </dgm:else>
+                          </dgm:choose>
+                        </dgm:if>
+                        <dgm:else name="Name56">
+                          <dgm:choose name="Name57">
+                            <dgm:if name="Name58" axis="par ch" ptType="node asst" func="cnt" op="gte" val="1">
+                              <dgm:alg type="conn">
+                                <dgm:param type="connRout" val="bend"/>
+                                <dgm:param type="dim" val="1D"/>
+                                <dgm:param type="endSty" val="noArr"/>
+                                <dgm:param type="begPts" val="bCtr"/>
+                                <dgm:param type="endPts" val="midL midR"/>
+                              </dgm:alg>
+                            </dgm:if>
+                            <dgm:else name="Name59">
+                              <dgm:alg type="conn">
+                                <dgm:param type="connRout" val="bend"/>
+                                <dgm:param type="dim" val="1D"/>
+                                <dgm:param type="endSty" val="noArr"/>
+                                <dgm:param type="begPts" val="bCtr"/>
+                                <dgm:param type="endPts" val="midL midR"/>
+                                <dgm:param type="srcNode" val="rootConnector"/>
+                              </dgm:alg>
+                            </dgm:else>
+                          </dgm:choose>
+                        </dgm:else>
+                      </dgm:choose>
+                      <dgm:shape xmlns:r="http://schemas.openxmlformats.org/officeDocument/2006/relationships" type="conn" r:blip="" zOrderOff="-99999">
+                        <dgm:adjLst/>
+                      </dgm:shape>
+                      <dgm:presOf axis="self"/>
+                      <dgm:constrLst>
+                        <dgm:constr type="begPad"/>
+                        <dgm:constr type="endPad"/>
+                      </dgm:constrLst>
+                      <dgm:ruleLst/>
+                    </dgm:layoutNode>
+                  </dgm:else>
+                </dgm:choose>
+              </dgm:forEach>
+              <dgm:layoutNode name="hierRoot2">
+                <dgm:varLst>
+                  <dgm:hierBranch val="init"/>
+                </dgm:varLst>
+                <dgm:choose name="Name60">
+                  <dgm:if name="Name61" func="var" arg="hierBranch" op="equ" val="l">
+                    <dgm:choose name="Name62">
+                      <dgm:if name="Name63" axis="ch" ptType="asst" func="cnt" op="gte" val="1">
+                        <dgm:alg type="hierRoot">
+                          <dgm:param type="hierAlign" val="tR"/>
+                        </dgm:alg>
+                        <dgm:shape xmlns:r="http://schemas.openxmlformats.org/officeDocument/2006/relationships" r:blip="">
+                          <dgm:adjLst/>
+                        </dgm:shape>
+                        <dgm:presOf/>
+                        <dgm:constrLst>
+                          <dgm:constr type="alignOff" val="0.65"/>
+                        </dgm:constrLst>
+                      </dgm:if>
+                      <dgm:else name="Name64">
+                        <dgm:alg type="hierRoot">
+                          <dgm:param type="hierAlign" val="tR"/>
+                        </dgm:alg>
+                        <dgm:shape xmlns:r="http://schemas.openxmlformats.org/officeDocument/2006/relationships" r:blip="">
+                          <dgm:adjLst/>
+                        </dgm:shape>
+                        <dgm:presOf/>
+                        <dgm:constrLst>
+                          <dgm:constr type="alignOff" val="0.25"/>
+                        </dgm:constrLst>
+                      </dgm:else>
+                    </dgm:choose>
+                  </dgm:if>
+                  <dgm:if name="Name65" func="var" arg="hierBranch" op="equ" val="r">
+                    <dgm:choose name="Name66">
+                      <dgm:if name="Name67" axis="ch" ptType="asst" func="cnt" op="gte" val="1">
+                        <dgm:alg type="hierRoot">
+                          <dgm:param type="hierAlign" val="tL"/>
+                        </dgm:alg>
+                        <dgm:shape xmlns:r="http://schemas.openxmlformats.org/officeDocument/2006/relationships" r:blip="">
+                          <dgm:adjLst/>
+                        </dgm:shape>
+                        <dgm:presOf/>
+                        <dgm:constrLst>
+                          <dgm:constr type="alignOff" val="0.65"/>
+                        </dgm:constrLst>
+                      </dgm:if>
+                      <dgm:else name="Name68">
+                        <dgm:alg type="hierRoot">
+                          <dgm:param type="hierAlign" val="tL"/>
+                        </dgm:alg>
+                        <dgm:shape xmlns:r="http://schemas.openxmlformats.org/officeDocument/2006/relationships" r:blip="">
+                          <dgm:adjLst/>
+                        </dgm:shape>
+                        <dgm:presOf/>
+                        <dgm:constrLst>
+                          <dgm:constr type="alignOff" val="0.25"/>
+                        </dgm:constrLst>
+                      </dgm:else>
+                    </dgm:choose>
+                  </dgm:if>
+                  <dgm:if name="Name69" func="var" arg="hierBranch" op="equ" val="std">
+                    <dgm:alg type="hierRoot"/>
+                    <dgm:shape xmlns:r="http://schemas.openxmlformats.org/officeDocument/2006/relationships" r:blip="">
+                      <dgm:adjLst/>
+                    </dgm:shape>
+                    <dgm:presOf/>
+                    <dgm:constrLst>
+                      <dgm:constr type="alignOff"/>
+                      <dgm:constr type="bendDist" for="des" ptType="parTrans" refType="sp" fact="0.5"/>
+                    </dgm:constrLst>
+                  </dgm:if>
+                  <dgm:if name="Name70" func="var" arg="hierBranch" op="equ" val="init">
+                    <dgm:choose name="Name71">
+                      <dgm:if name="Name72" axis="des" func="maxDepth" op="lte" val="1">
+                        <dgm:choose name="Name73">
+                          <dgm:if name="Name74" axis="ch" ptType="asst" func="cnt" op="gte" val="1">
+                            <dgm:alg type="hierRoot">
+                              <dgm:param type="hierAlign" val="tL"/>
+                            </dgm:alg>
+                            <dgm:shape xmlns:r="http://schemas.openxmlformats.org/officeDocument/2006/relationships" r:blip="">
+                              <dgm:adjLst/>
+                            </dgm:shape>
+                            <dgm:presOf/>
+                            <dgm:constrLst>
+                              <dgm:constr type="alignOff" val="0.65"/>
+                            </dgm:constrLst>
+                          </dgm:if>
+                          <dgm:else name="Name75">
+                            <dgm:alg type="hierRoot">
+                              <dgm:param type="hierAlign" val="tL"/>
+                            </dgm:alg>
+                            <dgm:shape xmlns:r="http://schemas.openxmlformats.org/officeDocument/2006/relationships" r:blip="">
+                              <dgm:adjLst/>
+                            </dgm:shape>
+                            <dgm:presOf/>
+                            <dgm:constrLst>
+                              <dgm:constr type="alignOff" val="0.25"/>
+                            </dgm:constrLst>
+                          </dgm:else>
+                        </dgm:choose>
+                      </dgm:if>
+                      <dgm:else name="Name76">
+                        <dgm:alg type="hierRoot"/>
+                        <dgm:shape xmlns:r="http://schemas.openxmlformats.org/officeDocument/2006/relationships" r:blip="">
+                          <dgm:adjLst/>
+                        </dgm:shape>
+                        <dgm:presOf/>
+                        <dgm:constrLst>
+                          <dgm:constr type="alignOff"/>
+                          <dgm:constr type="bendDist" for="des" ptType="parTrans" refType="sp" fact="0.5"/>
+                        </dgm:constrLst>
+                      </dgm:else>
+                    </dgm:choose>
+                  </dgm:if>
+                  <dgm:else name="Name77">
+                    <dgm:alg type="hierRoot"/>
+                    <dgm:shape xmlns:r="http://schemas.openxmlformats.org/officeDocument/2006/relationships" r:blip="">
+                      <dgm:adjLst/>
+                    </dgm:shape>
+                    <dgm:presOf/>
+                    <dgm:constrLst>
+                      <dgm:constr type="alignOff" val="0.65"/>
+                    </dgm:constrLst>
+                  </dgm:else>
+                </dgm:choose>
+                <dgm:ruleLst/>
+                <dgm:layoutNode name="rootComposite">
+                  <dgm:alg type="composite"/>
+                  <dgm:shape xmlns:r="http://schemas.openxmlformats.org/officeDocument/2006/relationships" r:blip="">
+                    <dgm:adjLst/>
+                  </dgm:shape>
+                  <dgm:presOf axis="self" ptType="node" cnt="1"/>
+                  <dgm:choose name="Name78">
+                    <dgm:if name="Name79" func="var" arg="hierBranch" op="equ" val="init">
+                      <dgm:constrLst>
+                        <dgm:constr type="l" for="ch" forName="rootText"/>
+                        <dgm:constr type="t" for="ch" forName="rootText"/>
+                        <dgm:constr type="w" for="ch" forName="rootText" refType="w"/>
+                        <dgm:constr type="h" for="ch" forName="rootText" refType="h"/>
+                        <dgm:constr type="l" for="ch" forName="rootConnector"/>
+                        <dgm:constr type="t" for="ch" forName="rootConnector"/>
+                        <dgm:constr type="w" for="ch" forName="rootConnector" refType="w" refFor="ch" refForName="rootText" fact="0.2"/>
+                        <dgm:constr type="h" for="ch" forName="rootConnector" refType="h" refFor="ch" refForName="rootText"/>
+                      </dgm:constrLst>
+                    </dgm:if>
+                    <dgm:if name="Name80" func="var" arg="hierBranch" op="equ" val="l">
+                      <dgm:constrLst>
+                        <dgm:constr type="l" for="ch" forName="rootText"/>
+                        <dgm:constr type="t" for="ch" forName="rootText"/>
+                        <dgm:constr type="w" for="ch" forName="rootText" refType="w"/>
+                        <dgm:constr type="h" for="ch" forName="rootText" refType="h"/>
+                        <dgm:constr type="r" for="ch" forName="rootConnector" refType="w"/>
+                        <dgm:constr type="t" for="ch" forName="rootConnector"/>
+                        <dgm:constr type="w" for="ch" forName="rootConnector" refType="w" refFor="ch" refForName="rootText" fact="0.2"/>
+                        <dgm:constr type="h" for="ch" forName="rootConnector" refType="h" refFor="ch" refForName="rootText"/>
+                      </dgm:constrLst>
+                    </dgm:if>
+                    <dgm:if name="Name81" func="var" arg="hierBranch" op="equ" val="r">
+                      <dgm:constrLst>
+                        <dgm:constr type="l" for="ch" forName="rootText"/>
+                        <dgm:constr type="t" for="ch" forName="rootText"/>
+                        <dgm:constr type="w" for="ch" forName="rootText" refType="w"/>
+                        <dgm:constr type="h" for="ch" forName="rootText" refType="h"/>
+                        <dgm:constr type="l" for="ch" forName="rootConnector"/>
+                        <dgm:constr type="t" for="ch" forName="rootConnector"/>
+                        <dgm:constr type="w" for="ch" forName="rootConnector" refType="w" refFor="ch" refForName="rootText" fact="0.2"/>
+                        <dgm:constr type="h" for="ch" forName="rootConnector" refType="h" refFor="ch" refForName="rootText"/>
+                      </dgm:constrLst>
+                    </dgm:if>
+                    <dgm:else name="Name82">
+                      <dgm:constrLst>
+                        <dgm:constr type="l" for="ch" forName="rootText"/>
+                        <dgm:constr type="t" for="ch" forName="rootText"/>
+                        <dgm:constr type="w" for="ch" forName="rootText" refType="w"/>
+                        <dgm:constr type="h" for="ch" forName="rootText" refType="h"/>
+                        <dgm:constr type="r" for="ch" forName="rootConnector" refType="w"/>
+                        <dgm:constr type="t" for="ch" forName="rootConnector"/>
+                        <dgm:constr type="w" for="ch" forName="rootConnector" refType="w" refFor="ch" refForName="rootText" fact="0.2"/>
+                        <dgm:constr type="h" for="ch" forName="rootConnector" refType="h" refFor="ch" refForName="rootText"/>
+                      </dgm:constrLst>
+                    </dgm:else>
+                  </dgm:choose>
+                  <dgm:ruleLst/>
+                  <dgm:layoutNode name="rootText">
+                    <dgm:varLst>
+                      <dgm:chPref val="3"/>
+                    </dgm:varLst>
+                    <dgm:alg type="tx"/>
+                    <dgm:shape xmlns:r="http://schemas.openxmlformats.org/officeDocument/2006/relationships" type="rect" r:blip="">
+                      <dgm:adjLst/>
+                    </dgm:shape>
+                    <dgm:presOf axis="self" ptType="node" cnt="1"/>
+                    <dgm:constrLst>
+                      <dgm:constr type="primFontSz" val="65"/>
+                      <dgm:constr type="lMarg" refType="primFontSz" fact="0.05"/>
+                      <dgm:constr type="rMarg" refType="primFontSz" fact="0.05"/>
+                      <dgm:constr type="tMarg" refType="primFontSz" fact="0.05"/>
+                      <dgm:constr type="bMarg" refType="primFontSz" fact="0.05"/>
+                    </dgm:constrLst>
+                    <dgm:ruleLst>
+                      <dgm:rule type="primFontSz" val="5" fact="NaN" max="NaN"/>
+                    </dgm:ruleLst>
+                  </dgm:layoutNode>
+                  <dgm:layoutNode name="rootConnector" moveWith="rootText">
+                    <dgm:alg type="sp"/>
+                    <dgm:shape xmlns:r="http://schemas.openxmlformats.org/officeDocument/2006/relationships" type="rect" r:blip="" hideGeom="1">
+                      <dgm:adjLst/>
+                    </dgm:shape>
+                    <dgm:presOf axis="self" ptType="node" cnt="1"/>
+                    <dgm:constrLst/>
+                    <dgm:ruleLst/>
+                  </dgm:layoutNode>
+                </dgm:layoutNode>
+                <dgm:layoutNode name="hierChild4">
+                  <dgm:choose name="Name83">
+                    <dgm:if name="Name84" func="var" arg="hierBranch" op="equ" val="l">
+                      <dgm:alg type="hierChild">
+                        <dgm:param type="chAlign" val="r"/>
+                        <dgm:param type="linDir" val="fromT"/>
+                      </dgm:alg>
+                    </dgm:if>
+                    <dgm:if name="Name85" func="var" arg="hierBranch" op="equ" val="r">
+                      <dgm:alg type="hierChild">
+                        <dgm:param type="chAlign" val="l"/>
+                        <dgm:param type="linDir" val="fromT"/>
+                      </dgm:alg>
+                    </dgm:if>
+                    <dgm:if name="Name86" func="var" arg="hierBranch" op="equ" val="hang">
+                      <dgm:choose name="Name87">
+                        <dgm:if name="Name88" func="var" arg="dir" op="equ" val="norm">
+                          <dgm:alg type="hierChild">
+                            <dgm:param type="chAlign" val="l"/>
+                            <dgm:param type="linDir" val="fromL"/>
+                            <dgm:param type="secChAlign" val="t"/>
+                            <dgm:param type="secLinDir" val="fromT"/>
+                          </dgm:alg>
+                        </dgm:if>
+                        <dgm:else name="Name89">
+                          <dgm:alg type="hierChild">
+                            <dgm:param type="chAlign" val="l"/>
+                            <dgm:param type="linDir" val="fromR"/>
+                            <dgm:param type="secChAlign" val="t"/>
+                            <dgm:param type="secLinDir" val="fromT"/>
+                          </dgm:alg>
+                        </dgm:else>
+                      </dgm:choose>
+                    </dgm:if>
+                    <dgm:if name="Name90" func="var" arg="hierBranch" op="equ" val="std">
+                      <dgm:choose name="Name91">
+                        <dgm:if name="Name92" func="var" arg="dir" op="equ" val="norm">
+                          <dgm:alg type="hierChild"/>
+                        </dgm:if>
+                        <dgm:else name="Name93">
+                          <dgm:alg type="hierChild">
+                            <dgm:param type="linDir" val="fromR"/>
+                          </dgm:alg>
+                        </dgm:else>
+                      </dgm:choose>
+                    </dgm:if>
+                    <dgm:if name="Name94" func="var" arg="hierBranch" op="equ" val="init">
+                      <dgm:choose name="Name95">
+                        <dgm:if name="Name96" axis="des" func="maxDepth" op="lte" val="1">
+                          <dgm:alg type="hierChild">
+                            <dgm:param type="chAlign" val="l"/>
+                            <dgm:param type="linDir" val="fromT"/>
+                          </dgm:alg>
+                        </dgm:if>
+                        <dgm:else name="Name97">
+                          <dgm:choose name="Name98">
+                            <dgm:if name="Name99" func="var" arg="dir" op="equ" val="norm">
+                              <dgm:alg type="hierChild"/>
+                            </dgm:if>
+                            <dgm:else name="Name100">
+                              <dgm:alg type="hierChild">
+                                <dgm:param type="linDir" val="fromR"/>
+                              </dgm:alg>
+                            </dgm:else>
+                          </dgm:choose>
+                        </dgm:else>
+                      </dgm:choose>
+                    </dgm:if>
+                    <dgm:else name="Name101"/>
+                  </dgm:choose>
+                  <dgm:shape xmlns:r="http://schemas.openxmlformats.org/officeDocument/2006/relationships" r:blip="">
+                    <dgm:adjLst/>
+                  </dgm:shape>
+                  <dgm:presOf/>
+                  <dgm:constrLst/>
+                  <dgm:ruleLst/>
+                  <dgm:forEach name="Name102" ref="rep2a"/>
+                </dgm:layoutNode>
+                <dgm:layoutNode name="hierChild5">
+                  <dgm:choose name="Name103">
+                    <dgm:if name="Name104" func="var" arg="dir" op="equ" val="norm">
+                      <dgm:alg type="hierChild">
+                        <dgm:param type="chAlign" val="l"/>
+                        <dgm:param type="linDir" val="fromL"/>
+                        <dgm:param type="secChAlign" val="t"/>
+                        <dgm:param type="secLinDir" val="fromT"/>
+                      </dgm:alg>
+                    </dgm:if>
+                    <dgm:else name="Name105">
+                      <dgm:alg type="hierChild">
+                        <dgm:param type="chAlign" val="l"/>
+                        <dgm:param type="linDir" val="fromR"/>
+                        <dgm:param type="secChAlign" val="t"/>
+                        <dgm:param type="secLinDir" val="fromT"/>
+                      </dgm:alg>
+                    </dgm:else>
+                  </dgm:choose>
+                  <dgm:shape xmlns:r="http://schemas.openxmlformats.org/officeDocument/2006/relationships" r:blip="">
+                    <dgm:adjLst/>
+                  </dgm:shape>
+                  <dgm:presOf/>
+                  <dgm:constrLst/>
+                  <dgm:ruleLst/>
+                  <dgm:forEach name="Name106" ref="rep2b"/>
+                </dgm:layoutNode>
+              </dgm:layoutNode>
+            </dgm:forEach>
+          </dgm:layoutNode>
+          <dgm:layoutNode name="hierChild3">
+            <dgm:choose name="Name107">
+              <dgm:if name="Name108" func="var" arg="dir" op="equ" val="norm">
+                <dgm:alg type="hierChild">
+                  <dgm:param type="chAlign" val="l"/>
+                  <dgm:param type="linDir" val="fromL"/>
+                  <dgm:param type="secChAlign" val="t"/>
+                  <dgm:param type="secLinDir" val="fromT"/>
+                </dgm:alg>
+              </dgm:if>
+              <dgm:else name="Name109">
+                <dgm:alg type="hierChild">
+                  <dgm:param type="chAlign" val="l"/>
+                  <dgm:param type="linDir" val="fromR"/>
+                  <dgm:param type="secChAlign" val="t"/>
+                  <dgm:param type="secLinDir" val="fromT"/>
+                </dgm:alg>
+              </dgm:else>
+            </dgm:choose>
+            <dgm:shape xmlns:r="http://schemas.openxmlformats.org/officeDocument/2006/relationships" r:blip="">
+              <dgm:adjLst/>
+            </dgm:shape>
+            <dgm:presOf/>
+            <dgm:constrLst/>
+            <dgm:ruleLst/>
+            <dgm:forEach name="rep2b" axis="ch" ptType="asst">
+              <dgm:forEach name="Name110" axis="precedSib" ptType="parTrans" st="-1" cnt="1">
+                <dgm:layoutNode name="Name111">
+                  <dgm:alg type="conn">
+                    <dgm:param type="connRout" val="bend"/>
+                    <dgm:param type="dim" val="1D"/>
+                    <dgm:param type="endSty" val="noArr"/>
+                    <dgm:param type="begPts" val="bCtr"/>
+                    <dgm:param type="endPts" val="midL midR"/>
+                  </dgm:alg>
+                  <dgm:shape xmlns:r="http://schemas.openxmlformats.org/officeDocument/2006/relationships" type="conn" r:blip="" zOrderOff="-99999">
+                    <dgm:adjLst/>
+                  </dgm:shape>
+                  <dgm:presOf axis="self"/>
+                  <dgm:constrLst>
+                    <dgm:constr type="begPad"/>
+                    <dgm:constr type="endPad"/>
+                  </dgm:constrLst>
+                  <dgm:ruleLst/>
+                </dgm:layoutNode>
+              </dgm:forEach>
+              <dgm:layoutNode name="hierRoot3">
+                <dgm:varLst>
+                  <dgm:hierBranch val="init"/>
+                </dgm:varLst>
+                <dgm:choose name="Name112">
+                  <dgm:if name="Name113" func="var" arg="hierBranch" op="equ" val="l">
+                    <dgm:alg type="hierRoot">
+                      <dgm:param type="hierAlign" val="tR"/>
+                    </dgm:alg>
+                    <dgm:shape xmlns:r="http://schemas.openxmlformats.org/officeDocument/2006/relationships" r:blip="">
+                      <dgm:adjLst/>
+                    </dgm:shape>
+                    <dgm:presOf/>
+                    <dgm:constrLst>
+                      <dgm:constr type="alignOff" val="0.65"/>
+                    </dgm:constrLst>
+                  </dgm:if>
+                  <dgm:if name="Name114" func="var" arg="hierBranch" op="equ" val="r">
+                    <dgm:alg type="hierRoot">
+                      <dgm:param type="hierAlign" val="tL"/>
+                    </dgm:alg>
+                    <dgm:shape xmlns:r="http://schemas.openxmlformats.org/officeDocument/2006/relationships" r:blip="">
+                      <dgm:adjLst/>
+                    </dgm:shape>
+                    <dgm:presOf/>
+                    <dgm:constrLst>
+                      <dgm:constr type="alignOff" val="0.65"/>
+                    </dgm:constrLst>
+                  </dgm:if>
+                  <dgm:if name="Name115" func="var" arg="hierBranch" op="equ" val="hang">
+                    <dgm:alg type="hierRoot"/>
+                    <dgm:shape xmlns:r="http://schemas.openxmlformats.org/officeDocument/2006/relationships" r:blip="">
+                      <dgm:adjLst/>
+                    </dgm:shape>
+                    <dgm:presOf/>
+                    <dgm:constrLst>
+                      <dgm:constr type="alignOff" val="0.65"/>
+                    </dgm:constrLst>
+                  </dgm:if>
+                  <dgm:if name="Name116" func="var" arg="hierBranch" op="equ" val="std">
+                    <dgm:alg type="hierRoot"/>
+                    <dgm:shape xmlns:r="http://schemas.openxmlformats.org/officeDocument/2006/relationships" r:blip="">
+                      <dgm:adjLst/>
+                    </dgm:shape>
+                    <dgm:presOf/>
+                    <dgm:constrLst>
+                      <dgm:constr type="alignOff"/>
+                      <dgm:constr type="bendDist" for="des" ptType="parTrans" refType="sp" fact="0.5"/>
+                    </dgm:constrLst>
+                  </dgm:if>
+                  <dgm:if name="Name117" func="var" arg="hierBranch" op="equ" val="init">
+                    <dgm:choose name="Name118">
+                      <dgm:if name="Name119" axis="des" func="maxDepth" op="lte" val="1">
+                        <dgm:alg type="hierRoot">
+                          <dgm:param type="hierAlign" val="tL"/>
+                        </dgm:alg>
+                        <dgm:shape xmlns:r="http://schemas.openxmlformats.org/officeDocument/2006/relationships" r:blip="">
+                          <dgm:adjLst/>
+                        </dgm:shape>
+                        <dgm:presOf/>
+                        <dgm:constrLst>
+                          <dgm:constr type="alignOff" val="0.65"/>
+                        </dgm:constrLst>
+                      </dgm:if>
+                      <dgm:else name="Name120">
+                        <dgm:alg type="hierRoot"/>
+                        <dgm:shape xmlns:r="http://schemas.openxmlformats.org/officeDocument/2006/relationships" r:blip="">
+                          <dgm:adjLst/>
+                        </dgm:shape>
+                        <dgm:presOf/>
+                        <dgm:constrLst>
+                          <dgm:constr type="alignOff"/>
+                          <dgm:constr type="bendDist" for="des" ptType="parTrans" refType="sp" fact="0.5"/>
+                        </dgm:constrLst>
+                      </dgm:else>
+                    </dgm:choose>
+                  </dgm:if>
+                  <dgm:else name="Name121"/>
+                </dgm:choose>
+                <dgm:ruleLst/>
+                <dgm:layoutNode name="rootComposite3">
+                  <dgm:alg type="composite"/>
+                  <dgm:shape xmlns:r="http://schemas.openxmlformats.org/officeDocument/2006/relationships" r:blip="">
+                    <dgm:adjLst/>
+                  </dgm:shape>
+                  <dgm:presOf axis="self" ptType="node" cnt="1"/>
+                  <dgm:choose name="Name122">
+                    <dgm:if name="Name123" func="var" arg="hierBranch" op="equ" val="init">
+                      <dgm:constrLst>
+                        <dgm:constr type="l" for="ch" forName="rootText3"/>
+                        <dgm:constr type="t" for="ch" forName="rootText3"/>
+                        <dgm:constr type="w" for="ch" forName="rootText3" refType="w"/>
+                        <dgm:constr type="h" for="ch" forName="rootText3" refType="h"/>
+                        <dgm:constr type="l" for="ch" forName="rootConnector3"/>
+                        <dgm:constr type="t" for="ch" forName="rootConnector3"/>
+                        <dgm:constr type="w" for="ch" forName="rootConnector3" refType="w" refFor="ch" refForName="rootText3" fact="0.2"/>
+                        <dgm:constr type="h" for="ch" forName="rootConnector3" refType="h" refFor="ch" refForName="rootText3"/>
+                      </dgm:constrLst>
+                    </dgm:if>
+                    <dgm:if name="Name124" func="var" arg="hierBranch" op="equ" val="l">
+                      <dgm:constrLst>
+                        <dgm:constr type="l" for="ch" forName="rootText3"/>
+                        <dgm:constr type="t" for="ch" forName="rootText3"/>
+                        <dgm:constr type="w" for="ch" forName="rootText3" refType="w"/>
+                        <dgm:constr type="h" for="ch" forName="rootText3" refType="h"/>
+                        <dgm:constr type="r" for="ch" forName="rootConnector3" refType="w"/>
+                        <dgm:constr type="t" for="ch" forName="rootConnector3"/>
+                        <dgm:constr type="w" for="ch" forName="rootConnector3" refType="w" refFor="ch" refForName="rootText3" fact="0.2"/>
+                        <dgm:constr type="h" for="ch" forName="rootConnector3" refType="h" refFor="ch" refForName="rootText3"/>
+                      </dgm:constrLst>
+                    </dgm:if>
+                    <dgm:if name="Name125" func="var" arg="hierBranch" op="equ" val="r">
+                      <dgm:constrLst>
+                        <dgm:constr type="l" for="ch" forName="rootText3"/>
+                        <dgm:constr type="t" for="ch" forName="rootText3"/>
+                        <dgm:constr type="w" for="ch" forName="rootText3" refType="w"/>
+                        <dgm:constr type="h" for="ch" forName="rootText3" refType="h"/>
+                        <dgm:constr type="l" for="ch" forName="rootConnector3"/>
+                        <dgm:constr type="t" for="ch" forName="rootConnector3"/>
+                        <dgm:constr type="w" for="ch" forName="rootConnector3" refType="w" refFor="ch" refForName="rootText3" fact="0.2"/>
+                        <dgm:constr type="h" for="ch" forName="rootConnector3" refType="h" refFor="ch" refForName="rootText3"/>
+                      </dgm:constrLst>
+                    </dgm:if>
+                    <dgm:else name="Name126">
+                      <dgm:constrLst>
+                        <dgm:constr type="l" for="ch" forName="rootText3"/>
+                        <dgm:constr type="t" for="ch" forName="rootText3"/>
+                        <dgm:constr type="w" for="ch" forName="rootText3" refType="w"/>
+                        <dgm:constr type="h" for="ch" forName="rootText3" refType="h"/>
+                        <dgm:constr type="r" for="ch" forName="rootConnector3" refType="w"/>
+                        <dgm:constr type="t" for="ch" forName="rootConnector3"/>
+                        <dgm:constr type="w" for="ch" forName="rootConnector3" refType="w" refFor="ch" refForName="rootText3" fact="0.2"/>
+                        <dgm:constr type="h" for="ch" forName="rootConnector3" refType="h" refFor="ch" refForName="rootText3"/>
+                      </dgm:constrLst>
+                    </dgm:else>
+                  </dgm:choose>
+                  <dgm:ruleLst/>
+                  <dgm:layoutNode name="rootText3">
+                    <dgm:varLst>
+                      <dgm:chPref val="3"/>
+                    </dgm:varLst>
+                    <dgm:alg type="tx"/>
+                    <dgm:shape xmlns:r="http://schemas.openxmlformats.org/officeDocument/2006/relationships" type="rect" r:blip="">
+                      <dgm:adjLst/>
+                    </dgm:shape>
+                    <dgm:presOf axis="self" ptType="node" cnt="1"/>
+                    <dgm:constrLst>
+                      <dgm:constr type="primFontSz" val="65"/>
+                      <dgm:constr type="lMarg" refType="primFontSz" fact="0.05"/>
+                      <dgm:constr type="rMarg" refType="primFontSz" fact="0.05"/>
+                      <dgm:constr type="tMarg" refType="primFontSz" fact="0.05"/>
+                      <dgm:constr type="bMarg" refType="primFontSz" fact="0.05"/>
+                    </dgm:constrLst>
+                    <dgm:ruleLst>
+                      <dgm:rule type="primFontSz" val="5" fact="NaN" max="NaN"/>
+                    </dgm:ruleLst>
+                  </dgm:layoutNode>
+                  <dgm:layoutNode name="rootConnector3" moveWith="rootText1">
+                    <dgm:alg type="sp"/>
+                    <dgm:shape xmlns:r="http://schemas.openxmlformats.org/officeDocument/2006/relationships" type="rect" r:blip="" hideGeom="1">
+                      <dgm:adjLst/>
+                    </dgm:shape>
+                    <dgm:presOf axis="self" ptType="node" cnt="1"/>
+                    <dgm:constrLst/>
+                    <dgm:ruleLst/>
+                  </dgm:layoutNode>
+                </dgm:layoutNode>
+                <dgm:layoutNode name="hierChild6">
+                  <dgm:choose name="Name127">
+                    <dgm:if name="Name128" func="var" arg="hierBranch" op="equ" val="l">
+                      <dgm:alg type="hierChild">
+                        <dgm:param type="chAlign" val="r"/>
+                        <dgm:param type="linDir" val="fromT"/>
+                      </dgm:alg>
+                    </dgm:if>
+                    <dgm:if name="Name129" func="var" arg="hierBranch" op="equ" val="r">
+                      <dgm:alg type="hierChild">
+                        <dgm:param type="chAlign" val="l"/>
+                        <dgm:param type="linDir" val="fromT"/>
+                      </dgm:alg>
+                    </dgm:if>
+                    <dgm:if name="Name130" func="var" arg="hierBranch" op="equ" val="hang">
+                      <dgm:choose name="Name131">
+                        <dgm:if name="Name132" func="var" arg="dir" op="equ" val="norm">
+                          <dgm:alg type="hierChild">
+                            <dgm:param type="chAlign" val="l"/>
+                            <dgm:param type="linDir" val="fromL"/>
+                            <dgm:param type="secChAlign" val="t"/>
+                            <dgm:param type="secLinDir" val="fromT"/>
+                          </dgm:alg>
+                        </dgm:if>
+                        <dgm:else name="Name133">
+                          <dgm:alg type="hierChild">
+                            <dgm:param type="chAlign" val="l"/>
+                            <dgm:param type="linDir" val="fromR"/>
+                            <dgm:param type="secChAlign" val="t"/>
+                            <dgm:param type="secLinDir" val="fromT"/>
+                          </dgm:alg>
+                        </dgm:else>
+                      </dgm:choose>
+                    </dgm:if>
+                    <dgm:if name="Name134" func="var" arg="hierBranch" op="equ" val="std">
+                      <dgm:choose name="Name135">
+                        <dgm:if name="Name136" func="var" arg="dir" op="equ" val="norm">
+                          <dgm:alg type="hierChild"/>
+                        </dgm:if>
+                        <dgm:else name="Name137">
+                          <dgm:alg type="hierChild">
+                            <dgm:param type="linDir" val="fromR"/>
+                          </dgm:alg>
+                        </dgm:else>
+                      </dgm:choose>
+                    </dgm:if>
+                    <dgm:if name="Name138" func="var" arg="hierBranch" op="equ" val="init">
+                      <dgm:choose name="Name139">
+                        <dgm:if name="Name140" axis="des" func="maxDepth" op="lte" val="1">
+                          <dgm:alg type="hierChild">
+                            <dgm:param type="chAlign" val="l"/>
+                            <dgm:param type="linDir" val="fromT"/>
+                          </dgm:alg>
+                        </dgm:if>
+                        <dgm:else name="Name141">
+                          <dgm:alg type="hierChild"/>
+                        </dgm:else>
+                      </dgm:choose>
+                    </dgm:if>
+                    <dgm:else name="Name142"/>
+                  </dgm:choose>
+                  <dgm:shape xmlns:r="http://schemas.openxmlformats.org/officeDocument/2006/relationships" r:blip="">
+                    <dgm:adjLst/>
+                  </dgm:shape>
+                  <dgm:presOf/>
+                  <dgm:constrLst/>
+                  <dgm:ruleLst/>
+                  <dgm:forEach name="Name143" ref="rep2a"/>
+                </dgm:layoutNode>
+                <dgm:layoutNode name="hierChild7">
+                  <dgm:choose name="Name144">
+                    <dgm:if name="Name145" func="var" arg="dir" op="equ" val="norm">
+                      <dgm:alg type="hierChild">
+                        <dgm:param type="chAlign" val="l"/>
+                        <dgm:param type="linDir" val="fromL"/>
+                        <dgm:param type="secChAlign" val="t"/>
+                        <dgm:param type="secLinDir" val="fromT"/>
+                      </dgm:alg>
+                    </dgm:if>
+                    <dgm:else name="Name146">
+                      <dgm:alg type="hierChild">
+                        <dgm:param type="chAlign" val="l"/>
+                        <dgm:param type="linDir" val="fromR"/>
+                        <dgm:param type="secChAlign" val="t"/>
+                        <dgm:param type="secLinDir" val="fromT"/>
+                      </dgm:alg>
+                    </dgm:else>
+                  </dgm:choose>
+                  <dgm:shape xmlns:r="http://schemas.openxmlformats.org/officeDocument/2006/relationships" r:blip="">
+                    <dgm:adjLst/>
+                  </dgm:shape>
+                  <dgm:presOf/>
+                  <dgm:constrLst/>
+                  <dgm:ruleLst/>
+                  <dgm:forEach name="Name147" ref="rep2b"/>
+                </dgm:layoutNode>
+              </dgm:layoutNode>
+            </dgm:forEach>
+          </dgm:layoutNode>
+        </dgm:layoutNode>
+      </dgm:forEach>
+    </dgm:forEach>
+  </dgm:layoutNode>
+</dgm:layoutDef>
+</file>
+
+<file path=ppt/diagrams/layout2.xml><?xml version="1.0" encoding="utf-8"?>
 <dgm:layoutDef xmlns:dgm="http://schemas.openxmlformats.org/drawingml/2006/diagram" xmlns:a="http://schemas.openxmlformats.org/drawingml/2006/main" uniqueId="urn:microsoft.com/office/officeart/2005/8/layout/orgChart1">
   <dgm:title val=""/>
   <dgm:desc val=""/>
@@ -12811,6 +18708,1040 @@
 </dgm:styleDef>
 </file>
 
+<file path=ppt/diagrams/quickStyle2.xml><?xml version="1.0" encoding="utf-8"?>
+<dgm:styleDef xmlns:dgm="http://schemas.openxmlformats.org/drawingml/2006/diagram" xmlns:a="http://schemas.openxmlformats.org/drawingml/2006/main" uniqueId="urn:microsoft.com/office/officeart/2005/8/quickstyle/simple1">
+  <dgm:title val=""/>
+  <dgm:desc val=""/>
+  <dgm:catLst>
+    <dgm:cat type="simple" pri="10100"/>
+  </dgm:catLst>
+  <dgm:scene3d>
+    <a:camera prst="orthographicFront"/>
+    <a:lightRig rig="threePt" dir="t"/>
+  </dgm:scene3d>
+  <dgm:styleLbl name="node0">
+    <dgm:scene3d>
+      <a:camera prst="orthographicFront"/>
+      <a:lightRig rig="threePt" dir="t"/>
+    </dgm:scene3d>
+    <dgm:sp3d/>
+    <dgm:txPr/>
+    <dgm:style>
+      <a:lnRef idx="2">
+        <a:scrgbClr r="0" g="0" b="0"/>
+      </a:lnRef>
+      <a:fillRef idx="1">
+        <a:scrgbClr r="0" g="0" b="0"/>
+      </a:fillRef>
+      <a:effectRef idx="0">
+        <a:scrgbClr r="0" g="0" b="0"/>
+      </a:effectRef>
+      <a:fontRef idx="minor">
+        <a:schemeClr val="lt1"/>
+      </a:fontRef>
+    </dgm:style>
+  </dgm:styleLbl>
+  <dgm:styleLbl name="lnNode1">
+    <dgm:scene3d>
+      <a:camera prst="orthographicFront"/>
+      <a:lightRig rig="threePt" dir="t"/>
+    </dgm:scene3d>
+    <dgm:sp3d/>
+    <dgm:txPr/>
+    <dgm:style>
+      <a:lnRef idx="2">
+        <a:scrgbClr r="0" g="0" b="0"/>
+      </a:lnRef>
+      <a:fillRef idx="1">
+        <a:scrgbClr r="0" g="0" b="0"/>
+      </a:fillRef>
+      <a:effectRef idx="0">
+        <a:scrgbClr r="0" g="0" b="0"/>
+      </a:effectRef>
+      <a:fontRef idx="minor">
+        <a:schemeClr val="lt1"/>
+      </a:fontRef>
+    </dgm:style>
+  </dgm:styleLbl>
+  <dgm:styleLbl name="vennNode1">
+    <dgm:scene3d>
+      <a:camera prst="orthographicFront"/>
+      <a:lightRig rig="threePt" dir="t"/>
+    </dgm:scene3d>
+    <dgm:sp3d/>
+    <dgm:txPr/>
+    <dgm:style>
+      <a:lnRef idx="2">
+        <a:scrgbClr r="0" g="0" b="0"/>
+      </a:lnRef>
+      <a:fillRef idx="1">
+        <a:scrgbClr r="0" g="0" b="0"/>
+      </a:fillRef>
+      <a:effectRef idx="0">
+        <a:scrgbClr r="0" g="0" b="0"/>
+      </a:effectRef>
+      <a:fontRef idx="minor">
+        <a:schemeClr val="tx1"/>
+      </a:fontRef>
+    </dgm:style>
+  </dgm:styleLbl>
+  <dgm:styleLbl name="alignNode1">
+    <dgm:scene3d>
+      <a:camera prst="orthographicFront"/>
+      <a:lightRig rig="threePt" dir="t"/>
+    </dgm:scene3d>
+    <dgm:sp3d/>
+    <dgm:txPr/>
+    <dgm:style>
+      <a:lnRef idx="2">
+        <a:scrgbClr r="0" g="0" b="0"/>
+      </a:lnRef>
+      <a:fillRef idx="1">
+        <a:scrgbClr r="0" g="0" b="0"/>
+      </a:fillRef>
+      <a:effectRef idx="0">
+        <a:scrgbClr r="0" g="0" b="0"/>
+      </a:effectRef>
+      <a:fontRef idx="minor">
+        <a:schemeClr val="lt1"/>
+      </a:fontRef>
+    </dgm:style>
+  </dgm:styleLbl>
+  <dgm:styleLbl name="node1">
+    <dgm:scene3d>
+      <a:camera prst="orthographicFront"/>
+      <a:lightRig rig="threePt" dir="t"/>
+    </dgm:scene3d>
+    <dgm:sp3d/>
+    <dgm:txPr/>
+    <dgm:style>
+      <a:lnRef idx="2">
+        <a:scrgbClr r="0" g="0" b="0"/>
+      </a:lnRef>
+      <a:fillRef idx="1">
+        <a:scrgbClr r="0" g="0" b="0"/>
+      </a:fillRef>
+      <a:effectRef idx="0">
+        <a:scrgbClr r="0" g="0" b="0"/>
+      </a:effectRef>
+      <a:fontRef idx="minor">
+        <a:schemeClr val="lt1"/>
+      </a:fontRef>
+    </dgm:style>
+  </dgm:styleLbl>
+  <dgm:styleLbl name="node2">
+    <dgm:scene3d>
+      <a:camera prst="orthographicFront"/>
+      <a:lightRig rig="threePt" dir="t"/>
+    </dgm:scene3d>
+    <dgm:sp3d/>
+    <dgm:txPr/>
+    <dgm:style>
+      <a:lnRef idx="2">
+        <a:scrgbClr r="0" g="0" b="0"/>
+      </a:lnRef>
+      <a:fillRef idx="1">
+        <a:scrgbClr r="0" g="0" b="0"/>
+      </a:fillRef>
+      <a:effectRef idx="0">
+        <a:scrgbClr r="0" g="0" b="0"/>
+      </a:effectRef>
+      <a:fontRef idx="minor">
+        <a:schemeClr val="lt1"/>
+      </a:fontRef>
+    </dgm:style>
+  </dgm:styleLbl>
+  <dgm:styleLbl name="node3">
+    <dgm:scene3d>
+      <a:camera prst="orthographicFront"/>
+      <a:lightRig rig="threePt" dir="t"/>
+    </dgm:scene3d>
+    <dgm:sp3d/>
+    <dgm:txPr/>
+    <dgm:style>
+      <a:lnRef idx="2">
+        <a:scrgbClr r="0" g="0" b="0"/>
+      </a:lnRef>
+      <a:fillRef idx="1">
+        <a:scrgbClr r="0" g="0" b="0"/>
+      </a:fillRef>
+      <a:effectRef idx="0">
+        <a:scrgbClr r="0" g="0" b="0"/>
+      </a:effectRef>
+      <a:fontRef idx="minor">
+        <a:schemeClr val="lt1"/>
+      </a:fontRef>
+    </dgm:style>
+  </dgm:styleLbl>
+  <dgm:styleLbl name="node4">
+    <dgm:scene3d>
+      <a:camera prst="orthographicFront"/>
+      <a:lightRig rig="threePt" dir="t"/>
+    </dgm:scene3d>
+    <dgm:sp3d/>
+    <dgm:txPr/>
+    <dgm:style>
+      <a:lnRef idx="2">
+        <a:scrgbClr r="0" g="0" b="0"/>
+      </a:lnRef>
+      <a:fillRef idx="1">
+        <a:scrgbClr r="0" g="0" b="0"/>
+      </a:fillRef>
+      <a:effectRef idx="0">
+        <a:scrgbClr r="0" g="0" b="0"/>
+      </a:effectRef>
+      <a:fontRef idx="minor">
+        <a:schemeClr val="lt1"/>
+      </a:fontRef>
+    </dgm:style>
+  </dgm:styleLbl>
+  <dgm:styleLbl name="fgImgPlace1">
+    <dgm:scene3d>
+      <a:camera prst="orthographicFront"/>
+      <a:lightRig rig="threePt" dir="t"/>
+    </dgm:scene3d>
+    <dgm:sp3d/>
+    <dgm:txPr/>
+    <dgm:style>
+      <a:lnRef idx="2">
+        <a:scrgbClr r="0" g="0" b="0"/>
+      </a:lnRef>
+      <a:fillRef idx="1">
+        <a:scrgbClr r="0" g="0" b="0"/>
+      </a:fillRef>
+      <a:effectRef idx="0">
+        <a:scrgbClr r="0" g="0" b="0"/>
+      </a:effectRef>
+      <a:fontRef idx="minor"/>
+    </dgm:style>
+  </dgm:styleLbl>
+  <dgm:styleLbl name="alignImgPlace1">
+    <dgm:scene3d>
+      <a:camera prst="orthographicFront"/>
+      <a:lightRig rig="threePt" dir="t"/>
+    </dgm:scene3d>
+    <dgm:sp3d/>
+    <dgm:txPr/>
+    <dgm:style>
+      <a:lnRef idx="2">
+        <a:scrgbClr r="0" g="0" b="0"/>
+      </a:lnRef>
+      <a:fillRef idx="1">
+        <a:scrgbClr r="0" g="0" b="0"/>
+      </a:fillRef>
+      <a:effectRef idx="0">
+        <a:scrgbClr r="0" g="0" b="0"/>
+      </a:effectRef>
+      <a:fontRef idx="minor"/>
+    </dgm:style>
+  </dgm:styleLbl>
+  <dgm:styleLbl name="bgImgPlace1">
+    <dgm:scene3d>
+      <a:camera prst="orthographicFront"/>
+      <a:lightRig rig="threePt" dir="t"/>
+    </dgm:scene3d>
+    <dgm:sp3d/>
+    <dgm:txPr/>
+    <dgm:style>
+      <a:lnRef idx="2">
+        <a:scrgbClr r="0" g="0" b="0"/>
+      </a:lnRef>
+      <a:fillRef idx="1">
+        <a:scrgbClr r="0" g="0" b="0"/>
+      </a:fillRef>
+      <a:effectRef idx="0">
+        <a:scrgbClr r="0" g="0" b="0"/>
+      </a:effectRef>
+      <a:fontRef idx="minor"/>
+    </dgm:style>
+  </dgm:styleLbl>
+  <dgm:styleLbl name="sibTrans2D1">
+    <dgm:scene3d>
+      <a:camera prst="orthographicFront"/>
+      <a:lightRig rig="threePt" dir="t"/>
+    </dgm:scene3d>
+    <dgm:sp3d/>
+    <dgm:txPr/>
+    <dgm:style>
+      <a:lnRef idx="0">
+        <a:scrgbClr r="0" g="0" b="0"/>
+      </a:lnRef>
+      <a:fillRef idx="1">
+        <a:scrgbClr r="0" g="0" b="0"/>
+      </a:fillRef>
+      <a:effectRef idx="0">
+        <a:scrgbClr r="0" g="0" b="0"/>
+      </a:effectRef>
+      <a:fontRef idx="minor">
+        <a:schemeClr val="lt1"/>
+      </a:fontRef>
+    </dgm:style>
+  </dgm:styleLbl>
+  <dgm:styleLbl name="fgSibTrans2D1">
+    <dgm:scene3d>
+      <a:camera prst="orthographicFront"/>
+      <a:lightRig rig="threePt" dir="t"/>
+    </dgm:scene3d>
+    <dgm:sp3d/>
+    <dgm:txPr/>
+    <dgm:style>
+      <a:lnRef idx="0">
+        <a:scrgbClr r="0" g="0" b="0"/>
+      </a:lnRef>
+      <a:fillRef idx="1">
+        <a:scrgbClr r="0" g="0" b="0"/>
+      </a:fillRef>
+      <a:effectRef idx="0">
+        <a:scrgbClr r="0" g="0" b="0"/>
+      </a:effectRef>
+      <a:fontRef idx="minor">
+        <a:schemeClr val="lt1"/>
+      </a:fontRef>
+    </dgm:style>
+  </dgm:styleLbl>
+  <dgm:styleLbl name="bgSibTrans2D1">
+    <dgm:scene3d>
+      <a:camera prst="orthographicFront"/>
+      <a:lightRig rig="threePt" dir="t"/>
+    </dgm:scene3d>
+    <dgm:sp3d/>
+    <dgm:txPr/>
+    <dgm:style>
+      <a:lnRef idx="0">
+        <a:scrgbClr r="0" g="0" b="0"/>
+      </a:lnRef>
+      <a:fillRef idx="1">
+        <a:scrgbClr r="0" g="0" b="0"/>
+      </a:fillRef>
+      <a:effectRef idx="0">
+        <a:scrgbClr r="0" g="0" b="0"/>
+      </a:effectRef>
+      <a:fontRef idx="minor">
+        <a:schemeClr val="lt1"/>
+      </a:fontRef>
+    </dgm:style>
+  </dgm:styleLbl>
+  <dgm:styleLbl name="sibTrans1D1">
+    <dgm:scene3d>
+      <a:camera prst="orthographicFront"/>
+      <a:lightRig rig="threePt" dir="t"/>
+    </dgm:scene3d>
+    <dgm:sp3d/>
+    <dgm:txPr/>
+    <dgm:style>
+      <a:lnRef idx="1">
+        <a:scrgbClr r="0" g="0" b="0"/>
+      </a:lnRef>
+      <a:fillRef idx="0">
+        <a:scrgbClr r="0" g="0" b="0"/>
+      </a:fillRef>
+      <a:effectRef idx="0">
+        <a:scrgbClr r="0" g="0" b="0"/>
+      </a:effectRef>
+      <a:fontRef idx="minor"/>
+    </dgm:style>
+  </dgm:styleLbl>
+  <dgm:styleLbl name="callout">
+    <dgm:scene3d>
+      <a:camera prst="orthographicFront"/>
+      <a:lightRig rig="threePt" dir="t"/>
+    </dgm:scene3d>
+    <dgm:sp3d/>
+    <dgm:txPr/>
+    <dgm:style>
+      <a:lnRef idx="2">
+        <a:scrgbClr r="0" g="0" b="0"/>
+      </a:lnRef>
+      <a:fillRef idx="1">
+        <a:scrgbClr r="0" g="0" b="0"/>
+      </a:fillRef>
+      <a:effectRef idx="0">
+        <a:scrgbClr r="0" g="0" b="0"/>
+      </a:effectRef>
+      <a:fontRef idx="minor"/>
+    </dgm:style>
+  </dgm:styleLbl>
+  <dgm:styleLbl name="asst0">
+    <dgm:scene3d>
+      <a:camera prst="orthographicFront"/>
+      <a:lightRig rig="threePt" dir="t"/>
+    </dgm:scene3d>
+    <dgm:sp3d/>
+    <dgm:txPr/>
+    <dgm:style>
+      <a:lnRef idx="2">
+        <a:scrgbClr r="0" g="0" b="0"/>
+      </a:lnRef>
+      <a:fillRef idx="1">
+        <a:scrgbClr r="0" g="0" b="0"/>
+      </a:fillRef>
+      <a:effectRef idx="0">
+        <a:scrgbClr r="0" g="0" b="0"/>
+      </a:effectRef>
+      <a:fontRef idx="minor">
+        <a:schemeClr val="lt1"/>
+      </a:fontRef>
+    </dgm:style>
+  </dgm:styleLbl>
+  <dgm:styleLbl name="asst1">
+    <dgm:scene3d>
+      <a:camera prst="orthographicFront"/>
+      <a:lightRig rig="threePt" dir="t"/>
+    </dgm:scene3d>
+    <dgm:sp3d/>
+    <dgm:txPr/>
+    <dgm:style>
+      <a:lnRef idx="2">
+        <a:scrgbClr r="0" g="0" b="0"/>
+      </a:lnRef>
+      <a:fillRef idx="1">
+        <a:scrgbClr r="0" g="0" b="0"/>
+      </a:fillRef>
+      <a:effectRef idx="0">
+        <a:scrgbClr r="0" g="0" b="0"/>
+      </a:effectRef>
+      <a:fontRef idx="minor">
+        <a:schemeClr val="lt1"/>
+      </a:fontRef>
+    </dgm:style>
+  </dgm:styleLbl>
+  <dgm:styleLbl name="asst2">
+    <dgm:scene3d>
+      <a:camera prst="orthographicFront"/>
+      <a:lightRig rig="threePt" dir="t"/>
+    </dgm:scene3d>
+    <dgm:sp3d/>
+    <dgm:txPr/>
+    <dgm:style>
+      <a:lnRef idx="2">
+        <a:scrgbClr r="0" g="0" b="0"/>
+      </a:lnRef>
+      <a:fillRef idx="1">
+        <a:scrgbClr r="0" g="0" b="0"/>
+      </a:fillRef>
+      <a:effectRef idx="0">
+        <a:scrgbClr r="0" g="0" b="0"/>
+      </a:effectRef>
+      <a:fontRef idx="minor">
+        <a:schemeClr val="lt1"/>
+      </a:fontRef>
+    </dgm:style>
+  </dgm:styleLbl>
+  <dgm:styleLbl name="asst3">
+    <dgm:scene3d>
+      <a:camera prst="orthographicFront"/>
+      <a:lightRig rig="threePt" dir="t"/>
+    </dgm:scene3d>
+    <dgm:sp3d/>
+    <dgm:txPr/>
+    <dgm:style>
+      <a:lnRef idx="2">
+        <a:scrgbClr r="0" g="0" b="0"/>
+      </a:lnRef>
+      <a:fillRef idx="1">
+        <a:scrgbClr r="0" g="0" b="0"/>
+      </a:fillRef>
+      <a:effectRef idx="0">
+        <a:scrgbClr r="0" g="0" b="0"/>
+      </a:effectRef>
+      <a:fontRef idx="minor">
+        <a:schemeClr val="lt1"/>
+      </a:fontRef>
+    </dgm:style>
+  </dgm:styleLbl>
+  <dgm:styleLbl name="asst4">
+    <dgm:scene3d>
+      <a:camera prst="orthographicFront"/>
+      <a:lightRig rig="threePt" dir="t"/>
+    </dgm:scene3d>
+    <dgm:sp3d/>
+    <dgm:txPr/>
+    <dgm:style>
+      <a:lnRef idx="2">
+        <a:scrgbClr r="0" g="0" b="0"/>
+      </a:lnRef>
+      <a:fillRef idx="1">
+        <a:scrgbClr r="0" g="0" b="0"/>
+      </a:fillRef>
+      <a:effectRef idx="0">
+        <a:scrgbClr r="0" g="0" b="0"/>
+      </a:effectRef>
+      <a:fontRef idx="minor">
+        <a:schemeClr val="lt1"/>
+      </a:fontRef>
+    </dgm:style>
+  </dgm:styleLbl>
+  <dgm:styleLbl name="parChTrans2D1">
+    <dgm:scene3d>
+      <a:camera prst="orthographicFront"/>
+      <a:lightRig rig="threePt" dir="t"/>
+    </dgm:scene3d>
+    <dgm:sp3d/>
+    <dgm:txPr/>
+    <dgm:style>
+      <a:lnRef idx="2">
+        <a:scrgbClr r="0" g="0" b="0"/>
+      </a:lnRef>
+      <a:fillRef idx="1">
+        <a:scrgbClr r="0" g="0" b="0"/>
+      </a:fillRef>
+      <a:effectRef idx="0">
+        <a:scrgbClr r="0" g="0" b="0"/>
+      </a:effectRef>
+      <a:fontRef idx="minor">
+        <a:schemeClr val="lt1"/>
+      </a:fontRef>
+    </dgm:style>
+  </dgm:styleLbl>
+  <dgm:styleLbl name="parChTrans2D2">
+    <dgm:scene3d>
+      <a:camera prst="orthographicFront"/>
+      <a:lightRig rig="threePt" dir="t"/>
+    </dgm:scene3d>
+    <dgm:sp3d/>
+    <dgm:txPr/>
+    <dgm:style>
+      <a:lnRef idx="2">
+        <a:scrgbClr r="0" g="0" b="0"/>
+      </a:lnRef>
+      <a:fillRef idx="1">
+        <a:scrgbClr r="0" g="0" b="0"/>
+      </a:fillRef>
+      <a:effectRef idx="0">
+        <a:scrgbClr r="0" g="0" b="0"/>
+      </a:effectRef>
+      <a:fontRef idx="minor">
+        <a:schemeClr val="lt1"/>
+      </a:fontRef>
+    </dgm:style>
+  </dgm:styleLbl>
+  <dgm:styleLbl name="parChTrans2D3">
+    <dgm:scene3d>
+      <a:camera prst="orthographicFront"/>
+      <a:lightRig rig="threePt" dir="t"/>
+    </dgm:scene3d>
+    <dgm:sp3d/>
+    <dgm:txPr/>
+    <dgm:style>
+      <a:lnRef idx="2">
+        <a:scrgbClr r="0" g="0" b="0"/>
+      </a:lnRef>
+      <a:fillRef idx="1">
+        <a:scrgbClr r="0" g="0" b="0"/>
+      </a:fillRef>
+      <a:effectRef idx="0">
+        <a:scrgbClr r="0" g="0" b="0"/>
+      </a:effectRef>
+      <a:fontRef idx="minor">
+        <a:schemeClr val="lt1"/>
+      </a:fontRef>
+    </dgm:style>
+  </dgm:styleLbl>
+  <dgm:styleLbl name="parChTrans2D4">
+    <dgm:scene3d>
+      <a:camera prst="orthographicFront"/>
+      <a:lightRig rig="threePt" dir="t"/>
+    </dgm:scene3d>
+    <dgm:sp3d/>
+    <dgm:txPr/>
+    <dgm:style>
+      <a:lnRef idx="2">
+        <a:scrgbClr r="0" g="0" b="0"/>
+      </a:lnRef>
+      <a:fillRef idx="1">
+        <a:scrgbClr r="0" g="0" b="0"/>
+      </a:fillRef>
+      <a:effectRef idx="0">
+        <a:scrgbClr r="0" g="0" b="0"/>
+      </a:effectRef>
+      <a:fontRef idx="minor">
+        <a:schemeClr val="lt1"/>
+      </a:fontRef>
+    </dgm:style>
+  </dgm:styleLbl>
+  <dgm:styleLbl name="parChTrans1D1">
+    <dgm:scene3d>
+      <a:camera prst="orthographicFront"/>
+      <a:lightRig rig="threePt" dir="t"/>
+    </dgm:scene3d>
+    <dgm:sp3d/>
+    <dgm:txPr/>
+    <dgm:style>
+      <a:lnRef idx="2">
+        <a:scrgbClr r="0" g="0" b="0"/>
+      </a:lnRef>
+      <a:fillRef idx="0">
+        <a:scrgbClr r="0" g="0" b="0"/>
+      </a:fillRef>
+      <a:effectRef idx="0">
+        <a:scrgbClr r="0" g="0" b="0"/>
+      </a:effectRef>
+      <a:fontRef idx="minor"/>
+    </dgm:style>
+  </dgm:styleLbl>
+  <dgm:styleLbl name="parChTrans1D2">
+    <dgm:scene3d>
+      <a:camera prst="orthographicFront"/>
+      <a:lightRig rig="threePt" dir="t"/>
+    </dgm:scene3d>
+    <dgm:sp3d/>
+    <dgm:txPr/>
+    <dgm:style>
+      <a:lnRef idx="2">
+        <a:scrgbClr r="0" g="0" b="0"/>
+      </a:lnRef>
+      <a:fillRef idx="0">
+        <a:scrgbClr r="0" g="0" b="0"/>
+      </a:fillRef>
+      <a:effectRef idx="0">
+        <a:scrgbClr r="0" g="0" b="0"/>
+      </a:effectRef>
+      <a:fontRef idx="minor"/>
+    </dgm:style>
+  </dgm:styleLbl>
+  <dgm:styleLbl name="parChTrans1D3">
+    <dgm:scene3d>
+      <a:camera prst="orthographicFront"/>
+      <a:lightRig rig="threePt" dir="t"/>
+    </dgm:scene3d>
+    <dgm:sp3d/>
+    <dgm:txPr/>
+    <dgm:style>
+      <a:lnRef idx="2">
+        <a:scrgbClr r="0" g="0" b="0"/>
+      </a:lnRef>
+      <a:fillRef idx="0">
+        <a:scrgbClr r="0" g="0" b="0"/>
+      </a:fillRef>
+      <a:effectRef idx="0">
+        <a:scrgbClr r="0" g="0" b="0"/>
+      </a:effectRef>
+      <a:fontRef idx="minor"/>
+    </dgm:style>
+  </dgm:styleLbl>
+  <dgm:styleLbl name="parChTrans1D4">
+    <dgm:scene3d>
+      <a:camera prst="orthographicFront"/>
+      <a:lightRig rig="threePt" dir="t"/>
+    </dgm:scene3d>
+    <dgm:sp3d/>
+    <dgm:txPr/>
+    <dgm:style>
+      <a:lnRef idx="2">
+        <a:scrgbClr r="0" g="0" b="0"/>
+      </a:lnRef>
+      <a:fillRef idx="0">
+        <a:scrgbClr r="0" g="0" b="0"/>
+      </a:fillRef>
+      <a:effectRef idx="0">
+        <a:scrgbClr r="0" g="0" b="0"/>
+      </a:effectRef>
+      <a:fontRef idx="minor"/>
+    </dgm:style>
+  </dgm:styleLbl>
+  <dgm:styleLbl name="fgAcc1">
+    <dgm:scene3d>
+      <a:camera prst="orthographicFront"/>
+      <a:lightRig rig="threePt" dir="t"/>
+    </dgm:scene3d>
+    <dgm:sp3d/>
+    <dgm:txPr/>
+    <dgm:style>
+      <a:lnRef idx="2">
+        <a:scrgbClr r="0" g="0" b="0"/>
+      </a:lnRef>
+      <a:fillRef idx="1">
+        <a:scrgbClr r="0" g="0" b="0"/>
+      </a:fillRef>
+      <a:effectRef idx="0">
+        <a:scrgbClr r="0" g="0" b="0"/>
+      </a:effectRef>
+      <a:fontRef idx="minor"/>
+    </dgm:style>
+  </dgm:styleLbl>
+  <dgm:styleLbl name="conFgAcc1">
+    <dgm:scene3d>
+      <a:camera prst="orthographicFront"/>
+      <a:lightRig rig="threePt" dir="t"/>
+    </dgm:scene3d>
+    <dgm:sp3d/>
+    <dgm:txPr/>
+    <dgm:style>
+      <a:lnRef idx="2">
+        <a:scrgbClr r="0" g="0" b="0"/>
+      </a:lnRef>
+      <a:fillRef idx="1">
+        <a:scrgbClr r="0" g="0" b="0"/>
+      </a:fillRef>
+      <a:effectRef idx="0">
+        <a:scrgbClr r="0" g="0" b="0"/>
+      </a:effectRef>
+      <a:fontRef idx="minor"/>
+    </dgm:style>
+  </dgm:styleLbl>
+  <dgm:styleLbl name="alignAcc1">
+    <dgm:scene3d>
+      <a:camera prst="orthographicFront"/>
+      <a:lightRig rig="threePt" dir="t"/>
+    </dgm:scene3d>
+    <dgm:sp3d/>
+    <dgm:txPr/>
+    <dgm:style>
+      <a:lnRef idx="2">
+        <a:scrgbClr r="0" g="0" b="0"/>
+      </a:lnRef>
+      <a:fillRef idx="1">
+        <a:scrgbClr r="0" g="0" b="0"/>
+      </a:fillRef>
+      <a:effectRef idx="0">
+        <a:scrgbClr r="0" g="0" b="0"/>
+      </a:effectRef>
+      <a:fontRef idx="minor"/>
+    </dgm:style>
+  </dgm:styleLbl>
+  <dgm:styleLbl name="trAlignAcc1">
+    <dgm:scene3d>
+      <a:camera prst="orthographicFront"/>
+      <a:lightRig rig="threePt" dir="t"/>
+    </dgm:scene3d>
+    <dgm:sp3d/>
+    <dgm:txPr/>
+    <dgm:style>
+      <a:lnRef idx="1">
+        <a:scrgbClr r="0" g="0" b="0"/>
+      </a:lnRef>
+      <a:fillRef idx="1">
+        <a:scrgbClr r="0" g="0" b="0"/>
+      </a:fillRef>
+      <a:effectRef idx="0">
+        <a:scrgbClr r="0" g="0" b="0"/>
+      </a:effectRef>
+      <a:fontRef idx="minor"/>
+    </dgm:style>
+  </dgm:styleLbl>
+  <dgm:styleLbl name="bgAcc1">
+    <dgm:scene3d>
+      <a:camera prst="orthographicFront"/>
+      <a:lightRig rig="threePt" dir="t"/>
+    </dgm:scene3d>
+    <dgm:sp3d/>
+    <dgm:txPr/>
+    <dgm:style>
+      <a:lnRef idx="2">
+        <a:scrgbClr r="0" g="0" b="0"/>
+      </a:lnRef>
+      <a:fillRef idx="1">
+        <a:scrgbClr r="0" g="0" b="0"/>
+      </a:fillRef>
+      <a:effectRef idx="0">
+        <a:scrgbClr r="0" g="0" b="0"/>
+      </a:effectRef>
+      <a:fontRef idx="minor"/>
+    </dgm:style>
+  </dgm:styleLbl>
+  <dgm:styleLbl name="solidFgAcc1">
+    <dgm:scene3d>
+      <a:camera prst="orthographicFront"/>
+      <a:lightRig rig="threePt" dir="t"/>
+    </dgm:scene3d>
+    <dgm:sp3d/>
+    <dgm:txPr/>
+    <dgm:style>
+      <a:lnRef idx="2">
+        <a:scrgbClr r="0" g="0" b="0"/>
+      </a:lnRef>
+      <a:fillRef idx="1">
+        <a:scrgbClr r="0" g="0" b="0"/>
+      </a:fillRef>
+      <a:effectRef idx="0">
+        <a:scrgbClr r="0" g="0" b="0"/>
+      </a:effectRef>
+      <a:fontRef idx="minor"/>
+    </dgm:style>
+  </dgm:styleLbl>
+  <dgm:styleLbl name="solidAlignAcc1">
+    <dgm:scene3d>
+      <a:camera prst="orthographicFront"/>
+      <a:lightRig rig="threePt" dir="t"/>
+    </dgm:scene3d>
+    <dgm:sp3d/>
+    <dgm:txPr/>
+    <dgm:style>
+      <a:lnRef idx="2">
+        <a:scrgbClr r="0" g="0" b="0"/>
+      </a:lnRef>
+      <a:fillRef idx="1">
+        <a:scrgbClr r="0" g="0" b="0"/>
+      </a:fillRef>
+      <a:effectRef idx="0">
+        <a:scrgbClr r="0" g="0" b="0"/>
+      </a:effectRef>
+      <a:fontRef idx="minor"/>
+    </dgm:style>
+  </dgm:styleLbl>
+  <dgm:styleLbl name="solidBgAcc1">
+    <dgm:scene3d>
+      <a:camera prst="orthographicFront"/>
+      <a:lightRig rig="threePt" dir="t"/>
+    </dgm:scene3d>
+    <dgm:sp3d/>
+    <dgm:txPr/>
+    <dgm:style>
+      <a:lnRef idx="2">
+        <a:scrgbClr r="0" g="0" b="0"/>
+      </a:lnRef>
+      <a:fillRef idx="1">
+        <a:scrgbClr r="0" g="0" b="0"/>
+      </a:fillRef>
+      <a:effectRef idx="0">
+        <a:scrgbClr r="0" g="0" b="0"/>
+      </a:effectRef>
+      <a:fontRef idx="minor"/>
+    </dgm:style>
+  </dgm:styleLbl>
+  <dgm:styleLbl name="fgAccFollowNode1">
+    <dgm:scene3d>
+      <a:camera prst="orthographicFront"/>
+      <a:lightRig rig="threePt" dir="t"/>
+    </dgm:scene3d>
+    <dgm:sp3d/>
+    <dgm:txPr/>
+    <dgm:style>
+      <a:lnRef idx="2">
+        <a:scrgbClr r="0" g="0" b="0"/>
+      </a:lnRef>
+      <a:fillRef idx="1">
+        <a:scrgbClr r="0" g="0" b="0"/>
+      </a:fillRef>
+      <a:effectRef idx="0">
+        <a:scrgbClr r="0" g="0" b="0"/>
+      </a:effectRef>
+      <a:fontRef idx="minor"/>
+    </dgm:style>
+  </dgm:styleLbl>
+  <dgm:styleLbl name="alignAccFollowNode1">
+    <dgm:scene3d>
+      <a:camera prst="orthographicFront"/>
+      <a:lightRig rig="threePt" dir="t"/>
+    </dgm:scene3d>
+    <dgm:sp3d/>
+    <dgm:txPr/>
+    <dgm:style>
+      <a:lnRef idx="2">
+        <a:scrgbClr r="0" g="0" b="0"/>
+      </a:lnRef>
+      <a:fillRef idx="1">
+        <a:scrgbClr r="0" g="0" b="0"/>
+      </a:fillRef>
+      <a:effectRef idx="0">
+        <a:scrgbClr r="0" g="0" b="0"/>
+      </a:effectRef>
+      <a:fontRef idx="minor"/>
+    </dgm:style>
+  </dgm:styleLbl>
+  <dgm:styleLbl name="bgAccFollowNode1">
+    <dgm:scene3d>
+      <a:camera prst="orthographicFront"/>
+      <a:lightRig rig="threePt" dir="t"/>
+    </dgm:scene3d>
+    <dgm:sp3d/>
+    <dgm:txPr/>
+    <dgm:style>
+      <a:lnRef idx="2">
+        <a:scrgbClr r="0" g="0" b="0"/>
+      </a:lnRef>
+      <a:fillRef idx="1">
+        <a:scrgbClr r="0" g="0" b="0"/>
+      </a:fillRef>
+      <a:effectRef idx="0">
+        <a:scrgbClr r="0" g="0" b="0"/>
+      </a:effectRef>
+      <a:fontRef idx="minor"/>
+    </dgm:style>
+  </dgm:styleLbl>
+  <dgm:styleLbl name="fgAcc0">
+    <dgm:scene3d>
+      <a:camera prst="orthographicFront"/>
+      <a:lightRig rig="threePt" dir="t"/>
+    </dgm:scene3d>
+    <dgm:sp3d/>
+    <dgm:txPr/>
+    <dgm:style>
+      <a:lnRef idx="2">
+        <a:scrgbClr r="0" g="0" b="0"/>
+      </a:lnRef>
+      <a:fillRef idx="1">
+        <a:scrgbClr r="0" g="0" b="0"/>
+      </a:fillRef>
+      <a:effectRef idx="0">
+        <a:scrgbClr r="0" g="0" b="0"/>
+      </a:effectRef>
+      <a:fontRef idx="minor"/>
+    </dgm:style>
+  </dgm:styleLbl>
+  <dgm:styleLbl name="fgAcc2">
+    <dgm:scene3d>
+      <a:camera prst="orthographicFront"/>
+      <a:lightRig rig="threePt" dir="t"/>
+    </dgm:scene3d>
+    <dgm:sp3d/>
+    <dgm:txPr/>
+    <dgm:style>
+      <a:lnRef idx="2">
+        <a:scrgbClr r="0" g="0" b="0"/>
+      </a:lnRef>
+      <a:fillRef idx="1">
+        <a:scrgbClr r="0" g="0" b="0"/>
+      </a:fillRef>
+      <a:effectRef idx="0">
+        <a:scrgbClr r="0" g="0" b="0"/>
+      </a:effectRef>
+      <a:fontRef idx="minor"/>
+    </dgm:style>
+  </dgm:styleLbl>
+  <dgm:styleLbl name="fgAcc3">
+    <dgm:scene3d>
+      <a:camera prst="orthographicFront"/>
+      <a:lightRig rig="threePt" dir="t"/>
+    </dgm:scene3d>
+    <dgm:sp3d/>
+    <dgm:txPr/>
+    <dgm:style>
+      <a:lnRef idx="2">
+        <a:scrgbClr r="0" g="0" b="0"/>
+      </a:lnRef>
+      <a:fillRef idx="1">
+        <a:scrgbClr r="0" g="0" b="0"/>
+      </a:fillRef>
+      <a:effectRef idx="0">
+        <a:scrgbClr r="0" g="0" b="0"/>
+      </a:effectRef>
+      <a:fontRef idx="minor"/>
+    </dgm:style>
+  </dgm:styleLbl>
+  <dgm:styleLbl name="fgAcc4">
+    <dgm:scene3d>
+      <a:camera prst="orthographicFront"/>
+      <a:lightRig rig="threePt" dir="t"/>
+    </dgm:scene3d>
+    <dgm:sp3d/>
+    <dgm:txPr/>
+    <dgm:style>
+      <a:lnRef idx="2">
+        <a:scrgbClr r="0" g="0" b="0"/>
+      </a:lnRef>
+      <a:fillRef idx="1">
+        <a:scrgbClr r="0" g="0" b="0"/>
+      </a:fillRef>
+      <a:effectRef idx="0">
+        <a:scrgbClr r="0" g="0" b="0"/>
+      </a:effectRef>
+      <a:fontRef idx="minor"/>
+    </dgm:style>
+  </dgm:styleLbl>
+  <dgm:styleLbl name="bgShp">
+    <dgm:scene3d>
+      <a:camera prst="orthographicFront"/>
+      <a:lightRig rig="threePt" dir="t"/>
+    </dgm:scene3d>
+    <dgm:sp3d/>
+    <dgm:txPr/>
+    <dgm:style>
+      <a:lnRef idx="0">
+        <a:scrgbClr r="0" g="0" b="0"/>
+      </a:lnRef>
+      <a:fillRef idx="1">
+        <a:scrgbClr r="0" g="0" b="0"/>
+      </a:fillRef>
+      <a:effectRef idx="0">
+        <a:scrgbClr r="0" g="0" b="0"/>
+      </a:effectRef>
+      <a:fontRef idx="minor"/>
+    </dgm:style>
+  </dgm:styleLbl>
+  <dgm:styleLbl name="dkBgShp">
+    <dgm:scene3d>
+      <a:camera prst="orthographicFront"/>
+      <a:lightRig rig="threePt" dir="t"/>
+    </dgm:scene3d>
+    <dgm:sp3d/>
+    <dgm:txPr/>
+    <dgm:style>
+      <a:lnRef idx="0">
+        <a:scrgbClr r="0" g="0" b="0"/>
+      </a:lnRef>
+      <a:fillRef idx="1">
+        <a:scrgbClr r="0" g="0" b="0"/>
+      </a:fillRef>
+      <a:effectRef idx="0">
+        <a:scrgbClr r="0" g="0" b="0"/>
+      </a:effectRef>
+      <a:fontRef idx="minor"/>
+    </dgm:style>
+  </dgm:styleLbl>
+  <dgm:styleLbl name="trBgShp">
+    <dgm:scene3d>
+      <a:camera prst="orthographicFront"/>
+      <a:lightRig rig="threePt" dir="t"/>
+    </dgm:scene3d>
+    <dgm:sp3d/>
+    <dgm:txPr/>
+    <dgm:style>
+      <a:lnRef idx="0">
+        <a:scrgbClr r="0" g="0" b="0"/>
+      </a:lnRef>
+      <a:fillRef idx="1">
+        <a:scrgbClr r="0" g="0" b="0"/>
+      </a:fillRef>
+      <a:effectRef idx="0">
+        <a:scrgbClr r="0" g="0" b="0"/>
+      </a:effectRef>
+      <a:fontRef idx="minor"/>
+    </dgm:style>
+  </dgm:styleLbl>
+  <dgm:styleLbl name="fgShp">
+    <dgm:scene3d>
+      <a:camera prst="orthographicFront"/>
+      <a:lightRig rig="threePt" dir="t"/>
+    </dgm:scene3d>
+    <dgm:sp3d/>
+    <dgm:txPr/>
+    <dgm:style>
+      <a:lnRef idx="2">
+        <a:scrgbClr r="0" g="0" b="0"/>
+      </a:lnRef>
+      <a:fillRef idx="1">
+        <a:scrgbClr r="0" g="0" b="0"/>
+      </a:fillRef>
+      <a:effectRef idx="0">
+        <a:scrgbClr r="0" g="0" b="0"/>
+      </a:effectRef>
+      <a:fontRef idx="minor"/>
+    </dgm:style>
+  </dgm:styleLbl>
+  <dgm:styleLbl name="revTx">
+    <dgm:scene3d>
+      <a:camera prst="orthographicFront"/>
+      <a:lightRig rig="threePt" dir="t"/>
+    </dgm:scene3d>
+    <dgm:sp3d/>
+    <dgm:txPr/>
+    <dgm:style>
+      <a:lnRef idx="0">
+        <a:scrgbClr r="0" g="0" b="0"/>
+      </a:lnRef>
+      <a:fillRef idx="0">
+        <a:scrgbClr r="0" g="0" b="0"/>
+      </a:fillRef>
+      <a:effectRef idx="0">
+        <a:scrgbClr r="0" g="0" b="0"/>
+      </a:effectRef>
+      <a:fontRef idx="minor"/>
+    </dgm:style>
+  </dgm:styleLbl>
+</dgm:styleDef>
+</file>
+
 <file path=ppt/slideLayouts/slideLayout1.xml><?xml version="1.0" encoding="utf-8"?>
 <p:sldLayout xmlns:a="http://schemas.openxmlformats.org/drawingml/2006/main" xmlns:r="http://schemas.openxmlformats.org/officeDocument/2006/relationships" xmlns:p="http://schemas.openxmlformats.org/presentationml/2006/main" type="title" preserve="1">
   <p:cSld name="Diapositiva de título">
@@ -12942,7 +19873,7 @@
           <a:p>
             <a:fld id="{0AB00630-11DD-42B4-B7EE-3FE9036216BF}" type="datetimeFigureOut">
               <a:rPr lang="es-GT" smtClean="0"/>
-              <a:t>22/03/2016</a:t>
+              <a:t>5/04/2016</a:t>
             </a:fld>
             <a:endParaRPr lang="es-GT"/>
           </a:p>
@@ -13112,7 +20043,7 @@
           <a:p>
             <a:fld id="{0AB00630-11DD-42B4-B7EE-3FE9036216BF}" type="datetimeFigureOut">
               <a:rPr lang="es-GT" smtClean="0"/>
-              <a:t>22/03/2016</a:t>
+              <a:t>5/04/2016</a:t>
             </a:fld>
             <a:endParaRPr lang="es-GT"/>
           </a:p>
@@ -13292,7 +20223,7 @@
           <a:p>
             <a:fld id="{0AB00630-11DD-42B4-B7EE-3FE9036216BF}" type="datetimeFigureOut">
               <a:rPr lang="es-GT" smtClean="0"/>
-              <a:t>22/03/2016</a:t>
+              <a:t>5/04/2016</a:t>
             </a:fld>
             <a:endParaRPr lang="es-GT"/>
           </a:p>
@@ -13462,7 +20393,7 @@
           <a:p>
             <a:fld id="{0AB00630-11DD-42B4-B7EE-3FE9036216BF}" type="datetimeFigureOut">
               <a:rPr lang="es-GT" smtClean="0"/>
-              <a:t>22/03/2016</a:t>
+              <a:t>5/04/2016</a:t>
             </a:fld>
             <a:endParaRPr lang="es-GT"/>
           </a:p>
@@ -13708,7 +20639,7 @@
           <a:p>
             <a:fld id="{0AB00630-11DD-42B4-B7EE-3FE9036216BF}" type="datetimeFigureOut">
               <a:rPr lang="es-GT" smtClean="0"/>
-              <a:t>22/03/2016</a:t>
+              <a:t>5/04/2016</a:t>
             </a:fld>
             <a:endParaRPr lang="es-GT"/>
           </a:p>
@@ -13940,7 +20871,7 @@
           <a:p>
             <a:fld id="{0AB00630-11DD-42B4-B7EE-3FE9036216BF}" type="datetimeFigureOut">
               <a:rPr lang="es-GT" smtClean="0"/>
-              <a:t>22/03/2016</a:t>
+              <a:t>5/04/2016</a:t>
             </a:fld>
             <a:endParaRPr lang="es-GT"/>
           </a:p>
@@ -14307,7 +21238,7 @@
           <a:p>
             <a:fld id="{0AB00630-11DD-42B4-B7EE-3FE9036216BF}" type="datetimeFigureOut">
               <a:rPr lang="es-GT" smtClean="0"/>
-              <a:t>22/03/2016</a:t>
+              <a:t>5/04/2016</a:t>
             </a:fld>
             <a:endParaRPr lang="es-GT"/>
           </a:p>
@@ -14425,7 +21356,7 @@
           <a:p>
             <a:fld id="{0AB00630-11DD-42B4-B7EE-3FE9036216BF}" type="datetimeFigureOut">
               <a:rPr lang="es-GT" smtClean="0"/>
-              <a:t>22/03/2016</a:t>
+              <a:t>5/04/2016</a:t>
             </a:fld>
             <a:endParaRPr lang="es-GT"/>
           </a:p>
@@ -14520,7 +21451,7 @@
           <a:p>
             <a:fld id="{0AB00630-11DD-42B4-B7EE-3FE9036216BF}" type="datetimeFigureOut">
               <a:rPr lang="es-GT" smtClean="0"/>
-              <a:t>22/03/2016</a:t>
+              <a:t>5/04/2016</a:t>
             </a:fld>
             <a:endParaRPr lang="es-GT"/>
           </a:p>
@@ -14797,7 +21728,7 @@
           <a:p>
             <a:fld id="{0AB00630-11DD-42B4-B7EE-3FE9036216BF}" type="datetimeFigureOut">
               <a:rPr lang="es-GT" smtClean="0"/>
-              <a:t>22/03/2016</a:t>
+              <a:t>5/04/2016</a:t>
             </a:fld>
             <a:endParaRPr lang="es-GT"/>
           </a:p>
@@ -15050,7 +21981,7 @@
           <a:p>
             <a:fld id="{0AB00630-11DD-42B4-B7EE-3FE9036216BF}" type="datetimeFigureOut">
               <a:rPr lang="es-GT" smtClean="0"/>
-              <a:t>22/03/2016</a:t>
+              <a:t>5/04/2016</a:t>
             </a:fld>
             <a:endParaRPr lang="es-GT"/>
           </a:p>
@@ -15263,7 +22194,7 @@
           <a:p>
             <a:fld id="{0AB00630-11DD-42B4-B7EE-3FE9036216BF}" type="datetimeFigureOut">
               <a:rPr lang="es-GT" smtClean="0"/>
-              <a:t>22/03/2016</a:t>
+              <a:t>5/04/2016</a:t>
             </a:fld>
             <a:endParaRPr lang="es-GT"/>
           </a:p>
@@ -15807,44 +22738,28 @@
           <a:chExt cx="0" cy="0"/>
         </a:xfrm>
       </p:grpSpPr>
-      <p:sp>
-        <p:nvSpPr>
-          <p:cNvPr id="2" name="Título 1"/>
-          <p:cNvSpPr>
-            <a:spLocks noGrp="1"/>
-          </p:cNvSpPr>
+      <p:graphicFrame>
+        <p:nvGraphicFramePr>
+          <p:cNvPr id="6" name="Diagrama 5"/>
+          <p:cNvGraphicFramePr/>
           <p:nvPr>
-            <p:ph type="title"/>
+            <p:extLst>
+              <p:ext uri="{D42A27DB-BD31-4B8C-83A1-F6EECF244321}">
+                <p14:modId xmlns:p14="http://schemas.microsoft.com/office/powerpoint/2010/main" val="2074871534"/>
+              </p:ext>
+            </p:extLst>
           </p:nvPr>
-        </p:nvSpPr>
-        <p:spPr/>
-        <p:txBody>
-          <a:bodyPr/>
-          <a:lstStyle/>
-          <a:p>
-            <a:endParaRPr lang="es-GT"/>
-          </a:p>
-        </p:txBody>
-      </p:sp>
-      <p:sp>
-        <p:nvSpPr>
-          <p:cNvPr id="3" name="Marcador de contenido 2"/>
-          <p:cNvSpPr>
-            <a:spLocks noGrp="1"/>
-          </p:cNvSpPr>
-          <p:nvPr>
-            <p:ph idx="1"/>
-          </p:nvPr>
-        </p:nvSpPr>
-        <p:spPr/>
-        <p:txBody>
-          <a:bodyPr/>
-          <a:lstStyle/>
-          <a:p>
-            <a:endParaRPr lang="es-GT"/>
-          </a:p>
-        </p:txBody>
-      </p:sp>
+        </p:nvGraphicFramePr>
+        <p:xfrm>
+          <a:off x="543339" y="159026"/>
+          <a:ext cx="11410122" cy="6698974"/>
+        </p:xfrm>
+        <a:graphic>
+          <a:graphicData uri="http://schemas.openxmlformats.org/drawingml/2006/diagram">
+            <dgm:relIds xmlns:dgm="http://schemas.openxmlformats.org/drawingml/2006/diagram" xmlns:r="http://schemas.openxmlformats.org/officeDocument/2006/relationships" r:dm="rId2" r:lo="rId3" r:qs="rId4" r:cs="rId5"/>
+          </a:graphicData>
+        </a:graphic>
+      </p:graphicFrame>
     </p:spTree>
     <p:extLst>
       <p:ext uri="{BB962C8B-B14F-4D97-AF65-F5344CB8AC3E}">
